--- a/DOCS/презентация к карсовому проекту.pptx
+++ b/DOCS/презентация к карсовому проекту.pptx
@@ -114,6 +114,11 @@
       </a:defRPr>
     </a:lvl9pPr>
   </p:defaultTextStyle>
+  <p:extLst>
+    <p:ext uri="{EFAFB233-063F-42B5-8137-9DF3F51BA10A}">
+      <p15:sldGuideLst xmlns:p15="http://schemas.microsoft.com/office/powerpoint/2012/main"/>
+    </p:ext>
+  </p:extLst>
 </p:presentation>
 </file>
 
@@ -345,7 +350,7 @@
           <a:p>
             <a:fld id="{76AF6DA2-7DC5-45ED-9B6E-8E65A4A73975}" type="datetimeFigureOut">
               <a:rPr lang="ru-RU" smtClean="0"/>
-              <a:t>09.06.2024</a:t>
+              <a:t>10.06.2024</a:t>
             </a:fld>
             <a:endParaRPr lang="ru-RU"/>
           </a:p>
@@ -553,7 +558,7 @@
           <a:p>
             <a:fld id="{76AF6DA2-7DC5-45ED-9B6E-8E65A4A73975}" type="datetimeFigureOut">
               <a:rPr lang="ru-RU" smtClean="0"/>
-              <a:t>09.06.2024</a:t>
+              <a:t>10.06.2024</a:t>
             </a:fld>
             <a:endParaRPr lang="ru-RU"/>
           </a:p>
@@ -811,7 +816,7 @@
           <a:p>
             <a:fld id="{76AF6DA2-7DC5-45ED-9B6E-8E65A4A73975}" type="datetimeFigureOut">
               <a:rPr lang="ru-RU" smtClean="0"/>
-              <a:t>09.06.2024</a:t>
+              <a:t>10.06.2024</a:t>
             </a:fld>
             <a:endParaRPr lang="ru-RU"/>
           </a:p>
@@ -981,7 +986,7 @@
           <a:p>
             <a:fld id="{76AF6DA2-7DC5-45ED-9B6E-8E65A4A73975}" type="datetimeFigureOut">
               <a:rPr lang="ru-RU" smtClean="0"/>
-              <a:t>09.06.2024</a:t>
+              <a:t>10.06.2024</a:t>
             </a:fld>
             <a:endParaRPr lang="ru-RU"/>
           </a:p>
@@ -1318,7 +1323,7 @@
           <a:p>
             <a:fld id="{76AF6DA2-7DC5-45ED-9B6E-8E65A4A73975}" type="datetimeFigureOut">
               <a:rPr lang="ru-RU" smtClean="0"/>
-              <a:t>09.06.2024</a:t>
+              <a:t>10.06.2024</a:t>
             </a:fld>
             <a:endParaRPr lang="ru-RU"/>
           </a:p>
@@ -1593,7 +1598,7 @@
           <a:p>
             <a:fld id="{76AF6DA2-7DC5-45ED-9B6E-8E65A4A73975}" type="datetimeFigureOut">
               <a:rPr lang="ru-RU" smtClean="0"/>
-              <a:t>09.06.2024</a:t>
+              <a:t>10.06.2024</a:t>
             </a:fld>
             <a:endParaRPr lang="ru-RU"/>
           </a:p>
@@ -1972,7 +1977,7 @@
           <a:p>
             <a:fld id="{76AF6DA2-7DC5-45ED-9B6E-8E65A4A73975}" type="datetimeFigureOut">
               <a:rPr lang="ru-RU" smtClean="0"/>
-              <a:t>09.06.2024</a:t>
+              <a:t>10.06.2024</a:t>
             </a:fld>
             <a:endParaRPr lang="ru-RU"/>
           </a:p>
@@ -2090,7 +2095,7 @@
           <a:p>
             <a:fld id="{76AF6DA2-7DC5-45ED-9B6E-8E65A4A73975}" type="datetimeFigureOut">
               <a:rPr lang="ru-RU" smtClean="0"/>
-              <a:t>09.06.2024</a:t>
+              <a:t>10.06.2024</a:t>
             </a:fld>
             <a:endParaRPr lang="ru-RU"/>
           </a:p>
@@ -2263,7 +2268,7 @@
           <a:p>
             <a:fld id="{76AF6DA2-7DC5-45ED-9B6E-8E65A4A73975}" type="datetimeFigureOut">
               <a:rPr lang="ru-RU" smtClean="0"/>
-              <a:t>09.06.2024</a:t>
+              <a:t>10.06.2024</a:t>
             </a:fld>
             <a:endParaRPr lang="ru-RU"/>
           </a:p>
@@ -2619,7 +2624,7 @@
           <a:p>
             <a:fld id="{76AF6DA2-7DC5-45ED-9B6E-8E65A4A73975}" type="datetimeFigureOut">
               <a:rPr lang="ru-RU" smtClean="0"/>
-              <a:t>09.06.2024</a:t>
+              <a:t>10.06.2024</a:t>
             </a:fld>
             <a:endParaRPr lang="ru-RU"/>
           </a:p>
@@ -2998,7 +3003,7 @@
           <a:p>
             <a:fld id="{76AF6DA2-7DC5-45ED-9B6E-8E65A4A73975}" type="datetimeFigureOut">
               <a:rPr lang="ru-RU" smtClean="0"/>
-              <a:t>09.06.2024</a:t>
+              <a:t>10.06.2024</a:t>
             </a:fld>
             <a:endParaRPr lang="ru-RU"/>
           </a:p>
@@ -3287,7 +3292,7 @@
           <a:p>
             <a:fld id="{76AF6DA2-7DC5-45ED-9B6E-8E65A4A73975}" type="datetimeFigureOut">
               <a:rPr lang="ru-RU" smtClean="0"/>
-              <a:t>09.06.2024</a:t>
+              <a:t>10.06.2024</a:t>
             </a:fld>
             <a:endParaRPr lang="ru-RU"/>
           </a:p>
@@ -5395,10 +5400,10 @@
       </p:sp>
       <p:pic>
         <p:nvPicPr>
-          <p:cNvPr id="5" name="Рисунок 4">
+          <p:cNvPr id="11" name="Рисунок 10">
             <a:extLst>
               <a:ext uri="{FF2B5EF4-FFF2-40B4-BE49-F238E27FC236}">
-                <a16:creationId xmlns:a16="http://schemas.microsoft.com/office/drawing/2014/main" id="{7F6CD294-9202-4C19-B7C0-16D9C8A56402}"/>
+                <a16:creationId xmlns:a16="http://schemas.microsoft.com/office/drawing/2014/main" id="{95758B3A-385D-40E0-ADC3-9E8FD36AB261}"/>
               </a:ext>
             </a:extLst>
           </p:cNvPr>
@@ -5415,8 +5420,8 @@
         </p:blipFill>
         <p:spPr>
           <a:xfrm>
-            <a:off x="0" y="1872343"/>
-            <a:ext cx="12222480" cy="4455885"/>
+            <a:off x="1280900" y="1941032"/>
+            <a:ext cx="9630200" cy="4062194"/>
           </a:xfrm>
           <a:prstGeom prst="rect">
             <a:avLst/>
@@ -5487,10 +5492,10 @@
       </p:sp>
       <p:pic>
         <p:nvPicPr>
-          <p:cNvPr id="5" name="Рисунок 4">
+          <p:cNvPr id="7" name="Рисунок 6">
             <a:extLst>
               <a:ext uri="{FF2B5EF4-FFF2-40B4-BE49-F238E27FC236}">
-                <a16:creationId xmlns:a16="http://schemas.microsoft.com/office/drawing/2014/main" id="{0C11B941-ADD9-4632-B7E8-EC71D38F5891}"/>
+                <a16:creationId xmlns:a16="http://schemas.microsoft.com/office/drawing/2014/main" id="{437AB327-81C3-48C3-8BED-3CFCBD5202E6}"/>
               </a:ext>
             </a:extLst>
           </p:cNvPr>
@@ -5499,16 +5504,15 @@
           </p:cNvPicPr>
           <p:nvPr/>
         </p:nvPicPr>
-        <p:blipFill>
+        <p:blipFill rotWithShape="1">
           <a:blip r:embed="rId2"/>
-          <a:stretch>
-            <a:fillRect/>
-          </a:stretch>
+          <a:srcRect r="534"/>
+          <a:stretch/>
         </p:blipFill>
         <p:spPr>
           <a:xfrm>
-            <a:off x="0" y="1894207"/>
-            <a:ext cx="12192000" cy="4448535"/>
+            <a:off x="839828" y="2251907"/>
+            <a:ext cx="10315852" cy="3092392"/>
           </a:xfrm>
           <a:prstGeom prst="rect">
             <a:avLst/>

--- a/DOCS/презентация к карсовому проекту.pptx
+++ b/DOCS/презентация к карсовому проекту.pptx
@@ -6,16 +6,17 @@
   </p:sldMasterIdLst>
   <p:sldIdLst>
     <p:sldId id="256" r:id="rId2"/>
-    <p:sldId id="257" r:id="rId3"/>
-    <p:sldId id="258" r:id="rId4"/>
-    <p:sldId id="259" r:id="rId5"/>
-    <p:sldId id="260" r:id="rId6"/>
-    <p:sldId id="264" r:id="rId7"/>
-    <p:sldId id="261" r:id="rId8"/>
-    <p:sldId id="262" r:id="rId9"/>
-    <p:sldId id="263" r:id="rId10"/>
-    <p:sldId id="265" r:id="rId11"/>
-    <p:sldId id="266" r:id="rId12"/>
+    <p:sldId id="258" r:id="rId3"/>
+    <p:sldId id="257" r:id="rId4"/>
+    <p:sldId id="260" r:id="rId5"/>
+    <p:sldId id="259" r:id="rId6"/>
+    <p:sldId id="261" r:id="rId7"/>
+    <p:sldId id="262" r:id="rId8"/>
+    <p:sldId id="263" r:id="rId9"/>
+    <p:sldId id="267" r:id="rId10"/>
+    <p:sldId id="264" r:id="rId11"/>
+    <p:sldId id="265" r:id="rId12"/>
+    <p:sldId id="266" r:id="rId13"/>
   </p:sldIdLst>
   <p:sldSz cx="12192000" cy="6858000"/>
   <p:notesSz cx="6858000" cy="9144000"/>
@@ -350,7 +351,7 @@
           <a:p>
             <a:fld id="{76AF6DA2-7DC5-45ED-9B6E-8E65A4A73975}" type="datetimeFigureOut">
               <a:rPr lang="ru-RU" smtClean="0"/>
-              <a:t>10.06.2024</a:t>
+              <a:t>11.06.2024</a:t>
             </a:fld>
             <a:endParaRPr lang="ru-RU"/>
           </a:p>
@@ -558,7 +559,7 @@
           <a:p>
             <a:fld id="{76AF6DA2-7DC5-45ED-9B6E-8E65A4A73975}" type="datetimeFigureOut">
               <a:rPr lang="ru-RU" smtClean="0"/>
-              <a:t>10.06.2024</a:t>
+              <a:t>11.06.2024</a:t>
             </a:fld>
             <a:endParaRPr lang="ru-RU"/>
           </a:p>
@@ -816,7 +817,7 @@
           <a:p>
             <a:fld id="{76AF6DA2-7DC5-45ED-9B6E-8E65A4A73975}" type="datetimeFigureOut">
               <a:rPr lang="ru-RU" smtClean="0"/>
-              <a:t>10.06.2024</a:t>
+              <a:t>11.06.2024</a:t>
             </a:fld>
             <a:endParaRPr lang="ru-RU"/>
           </a:p>
@@ -986,7 +987,7 @@
           <a:p>
             <a:fld id="{76AF6DA2-7DC5-45ED-9B6E-8E65A4A73975}" type="datetimeFigureOut">
               <a:rPr lang="ru-RU" smtClean="0"/>
-              <a:t>10.06.2024</a:t>
+              <a:t>11.06.2024</a:t>
             </a:fld>
             <a:endParaRPr lang="ru-RU"/>
           </a:p>
@@ -1323,7 +1324,7 @@
           <a:p>
             <a:fld id="{76AF6DA2-7DC5-45ED-9B6E-8E65A4A73975}" type="datetimeFigureOut">
               <a:rPr lang="ru-RU" smtClean="0"/>
-              <a:t>10.06.2024</a:t>
+              <a:t>11.06.2024</a:t>
             </a:fld>
             <a:endParaRPr lang="ru-RU"/>
           </a:p>
@@ -1598,7 +1599,7 @@
           <a:p>
             <a:fld id="{76AF6DA2-7DC5-45ED-9B6E-8E65A4A73975}" type="datetimeFigureOut">
               <a:rPr lang="ru-RU" smtClean="0"/>
-              <a:t>10.06.2024</a:t>
+              <a:t>11.06.2024</a:t>
             </a:fld>
             <a:endParaRPr lang="ru-RU"/>
           </a:p>
@@ -1977,7 +1978,7 @@
           <a:p>
             <a:fld id="{76AF6DA2-7DC5-45ED-9B6E-8E65A4A73975}" type="datetimeFigureOut">
               <a:rPr lang="ru-RU" smtClean="0"/>
-              <a:t>10.06.2024</a:t>
+              <a:t>11.06.2024</a:t>
             </a:fld>
             <a:endParaRPr lang="ru-RU"/>
           </a:p>
@@ -2095,7 +2096,7 @@
           <a:p>
             <a:fld id="{76AF6DA2-7DC5-45ED-9B6E-8E65A4A73975}" type="datetimeFigureOut">
               <a:rPr lang="ru-RU" smtClean="0"/>
-              <a:t>10.06.2024</a:t>
+              <a:t>11.06.2024</a:t>
             </a:fld>
             <a:endParaRPr lang="ru-RU"/>
           </a:p>
@@ -2268,7 +2269,7 @@
           <a:p>
             <a:fld id="{76AF6DA2-7DC5-45ED-9B6E-8E65A4A73975}" type="datetimeFigureOut">
               <a:rPr lang="ru-RU" smtClean="0"/>
-              <a:t>10.06.2024</a:t>
+              <a:t>11.06.2024</a:t>
             </a:fld>
             <a:endParaRPr lang="ru-RU"/>
           </a:p>
@@ -2624,7 +2625,7 @@
           <a:p>
             <a:fld id="{76AF6DA2-7DC5-45ED-9B6E-8E65A4A73975}" type="datetimeFigureOut">
               <a:rPr lang="ru-RU" smtClean="0"/>
-              <a:t>10.06.2024</a:t>
+              <a:t>11.06.2024</a:t>
             </a:fld>
             <a:endParaRPr lang="ru-RU"/>
           </a:p>
@@ -3003,7 +3004,7 @@
           <a:p>
             <a:fld id="{76AF6DA2-7DC5-45ED-9B6E-8E65A4A73975}" type="datetimeFigureOut">
               <a:rPr lang="ru-RU" smtClean="0"/>
-              <a:t>10.06.2024</a:t>
+              <a:t>11.06.2024</a:t>
             </a:fld>
             <a:endParaRPr lang="ru-RU"/>
           </a:p>
@@ -3292,7 +3293,7 @@
           <a:p>
             <a:fld id="{76AF6DA2-7DC5-45ED-9B6E-8E65A4A73975}" type="datetimeFigureOut">
               <a:rPr lang="ru-RU" smtClean="0"/>
-              <a:t>10.06.2024</a:t>
+              <a:t>11.06.2024</a:t>
             </a:fld>
             <a:endParaRPr lang="ru-RU"/>
           </a:p>
@@ -4057,6 +4058,94 @@
           <p:cNvPr id="2" name="Заголовок 1">
             <a:extLst>
               <a:ext uri="{FF2B5EF4-FFF2-40B4-BE49-F238E27FC236}">
+                <a16:creationId xmlns:a16="http://schemas.microsoft.com/office/drawing/2014/main" id="{3575FB3E-DB31-4FBE-A76F-5162A3F7A82D}"/>
+              </a:ext>
+            </a:extLst>
+          </p:cNvPr>
+          <p:cNvSpPr>
+            <a:spLocks noGrp="1"/>
+          </p:cNvSpPr>
+          <p:nvPr>
+            <p:ph type="title"/>
+          </p:nvPr>
+        </p:nvSpPr>
+        <p:spPr/>
+        <p:txBody>
+          <a:bodyPr/>
+          <a:lstStyle/>
+          <a:p>
+            <a:r>
+              <a:rPr lang="ru-RU" dirty="0"/>
+              <a:t>Схема базы данных</a:t>
+            </a:r>
+          </a:p>
+        </p:txBody>
+      </p:sp>
+      <p:pic>
+        <p:nvPicPr>
+          <p:cNvPr id="5" name="Рисунок 4">
+            <a:extLst>
+              <a:ext uri="{FF2B5EF4-FFF2-40B4-BE49-F238E27FC236}">
+                <a16:creationId xmlns:a16="http://schemas.microsoft.com/office/drawing/2014/main" id="{5472ADF7-30F6-4371-8FA3-E90BB84EA8C3}"/>
+              </a:ext>
+            </a:extLst>
+          </p:cNvPr>
+          <p:cNvPicPr>
+            <a:picLocks noChangeAspect="1"/>
+          </p:cNvPicPr>
+          <p:nvPr/>
+        </p:nvPicPr>
+        <p:blipFill>
+          <a:blip r:embed="rId2"/>
+          <a:stretch>
+            <a:fillRect/>
+          </a:stretch>
+        </p:blipFill>
+        <p:spPr>
+          <a:xfrm>
+            <a:off x="1813560" y="1995784"/>
+            <a:ext cx="8564880" cy="3964982"/>
+          </a:xfrm>
+          <a:prstGeom prst="rect">
+            <a:avLst/>
+          </a:prstGeom>
+        </p:spPr>
+      </p:pic>
+    </p:spTree>
+    <p:extLst>
+      <p:ext uri="{BB962C8B-B14F-4D97-AF65-F5344CB8AC3E}">
+        <p14:creationId xmlns:p14="http://schemas.microsoft.com/office/powerpoint/2010/main" val="235859999"/>
+      </p:ext>
+    </p:extLst>
+  </p:cSld>
+  <p:clrMapOvr>
+    <a:masterClrMapping/>
+  </p:clrMapOvr>
+</p:sld>
+</file>
+
+<file path=ppt/slides/slide11.xml><?xml version="1.0" encoding="utf-8"?>
+<p:sld xmlns:a="http://schemas.openxmlformats.org/drawingml/2006/main" xmlns:r="http://schemas.openxmlformats.org/officeDocument/2006/relationships" xmlns:p="http://schemas.openxmlformats.org/presentationml/2006/main">
+  <p:cSld>
+    <p:spTree>
+      <p:nvGrpSpPr>
+        <p:cNvPr id="1" name=""/>
+        <p:cNvGrpSpPr/>
+        <p:nvPr/>
+      </p:nvGrpSpPr>
+      <p:grpSpPr>
+        <a:xfrm>
+          <a:off x="0" y="0"/>
+          <a:ext cx="0" cy="0"/>
+          <a:chOff x="0" y="0"/>
+          <a:chExt cx="0" cy="0"/>
+        </a:xfrm>
+      </p:grpSpPr>
+      <p:sp>
+        <p:nvSpPr>
+          <p:cNvPr id="2" name="Заголовок 1">
+            <a:extLst>
+              <a:ext uri="{FF2B5EF4-FFF2-40B4-BE49-F238E27FC236}">
                 <a16:creationId xmlns:a16="http://schemas.microsoft.com/office/drawing/2014/main" id="{8DAC2B6D-2B73-47E4-BA12-B1E4F62F03CF}"/>
               </a:ext>
             </a:extLst>
@@ -4133,7 +4222,7 @@
 </p:sld>
 </file>
 
-<file path=ppt/slides/slide11.xml><?xml version="1.0" encoding="utf-8"?>
+<file path=ppt/slides/slide12.xml><?xml version="1.0" encoding="utf-8"?>
 <p:sld xmlns:a="http://schemas.openxmlformats.org/drawingml/2006/main" xmlns:r="http://schemas.openxmlformats.org/officeDocument/2006/relationships" xmlns:p="http://schemas.openxmlformats.org/presentationml/2006/main">
   <p:cSld>
     <p:spTree>
@@ -4284,10 +4373,10 @@
       </p:grpSpPr>
       <p:sp>
         <p:nvSpPr>
-          <p:cNvPr id="2" name="Заголовок 1">
+          <p:cNvPr id="5" name="Заголовок 4">
             <a:extLst>
               <a:ext uri="{FF2B5EF4-FFF2-40B4-BE49-F238E27FC236}">
-                <a16:creationId xmlns:a16="http://schemas.microsoft.com/office/drawing/2014/main" id="{8D022402-87F4-4D8A-B6EE-3626473D61B6}"/>
+                <a16:creationId xmlns:a16="http://schemas.microsoft.com/office/drawing/2014/main" id="{4208FB0C-A5D9-498A-91D6-C356D7771002}"/>
               </a:ext>
             </a:extLst>
           </p:cNvPr>
@@ -4304,16 +4393,79 @@
           <a:lstStyle/>
           <a:p>
             <a:r>
-              <a:rPr lang="ru-RU" dirty="0">
+              <a:rPr lang="ru-RU" dirty="0"/>
+              <a:t>Бизнес цель</a:t>
+            </a:r>
+          </a:p>
+        </p:txBody>
+      </p:sp>
+      <p:sp>
+        <p:nvSpPr>
+          <p:cNvPr id="7" name="Объект 6">
+            <a:extLst>
+              <a:ext uri="{FF2B5EF4-FFF2-40B4-BE49-F238E27FC236}">
+                <a16:creationId xmlns:a16="http://schemas.microsoft.com/office/drawing/2014/main" id="{A9ACB0A6-52C7-45B0-8DAC-A8A8783E7B46}"/>
+              </a:ext>
+            </a:extLst>
+          </p:cNvPr>
+          <p:cNvSpPr>
+            <a:spLocks noGrp="1"/>
+          </p:cNvSpPr>
+          <p:nvPr>
+            <p:ph idx="1"/>
+          </p:nvPr>
+        </p:nvSpPr>
+        <p:spPr/>
+        <p:txBody>
+          <a:bodyPr/>
+          <a:lstStyle/>
+          <a:p>
+            <a:pPr marL="0" indent="0" algn="just">
+              <a:lnSpc>
+                <a:spcPct val="150000"/>
+              </a:lnSpc>
+              <a:buNone/>
+            </a:pPr>
+            <a:r>
+              <a:rPr lang="ru-RU" sz="2400" dirty="0">
                 <a:latin typeface="Arial" panose="020B0604020202020204" pitchFamily="34" charset="0"/>
                 <a:cs typeface="Arial" panose="020B0604020202020204" pitchFamily="34" charset="0"/>
               </a:rPr>
-              <a:t>Цель работы</a:t>
-            </a:r>
-            <a:endParaRPr lang="ru-RU" dirty="0"/>
-          </a:p>
-        </p:txBody>
-      </p:sp>
+              <a:t>Автоматизировать процесс аренды и покупки фильмов, систему учёта фильмов, тем самым повысив эффективность работы предприятия.</a:t>
+            </a:r>
+          </a:p>
+        </p:txBody>
+      </p:sp>
+    </p:spTree>
+    <p:extLst>
+      <p:ext uri="{BB962C8B-B14F-4D97-AF65-F5344CB8AC3E}">
+        <p14:creationId xmlns:p14="http://schemas.microsoft.com/office/powerpoint/2010/main" val="2227877087"/>
+      </p:ext>
+    </p:extLst>
+  </p:cSld>
+  <p:clrMapOvr>
+    <a:masterClrMapping/>
+  </p:clrMapOvr>
+</p:sld>
+</file>
+
+<file path=ppt/slides/slide3.xml><?xml version="1.0" encoding="utf-8"?>
+<p:sld xmlns:a="http://schemas.openxmlformats.org/drawingml/2006/main" xmlns:r="http://schemas.openxmlformats.org/officeDocument/2006/relationships" xmlns:p="http://schemas.openxmlformats.org/presentationml/2006/main">
+  <p:cSld>
+    <p:spTree>
+      <p:nvGrpSpPr>
+        <p:cNvPr id="1" name=""/>
+        <p:cNvGrpSpPr/>
+        <p:nvPr/>
+      </p:nvGrpSpPr>
+      <p:grpSpPr>
+        <a:xfrm>
+          <a:off x="0" y="0"/>
+          <a:ext cx="0" cy="0"/>
+          <a:chOff x="0" y="0"/>
+          <a:chExt cx="0" cy="0"/>
+        </a:xfrm>
+      </p:grpSpPr>
       <p:sp>
         <p:nvSpPr>
           <p:cNvPr id="6" name="Объект 2">
@@ -4330,8 +4482,8 @@
         </p:nvSpPr>
         <p:spPr>
           <a:xfrm>
-            <a:off x="1097280" y="1737360"/>
-            <a:ext cx="10058400" cy="4023360"/>
+            <a:off x="1097280" y="1880949"/>
+            <a:ext cx="10058400" cy="1263292"/>
           </a:xfrm>
           <a:prstGeom prst="rect">
             <a:avLst/>
@@ -4601,7 +4753,7 @@
                 <a:ea typeface="Times New Roman" panose="02020603050405020304" pitchFamily="18" charset="0"/>
                 <a:cs typeface="Arial" panose="020B0604020202020204" pitchFamily="34" charset="0"/>
               </a:rPr>
-              <a:t>разработка кода информационной системы для видеосалона, которая будет автоматизировать процесс аренды и покупки фильмов.</a:t>
+              <a:t>Разработка кода информационной системы для видеосалона, которая будет автоматизировать процесс аренды и покупки фильмов.</a:t>
             </a:r>
           </a:p>
           <a:p>
@@ -4612,10 +4764,68 @@
               <a:buFont typeface="Calibri" panose="020F0502020204030204" pitchFamily="34" charset="0"/>
               <a:buNone/>
             </a:pPr>
-            <a:endParaRPr lang="ru-RU" sz="3600" dirty="0">
-              <a:latin typeface="Arial" panose="020B0604020202020204" pitchFamily="34" charset="0"/>
-              <a:cs typeface="Arial" panose="020B0604020202020204" pitchFamily="34" charset="0"/>
+            <a:endParaRPr lang="ru-RU" sz="4800" spc="-50" dirty="0">
+              <a:latin typeface="+mj-lt"/>
+              <a:ea typeface="+mj-ea"/>
+              <a:cs typeface="+mj-cs"/>
             </a:endParaRPr>
+          </a:p>
+        </p:txBody>
+      </p:sp>
+      <p:sp>
+        <p:nvSpPr>
+          <p:cNvPr id="4" name="Заголовок 1">
+            <a:extLst>
+              <a:ext uri="{FF2B5EF4-FFF2-40B4-BE49-F238E27FC236}">
+                <a16:creationId xmlns:a16="http://schemas.microsoft.com/office/drawing/2014/main" id="{5F3C77D8-E12C-42C4-8BFA-158BFCD74778}"/>
+              </a:ext>
+            </a:extLst>
+          </p:cNvPr>
+          <p:cNvSpPr txBox="1">
+            <a:spLocks/>
+          </p:cNvSpPr>
+          <p:nvPr/>
+        </p:nvSpPr>
+        <p:spPr>
+          <a:xfrm>
+            <a:off x="1097280" y="286603"/>
+            <a:ext cx="10058400" cy="1450757"/>
+          </a:xfrm>
+          <a:prstGeom prst="rect">
+            <a:avLst/>
+          </a:prstGeom>
+        </p:spPr>
+        <p:txBody>
+          <a:bodyPr vert="horz" lIns="91440" tIns="45720" rIns="91440" bIns="45720" rtlCol="0" anchor="b">
+            <a:normAutofit/>
+          </a:bodyPr>
+          <a:lstStyle>
+            <a:lvl1pPr algn="l" defTabSz="914400" rtl="0" eaLnBrk="1" latinLnBrk="0" hangingPunct="1">
+              <a:lnSpc>
+                <a:spcPct val="85000"/>
+              </a:lnSpc>
+              <a:spcBef>
+                <a:spcPct val="0"/>
+              </a:spcBef>
+              <a:buNone/>
+              <a:defRPr sz="4800" kern="1200" spc="-50" baseline="0">
+                <a:solidFill>
+                  <a:schemeClr val="tx1">
+                    <a:lumMod val="75000"/>
+                    <a:lumOff val="25000"/>
+                  </a:schemeClr>
+                </a:solidFill>
+                <a:latin typeface="+mj-lt"/>
+                <a:ea typeface="+mj-ea"/>
+                <a:cs typeface="+mj-cs"/>
+              </a:defRPr>
+            </a:lvl1pPr>
+          </a:lstStyle>
+          <a:p>
+            <a:r>
+              <a:rPr lang="ru-RU" dirty="0"/>
+              <a:t>Задача работы</a:t>
+            </a:r>
           </a:p>
         </p:txBody>
       </p:sp>
@@ -4623,101 +4833,6 @@
     <p:extLst>
       <p:ext uri="{BB962C8B-B14F-4D97-AF65-F5344CB8AC3E}">
         <p14:creationId xmlns:p14="http://schemas.microsoft.com/office/powerpoint/2010/main" val="1411215383"/>
-      </p:ext>
-    </p:extLst>
-  </p:cSld>
-  <p:clrMapOvr>
-    <a:masterClrMapping/>
-  </p:clrMapOvr>
-</p:sld>
-</file>
-
-<file path=ppt/slides/slide3.xml><?xml version="1.0" encoding="utf-8"?>
-<p:sld xmlns:a="http://schemas.openxmlformats.org/drawingml/2006/main" xmlns:r="http://schemas.openxmlformats.org/officeDocument/2006/relationships" xmlns:p="http://schemas.openxmlformats.org/presentationml/2006/main">
-  <p:cSld>
-    <p:spTree>
-      <p:nvGrpSpPr>
-        <p:cNvPr id="1" name=""/>
-        <p:cNvGrpSpPr/>
-        <p:nvPr/>
-      </p:nvGrpSpPr>
-      <p:grpSpPr>
-        <a:xfrm>
-          <a:off x="0" y="0"/>
-          <a:ext cx="0" cy="0"/>
-          <a:chOff x="0" y="0"/>
-          <a:chExt cx="0" cy="0"/>
-        </a:xfrm>
-      </p:grpSpPr>
-      <p:sp>
-        <p:nvSpPr>
-          <p:cNvPr id="2" name="Заголовок 1">
-            <a:extLst>
-              <a:ext uri="{FF2B5EF4-FFF2-40B4-BE49-F238E27FC236}">
-                <a16:creationId xmlns:a16="http://schemas.microsoft.com/office/drawing/2014/main" id="{D8B2BE12-D35D-4428-8053-0033A96519FF}"/>
-              </a:ext>
-            </a:extLst>
-          </p:cNvPr>
-          <p:cNvSpPr>
-            <a:spLocks noGrp="1"/>
-          </p:cNvSpPr>
-          <p:nvPr>
-            <p:ph type="title"/>
-          </p:nvPr>
-        </p:nvSpPr>
-        <p:spPr/>
-        <p:txBody>
-          <a:bodyPr/>
-          <a:lstStyle/>
-          <a:p>
-            <a:r>
-              <a:rPr lang="ru-RU" dirty="0"/>
-              <a:t>Задача работы</a:t>
-            </a:r>
-          </a:p>
-        </p:txBody>
-      </p:sp>
-      <p:sp>
-        <p:nvSpPr>
-          <p:cNvPr id="3" name="Объект 2">
-            <a:extLst>
-              <a:ext uri="{FF2B5EF4-FFF2-40B4-BE49-F238E27FC236}">
-                <a16:creationId xmlns:a16="http://schemas.microsoft.com/office/drawing/2014/main" id="{8C75AB2B-52BD-4026-8948-8A54A465691D}"/>
-              </a:ext>
-            </a:extLst>
-          </p:cNvPr>
-          <p:cNvSpPr>
-            <a:spLocks noGrp="1"/>
-          </p:cNvSpPr>
-          <p:nvPr>
-            <p:ph idx="1"/>
-          </p:nvPr>
-        </p:nvSpPr>
-        <p:spPr/>
-        <p:txBody>
-          <a:bodyPr/>
-          <a:lstStyle/>
-          <a:p>
-            <a:pPr marL="0" indent="0" algn="just">
-              <a:lnSpc>
-                <a:spcPct val="150000"/>
-              </a:lnSpc>
-              <a:buNone/>
-            </a:pPr>
-            <a:r>
-              <a:rPr lang="ru-RU" sz="2400" dirty="0">
-                <a:latin typeface="Arial" panose="020B0604020202020204" pitchFamily="34" charset="0"/>
-                <a:cs typeface="Arial" panose="020B0604020202020204" pitchFamily="34" charset="0"/>
-              </a:rPr>
-              <a:t>Автоматизировать процесс аренды и покупки фильмов а так же управление фильмами находящимися в системе.</a:t>
-            </a:r>
-          </a:p>
-        </p:txBody>
-      </p:sp>
-    </p:spTree>
-    <p:extLst>
-      <p:ext uri="{BB962C8B-B14F-4D97-AF65-F5344CB8AC3E}">
-        <p14:creationId xmlns:p14="http://schemas.microsoft.com/office/powerpoint/2010/main" val="2227877087"/>
       </p:ext>
     </p:extLst>
   </p:cSld>
@@ -4749,7 +4864,7 @@
           <p:cNvPr id="2" name="Заголовок 1">
             <a:extLst>
               <a:ext uri="{FF2B5EF4-FFF2-40B4-BE49-F238E27FC236}">
-                <a16:creationId xmlns:a16="http://schemas.microsoft.com/office/drawing/2014/main" id="{25AADE97-2E2C-4220-A3D5-73F34A566E7A}"/>
+                <a16:creationId xmlns:a16="http://schemas.microsoft.com/office/drawing/2014/main" id="{DAC56440-DDF6-4632-9410-184E9787BF65}"/>
               </a:ext>
             </a:extLst>
           </p:cNvPr>
@@ -4767,7 +4882,7 @@
           <a:p>
             <a:r>
               <a:rPr lang="ru-RU" dirty="0"/>
-              <a:t>Используемые технологии</a:t>
+              <a:t>Задачи перед разработчиком</a:t>
             </a:r>
           </a:p>
         </p:txBody>
@@ -4777,7 +4892,7 @@
           <p:cNvPr id="3" name="Объект 2">
             <a:extLst>
               <a:ext uri="{FF2B5EF4-FFF2-40B4-BE49-F238E27FC236}">
-                <a16:creationId xmlns:a16="http://schemas.microsoft.com/office/drawing/2014/main" id="{E98E8574-6AF7-4736-9F76-AD23DBDFBD19}"/>
+                <a16:creationId xmlns:a16="http://schemas.microsoft.com/office/drawing/2014/main" id="{7E2FFCF8-C0BD-4BFC-B66F-B1D7EAB6676B}"/>
               </a:ext>
             </a:extLst>
           </p:cNvPr>
@@ -4793,125 +4908,117 @@
           <a:bodyPr/>
           <a:lstStyle/>
           <a:p>
-            <a:pPr marL="0" indent="0" algn="just">
-              <a:lnSpc>
-                <a:spcPct val="150000"/>
-              </a:lnSpc>
-              <a:buNone/>
-            </a:pPr>
             <a:r>
               <a:rPr lang="ru-RU" sz="2400" dirty="0">
                 <a:latin typeface="Arial" panose="020B0604020202020204" pitchFamily="34" charset="0"/>
                 <a:cs typeface="Arial" panose="020B0604020202020204" pitchFamily="34" charset="0"/>
               </a:rPr>
-              <a:t>Архитектура системы реализована по </a:t>
+              <a:t>1) проектирование базы данных</a:t>
+            </a:r>
+          </a:p>
+          <a:p>
+            <a:r>
+              <a:rPr lang="ru-RU" sz="2400" dirty="0">
+                <a:latin typeface="Arial" panose="020B0604020202020204" pitchFamily="34" charset="0"/>
+                <a:cs typeface="Arial" panose="020B0604020202020204" pitchFamily="34" charset="0"/>
+              </a:rPr>
+              <a:t>2) разработка </a:t>
             </a:r>
             <a:r>
               <a:rPr lang="en-US" sz="2400" dirty="0">
                 <a:latin typeface="Arial" panose="020B0604020202020204" pitchFamily="34" charset="0"/>
                 <a:cs typeface="Arial" panose="020B0604020202020204" pitchFamily="34" charset="0"/>
               </a:rPr>
-              <a:t>Rest API</a:t>
+              <a:t>API </a:t>
             </a:r>
             <a:r>
               <a:rPr lang="ru-RU" sz="2400" dirty="0">
                 <a:latin typeface="Arial" panose="020B0604020202020204" pitchFamily="34" charset="0"/>
                 <a:cs typeface="Arial" panose="020B0604020202020204" pitchFamily="34" charset="0"/>
               </a:rPr>
-              <a:t>. Для реализации приложения использовались: </a:t>
+              <a:t>для взаимодействия с базой данных</a:t>
+            </a:r>
+          </a:p>
+          <a:p>
+            <a:r>
+              <a:rPr lang="ru-RU" sz="2400" dirty="0">
+                <a:latin typeface="Arial" panose="020B0604020202020204" pitchFamily="34" charset="0"/>
+                <a:cs typeface="Arial" panose="020B0604020202020204" pitchFamily="34" charset="0"/>
+              </a:rPr>
+              <a:t>3) формирование </a:t>
             </a:r>
             <a:r>
               <a:rPr lang="en-US" sz="2400" dirty="0">
                 <a:latin typeface="Arial" panose="020B0604020202020204" pitchFamily="34" charset="0"/>
                 <a:cs typeface="Arial" panose="020B0604020202020204" pitchFamily="34" charset="0"/>
               </a:rPr>
-              <a:t>PHP</a:t>
+              <a:t>AJAX </a:t>
             </a:r>
             <a:r>
               <a:rPr lang="ru-RU" sz="2400" dirty="0">
                 <a:latin typeface="Arial" panose="020B0604020202020204" pitchFamily="34" charset="0"/>
                 <a:cs typeface="Arial" panose="020B0604020202020204" pitchFamily="34" charset="0"/>
               </a:rPr>
-              <a:t> для серверной части, </a:t>
+              <a:t>запросов к </a:t>
             </a:r>
             <a:r>
               <a:rPr lang="en-US" sz="2400" dirty="0">
                 <a:latin typeface="Arial" panose="020B0604020202020204" pitchFamily="34" charset="0"/>
                 <a:cs typeface="Arial" panose="020B0604020202020204" pitchFamily="34" charset="0"/>
               </a:rPr>
-              <a:t>JavaScript</a:t>
-            </a:r>
+              <a:t>API</a:t>
+            </a:r>
+            <a:endParaRPr lang="ru-RU" sz="2400" dirty="0">
+              <a:latin typeface="Arial" panose="020B0604020202020204" pitchFamily="34" charset="0"/>
+              <a:cs typeface="Arial" panose="020B0604020202020204" pitchFamily="34" charset="0"/>
+            </a:endParaRPr>
+          </a:p>
+          <a:p>
             <a:r>
               <a:rPr lang="ru-RU" sz="2400" dirty="0">
                 <a:latin typeface="Arial" panose="020B0604020202020204" pitchFamily="34" charset="0"/>
                 <a:cs typeface="Arial" panose="020B0604020202020204" pitchFamily="34" charset="0"/>
               </a:rPr>
-              <a:t> и библиотека </a:t>
-            </a:r>
-            <a:r>
-              <a:rPr lang="en-US" sz="2400" dirty="0" err="1">
+              <a:t>4) построение веб страницы на основе </a:t>
+            </a:r>
+            <a:r>
+              <a:rPr lang="ru-RU" sz="2400" dirty="0" err="1">
                 <a:latin typeface="Arial" panose="020B0604020202020204" pitchFamily="34" charset="0"/>
                 <a:cs typeface="Arial" panose="020B0604020202020204" pitchFamily="34" charset="0"/>
               </a:rPr>
-              <a:t>JQuery</a:t>
+              <a:t>полученых</a:t>
             </a:r>
             <a:r>
               <a:rPr lang="ru-RU" sz="2400" dirty="0">
                 <a:latin typeface="Arial" panose="020B0604020202020204" pitchFamily="34" charset="0"/>
                 <a:cs typeface="Arial" panose="020B0604020202020204" pitchFamily="34" charset="0"/>
               </a:rPr>
-              <a:t> для клиентской части приложения</a:t>
+              <a:t> </a:t>
             </a:r>
             <a:r>
               <a:rPr lang="en-US" sz="2400" dirty="0">
                 <a:latin typeface="Arial" panose="020B0604020202020204" pitchFamily="34" charset="0"/>
                 <a:cs typeface="Arial" panose="020B0604020202020204" pitchFamily="34" charset="0"/>
               </a:rPr>
-              <a:t>, </a:t>
-            </a:r>
-            <a:r>
-              <a:rPr lang="en-US" sz="2400" dirty="0" err="1">
-                <a:latin typeface="Arial" panose="020B0604020202020204" pitchFamily="34" charset="0"/>
-                <a:cs typeface="Arial" panose="020B0604020202020204" pitchFamily="34" charset="0"/>
-              </a:rPr>
-              <a:t>OpenServer</a:t>
-            </a:r>
-            <a:r>
-              <a:rPr lang="en-US" sz="2400" dirty="0">
-                <a:latin typeface="Arial" panose="020B0604020202020204" pitchFamily="34" charset="0"/>
-                <a:cs typeface="Arial" panose="020B0604020202020204" pitchFamily="34" charset="0"/>
-              </a:rPr>
-              <a:t> </a:t>
+              <a:t>JSON </a:t>
             </a:r>
             <a:r>
               <a:rPr lang="ru-RU" sz="2400" dirty="0">
                 <a:latin typeface="Arial" panose="020B0604020202020204" pitchFamily="34" charset="0"/>
                 <a:cs typeface="Arial" panose="020B0604020202020204" pitchFamily="34" charset="0"/>
               </a:rPr>
-              <a:t>для локального хостинга приложения.</a:t>
-            </a:r>
-          </a:p>
-          <a:p>
-            <a:pPr marL="0" indent="0" algn="just">
-              <a:lnSpc>
-                <a:spcPct val="150000"/>
-              </a:lnSpc>
-              <a:buNone/>
-            </a:pPr>
-            <a:r>
-              <a:rPr lang="ru-RU" sz="2400" dirty="0">
-                <a:latin typeface="Arial" panose="020B0604020202020204" pitchFamily="34" charset="0"/>
-                <a:cs typeface="Arial" panose="020B0604020202020204" pitchFamily="34" charset="0"/>
-              </a:rPr>
-              <a:t>Основной упор реализации делался на серверную часть веб-приложения.</a:t>
-            </a:r>
+              <a:t>данных</a:t>
+            </a:r>
+          </a:p>
+          <a:p>
+            <a:endParaRPr lang="ru-RU" dirty="0"/>
           </a:p>
         </p:txBody>
       </p:sp>
     </p:spTree>
     <p:extLst>
       <p:ext uri="{BB962C8B-B14F-4D97-AF65-F5344CB8AC3E}">
-        <p14:creationId xmlns:p14="http://schemas.microsoft.com/office/powerpoint/2010/main" val="3358434245"/>
+        <p14:creationId xmlns:p14="http://schemas.microsoft.com/office/powerpoint/2010/main" val="3066556992"/>
       </p:ext>
     </p:extLst>
   </p:cSld>
@@ -4943,7 +5050,7 @@
           <p:cNvPr id="2" name="Заголовок 1">
             <a:extLst>
               <a:ext uri="{FF2B5EF4-FFF2-40B4-BE49-F238E27FC236}">
-                <a16:creationId xmlns:a16="http://schemas.microsoft.com/office/drawing/2014/main" id="{DAC56440-DDF6-4632-9410-184E9787BF65}"/>
+                <a16:creationId xmlns:a16="http://schemas.microsoft.com/office/drawing/2014/main" id="{25AADE97-2E2C-4220-A3D5-73F34A566E7A}"/>
               </a:ext>
             </a:extLst>
           </p:cNvPr>
@@ -4961,7 +5068,7 @@
           <a:p>
             <a:r>
               <a:rPr lang="ru-RU" dirty="0"/>
-              <a:t>Задачи перед разработчиком</a:t>
+              <a:t>Используемые технологии</a:t>
             </a:r>
           </a:p>
         </p:txBody>
@@ -4971,7 +5078,7 @@
           <p:cNvPr id="3" name="Объект 2">
             <a:extLst>
               <a:ext uri="{FF2B5EF4-FFF2-40B4-BE49-F238E27FC236}">
-                <a16:creationId xmlns:a16="http://schemas.microsoft.com/office/drawing/2014/main" id="{7E2FFCF8-C0BD-4BFC-B66F-B1D7EAB6676B}"/>
+                <a16:creationId xmlns:a16="http://schemas.microsoft.com/office/drawing/2014/main" id="{E98E8574-6AF7-4736-9F76-AD23DBDFBD19}"/>
               </a:ext>
             </a:extLst>
           </p:cNvPr>
@@ -4987,117 +5094,125 @@
           <a:bodyPr/>
           <a:lstStyle/>
           <a:p>
+            <a:pPr marL="0" indent="0" algn="just">
+              <a:lnSpc>
+                <a:spcPct val="150000"/>
+              </a:lnSpc>
+              <a:buNone/>
+            </a:pPr>
             <a:r>
               <a:rPr lang="ru-RU" sz="2400" dirty="0">
                 <a:latin typeface="Arial" panose="020B0604020202020204" pitchFamily="34" charset="0"/>
                 <a:cs typeface="Arial" panose="020B0604020202020204" pitchFamily="34" charset="0"/>
               </a:rPr>
-              <a:t>1) проектирование базы данных</a:t>
-            </a:r>
-          </a:p>
-          <a:p>
+              <a:t>Архитектура системы реализована по </a:t>
+            </a:r>
+            <a:r>
+              <a:rPr lang="en-US" sz="2400" dirty="0">
+                <a:latin typeface="Arial" panose="020B0604020202020204" pitchFamily="34" charset="0"/>
+                <a:cs typeface="Arial" panose="020B0604020202020204" pitchFamily="34" charset="0"/>
+              </a:rPr>
+              <a:t>Rest API</a:t>
+            </a:r>
             <a:r>
               <a:rPr lang="ru-RU" sz="2400" dirty="0">
                 <a:latin typeface="Arial" panose="020B0604020202020204" pitchFamily="34" charset="0"/>
                 <a:cs typeface="Arial" panose="020B0604020202020204" pitchFamily="34" charset="0"/>
               </a:rPr>
-              <a:t>2) разработка </a:t>
+              <a:t>. Для реализации приложения использовались: </a:t>
             </a:r>
             <a:r>
               <a:rPr lang="en-US" sz="2400" dirty="0">
                 <a:latin typeface="Arial" panose="020B0604020202020204" pitchFamily="34" charset="0"/>
                 <a:cs typeface="Arial" panose="020B0604020202020204" pitchFamily="34" charset="0"/>
               </a:rPr>
-              <a:t>API </a:t>
+              <a:t>PHP</a:t>
             </a:r>
             <a:r>
               <a:rPr lang="ru-RU" sz="2400" dirty="0">
                 <a:latin typeface="Arial" panose="020B0604020202020204" pitchFamily="34" charset="0"/>
                 <a:cs typeface="Arial" panose="020B0604020202020204" pitchFamily="34" charset="0"/>
               </a:rPr>
-              <a:t>для взаимодействия с базой данных</a:t>
-            </a:r>
-          </a:p>
-          <a:p>
+              <a:t> для серверной части, </a:t>
+            </a:r>
+            <a:r>
+              <a:rPr lang="en-US" sz="2400" dirty="0">
+                <a:latin typeface="Arial" panose="020B0604020202020204" pitchFamily="34" charset="0"/>
+                <a:cs typeface="Arial" panose="020B0604020202020204" pitchFamily="34" charset="0"/>
+              </a:rPr>
+              <a:t>JavaScript</a:t>
+            </a:r>
             <a:r>
               <a:rPr lang="ru-RU" sz="2400" dirty="0">
                 <a:latin typeface="Arial" panose="020B0604020202020204" pitchFamily="34" charset="0"/>
                 <a:cs typeface="Arial" panose="020B0604020202020204" pitchFamily="34" charset="0"/>
               </a:rPr>
-              <a:t>3) формирование </a:t>
+              <a:t> и библиотека </a:t>
+            </a:r>
+            <a:r>
+              <a:rPr lang="en-US" sz="2400" dirty="0" err="1">
+                <a:latin typeface="Arial" panose="020B0604020202020204" pitchFamily="34" charset="0"/>
+                <a:cs typeface="Arial" panose="020B0604020202020204" pitchFamily="34" charset="0"/>
+              </a:rPr>
+              <a:t>JQuery</a:t>
+            </a:r>
+            <a:r>
+              <a:rPr lang="ru-RU" sz="2400" dirty="0">
+                <a:latin typeface="Arial" panose="020B0604020202020204" pitchFamily="34" charset="0"/>
+                <a:cs typeface="Arial" panose="020B0604020202020204" pitchFamily="34" charset="0"/>
+              </a:rPr>
+              <a:t> для клиентской части приложения</a:t>
             </a:r>
             <a:r>
               <a:rPr lang="en-US" sz="2400" dirty="0">
                 <a:latin typeface="Arial" panose="020B0604020202020204" pitchFamily="34" charset="0"/>
                 <a:cs typeface="Arial" panose="020B0604020202020204" pitchFamily="34" charset="0"/>
               </a:rPr>
-              <a:t>AJAX </a:t>
+              <a:t>, </a:t>
+            </a:r>
+            <a:r>
+              <a:rPr lang="en-US" sz="2400" dirty="0" err="1">
+                <a:latin typeface="Arial" panose="020B0604020202020204" pitchFamily="34" charset="0"/>
+                <a:cs typeface="Arial" panose="020B0604020202020204" pitchFamily="34" charset="0"/>
+              </a:rPr>
+              <a:t>OpenServer</a:t>
+            </a:r>
+            <a:r>
+              <a:rPr lang="en-US" sz="2400" dirty="0">
+                <a:latin typeface="Arial" panose="020B0604020202020204" pitchFamily="34" charset="0"/>
+                <a:cs typeface="Arial" panose="020B0604020202020204" pitchFamily="34" charset="0"/>
+              </a:rPr>
+              <a:t> </a:t>
             </a:r>
             <a:r>
               <a:rPr lang="ru-RU" sz="2400" dirty="0">
                 <a:latin typeface="Arial" panose="020B0604020202020204" pitchFamily="34" charset="0"/>
                 <a:cs typeface="Arial" panose="020B0604020202020204" pitchFamily="34" charset="0"/>
               </a:rPr>
-              <a:t>запросов к </a:t>
-            </a:r>
-            <a:r>
-              <a:rPr lang="en-US" sz="2400" dirty="0">
-                <a:latin typeface="Arial" panose="020B0604020202020204" pitchFamily="34" charset="0"/>
-                <a:cs typeface="Arial" panose="020B0604020202020204" pitchFamily="34" charset="0"/>
-              </a:rPr>
-              <a:t>API</a:t>
-            </a:r>
-            <a:endParaRPr lang="ru-RU" sz="2400" dirty="0">
-              <a:latin typeface="Arial" panose="020B0604020202020204" pitchFamily="34" charset="0"/>
-              <a:cs typeface="Arial" panose="020B0604020202020204" pitchFamily="34" charset="0"/>
-            </a:endParaRPr>
-          </a:p>
-          <a:p>
+              <a:t>для локального хостинга приложения.</a:t>
+            </a:r>
+          </a:p>
+          <a:p>
+            <a:pPr marL="0" indent="0" algn="just">
+              <a:lnSpc>
+                <a:spcPct val="150000"/>
+              </a:lnSpc>
+              <a:buNone/>
+            </a:pPr>
             <a:r>
               <a:rPr lang="ru-RU" sz="2400" dirty="0">
                 <a:latin typeface="Arial" panose="020B0604020202020204" pitchFamily="34" charset="0"/>
                 <a:cs typeface="Arial" panose="020B0604020202020204" pitchFamily="34" charset="0"/>
               </a:rPr>
-              <a:t>4) построение веб страницы на основе </a:t>
-            </a:r>
-            <a:r>
-              <a:rPr lang="ru-RU" sz="2400" dirty="0" err="1">
-                <a:latin typeface="Arial" panose="020B0604020202020204" pitchFamily="34" charset="0"/>
-                <a:cs typeface="Arial" panose="020B0604020202020204" pitchFamily="34" charset="0"/>
-              </a:rPr>
-              <a:t>полученых</a:t>
-            </a:r>
-            <a:r>
-              <a:rPr lang="ru-RU" sz="2400" dirty="0">
-                <a:latin typeface="Arial" panose="020B0604020202020204" pitchFamily="34" charset="0"/>
-                <a:cs typeface="Arial" panose="020B0604020202020204" pitchFamily="34" charset="0"/>
-              </a:rPr>
-              <a:t> </a:t>
-            </a:r>
-            <a:r>
-              <a:rPr lang="en-US" sz="2400" dirty="0">
-                <a:latin typeface="Arial" panose="020B0604020202020204" pitchFamily="34" charset="0"/>
-                <a:cs typeface="Arial" panose="020B0604020202020204" pitchFamily="34" charset="0"/>
-              </a:rPr>
-              <a:t>JSON </a:t>
-            </a:r>
-            <a:r>
-              <a:rPr lang="ru-RU" sz="2400" dirty="0">
-                <a:latin typeface="Arial" panose="020B0604020202020204" pitchFamily="34" charset="0"/>
-                <a:cs typeface="Arial" panose="020B0604020202020204" pitchFamily="34" charset="0"/>
-              </a:rPr>
-              <a:t>данных</a:t>
-            </a:r>
-          </a:p>
-          <a:p>
-            <a:endParaRPr lang="ru-RU" dirty="0"/>
+              <a:t>Основной упор реализации делался на серверную часть веб-приложения.</a:t>
+            </a:r>
           </a:p>
         </p:txBody>
       </p:sp>
     </p:spTree>
     <p:extLst>
       <p:ext uri="{BB962C8B-B14F-4D97-AF65-F5344CB8AC3E}">
-        <p14:creationId xmlns:p14="http://schemas.microsoft.com/office/powerpoint/2010/main" val="3066556992"/>
+        <p14:creationId xmlns:p14="http://schemas.microsoft.com/office/powerpoint/2010/main" val="3358434245"/>
       </p:ext>
     </p:extLst>
   </p:cSld>
@@ -5108,94 +5223,6 @@
 </file>
 
 <file path=ppt/slides/slide6.xml><?xml version="1.0" encoding="utf-8"?>
-<p:sld xmlns:a="http://schemas.openxmlformats.org/drawingml/2006/main" xmlns:r="http://schemas.openxmlformats.org/officeDocument/2006/relationships" xmlns:p="http://schemas.openxmlformats.org/presentationml/2006/main">
-  <p:cSld>
-    <p:spTree>
-      <p:nvGrpSpPr>
-        <p:cNvPr id="1" name=""/>
-        <p:cNvGrpSpPr/>
-        <p:nvPr/>
-      </p:nvGrpSpPr>
-      <p:grpSpPr>
-        <a:xfrm>
-          <a:off x="0" y="0"/>
-          <a:ext cx="0" cy="0"/>
-          <a:chOff x="0" y="0"/>
-          <a:chExt cx="0" cy="0"/>
-        </a:xfrm>
-      </p:grpSpPr>
-      <p:sp>
-        <p:nvSpPr>
-          <p:cNvPr id="2" name="Заголовок 1">
-            <a:extLst>
-              <a:ext uri="{FF2B5EF4-FFF2-40B4-BE49-F238E27FC236}">
-                <a16:creationId xmlns:a16="http://schemas.microsoft.com/office/drawing/2014/main" id="{3575FB3E-DB31-4FBE-A76F-5162A3F7A82D}"/>
-              </a:ext>
-            </a:extLst>
-          </p:cNvPr>
-          <p:cNvSpPr>
-            <a:spLocks noGrp="1"/>
-          </p:cNvSpPr>
-          <p:nvPr>
-            <p:ph type="title"/>
-          </p:nvPr>
-        </p:nvSpPr>
-        <p:spPr/>
-        <p:txBody>
-          <a:bodyPr/>
-          <a:lstStyle/>
-          <a:p>
-            <a:r>
-              <a:rPr lang="ru-RU" dirty="0"/>
-              <a:t>Схема базы данных</a:t>
-            </a:r>
-          </a:p>
-        </p:txBody>
-      </p:sp>
-      <p:pic>
-        <p:nvPicPr>
-          <p:cNvPr id="5" name="Рисунок 4">
-            <a:extLst>
-              <a:ext uri="{FF2B5EF4-FFF2-40B4-BE49-F238E27FC236}">
-                <a16:creationId xmlns:a16="http://schemas.microsoft.com/office/drawing/2014/main" id="{5472ADF7-30F6-4371-8FA3-E90BB84EA8C3}"/>
-              </a:ext>
-            </a:extLst>
-          </p:cNvPr>
-          <p:cNvPicPr>
-            <a:picLocks noChangeAspect="1"/>
-          </p:cNvPicPr>
-          <p:nvPr/>
-        </p:nvPicPr>
-        <p:blipFill>
-          <a:blip r:embed="rId2"/>
-          <a:stretch>
-            <a:fillRect/>
-          </a:stretch>
-        </p:blipFill>
-        <p:spPr>
-          <a:xfrm>
-            <a:off x="1813560" y="1995784"/>
-            <a:ext cx="8564880" cy="3964982"/>
-          </a:xfrm>
-          <a:prstGeom prst="rect">
-            <a:avLst/>
-          </a:prstGeom>
-        </p:spPr>
-      </p:pic>
-    </p:spTree>
-    <p:extLst>
-      <p:ext uri="{BB962C8B-B14F-4D97-AF65-F5344CB8AC3E}">
-        <p14:creationId xmlns:p14="http://schemas.microsoft.com/office/powerpoint/2010/main" val="235859999"/>
-      </p:ext>
-    </p:extLst>
-  </p:cSld>
-  <p:clrMapOvr>
-    <a:masterClrMapping/>
-  </p:clrMapOvr>
-</p:sld>
-</file>
-
-<file path=ppt/slides/slide7.xml><?xml version="1.0" encoding="utf-8"?>
 <p:sld xmlns:a="http://schemas.openxmlformats.org/drawingml/2006/main" xmlns:r="http://schemas.openxmlformats.org/officeDocument/2006/relationships" xmlns:p="http://schemas.openxmlformats.org/presentationml/2006/main">
   <p:cSld>
     <p:spTree>
@@ -5344,7 +5371,7 @@
 </p:sld>
 </file>
 
-<file path=ppt/slides/slide8.xml><?xml version="1.0" encoding="utf-8"?>
+<file path=ppt/slides/slide7.xml><?xml version="1.0" encoding="utf-8"?>
 <p:sld xmlns:a="http://schemas.openxmlformats.org/drawingml/2006/main" xmlns:r="http://schemas.openxmlformats.org/officeDocument/2006/relationships" xmlns:p="http://schemas.openxmlformats.org/presentationml/2006/main">
   <p:cSld>
     <p:spTree>
@@ -5441,7 +5468,7 @@
 </p:sld>
 </file>
 
-<file path=ppt/slides/slide9.xml><?xml version="1.0" encoding="utf-8"?>
+<file path=ppt/slides/slide8.xml><?xml version="1.0" encoding="utf-8"?>
 <p:sld xmlns:a="http://schemas.openxmlformats.org/drawingml/2006/main" xmlns:r="http://schemas.openxmlformats.org/officeDocument/2006/relationships" xmlns:p="http://schemas.openxmlformats.org/presentationml/2006/main">
   <p:cSld>
     <p:spTree>
@@ -5523,6 +5550,158 @@
     <p:extLst>
       <p:ext uri="{BB962C8B-B14F-4D97-AF65-F5344CB8AC3E}">
         <p14:creationId xmlns:p14="http://schemas.microsoft.com/office/powerpoint/2010/main" val="4063809082"/>
+      </p:ext>
+    </p:extLst>
+  </p:cSld>
+  <p:clrMapOvr>
+    <a:masterClrMapping/>
+  </p:clrMapOvr>
+</p:sld>
+</file>
+
+<file path=ppt/slides/slide9.xml><?xml version="1.0" encoding="utf-8"?>
+<p:sld xmlns:a="http://schemas.openxmlformats.org/drawingml/2006/main" xmlns:r="http://schemas.openxmlformats.org/officeDocument/2006/relationships" xmlns:p="http://schemas.openxmlformats.org/presentationml/2006/main">
+  <p:cSld>
+    <p:spTree>
+      <p:nvGrpSpPr>
+        <p:cNvPr id="1" name=""/>
+        <p:cNvGrpSpPr/>
+        <p:nvPr/>
+      </p:nvGrpSpPr>
+      <p:grpSpPr>
+        <a:xfrm>
+          <a:off x="0" y="0"/>
+          <a:ext cx="0" cy="0"/>
+          <a:chOff x="0" y="0"/>
+          <a:chExt cx="0" cy="0"/>
+        </a:xfrm>
+      </p:grpSpPr>
+      <p:sp>
+        <p:nvSpPr>
+          <p:cNvPr id="2" name="Заголовок 1">
+            <a:extLst>
+              <a:ext uri="{FF2B5EF4-FFF2-40B4-BE49-F238E27FC236}">
+                <a16:creationId xmlns:a16="http://schemas.microsoft.com/office/drawing/2014/main" id="{8781DB86-B1D1-4591-B65B-2418DCE2F2EE}"/>
+              </a:ext>
+            </a:extLst>
+          </p:cNvPr>
+          <p:cNvSpPr>
+            <a:spLocks noGrp="1"/>
+          </p:cNvSpPr>
+          <p:nvPr>
+            <p:ph type="title"/>
+          </p:nvPr>
+        </p:nvSpPr>
+        <p:spPr/>
+        <p:txBody>
+          <a:bodyPr/>
+          <a:lstStyle/>
+          <a:p>
+            <a:r>
+              <a:rPr lang="en-US" dirty="0"/>
+              <a:t>Rest API</a:t>
+            </a:r>
+            <a:endParaRPr lang="ru-RU" dirty="0"/>
+          </a:p>
+        </p:txBody>
+      </p:sp>
+      <p:sp>
+        <p:nvSpPr>
+          <p:cNvPr id="3" name="Объект 2">
+            <a:extLst>
+              <a:ext uri="{FF2B5EF4-FFF2-40B4-BE49-F238E27FC236}">
+                <a16:creationId xmlns:a16="http://schemas.microsoft.com/office/drawing/2014/main" id="{B033BC2C-9B0D-4EFB-859B-D4C14FFC2515}"/>
+              </a:ext>
+            </a:extLst>
+          </p:cNvPr>
+          <p:cNvSpPr>
+            <a:spLocks noGrp="1"/>
+          </p:cNvSpPr>
+          <p:nvPr>
+            <p:ph idx="1"/>
+          </p:nvPr>
+        </p:nvSpPr>
+        <p:spPr/>
+        <p:txBody>
+          <a:bodyPr/>
+          <a:lstStyle/>
+          <a:p>
+            <a:r>
+              <a:rPr lang="ru-RU" b="1" i="0" dirty="0">
+                <a:solidFill>
+                  <a:srgbClr val="484848"/>
+                </a:solidFill>
+                <a:effectLst/>
+                <a:latin typeface="TT Norms Pro"/>
+              </a:rPr>
+              <a:t>REST API</a:t>
+            </a:r>
+            <a:r>
+              <a:rPr lang="ru-RU" b="0" i="0" dirty="0">
+                <a:solidFill>
+                  <a:srgbClr val="484848"/>
+                </a:solidFill>
+                <a:effectLst/>
+                <a:latin typeface="TT Norms Pro"/>
+              </a:rPr>
+              <a:t> — это когда серверное приложение дает доступ к своим данным клиентскому приложению по определенному URL.</a:t>
+            </a:r>
+            <a:endParaRPr lang="en-US" b="0" i="0" dirty="0">
+              <a:solidFill>
+                <a:srgbClr val="484848"/>
+              </a:solidFill>
+              <a:effectLst/>
+              <a:latin typeface="TT Norms Pro"/>
+            </a:endParaRPr>
+          </a:p>
+          <a:p>
+            <a:endParaRPr lang="ru-RU" dirty="0"/>
+          </a:p>
+        </p:txBody>
+      </p:sp>
+      <p:pic>
+        <p:nvPicPr>
+          <p:cNvPr id="4" name="Рисунок 3">
+            <a:extLst>
+              <a:ext uri="{FF2B5EF4-FFF2-40B4-BE49-F238E27FC236}">
+                <a16:creationId xmlns:a16="http://schemas.microsoft.com/office/drawing/2014/main" id="{884288F7-59E9-46D3-BF58-3DBFE1E5F530}"/>
+              </a:ext>
+            </a:extLst>
+          </p:cNvPr>
+          <p:cNvPicPr/>
+          <p:nvPr/>
+        </p:nvPicPr>
+        <p:blipFill>
+          <a:blip r:embed="rId2">
+            <a:extLst>
+              <a:ext uri="{28A0092B-C50C-407E-A947-70E740481C1C}">
+                <a14:useLocalDpi xmlns:a14="http://schemas.microsoft.com/office/drawing/2010/main" val="0"/>
+              </a:ext>
+            </a:extLst>
+          </a:blip>
+          <a:srcRect/>
+          <a:stretch>
+            <a:fillRect/>
+          </a:stretch>
+        </p:blipFill>
+        <p:spPr bwMode="auto">
+          <a:xfrm>
+            <a:off x="1902872" y="3053919"/>
+            <a:ext cx="7435227" cy="1575894"/>
+          </a:xfrm>
+          <a:prstGeom prst="rect">
+            <a:avLst/>
+          </a:prstGeom>
+          <a:noFill/>
+          <a:ln>
+            <a:noFill/>
+          </a:ln>
+        </p:spPr>
+      </p:pic>
+    </p:spTree>
+    <p:extLst>
+      <p:ext uri="{BB962C8B-B14F-4D97-AF65-F5344CB8AC3E}">
+        <p14:creationId xmlns:p14="http://schemas.microsoft.com/office/powerpoint/2010/main" val="2632173412"/>
       </p:ext>
     </p:extLst>
   </p:cSld>

--- a/DOCS/презентация к карсовому проекту.pptx
+++ b/DOCS/презентация к карсовому проекту.pptx
@@ -4,19 +4,24 @@
   <p:sldMasterIdLst>
     <p:sldMasterId id="2147483672" r:id="rId1"/>
   </p:sldMasterIdLst>
+  <p:notesMasterIdLst>
+    <p:notesMasterId r:id="rId16"/>
+  </p:notesMasterIdLst>
   <p:sldIdLst>
     <p:sldId id="256" r:id="rId2"/>
     <p:sldId id="258" r:id="rId3"/>
-    <p:sldId id="257" r:id="rId4"/>
-    <p:sldId id="260" r:id="rId5"/>
+    <p:sldId id="269" r:id="rId4"/>
+    <p:sldId id="268" r:id="rId5"/>
     <p:sldId id="259" r:id="rId6"/>
     <p:sldId id="261" r:id="rId7"/>
-    <p:sldId id="262" r:id="rId8"/>
-    <p:sldId id="263" r:id="rId9"/>
-    <p:sldId id="267" r:id="rId10"/>
-    <p:sldId id="264" r:id="rId11"/>
-    <p:sldId id="265" r:id="rId12"/>
-    <p:sldId id="266" r:id="rId13"/>
+    <p:sldId id="270" r:id="rId8"/>
+    <p:sldId id="264" r:id="rId9"/>
+    <p:sldId id="271" r:id="rId10"/>
+    <p:sldId id="272" r:id="rId11"/>
+    <p:sldId id="273" r:id="rId12"/>
+    <p:sldId id="274" r:id="rId13"/>
+    <p:sldId id="265" r:id="rId14"/>
+    <p:sldId id="266" r:id="rId15"/>
   </p:sldIdLst>
   <p:sldSz cx="12192000" cy="6858000"/>
   <p:notesSz cx="6858000" cy="9144000"/>
@@ -123,6 +128,439 @@
 </p:presentation>
 </file>
 
+<file path=ppt/notesMasters/notesMaster1.xml><?xml version="1.0" encoding="utf-8"?>
+<p:notesMaster xmlns:a="http://schemas.openxmlformats.org/drawingml/2006/main" xmlns:r="http://schemas.openxmlformats.org/officeDocument/2006/relationships" xmlns:p="http://schemas.openxmlformats.org/presentationml/2006/main">
+  <p:cSld>
+    <p:bg>
+      <p:bgRef idx="1001">
+        <a:schemeClr val="bg1"/>
+      </p:bgRef>
+    </p:bg>
+    <p:spTree>
+      <p:nvGrpSpPr>
+        <p:cNvPr id="1" name=""/>
+        <p:cNvGrpSpPr/>
+        <p:nvPr/>
+      </p:nvGrpSpPr>
+      <p:grpSpPr>
+        <a:xfrm>
+          <a:off x="0" y="0"/>
+          <a:ext cx="0" cy="0"/>
+          <a:chOff x="0" y="0"/>
+          <a:chExt cx="0" cy="0"/>
+        </a:xfrm>
+      </p:grpSpPr>
+      <p:sp>
+        <p:nvSpPr>
+          <p:cNvPr id="2" name="Верхний колонтитул 1"/>
+          <p:cNvSpPr>
+            <a:spLocks noGrp="1"/>
+          </p:cNvSpPr>
+          <p:nvPr>
+            <p:ph type="hdr" sz="quarter"/>
+          </p:nvPr>
+        </p:nvSpPr>
+        <p:spPr>
+          <a:xfrm>
+            <a:off x="0" y="0"/>
+            <a:ext cx="2971800" cy="458788"/>
+          </a:xfrm>
+          <a:prstGeom prst="rect">
+            <a:avLst/>
+          </a:prstGeom>
+        </p:spPr>
+        <p:txBody>
+          <a:bodyPr vert="horz" lIns="91440" tIns="45720" rIns="91440" bIns="45720" rtlCol="0"/>
+          <a:lstStyle>
+            <a:lvl1pPr algn="l">
+              <a:defRPr sz="1200"/>
+            </a:lvl1pPr>
+          </a:lstStyle>
+          <a:p>
+            <a:endParaRPr lang="ru-RU"/>
+          </a:p>
+        </p:txBody>
+      </p:sp>
+      <p:sp>
+        <p:nvSpPr>
+          <p:cNvPr id="3" name="Дата 2"/>
+          <p:cNvSpPr>
+            <a:spLocks noGrp="1"/>
+          </p:cNvSpPr>
+          <p:nvPr>
+            <p:ph type="dt" idx="1"/>
+          </p:nvPr>
+        </p:nvSpPr>
+        <p:spPr>
+          <a:xfrm>
+            <a:off x="3884613" y="0"/>
+            <a:ext cx="2971800" cy="458788"/>
+          </a:xfrm>
+          <a:prstGeom prst="rect">
+            <a:avLst/>
+          </a:prstGeom>
+        </p:spPr>
+        <p:txBody>
+          <a:bodyPr vert="horz" lIns="91440" tIns="45720" rIns="91440" bIns="45720" rtlCol="0"/>
+          <a:lstStyle>
+            <a:lvl1pPr algn="r">
+              <a:defRPr sz="1200"/>
+            </a:lvl1pPr>
+          </a:lstStyle>
+          <a:p>
+            <a:fld id="{41C5ACA4-13C2-471A-A3B2-01790E2C4216}" type="datetimeFigureOut">
+              <a:rPr lang="ru-RU" smtClean="0"/>
+              <a:t>13.06.2024</a:t>
+            </a:fld>
+            <a:endParaRPr lang="ru-RU"/>
+          </a:p>
+        </p:txBody>
+      </p:sp>
+      <p:sp>
+        <p:nvSpPr>
+          <p:cNvPr id="4" name="Образ слайда 3"/>
+          <p:cNvSpPr>
+            <a:spLocks noGrp="1" noRot="1" noChangeAspect="1"/>
+          </p:cNvSpPr>
+          <p:nvPr>
+            <p:ph type="sldImg" idx="2"/>
+          </p:nvPr>
+        </p:nvSpPr>
+        <p:spPr>
+          <a:xfrm>
+            <a:off x="685800" y="1143000"/>
+            <a:ext cx="5486400" cy="3086100"/>
+          </a:xfrm>
+          <a:prstGeom prst="rect">
+            <a:avLst/>
+          </a:prstGeom>
+          <a:noFill/>
+          <a:ln w="12700">
+            <a:solidFill>
+              <a:prstClr val="black"/>
+            </a:solidFill>
+          </a:ln>
+        </p:spPr>
+        <p:txBody>
+          <a:bodyPr vert="horz" lIns="91440" tIns="45720" rIns="91440" bIns="45720" rtlCol="0" anchor="ctr"/>
+          <a:lstStyle/>
+          <a:p>
+            <a:endParaRPr lang="ru-RU"/>
+          </a:p>
+        </p:txBody>
+      </p:sp>
+      <p:sp>
+        <p:nvSpPr>
+          <p:cNvPr id="5" name="Заметки 4"/>
+          <p:cNvSpPr>
+            <a:spLocks noGrp="1"/>
+          </p:cNvSpPr>
+          <p:nvPr>
+            <p:ph type="body" sz="quarter" idx="3"/>
+          </p:nvPr>
+        </p:nvSpPr>
+        <p:spPr>
+          <a:xfrm>
+            <a:off x="685800" y="4400550"/>
+            <a:ext cx="5486400" cy="3600450"/>
+          </a:xfrm>
+          <a:prstGeom prst="rect">
+            <a:avLst/>
+          </a:prstGeom>
+        </p:spPr>
+        <p:txBody>
+          <a:bodyPr vert="horz" lIns="91440" tIns="45720" rIns="91440" bIns="45720" rtlCol="0"/>
+          <a:lstStyle/>
+          <a:p>
+            <a:pPr lvl="0"/>
+            <a:r>
+              <a:rPr lang="ru-RU"/>
+              <a:t>Образец текста</a:t>
+            </a:r>
+          </a:p>
+          <a:p>
+            <a:pPr lvl="1"/>
+            <a:r>
+              <a:rPr lang="ru-RU"/>
+              <a:t>Второй уровень</a:t>
+            </a:r>
+          </a:p>
+          <a:p>
+            <a:pPr lvl="2"/>
+            <a:r>
+              <a:rPr lang="ru-RU"/>
+              <a:t>Третий уровень</a:t>
+            </a:r>
+          </a:p>
+          <a:p>
+            <a:pPr lvl="3"/>
+            <a:r>
+              <a:rPr lang="ru-RU"/>
+              <a:t>Четвертый уровень</a:t>
+            </a:r>
+          </a:p>
+          <a:p>
+            <a:pPr lvl="4"/>
+            <a:r>
+              <a:rPr lang="ru-RU"/>
+              <a:t>Пятый уровень</a:t>
+            </a:r>
+          </a:p>
+        </p:txBody>
+      </p:sp>
+      <p:sp>
+        <p:nvSpPr>
+          <p:cNvPr id="6" name="Нижний колонтитул 5"/>
+          <p:cNvSpPr>
+            <a:spLocks noGrp="1"/>
+          </p:cNvSpPr>
+          <p:nvPr>
+            <p:ph type="ftr" sz="quarter" idx="4"/>
+          </p:nvPr>
+        </p:nvSpPr>
+        <p:spPr>
+          <a:xfrm>
+            <a:off x="0" y="8685213"/>
+            <a:ext cx="2971800" cy="458787"/>
+          </a:xfrm>
+          <a:prstGeom prst="rect">
+            <a:avLst/>
+          </a:prstGeom>
+        </p:spPr>
+        <p:txBody>
+          <a:bodyPr vert="horz" lIns="91440" tIns="45720" rIns="91440" bIns="45720" rtlCol="0" anchor="b"/>
+          <a:lstStyle>
+            <a:lvl1pPr algn="l">
+              <a:defRPr sz="1200"/>
+            </a:lvl1pPr>
+          </a:lstStyle>
+          <a:p>
+            <a:endParaRPr lang="ru-RU"/>
+          </a:p>
+        </p:txBody>
+      </p:sp>
+      <p:sp>
+        <p:nvSpPr>
+          <p:cNvPr id="7" name="Номер слайда 6"/>
+          <p:cNvSpPr>
+            <a:spLocks noGrp="1"/>
+          </p:cNvSpPr>
+          <p:nvPr>
+            <p:ph type="sldNum" sz="quarter" idx="5"/>
+          </p:nvPr>
+        </p:nvSpPr>
+        <p:spPr>
+          <a:xfrm>
+            <a:off x="3884613" y="8685213"/>
+            <a:ext cx="2971800" cy="458787"/>
+          </a:xfrm>
+          <a:prstGeom prst="rect">
+            <a:avLst/>
+          </a:prstGeom>
+        </p:spPr>
+        <p:txBody>
+          <a:bodyPr vert="horz" lIns="91440" tIns="45720" rIns="91440" bIns="45720" rtlCol="0" anchor="b"/>
+          <a:lstStyle>
+            <a:lvl1pPr algn="r">
+              <a:defRPr sz="1200"/>
+            </a:lvl1pPr>
+          </a:lstStyle>
+          <a:p>
+            <a:fld id="{55183171-1339-42E6-9839-ACCD519AD022}" type="slidenum">
+              <a:rPr lang="ru-RU" smtClean="0"/>
+              <a:t>‹#›</a:t>
+            </a:fld>
+            <a:endParaRPr lang="ru-RU"/>
+          </a:p>
+        </p:txBody>
+      </p:sp>
+    </p:spTree>
+    <p:extLst>
+      <p:ext uri="{BB962C8B-B14F-4D97-AF65-F5344CB8AC3E}">
+        <p14:creationId xmlns:p14="http://schemas.microsoft.com/office/powerpoint/2010/main" val="3848095399"/>
+      </p:ext>
+    </p:extLst>
+  </p:cSld>
+  <p:clrMap bg1="lt1" tx1="dk1" bg2="lt2" tx2="dk2" accent1="accent1" accent2="accent2" accent3="accent3" accent4="accent4" accent5="accent5" accent6="accent6" hlink="hlink" folHlink="folHlink"/>
+  <p:notesStyle>
+    <a:lvl1pPr marL="0" algn="l" defTabSz="914400" rtl="0" eaLnBrk="1" latinLnBrk="0" hangingPunct="1">
+      <a:defRPr sz="1200" kern="1200">
+        <a:solidFill>
+          <a:schemeClr val="tx1"/>
+        </a:solidFill>
+        <a:latin typeface="+mn-lt"/>
+        <a:ea typeface="+mn-ea"/>
+        <a:cs typeface="+mn-cs"/>
+      </a:defRPr>
+    </a:lvl1pPr>
+    <a:lvl2pPr marL="457200" algn="l" defTabSz="914400" rtl="0" eaLnBrk="1" latinLnBrk="0" hangingPunct="1">
+      <a:defRPr sz="1200" kern="1200">
+        <a:solidFill>
+          <a:schemeClr val="tx1"/>
+        </a:solidFill>
+        <a:latin typeface="+mn-lt"/>
+        <a:ea typeface="+mn-ea"/>
+        <a:cs typeface="+mn-cs"/>
+      </a:defRPr>
+    </a:lvl2pPr>
+    <a:lvl3pPr marL="914400" algn="l" defTabSz="914400" rtl="0" eaLnBrk="1" latinLnBrk="0" hangingPunct="1">
+      <a:defRPr sz="1200" kern="1200">
+        <a:solidFill>
+          <a:schemeClr val="tx1"/>
+        </a:solidFill>
+        <a:latin typeface="+mn-lt"/>
+        <a:ea typeface="+mn-ea"/>
+        <a:cs typeface="+mn-cs"/>
+      </a:defRPr>
+    </a:lvl3pPr>
+    <a:lvl4pPr marL="1371600" algn="l" defTabSz="914400" rtl="0" eaLnBrk="1" latinLnBrk="0" hangingPunct="1">
+      <a:defRPr sz="1200" kern="1200">
+        <a:solidFill>
+          <a:schemeClr val="tx1"/>
+        </a:solidFill>
+        <a:latin typeface="+mn-lt"/>
+        <a:ea typeface="+mn-ea"/>
+        <a:cs typeface="+mn-cs"/>
+      </a:defRPr>
+    </a:lvl4pPr>
+    <a:lvl5pPr marL="1828800" algn="l" defTabSz="914400" rtl="0" eaLnBrk="1" latinLnBrk="0" hangingPunct="1">
+      <a:defRPr sz="1200" kern="1200">
+        <a:solidFill>
+          <a:schemeClr val="tx1"/>
+        </a:solidFill>
+        <a:latin typeface="+mn-lt"/>
+        <a:ea typeface="+mn-ea"/>
+        <a:cs typeface="+mn-cs"/>
+      </a:defRPr>
+    </a:lvl5pPr>
+    <a:lvl6pPr marL="2286000" algn="l" defTabSz="914400" rtl="0" eaLnBrk="1" latinLnBrk="0" hangingPunct="1">
+      <a:defRPr sz="1200" kern="1200">
+        <a:solidFill>
+          <a:schemeClr val="tx1"/>
+        </a:solidFill>
+        <a:latin typeface="+mn-lt"/>
+        <a:ea typeface="+mn-ea"/>
+        <a:cs typeface="+mn-cs"/>
+      </a:defRPr>
+    </a:lvl6pPr>
+    <a:lvl7pPr marL="2743200" algn="l" defTabSz="914400" rtl="0" eaLnBrk="1" latinLnBrk="0" hangingPunct="1">
+      <a:defRPr sz="1200" kern="1200">
+        <a:solidFill>
+          <a:schemeClr val="tx1"/>
+        </a:solidFill>
+        <a:latin typeface="+mn-lt"/>
+        <a:ea typeface="+mn-ea"/>
+        <a:cs typeface="+mn-cs"/>
+      </a:defRPr>
+    </a:lvl7pPr>
+    <a:lvl8pPr marL="3200400" algn="l" defTabSz="914400" rtl="0" eaLnBrk="1" latinLnBrk="0" hangingPunct="1">
+      <a:defRPr sz="1200" kern="1200">
+        <a:solidFill>
+          <a:schemeClr val="tx1"/>
+        </a:solidFill>
+        <a:latin typeface="+mn-lt"/>
+        <a:ea typeface="+mn-ea"/>
+        <a:cs typeface="+mn-cs"/>
+      </a:defRPr>
+    </a:lvl8pPr>
+    <a:lvl9pPr marL="3657600" algn="l" defTabSz="914400" rtl="0" eaLnBrk="1" latinLnBrk="0" hangingPunct="1">
+      <a:defRPr sz="1200" kern="1200">
+        <a:solidFill>
+          <a:schemeClr val="tx1"/>
+        </a:solidFill>
+        <a:latin typeface="+mn-lt"/>
+        <a:ea typeface="+mn-ea"/>
+        <a:cs typeface="+mn-cs"/>
+      </a:defRPr>
+    </a:lvl9pPr>
+  </p:notesStyle>
+</p:notesMaster>
+</file>
+
+<file path=ppt/notesSlides/notesSlide1.xml><?xml version="1.0" encoding="utf-8"?>
+<p:notes xmlns:a="http://schemas.openxmlformats.org/drawingml/2006/main" xmlns:r="http://schemas.openxmlformats.org/officeDocument/2006/relationships" xmlns:p="http://schemas.openxmlformats.org/presentationml/2006/main">
+  <p:cSld>
+    <p:spTree>
+      <p:nvGrpSpPr>
+        <p:cNvPr id="1" name=""/>
+        <p:cNvGrpSpPr/>
+        <p:nvPr/>
+      </p:nvGrpSpPr>
+      <p:grpSpPr>
+        <a:xfrm>
+          <a:off x="0" y="0"/>
+          <a:ext cx="0" cy="0"/>
+          <a:chOff x="0" y="0"/>
+          <a:chExt cx="0" cy="0"/>
+        </a:xfrm>
+      </p:grpSpPr>
+      <p:sp>
+        <p:nvSpPr>
+          <p:cNvPr id="2" name="Образ слайда 1"/>
+          <p:cNvSpPr>
+            <a:spLocks noGrp="1" noRot="1" noChangeAspect="1"/>
+          </p:cNvSpPr>
+          <p:nvPr>
+            <p:ph type="sldImg"/>
+          </p:nvPr>
+        </p:nvSpPr>
+        <p:spPr/>
+      </p:sp>
+      <p:sp>
+        <p:nvSpPr>
+          <p:cNvPr id="3" name="Заметки 2"/>
+          <p:cNvSpPr>
+            <a:spLocks noGrp="1"/>
+          </p:cNvSpPr>
+          <p:nvPr>
+            <p:ph type="body" idx="1"/>
+          </p:nvPr>
+        </p:nvSpPr>
+        <p:spPr/>
+        <p:txBody>
+          <a:bodyPr/>
+          <a:lstStyle/>
+          <a:p>
+            <a:endParaRPr lang="ru-RU" dirty="0"/>
+          </a:p>
+        </p:txBody>
+      </p:sp>
+      <p:sp>
+        <p:nvSpPr>
+          <p:cNvPr id="4" name="Номер слайда 3"/>
+          <p:cNvSpPr>
+            <a:spLocks noGrp="1"/>
+          </p:cNvSpPr>
+          <p:nvPr>
+            <p:ph type="sldNum" sz="quarter" idx="5"/>
+          </p:nvPr>
+        </p:nvSpPr>
+        <p:spPr/>
+        <p:txBody>
+          <a:bodyPr/>
+          <a:lstStyle/>
+          <a:p>
+            <a:fld id="{55183171-1339-42E6-9839-ACCD519AD022}" type="slidenum">
+              <a:rPr lang="ru-RU" smtClean="0"/>
+              <a:t>9</a:t>
+            </a:fld>
+            <a:endParaRPr lang="ru-RU"/>
+          </a:p>
+        </p:txBody>
+      </p:sp>
+    </p:spTree>
+    <p:extLst>
+      <p:ext uri="{BB962C8B-B14F-4D97-AF65-F5344CB8AC3E}">
+        <p14:creationId xmlns:p14="http://schemas.microsoft.com/office/powerpoint/2010/main" val="2122826567"/>
+      </p:ext>
+    </p:extLst>
+  </p:cSld>
+  <p:clrMapOvr>
+    <a:masterClrMapping/>
+  </p:clrMapOvr>
+</p:notes>
+</file>
+
 <file path=ppt/slideLayouts/slideLayout1.xml><?xml version="1.0" encoding="utf-8"?>
 <p:sldLayout xmlns:a="http://schemas.openxmlformats.org/drawingml/2006/main" xmlns:r="http://schemas.openxmlformats.org/officeDocument/2006/relationships" xmlns:p="http://schemas.openxmlformats.org/presentationml/2006/main" showMasterSp="0" type="title" preserve="1">
   <p:cSld name="Титульный слайд">
@@ -351,7 +789,7 @@
           <a:p>
             <a:fld id="{76AF6DA2-7DC5-45ED-9B6E-8E65A4A73975}" type="datetimeFigureOut">
               <a:rPr lang="ru-RU" smtClean="0"/>
-              <a:t>11.06.2024</a:t>
+              <a:t>13.06.2024</a:t>
             </a:fld>
             <a:endParaRPr lang="ru-RU"/>
           </a:p>
@@ -559,7 +997,7 @@
           <a:p>
             <a:fld id="{76AF6DA2-7DC5-45ED-9B6E-8E65A4A73975}" type="datetimeFigureOut">
               <a:rPr lang="ru-RU" smtClean="0"/>
-              <a:t>11.06.2024</a:t>
+              <a:t>13.06.2024</a:t>
             </a:fld>
             <a:endParaRPr lang="ru-RU"/>
           </a:p>
@@ -817,7 +1255,7 @@
           <a:p>
             <a:fld id="{76AF6DA2-7DC5-45ED-9B6E-8E65A4A73975}" type="datetimeFigureOut">
               <a:rPr lang="ru-RU" smtClean="0"/>
-              <a:t>11.06.2024</a:t>
+              <a:t>13.06.2024</a:t>
             </a:fld>
             <a:endParaRPr lang="ru-RU"/>
           </a:p>
@@ -987,7 +1425,7 @@
           <a:p>
             <a:fld id="{76AF6DA2-7DC5-45ED-9B6E-8E65A4A73975}" type="datetimeFigureOut">
               <a:rPr lang="ru-RU" smtClean="0"/>
-              <a:t>11.06.2024</a:t>
+              <a:t>13.06.2024</a:t>
             </a:fld>
             <a:endParaRPr lang="ru-RU"/>
           </a:p>
@@ -1324,7 +1762,7 @@
           <a:p>
             <a:fld id="{76AF6DA2-7DC5-45ED-9B6E-8E65A4A73975}" type="datetimeFigureOut">
               <a:rPr lang="ru-RU" smtClean="0"/>
-              <a:t>11.06.2024</a:t>
+              <a:t>13.06.2024</a:t>
             </a:fld>
             <a:endParaRPr lang="ru-RU"/>
           </a:p>
@@ -1599,7 +2037,7 @@
           <a:p>
             <a:fld id="{76AF6DA2-7DC5-45ED-9B6E-8E65A4A73975}" type="datetimeFigureOut">
               <a:rPr lang="ru-RU" smtClean="0"/>
-              <a:t>11.06.2024</a:t>
+              <a:t>13.06.2024</a:t>
             </a:fld>
             <a:endParaRPr lang="ru-RU"/>
           </a:p>
@@ -1978,7 +2416,7 @@
           <a:p>
             <a:fld id="{76AF6DA2-7DC5-45ED-9B6E-8E65A4A73975}" type="datetimeFigureOut">
               <a:rPr lang="ru-RU" smtClean="0"/>
-              <a:t>11.06.2024</a:t>
+              <a:t>13.06.2024</a:t>
             </a:fld>
             <a:endParaRPr lang="ru-RU"/>
           </a:p>
@@ -2096,7 +2534,7 @@
           <a:p>
             <a:fld id="{76AF6DA2-7DC5-45ED-9B6E-8E65A4A73975}" type="datetimeFigureOut">
               <a:rPr lang="ru-RU" smtClean="0"/>
-              <a:t>11.06.2024</a:t>
+              <a:t>13.06.2024</a:t>
             </a:fld>
             <a:endParaRPr lang="ru-RU"/>
           </a:p>
@@ -2269,7 +2707,7 @@
           <a:p>
             <a:fld id="{76AF6DA2-7DC5-45ED-9B6E-8E65A4A73975}" type="datetimeFigureOut">
               <a:rPr lang="ru-RU" smtClean="0"/>
-              <a:t>11.06.2024</a:t>
+              <a:t>13.06.2024</a:t>
             </a:fld>
             <a:endParaRPr lang="ru-RU"/>
           </a:p>
@@ -2625,7 +3063,7 @@
           <a:p>
             <a:fld id="{76AF6DA2-7DC5-45ED-9B6E-8E65A4A73975}" type="datetimeFigureOut">
               <a:rPr lang="ru-RU" smtClean="0"/>
-              <a:t>11.06.2024</a:t>
+              <a:t>13.06.2024</a:t>
             </a:fld>
             <a:endParaRPr lang="ru-RU"/>
           </a:p>
@@ -3004,7 +3442,7 @@
           <a:p>
             <a:fld id="{76AF6DA2-7DC5-45ED-9B6E-8E65A4A73975}" type="datetimeFigureOut">
               <a:rPr lang="ru-RU" smtClean="0"/>
-              <a:t>11.06.2024</a:t>
+              <a:t>13.06.2024</a:t>
             </a:fld>
             <a:endParaRPr lang="ru-RU"/>
           </a:p>
@@ -3293,7 +3731,7 @@
           <a:p>
             <a:fld id="{76AF6DA2-7DC5-45ED-9B6E-8E65A4A73975}" type="datetimeFigureOut">
               <a:rPr lang="ru-RU" smtClean="0"/>
-              <a:t>11.06.2024</a:t>
+              <a:t>13.06.2024</a:t>
             </a:fld>
             <a:endParaRPr lang="ru-RU"/>
           </a:p>
@@ -3887,6 +4325,9 @@
             <a:pPr algn="r"/>
             <a:r>
               <a:rPr lang="ru-RU" dirty="0">
+                <a:solidFill>
+                  <a:schemeClr val="tx1"/>
+                </a:solidFill>
                 <a:latin typeface="Arial" panose="020B0604020202020204" pitchFamily="34" charset="0"/>
                 <a:cs typeface="Arial" panose="020B0604020202020204" pitchFamily="34" charset="0"/>
               </a:rPr>
@@ -3897,16 +4338,39 @@
             <a:pPr algn="r"/>
             <a:r>
               <a:rPr lang="ru-RU" dirty="0">
+                <a:solidFill>
+                  <a:schemeClr val="tx1"/>
+                </a:solidFill>
                 <a:latin typeface="Arial" panose="020B0604020202020204" pitchFamily="34" charset="0"/>
                 <a:cs typeface="Arial" panose="020B0604020202020204" pitchFamily="34" charset="0"/>
               </a:rPr>
-              <a:t>Савельев К. О.</a:t>
-            </a:r>
+              <a:t>Савельев </a:t>
+            </a:r>
+            <a:r>
+              <a:rPr lang="ru-RU" dirty="0" err="1">
+                <a:solidFill>
+                  <a:schemeClr val="tx1"/>
+                </a:solidFill>
+                <a:latin typeface="Arial" panose="020B0604020202020204" pitchFamily="34" charset="0"/>
+                <a:cs typeface="Arial" panose="020B0604020202020204" pitchFamily="34" charset="0"/>
+              </a:rPr>
+              <a:t>КОнстантин</a:t>
+            </a:r>
+            <a:endParaRPr lang="ru-RU" dirty="0">
+              <a:solidFill>
+                <a:schemeClr val="tx1"/>
+              </a:solidFill>
+              <a:latin typeface="Arial" panose="020B0604020202020204" pitchFamily="34" charset="0"/>
+              <a:cs typeface="Arial" panose="020B0604020202020204" pitchFamily="34" charset="0"/>
+            </a:endParaRPr>
           </a:p>
           <a:p>
             <a:pPr algn="r"/>
             <a:r>
               <a:rPr lang="ru-RU" dirty="0">
+                <a:solidFill>
+                  <a:schemeClr val="tx1"/>
+                </a:solidFill>
                 <a:latin typeface="Arial" panose="020B0604020202020204" pitchFamily="34" charset="0"/>
                 <a:cs typeface="Arial" panose="020B0604020202020204" pitchFamily="34" charset="0"/>
               </a:rPr>
@@ -3917,6 +4381,9 @@
             <a:pPr algn="r"/>
             <a:r>
               <a:rPr lang="ru-RU" dirty="0" err="1">
+                <a:solidFill>
+                  <a:schemeClr val="tx1"/>
+                </a:solidFill>
                 <a:latin typeface="Arial" panose="020B0604020202020204" pitchFamily="34" charset="0"/>
                 <a:cs typeface="Arial" panose="020B0604020202020204" pitchFamily="34" charset="0"/>
               </a:rPr>
@@ -3924,6 +4391,9 @@
             </a:r>
             <a:r>
               <a:rPr lang="ru-RU" dirty="0">
+                <a:solidFill>
+                  <a:schemeClr val="tx1"/>
+                </a:solidFill>
                 <a:latin typeface="Arial" panose="020B0604020202020204" pitchFamily="34" charset="0"/>
                 <a:cs typeface="Arial" panose="020B0604020202020204" pitchFamily="34" charset="0"/>
               </a:rPr>
@@ -4058,7 +4528,7 @@
           <p:cNvPr id="2" name="Заголовок 1">
             <a:extLst>
               <a:ext uri="{FF2B5EF4-FFF2-40B4-BE49-F238E27FC236}">
-                <a16:creationId xmlns:a16="http://schemas.microsoft.com/office/drawing/2014/main" id="{3575FB3E-DB31-4FBE-A76F-5162A3F7A82D}"/>
+                <a16:creationId xmlns:a16="http://schemas.microsoft.com/office/drawing/2014/main" id="{7CCDDA4A-59E5-4193-BCB2-7F290424D839}"/>
               </a:ext>
             </a:extLst>
           </p:cNvPr>
@@ -4075,8 +4545,101 @@
           <a:lstStyle/>
           <a:p>
             <a:r>
+              <a:rPr lang="en-US" dirty="0"/>
+              <a:t>AJAX</a:t>
+            </a:r>
+            <a:endParaRPr lang="ru-RU" dirty="0"/>
+          </a:p>
+        </p:txBody>
+      </p:sp>
+      <p:sp>
+        <p:nvSpPr>
+          <p:cNvPr id="3" name="Объект 2">
+            <a:extLst>
+              <a:ext uri="{FF2B5EF4-FFF2-40B4-BE49-F238E27FC236}">
+                <a16:creationId xmlns:a16="http://schemas.microsoft.com/office/drawing/2014/main" id="{872815FB-A427-4081-9530-CED342E584F9}"/>
+              </a:ext>
+            </a:extLst>
+          </p:cNvPr>
+          <p:cNvSpPr>
+            <a:spLocks noGrp="1"/>
+          </p:cNvSpPr>
+          <p:nvPr>
+            <p:ph idx="1"/>
+          </p:nvPr>
+        </p:nvSpPr>
+        <p:spPr/>
+        <p:txBody>
+          <a:bodyPr/>
+          <a:lstStyle/>
+          <a:p>
+            <a:r>
               <a:rPr lang="ru-RU" dirty="0"/>
-              <a:t>Схема базы данных</a:t>
+              <a:t>А</a:t>
+            </a:r>
+            <a:r>
+              <a:rPr lang="en-US" dirty="0"/>
+              <a:t>JAX </a:t>
+            </a:r>
+            <a:r>
+              <a:rPr lang="ru-RU" dirty="0"/>
+              <a:t>содержит: </a:t>
+            </a:r>
+          </a:p>
+          <a:p>
+            <a:pPr marL="720725" indent="-276225">
+              <a:buFont typeface="Arial" panose="020B0604020202020204" pitchFamily="34" charset="0"/>
+              <a:buChar char="•"/>
+            </a:pPr>
+            <a:r>
+              <a:rPr lang="en-US" dirty="0" err="1"/>
+              <a:t>Url</a:t>
+            </a:r>
+            <a:r>
+              <a:rPr lang="en-US" dirty="0"/>
+              <a:t> </a:t>
+            </a:r>
+            <a:r>
+              <a:rPr lang="ru-RU" dirty="0"/>
+              <a:t>ресурса</a:t>
+            </a:r>
+          </a:p>
+          <a:p>
+            <a:pPr marL="720725" indent="-276225">
+              <a:buFont typeface="Arial" panose="020B0604020202020204" pitchFamily="34" charset="0"/>
+              <a:buChar char="•"/>
+            </a:pPr>
+            <a:r>
+              <a:rPr lang="ru-RU" dirty="0"/>
+              <a:t>Метод</a:t>
+            </a:r>
+          </a:p>
+          <a:p>
+            <a:pPr marL="720725" indent="-276225">
+              <a:buFont typeface="Arial" panose="020B0604020202020204" pitchFamily="34" charset="0"/>
+              <a:buChar char="•"/>
+            </a:pPr>
+            <a:r>
+              <a:rPr lang="ru-RU" dirty="0"/>
+              <a:t>Тип данных</a:t>
+            </a:r>
+          </a:p>
+          <a:p>
+            <a:pPr marL="720725" indent="-276225">
+              <a:buFont typeface="Arial" panose="020B0604020202020204" pitchFamily="34" charset="0"/>
+              <a:buChar char="•"/>
+            </a:pPr>
+            <a:r>
+              <a:rPr lang="ru-RU" dirty="0"/>
+              <a:t>Тело запроса (если запрос </a:t>
+            </a:r>
+            <a:r>
+              <a:rPr lang="en-US" dirty="0"/>
+              <a:t>POST</a:t>
+            </a:r>
+            <a:r>
+              <a:rPr lang="ru-RU" dirty="0"/>
+              <a:t>)</a:t>
             </a:r>
           </a:p>
         </p:txBody>
@@ -4086,7 +4649,7 @@
           <p:cNvPr id="5" name="Рисунок 4">
             <a:extLst>
               <a:ext uri="{FF2B5EF4-FFF2-40B4-BE49-F238E27FC236}">
-                <a16:creationId xmlns:a16="http://schemas.microsoft.com/office/drawing/2014/main" id="{5472ADF7-30F6-4371-8FA3-E90BB84EA8C3}"/>
+                <a16:creationId xmlns:a16="http://schemas.microsoft.com/office/drawing/2014/main" id="{F7A7D726-811B-461C-82F0-59AC1BA84463}"/>
               </a:ext>
             </a:extLst>
           </p:cNvPr>
@@ -4103,8 +4666,8 @@
         </p:blipFill>
         <p:spPr>
           <a:xfrm>
-            <a:off x="1813560" y="1995784"/>
-            <a:ext cx="8564880" cy="3964982"/>
+            <a:off x="6271491" y="1845734"/>
+            <a:ext cx="3983760" cy="3766600"/>
           </a:xfrm>
           <a:prstGeom prst="rect">
             <a:avLst/>
@@ -4114,7 +4677,7 @@
     </p:spTree>
     <p:extLst>
       <p:ext uri="{BB962C8B-B14F-4D97-AF65-F5344CB8AC3E}">
-        <p14:creationId xmlns:p14="http://schemas.microsoft.com/office/powerpoint/2010/main" val="235859999"/>
+        <p14:creationId xmlns:p14="http://schemas.microsoft.com/office/powerpoint/2010/main" val="1128829351"/>
       </p:ext>
     </p:extLst>
   </p:cSld>
@@ -4146,6 +4709,1555 @@
           <p:cNvPr id="2" name="Заголовок 1">
             <a:extLst>
               <a:ext uri="{FF2B5EF4-FFF2-40B4-BE49-F238E27FC236}">
+                <a16:creationId xmlns:a16="http://schemas.microsoft.com/office/drawing/2014/main" id="{C0CB33A1-BC3C-43CA-A094-AF371E821B1A}"/>
+              </a:ext>
+            </a:extLst>
+          </p:cNvPr>
+          <p:cNvSpPr>
+            <a:spLocks noGrp="1"/>
+          </p:cNvSpPr>
+          <p:nvPr>
+            <p:ph type="title"/>
+          </p:nvPr>
+        </p:nvSpPr>
+        <p:spPr/>
+        <p:txBody>
+          <a:bodyPr/>
+          <a:lstStyle/>
+          <a:p>
+            <a:r>
+              <a:rPr lang="en-US" dirty="0"/>
+              <a:t>GET AJAX</a:t>
+            </a:r>
+            <a:endParaRPr lang="ru-RU" dirty="0"/>
+          </a:p>
+        </p:txBody>
+      </p:sp>
+      <p:graphicFrame>
+        <p:nvGraphicFramePr>
+          <p:cNvPr id="5" name="Таблица 4">
+            <a:extLst>
+              <a:ext uri="{FF2B5EF4-FFF2-40B4-BE49-F238E27FC236}">
+                <a16:creationId xmlns:a16="http://schemas.microsoft.com/office/drawing/2014/main" id="{B9A90F78-60C9-4869-BB4D-78D6237BD36A}"/>
+              </a:ext>
+            </a:extLst>
+          </p:cNvPr>
+          <p:cNvGraphicFramePr>
+            <a:graphicFrameLocks noGrp="1"/>
+          </p:cNvGraphicFramePr>
+          <p:nvPr>
+            <p:extLst>
+              <p:ext uri="{D42A27DB-BD31-4B8C-83A1-F6EECF244321}">
+                <p14:modId xmlns:p14="http://schemas.microsoft.com/office/powerpoint/2010/main" val="1220748516"/>
+              </p:ext>
+            </p:extLst>
+          </p:nvPr>
+        </p:nvGraphicFramePr>
+        <p:xfrm>
+          <a:off x="1995055" y="1970340"/>
+          <a:ext cx="8220364" cy="4104832"/>
+        </p:xfrm>
+        <a:graphic>
+          <a:graphicData uri="http://schemas.openxmlformats.org/drawingml/2006/table">
+            <a:tbl>
+              <a:tblPr firstRow="1" firstCol="1" bandRow="1">
+                <a:tableStyleId>{073A0DAA-6AF3-43AB-8588-CEC1D06C72B9}</a:tableStyleId>
+              </a:tblPr>
+              <a:tblGrid>
+                <a:gridCol w="4865962">
+                  <a:extLst>
+                    <a:ext uri="{9D8B030D-6E8A-4147-A177-3AD203B41FA5}">
+                      <a16:colId xmlns:a16="http://schemas.microsoft.com/office/drawing/2014/main" val="4100053904"/>
+                    </a:ext>
+                  </a:extLst>
+                </a:gridCol>
+                <a:gridCol w="3354402">
+                  <a:extLst>
+                    <a:ext uri="{9D8B030D-6E8A-4147-A177-3AD203B41FA5}">
+                      <a16:colId xmlns:a16="http://schemas.microsoft.com/office/drawing/2014/main" val="3812899401"/>
+                    </a:ext>
+                  </a:extLst>
+                </a:gridCol>
+              </a:tblGrid>
+              <a:tr h="152754">
+                <a:tc>
+                  <a:txBody>
+                    <a:bodyPr/>
+                    <a:lstStyle/>
+                    <a:p>
+                      <a:pPr>
+                        <a:lnSpc>
+                          <a:spcPct val="107000"/>
+                        </a:lnSpc>
+                        <a:spcAft>
+                          <a:spcPts val="800"/>
+                        </a:spcAft>
+                      </a:pPr>
+                      <a:r>
+                        <a:rPr lang="en-US" sz="1200" dirty="0">
+                          <a:solidFill>
+                            <a:schemeClr val="tx1"/>
+                          </a:solidFill>
+                          <a:effectLst/>
+                          <a:latin typeface="Arial" panose="020B0604020202020204" pitchFamily="34" charset="0"/>
+                          <a:cs typeface="Arial" panose="020B0604020202020204" pitchFamily="34" charset="0"/>
+                        </a:rPr>
+                        <a:t>request</a:t>
+                      </a:r>
+                      <a:endParaRPr lang="ru-RU" sz="1200" dirty="0">
+                        <a:solidFill>
+                          <a:schemeClr val="tx1"/>
+                        </a:solidFill>
+                        <a:effectLst/>
+                        <a:latin typeface="Arial" panose="020B0604020202020204" pitchFamily="34" charset="0"/>
+                        <a:ea typeface="Calibri" panose="020F0502020204030204" pitchFamily="34" charset="0"/>
+                        <a:cs typeface="Arial" panose="020B0604020202020204" pitchFamily="34" charset="0"/>
+                      </a:endParaRPr>
+                    </a:p>
+                  </a:txBody>
+                  <a:tcPr marL="56286" marR="56286" marT="0" marB="0">
+                    <a:noFill/>
+                  </a:tcPr>
+                </a:tc>
+                <a:tc>
+                  <a:txBody>
+                    <a:bodyPr/>
+                    <a:lstStyle/>
+                    <a:p>
+                      <a:pPr>
+                        <a:lnSpc>
+                          <a:spcPct val="107000"/>
+                        </a:lnSpc>
+                        <a:spcAft>
+                          <a:spcPts val="800"/>
+                        </a:spcAft>
+                      </a:pPr>
+                      <a:r>
+                        <a:rPr lang="en-US" sz="1200" dirty="0">
+                          <a:solidFill>
+                            <a:schemeClr val="tx1"/>
+                          </a:solidFill>
+                          <a:effectLst/>
+                          <a:latin typeface="Arial" panose="020B0604020202020204" pitchFamily="34" charset="0"/>
+                          <a:cs typeface="Arial" panose="020B0604020202020204" pitchFamily="34" charset="0"/>
+                        </a:rPr>
+                        <a:t>response</a:t>
+                      </a:r>
+                      <a:endParaRPr lang="ru-RU" sz="1200" dirty="0">
+                        <a:solidFill>
+                          <a:schemeClr val="tx1"/>
+                        </a:solidFill>
+                        <a:effectLst/>
+                        <a:latin typeface="Arial" panose="020B0604020202020204" pitchFamily="34" charset="0"/>
+                        <a:ea typeface="Calibri" panose="020F0502020204030204" pitchFamily="34" charset="0"/>
+                        <a:cs typeface="Arial" panose="020B0604020202020204" pitchFamily="34" charset="0"/>
+                      </a:endParaRPr>
+                    </a:p>
+                  </a:txBody>
+                  <a:tcPr marL="56286" marR="56286" marT="0" marB="0">
+                    <a:noFill/>
+                  </a:tcPr>
+                </a:tc>
+                <a:extLst>
+                  <a:ext uri="{0D108BD9-81ED-4DB2-BD59-A6C34878D82A}">
+                    <a16:rowId xmlns:a16="http://schemas.microsoft.com/office/drawing/2014/main" val="2339307783"/>
+                  </a:ext>
+                </a:extLst>
+              </a:tr>
+              <a:tr h="3717216">
+                <a:tc>
+                  <a:txBody>
+                    <a:bodyPr/>
+                    <a:lstStyle/>
+                    <a:p>
+                      <a:pPr>
+                        <a:lnSpc>
+                          <a:spcPct val="107000"/>
+                        </a:lnSpc>
+                        <a:spcAft>
+                          <a:spcPts val="800"/>
+                        </a:spcAft>
+                      </a:pPr>
+                      <a:r>
+                        <a:rPr lang="en-US" sz="1200" dirty="0">
+                          <a:solidFill>
+                            <a:schemeClr val="tx1"/>
+                          </a:solidFill>
+                          <a:effectLst/>
+                          <a:latin typeface="Arial" panose="020B0604020202020204" pitchFamily="34" charset="0"/>
+                          <a:cs typeface="Arial" panose="020B0604020202020204" pitchFamily="34" charset="0"/>
+                        </a:rPr>
+                        <a:t>url:’ http://videosalon/api/session/CurrentUser.php’</a:t>
+                      </a:r>
+                      <a:endParaRPr lang="ru-RU" sz="1200" dirty="0">
+                        <a:solidFill>
+                          <a:schemeClr val="tx1"/>
+                        </a:solidFill>
+                        <a:effectLst/>
+                        <a:latin typeface="Arial" panose="020B0604020202020204" pitchFamily="34" charset="0"/>
+                        <a:cs typeface="Arial" panose="020B0604020202020204" pitchFamily="34" charset="0"/>
+                      </a:endParaRPr>
+                    </a:p>
+                    <a:p>
+                      <a:pPr>
+                        <a:lnSpc>
+                          <a:spcPct val="107000"/>
+                        </a:lnSpc>
+                        <a:spcAft>
+                          <a:spcPts val="800"/>
+                        </a:spcAft>
+                      </a:pPr>
+                      <a:r>
+                        <a:rPr lang="en-US" sz="1200" dirty="0" err="1">
+                          <a:solidFill>
+                            <a:schemeClr val="tx1"/>
+                          </a:solidFill>
+                          <a:effectLst/>
+                          <a:latin typeface="Arial" panose="020B0604020202020204" pitchFamily="34" charset="0"/>
+                          <a:cs typeface="Arial" panose="020B0604020202020204" pitchFamily="34" charset="0"/>
+                        </a:rPr>
+                        <a:t>dataType</a:t>
+                      </a:r>
+                      <a:r>
+                        <a:rPr lang="en-US" sz="1200" dirty="0">
+                          <a:solidFill>
+                            <a:schemeClr val="tx1"/>
+                          </a:solidFill>
+                          <a:effectLst/>
+                          <a:latin typeface="Arial" panose="020B0604020202020204" pitchFamily="34" charset="0"/>
+                          <a:cs typeface="Arial" panose="020B0604020202020204" pitchFamily="34" charset="0"/>
+                        </a:rPr>
+                        <a:t>: ‘json’</a:t>
+                      </a:r>
+                      <a:endParaRPr lang="ru-RU" sz="1200" dirty="0">
+                        <a:solidFill>
+                          <a:schemeClr val="tx1"/>
+                        </a:solidFill>
+                        <a:effectLst/>
+                        <a:latin typeface="Arial" panose="020B0604020202020204" pitchFamily="34" charset="0"/>
+                        <a:cs typeface="Arial" panose="020B0604020202020204" pitchFamily="34" charset="0"/>
+                      </a:endParaRPr>
+                    </a:p>
+                    <a:p>
+                      <a:pPr>
+                        <a:lnSpc>
+                          <a:spcPct val="107000"/>
+                        </a:lnSpc>
+                        <a:spcAft>
+                          <a:spcPts val="800"/>
+                        </a:spcAft>
+                      </a:pPr>
+                      <a:r>
+                        <a:rPr lang="ru-RU" sz="1200" dirty="0">
+                          <a:solidFill>
+                            <a:schemeClr val="tx1"/>
+                          </a:solidFill>
+                          <a:effectLst/>
+                          <a:latin typeface="Arial" panose="020B0604020202020204" pitchFamily="34" charset="0"/>
+                          <a:cs typeface="Arial" panose="020B0604020202020204" pitchFamily="34" charset="0"/>
+                        </a:rPr>
+                        <a:t> </a:t>
+                      </a:r>
+                      <a:endParaRPr lang="ru-RU" sz="1200" dirty="0">
+                        <a:solidFill>
+                          <a:schemeClr val="tx1"/>
+                        </a:solidFill>
+                        <a:effectLst/>
+                        <a:latin typeface="Arial" panose="020B0604020202020204" pitchFamily="34" charset="0"/>
+                        <a:ea typeface="Calibri" panose="020F0502020204030204" pitchFamily="34" charset="0"/>
+                        <a:cs typeface="Arial" panose="020B0604020202020204" pitchFamily="34" charset="0"/>
+                      </a:endParaRPr>
+                    </a:p>
+                  </a:txBody>
+                  <a:tcPr marL="56286" marR="56286" marT="0" marB="0">
+                    <a:noFill/>
+                  </a:tcPr>
+                </a:tc>
+                <a:tc>
+                  <a:txBody>
+                    <a:bodyPr/>
+                    <a:lstStyle/>
+                    <a:p>
+                      <a:pPr>
+                        <a:lnSpc>
+                          <a:spcPct val="107000"/>
+                        </a:lnSpc>
+                        <a:spcAft>
+                          <a:spcPts val="800"/>
+                        </a:spcAft>
+                      </a:pPr>
+                      <a:r>
+                        <a:rPr lang="en-US" sz="1200" dirty="0">
+                          <a:solidFill>
+                            <a:schemeClr val="tx1"/>
+                          </a:solidFill>
+                          <a:effectLst/>
+                          <a:latin typeface="Arial" panose="020B0604020202020204" pitchFamily="34" charset="0"/>
+                          <a:cs typeface="Arial" panose="020B0604020202020204" pitchFamily="34" charset="0"/>
+                        </a:rPr>
+                        <a:t>Header:’ Access-Control-Allow-Origin: *’</a:t>
+                      </a:r>
+                      <a:endParaRPr lang="ru-RU" sz="1200" dirty="0">
+                        <a:solidFill>
+                          <a:schemeClr val="tx1"/>
+                        </a:solidFill>
+                        <a:effectLst/>
+                        <a:latin typeface="Arial" panose="020B0604020202020204" pitchFamily="34" charset="0"/>
+                        <a:cs typeface="Arial" panose="020B0604020202020204" pitchFamily="34" charset="0"/>
+                      </a:endParaRPr>
+                    </a:p>
+                    <a:p>
+                      <a:pPr>
+                        <a:lnSpc>
+                          <a:spcPct val="107000"/>
+                        </a:lnSpc>
+                        <a:spcAft>
+                          <a:spcPts val="800"/>
+                        </a:spcAft>
+                      </a:pPr>
+                      <a:r>
+                        <a:rPr lang="en-US" sz="1200" dirty="0">
+                          <a:solidFill>
+                            <a:schemeClr val="tx1"/>
+                          </a:solidFill>
+                          <a:effectLst/>
+                          <a:latin typeface="Arial" panose="020B0604020202020204" pitchFamily="34" charset="0"/>
+                          <a:cs typeface="Arial" panose="020B0604020202020204" pitchFamily="34" charset="0"/>
+                        </a:rPr>
+                        <a:t>Header: ‘Content-Type: application/json’</a:t>
+                      </a:r>
+                      <a:endParaRPr lang="ru-RU" sz="1200" dirty="0">
+                        <a:solidFill>
+                          <a:schemeClr val="tx1"/>
+                        </a:solidFill>
+                        <a:effectLst/>
+                        <a:latin typeface="Arial" panose="020B0604020202020204" pitchFamily="34" charset="0"/>
+                        <a:cs typeface="Arial" panose="020B0604020202020204" pitchFamily="34" charset="0"/>
+                      </a:endParaRPr>
+                    </a:p>
+                    <a:p>
+                      <a:pPr>
+                        <a:lnSpc>
+                          <a:spcPct val="107000"/>
+                        </a:lnSpc>
+                        <a:spcAft>
+                          <a:spcPts val="800"/>
+                        </a:spcAft>
+                      </a:pPr>
+                      <a:r>
+                        <a:rPr lang="en-US" sz="1200" dirty="0">
+                          <a:solidFill>
+                            <a:schemeClr val="tx1"/>
+                          </a:solidFill>
+                          <a:effectLst/>
+                          <a:latin typeface="Arial" panose="020B0604020202020204" pitchFamily="34" charset="0"/>
+                          <a:cs typeface="Arial" panose="020B0604020202020204" pitchFamily="34" charset="0"/>
+                        </a:rPr>
+                        <a:t>Header: "Content-Type: application/json; charset=UTF-8"</a:t>
+                      </a:r>
+                      <a:endParaRPr lang="ru-RU" sz="1200" dirty="0">
+                        <a:solidFill>
+                          <a:schemeClr val="tx1"/>
+                        </a:solidFill>
+                        <a:effectLst/>
+                        <a:latin typeface="Arial" panose="020B0604020202020204" pitchFamily="34" charset="0"/>
+                        <a:cs typeface="Arial" panose="020B0604020202020204" pitchFamily="34" charset="0"/>
+                      </a:endParaRPr>
+                    </a:p>
+                    <a:p>
+                      <a:pPr>
+                        <a:lnSpc>
+                          <a:spcPct val="107000"/>
+                        </a:lnSpc>
+                        <a:spcAft>
+                          <a:spcPts val="800"/>
+                        </a:spcAft>
+                      </a:pPr>
+                      <a:r>
+                        <a:rPr lang="en-US" sz="1200" dirty="0">
+                          <a:solidFill>
+                            <a:schemeClr val="tx1"/>
+                          </a:solidFill>
+                          <a:effectLst/>
+                          <a:latin typeface="Arial" panose="020B0604020202020204" pitchFamily="34" charset="0"/>
+                          <a:cs typeface="Arial" panose="020B0604020202020204" pitchFamily="34" charset="0"/>
+                        </a:rPr>
+                        <a:t>Header: "Access-Control-Max-Age: 3600"</a:t>
+                      </a:r>
+                      <a:endParaRPr lang="ru-RU" sz="1200" dirty="0">
+                        <a:solidFill>
+                          <a:schemeClr val="tx1"/>
+                        </a:solidFill>
+                        <a:effectLst/>
+                        <a:latin typeface="Arial" panose="020B0604020202020204" pitchFamily="34" charset="0"/>
+                        <a:cs typeface="Arial" panose="020B0604020202020204" pitchFamily="34" charset="0"/>
+                      </a:endParaRPr>
+                    </a:p>
+                    <a:p>
+                      <a:pPr>
+                        <a:lnSpc>
+                          <a:spcPct val="107000"/>
+                        </a:lnSpc>
+                        <a:spcAft>
+                          <a:spcPts val="800"/>
+                        </a:spcAft>
+                      </a:pPr>
+                      <a:r>
+                        <a:rPr lang="en-US" sz="1200" dirty="0">
+                          <a:solidFill>
+                            <a:schemeClr val="tx1"/>
+                          </a:solidFill>
+                          <a:effectLst/>
+                          <a:latin typeface="Arial" panose="020B0604020202020204" pitchFamily="34" charset="0"/>
+                          <a:cs typeface="Arial" panose="020B0604020202020204" pitchFamily="34" charset="0"/>
+                        </a:rPr>
+                        <a:t>Header: "Access-Control-Allow-Headers: Content-Type, Access-Control-Allow-Headers, Authorization, X-Requested-With"</a:t>
+                      </a:r>
+                      <a:endParaRPr lang="ru-RU" sz="1200" dirty="0">
+                        <a:solidFill>
+                          <a:schemeClr val="tx1"/>
+                        </a:solidFill>
+                        <a:effectLst/>
+                        <a:latin typeface="Arial" panose="020B0604020202020204" pitchFamily="34" charset="0"/>
+                        <a:cs typeface="Arial" panose="020B0604020202020204" pitchFamily="34" charset="0"/>
+                      </a:endParaRPr>
+                    </a:p>
+                    <a:p>
+                      <a:pPr>
+                        <a:lnSpc>
+                          <a:spcPct val="107000"/>
+                        </a:lnSpc>
+                        <a:spcAft>
+                          <a:spcPts val="800"/>
+                        </a:spcAft>
+                      </a:pPr>
+                      <a:r>
+                        <a:rPr lang="en-US" sz="1200" dirty="0">
+                          <a:solidFill>
+                            <a:schemeClr val="tx1"/>
+                          </a:solidFill>
+                          <a:effectLst/>
+                          <a:latin typeface="Arial" panose="020B0604020202020204" pitchFamily="34" charset="0"/>
+                          <a:cs typeface="Arial" panose="020B0604020202020204" pitchFamily="34" charset="0"/>
+                        </a:rPr>
+                        <a:t> </a:t>
+                      </a:r>
+                      <a:endParaRPr lang="ru-RU" sz="1200" dirty="0">
+                        <a:solidFill>
+                          <a:schemeClr val="tx1"/>
+                        </a:solidFill>
+                        <a:effectLst/>
+                        <a:latin typeface="Arial" panose="020B0604020202020204" pitchFamily="34" charset="0"/>
+                        <a:cs typeface="Arial" panose="020B0604020202020204" pitchFamily="34" charset="0"/>
+                      </a:endParaRPr>
+                    </a:p>
+                    <a:p>
+                      <a:pPr>
+                        <a:lnSpc>
+                          <a:spcPct val="107000"/>
+                        </a:lnSpc>
+                        <a:spcAft>
+                          <a:spcPts val="800"/>
+                        </a:spcAft>
+                      </a:pPr>
+                      <a:r>
+                        <a:rPr lang="en-US" sz="1200" dirty="0">
+                          <a:solidFill>
+                            <a:schemeClr val="tx1"/>
+                          </a:solidFill>
+                          <a:effectLst/>
+                          <a:latin typeface="Arial" panose="020B0604020202020204" pitchFamily="34" charset="0"/>
+                          <a:cs typeface="Arial" panose="020B0604020202020204" pitchFamily="34" charset="0"/>
+                        </a:rPr>
+                        <a:t>[</a:t>
+                      </a:r>
+                      <a:endParaRPr lang="ru-RU" sz="1200" dirty="0">
+                        <a:solidFill>
+                          <a:schemeClr val="tx1"/>
+                        </a:solidFill>
+                        <a:effectLst/>
+                        <a:latin typeface="Arial" panose="020B0604020202020204" pitchFamily="34" charset="0"/>
+                        <a:cs typeface="Arial" panose="020B0604020202020204" pitchFamily="34" charset="0"/>
+                      </a:endParaRPr>
+                    </a:p>
+                    <a:p>
+                      <a:pPr indent="194310">
+                        <a:lnSpc>
+                          <a:spcPct val="107000"/>
+                        </a:lnSpc>
+                        <a:spcAft>
+                          <a:spcPts val="800"/>
+                        </a:spcAft>
+                      </a:pPr>
+                      <a:r>
+                        <a:rPr lang="en-US" sz="1200" dirty="0">
+                          <a:solidFill>
+                            <a:schemeClr val="tx1"/>
+                          </a:solidFill>
+                          <a:effectLst/>
+                          <a:latin typeface="Arial" panose="020B0604020202020204" pitchFamily="34" charset="0"/>
+                          <a:cs typeface="Arial" panose="020B0604020202020204" pitchFamily="34" charset="0"/>
+                        </a:rPr>
+                        <a:t>{</a:t>
+                      </a:r>
+                      <a:endParaRPr lang="ru-RU" sz="1200" dirty="0">
+                        <a:solidFill>
+                          <a:schemeClr val="tx1"/>
+                        </a:solidFill>
+                        <a:effectLst/>
+                        <a:latin typeface="Arial" panose="020B0604020202020204" pitchFamily="34" charset="0"/>
+                        <a:cs typeface="Arial" panose="020B0604020202020204" pitchFamily="34" charset="0"/>
+                      </a:endParaRPr>
+                    </a:p>
+                    <a:p>
+                      <a:pPr indent="473075">
+                        <a:lnSpc>
+                          <a:spcPct val="107000"/>
+                        </a:lnSpc>
+                        <a:spcAft>
+                          <a:spcPts val="800"/>
+                        </a:spcAft>
+                      </a:pPr>
+                      <a:r>
+                        <a:rPr lang="en-US" sz="1200" dirty="0">
+                          <a:solidFill>
+                            <a:schemeClr val="tx1"/>
+                          </a:solidFill>
+                          <a:effectLst/>
+                          <a:latin typeface="Arial" panose="020B0604020202020204" pitchFamily="34" charset="0"/>
+                          <a:cs typeface="Arial" panose="020B0604020202020204" pitchFamily="34" charset="0"/>
+                        </a:rPr>
+                        <a:t>status: ’</a:t>
+                      </a:r>
+                      <a:r>
+                        <a:rPr lang="en-US" sz="1200" dirty="0" err="1">
+                          <a:solidFill>
+                            <a:schemeClr val="tx1"/>
+                          </a:solidFill>
+                          <a:effectLst/>
+                          <a:latin typeface="Arial" panose="020B0604020202020204" pitchFamily="34" charset="0"/>
+                          <a:cs typeface="Arial" panose="020B0604020202020204" pitchFamily="34" charset="0"/>
+                        </a:rPr>
+                        <a:t>unauthorised</a:t>
+                      </a:r>
+                      <a:r>
+                        <a:rPr lang="en-US" sz="1200" dirty="0">
+                          <a:solidFill>
+                            <a:schemeClr val="tx1"/>
+                          </a:solidFill>
+                          <a:effectLst/>
+                          <a:latin typeface="Arial" panose="020B0604020202020204" pitchFamily="34" charset="0"/>
+                          <a:cs typeface="Arial" panose="020B0604020202020204" pitchFamily="34" charset="0"/>
+                        </a:rPr>
+                        <a:t>’</a:t>
+                      </a:r>
+                      <a:endParaRPr lang="ru-RU" sz="1200" dirty="0">
+                        <a:solidFill>
+                          <a:schemeClr val="tx1"/>
+                        </a:solidFill>
+                        <a:effectLst/>
+                        <a:latin typeface="Arial" panose="020B0604020202020204" pitchFamily="34" charset="0"/>
+                        <a:cs typeface="Arial" panose="020B0604020202020204" pitchFamily="34" charset="0"/>
+                      </a:endParaRPr>
+                    </a:p>
+                    <a:p>
+                      <a:pPr indent="194310">
+                        <a:lnSpc>
+                          <a:spcPct val="107000"/>
+                        </a:lnSpc>
+                        <a:spcAft>
+                          <a:spcPts val="800"/>
+                        </a:spcAft>
+                      </a:pPr>
+                      <a:r>
+                        <a:rPr lang="en-US" sz="1200" dirty="0">
+                          <a:solidFill>
+                            <a:schemeClr val="tx1"/>
+                          </a:solidFill>
+                          <a:effectLst/>
+                          <a:latin typeface="Arial" panose="020B0604020202020204" pitchFamily="34" charset="0"/>
+                          <a:cs typeface="Arial" panose="020B0604020202020204" pitchFamily="34" charset="0"/>
+                        </a:rPr>
+                        <a:t>}</a:t>
+                      </a:r>
+                      <a:endParaRPr lang="ru-RU" sz="1200" dirty="0">
+                        <a:solidFill>
+                          <a:schemeClr val="tx1"/>
+                        </a:solidFill>
+                        <a:effectLst/>
+                        <a:latin typeface="Arial" panose="020B0604020202020204" pitchFamily="34" charset="0"/>
+                        <a:cs typeface="Arial" panose="020B0604020202020204" pitchFamily="34" charset="0"/>
+                      </a:endParaRPr>
+                    </a:p>
+                    <a:p>
+                      <a:pPr>
+                        <a:lnSpc>
+                          <a:spcPct val="107000"/>
+                        </a:lnSpc>
+                        <a:spcAft>
+                          <a:spcPts val="800"/>
+                        </a:spcAft>
+                      </a:pPr>
+                      <a:r>
+                        <a:rPr lang="en-US" sz="1200" dirty="0">
+                          <a:solidFill>
+                            <a:schemeClr val="tx1"/>
+                          </a:solidFill>
+                          <a:effectLst/>
+                          <a:latin typeface="Arial" panose="020B0604020202020204" pitchFamily="34" charset="0"/>
+                          <a:cs typeface="Arial" panose="020B0604020202020204" pitchFamily="34" charset="0"/>
+                        </a:rPr>
+                        <a:t>]</a:t>
+                      </a:r>
+                      <a:endParaRPr lang="ru-RU" sz="1200" dirty="0">
+                        <a:solidFill>
+                          <a:schemeClr val="tx1"/>
+                        </a:solidFill>
+                        <a:effectLst/>
+                        <a:latin typeface="Arial" panose="020B0604020202020204" pitchFamily="34" charset="0"/>
+                        <a:ea typeface="Calibri" panose="020F0502020204030204" pitchFamily="34" charset="0"/>
+                        <a:cs typeface="Arial" panose="020B0604020202020204" pitchFamily="34" charset="0"/>
+                      </a:endParaRPr>
+                    </a:p>
+                  </a:txBody>
+                  <a:tcPr marL="56286" marR="56286" marT="0" marB="0">
+                    <a:noFill/>
+                  </a:tcPr>
+                </a:tc>
+                <a:extLst>
+                  <a:ext uri="{0D108BD9-81ED-4DB2-BD59-A6C34878D82A}">
+                    <a16:rowId xmlns:a16="http://schemas.microsoft.com/office/drawing/2014/main" val="1018910426"/>
+                  </a:ext>
+                </a:extLst>
+              </a:tr>
+              <a:tr h="152754">
+                <a:tc>
+                  <a:txBody>
+                    <a:bodyPr/>
+                    <a:lstStyle/>
+                    <a:p>
+                      <a:pPr>
+                        <a:lnSpc>
+                          <a:spcPct val="107000"/>
+                        </a:lnSpc>
+                        <a:spcAft>
+                          <a:spcPts val="800"/>
+                        </a:spcAft>
+                      </a:pPr>
+                      <a:r>
+                        <a:rPr lang="en-US" sz="1200">
+                          <a:solidFill>
+                            <a:schemeClr val="tx1"/>
+                          </a:solidFill>
+                          <a:effectLst/>
+                          <a:latin typeface="Arial" panose="020B0604020202020204" pitchFamily="34" charset="0"/>
+                          <a:cs typeface="Arial" panose="020B0604020202020204" pitchFamily="34" charset="0"/>
+                        </a:rPr>
+                        <a:t>GET</a:t>
+                      </a:r>
+                      <a:endParaRPr lang="ru-RU" sz="1200">
+                        <a:solidFill>
+                          <a:schemeClr val="tx1"/>
+                        </a:solidFill>
+                        <a:effectLst/>
+                        <a:latin typeface="Arial" panose="020B0604020202020204" pitchFamily="34" charset="0"/>
+                        <a:ea typeface="Calibri" panose="020F0502020204030204" pitchFamily="34" charset="0"/>
+                        <a:cs typeface="Arial" panose="020B0604020202020204" pitchFamily="34" charset="0"/>
+                      </a:endParaRPr>
+                    </a:p>
+                  </a:txBody>
+                  <a:tcPr marL="56286" marR="56286" marT="0" marB="0">
+                    <a:noFill/>
+                  </a:tcPr>
+                </a:tc>
+                <a:tc>
+                  <a:txBody>
+                    <a:bodyPr/>
+                    <a:lstStyle/>
+                    <a:p>
+                      <a:pPr>
+                        <a:lnSpc>
+                          <a:spcPct val="107000"/>
+                        </a:lnSpc>
+                        <a:spcAft>
+                          <a:spcPts val="800"/>
+                        </a:spcAft>
+                      </a:pPr>
+                      <a:r>
+                        <a:rPr lang="en-US" sz="1200" dirty="0">
+                          <a:solidFill>
+                            <a:schemeClr val="tx1"/>
+                          </a:solidFill>
+                          <a:effectLst/>
+                          <a:latin typeface="Arial" panose="020B0604020202020204" pitchFamily="34" charset="0"/>
+                          <a:cs typeface="Arial" panose="020B0604020202020204" pitchFamily="34" charset="0"/>
+                        </a:rPr>
+                        <a:t>200 OK</a:t>
+                      </a:r>
+                      <a:endParaRPr lang="ru-RU" sz="1200" dirty="0">
+                        <a:solidFill>
+                          <a:schemeClr val="tx1"/>
+                        </a:solidFill>
+                        <a:effectLst/>
+                        <a:latin typeface="Arial" panose="020B0604020202020204" pitchFamily="34" charset="0"/>
+                        <a:ea typeface="Calibri" panose="020F0502020204030204" pitchFamily="34" charset="0"/>
+                        <a:cs typeface="Arial" panose="020B0604020202020204" pitchFamily="34" charset="0"/>
+                      </a:endParaRPr>
+                    </a:p>
+                  </a:txBody>
+                  <a:tcPr marL="56286" marR="56286" marT="0" marB="0">
+                    <a:noFill/>
+                  </a:tcPr>
+                </a:tc>
+                <a:extLst>
+                  <a:ext uri="{0D108BD9-81ED-4DB2-BD59-A6C34878D82A}">
+                    <a16:rowId xmlns:a16="http://schemas.microsoft.com/office/drawing/2014/main" val="3293884930"/>
+                  </a:ext>
+                </a:extLst>
+              </a:tr>
+            </a:tbl>
+          </a:graphicData>
+        </a:graphic>
+      </p:graphicFrame>
+    </p:spTree>
+    <p:extLst>
+      <p:ext uri="{BB962C8B-B14F-4D97-AF65-F5344CB8AC3E}">
+        <p14:creationId xmlns:p14="http://schemas.microsoft.com/office/powerpoint/2010/main" val="280470969"/>
+      </p:ext>
+    </p:extLst>
+  </p:cSld>
+  <p:clrMapOvr>
+    <a:masterClrMapping/>
+  </p:clrMapOvr>
+</p:sld>
+</file>
+
+<file path=ppt/slides/slide12.xml><?xml version="1.0" encoding="utf-8"?>
+<p:sld xmlns:a="http://schemas.openxmlformats.org/drawingml/2006/main" xmlns:r="http://schemas.openxmlformats.org/officeDocument/2006/relationships" xmlns:p="http://schemas.openxmlformats.org/presentationml/2006/main">
+  <p:cSld>
+    <p:spTree>
+      <p:nvGrpSpPr>
+        <p:cNvPr id="1" name=""/>
+        <p:cNvGrpSpPr/>
+        <p:nvPr/>
+      </p:nvGrpSpPr>
+      <p:grpSpPr>
+        <a:xfrm>
+          <a:off x="0" y="0"/>
+          <a:ext cx="0" cy="0"/>
+          <a:chOff x="0" y="0"/>
+          <a:chExt cx="0" cy="0"/>
+        </a:xfrm>
+      </p:grpSpPr>
+      <p:sp>
+        <p:nvSpPr>
+          <p:cNvPr id="2" name="Заголовок 1">
+            <a:extLst>
+              <a:ext uri="{FF2B5EF4-FFF2-40B4-BE49-F238E27FC236}">
+                <a16:creationId xmlns:a16="http://schemas.microsoft.com/office/drawing/2014/main" id="{75B32BDB-3E5B-4408-B42C-D9EA1988F14E}"/>
+              </a:ext>
+            </a:extLst>
+          </p:cNvPr>
+          <p:cNvSpPr>
+            <a:spLocks noGrp="1"/>
+          </p:cNvSpPr>
+          <p:nvPr>
+            <p:ph type="title"/>
+          </p:nvPr>
+        </p:nvSpPr>
+        <p:spPr/>
+        <p:txBody>
+          <a:bodyPr/>
+          <a:lstStyle/>
+          <a:p>
+            <a:r>
+              <a:rPr lang="en-US" dirty="0"/>
+              <a:t>POST AJAX</a:t>
+            </a:r>
+            <a:endParaRPr lang="ru-RU" dirty="0"/>
+          </a:p>
+        </p:txBody>
+      </p:sp>
+      <p:graphicFrame>
+        <p:nvGraphicFramePr>
+          <p:cNvPr id="5" name="Таблица 4">
+            <a:extLst>
+              <a:ext uri="{FF2B5EF4-FFF2-40B4-BE49-F238E27FC236}">
+                <a16:creationId xmlns:a16="http://schemas.microsoft.com/office/drawing/2014/main" id="{2C06C5FD-BD92-4BF4-9A6A-9D8B6F891E5D}"/>
+              </a:ext>
+            </a:extLst>
+          </p:cNvPr>
+          <p:cNvGraphicFramePr>
+            <a:graphicFrameLocks noGrp="1"/>
+          </p:cNvGraphicFramePr>
+          <p:nvPr>
+            <p:extLst>
+              <p:ext uri="{D42A27DB-BD31-4B8C-83A1-F6EECF244321}">
+                <p14:modId xmlns:p14="http://schemas.microsoft.com/office/powerpoint/2010/main" val="712669974"/>
+              </p:ext>
+            </p:extLst>
+          </p:nvPr>
+        </p:nvGraphicFramePr>
+        <p:xfrm>
+          <a:off x="3159125" y="2244312"/>
+          <a:ext cx="5934075" cy="3408618"/>
+        </p:xfrm>
+        <a:graphic>
+          <a:graphicData uri="http://schemas.openxmlformats.org/drawingml/2006/table">
+            <a:tbl>
+              <a:tblPr firstRow="1" firstCol="1" bandRow="1">
+                <a:tableStyleId>{5C22544A-7EE6-4342-B048-85BDC9FD1C3A}</a:tableStyleId>
+              </a:tblPr>
+              <a:tblGrid>
+                <a:gridCol w="2966720">
+                  <a:extLst>
+                    <a:ext uri="{9D8B030D-6E8A-4147-A177-3AD203B41FA5}">
+                      <a16:colId xmlns:a16="http://schemas.microsoft.com/office/drawing/2014/main" val="1196102735"/>
+                    </a:ext>
+                  </a:extLst>
+                </a:gridCol>
+                <a:gridCol w="2967355">
+                  <a:extLst>
+                    <a:ext uri="{9D8B030D-6E8A-4147-A177-3AD203B41FA5}">
+                      <a16:colId xmlns:a16="http://schemas.microsoft.com/office/drawing/2014/main" val="2588526616"/>
+                    </a:ext>
+                  </a:extLst>
+                </a:gridCol>
+              </a:tblGrid>
+              <a:tr h="0">
+                <a:tc>
+                  <a:txBody>
+                    <a:bodyPr/>
+                    <a:lstStyle/>
+                    <a:p>
+                      <a:pPr marL="0" algn="l" defTabSz="914400" rtl="0" eaLnBrk="1" latinLnBrk="0" hangingPunct="1">
+                        <a:lnSpc>
+                          <a:spcPct val="107000"/>
+                        </a:lnSpc>
+                        <a:spcAft>
+                          <a:spcPts val="800"/>
+                        </a:spcAft>
+                      </a:pPr>
+                      <a:r>
+                        <a:rPr lang="en-US" sz="1200" b="1" kern="1200" dirty="0">
+                          <a:solidFill>
+                            <a:schemeClr val="tx1"/>
+                          </a:solidFill>
+                          <a:effectLst/>
+                          <a:latin typeface="Arial" panose="020B0604020202020204" pitchFamily="34" charset="0"/>
+                          <a:ea typeface="+mn-ea"/>
+                          <a:cs typeface="Arial" panose="020B0604020202020204" pitchFamily="34" charset="0"/>
+                        </a:rPr>
+                        <a:t>request</a:t>
+                      </a:r>
+                      <a:endParaRPr lang="ru-RU" sz="1200" b="1" kern="1200" dirty="0">
+                        <a:solidFill>
+                          <a:schemeClr val="tx1"/>
+                        </a:solidFill>
+                        <a:effectLst/>
+                        <a:latin typeface="Arial" panose="020B0604020202020204" pitchFamily="34" charset="0"/>
+                        <a:ea typeface="+mn-ea"/>
+                        <a:cs typeface="Arial" panose="020B0604020202020204" pitchFamily="34" charset="0"/>
+                      </a:endParaRPr>
+                    </a:p>
+                  </a:txBody>
+                  <a:tcPr marL="68580" marR="68580" marT="0" marB="0">
+                    <a:noFill/>
+                  </a:tcPr>
+                </a:tc>
+                <a:tc>
+                  <a:txBody>
+                    <a:bodyPr/>
+                    <a:lstStyle/>
+                    <a:p>
+                      <a:pPr>
+                        <a:lnSpc>
+                          <a:spcPct val="107000"/>
+                        </a:lnSpc>
+                        <a:spcAft>
+                          <a:spcPts val="800"/>
+                        </a:spcAft>
+                      </a:pPr>
+                      <a:r>
+                        <a:rPr lang="en-US" sz="1200">
+                          <a:solidFill>
+                            <a:schemeClr val="tx1"/>
+                          </a:solidFill>
+                          <a:effectLst/>
+                          <a:latin typeface="Arial" panose="020B0604020202020204" pitchFamily="34" charset="0"/>
+                          <a:cs typeface="Arial" panose="020B0604020202020204" pitchFamily="34" charset="0"/>
+                        </a:rPr>
+                        <a:t>response</a:t>
+                      </a:r>
+                      <a:endParaRPr lang="ru-RU" sz="1200">
+                        <a:solidFill>
+                          <a:schemeClr val="tx1"/>
+                        </a:solidFill>
+                        <a:effectLst/>
+                        <a:latin typeface="Arial" panose="020B0604020202020204" pitchFamily="34" charset="0"/>
+                        <a:ea typeface="Calibri" panose="020F0502020204030204" pitchFamily="34" charset="0"/>
+                        <a:cs typeface="Arial" panose="020B0604020202020204" pitchFamily="34" charset="0"/>
+                      </a:endParaRPr>
+                    </a:p>
+                  </a:txBody>
+                  <a:tcPr marL="68580" marR="68580" marT="0" marB="0">
+                    <a:noFill/>
+                  </a:tcPr>
+                </a:tc>
+                <a:extLst>
+                  <a:ext uri="{0D108BD9-81ED-4DB2-BD59-A6C34878D82A}">
+                    <a16:rowId xmlns:a16="http://schemas.microsoft.com/office/drawing/2014/main" val="3879250874"/>
+                  </a:ext>
+                </a:extLst>
+              </a:tr>
+              <a:tr h="0">
+                <a:tc>
+                  <a:txBody>
+                    <a:bodyPr/>
+                    <a:lstStyle/>
+                    <a:p>
+                      <a:pPr>
+                        <a:lnSpc>
+                          <a:spcPct val="107000"/>
+                        </a:lnSpc>
+                        <a:spcAft>
+                          <a:spcPts val="800"/>
+                        </a:spcAft>
+                      </a:pPr>
+                      <a:r>
+                        <a:rPr lang="en-US" sz="1200" dirty="0">
+                          <a:solidFill>
+                            <a:schemeClr val="tx1"/>
+                          </a:solidFill>
+                          <a:effectLst/>
+                          <a:latin typeface="Arial" panose="020B0604020202020204" pitchFamily="34" charset="0"/>
+                          <a:cs typeface="Arial" panose="020B0604020202020204" pitchFamily="34" charset="0"/>
+                        </a:rPr>
+                        <a:t>url:’ http://videosalon/api/session/login.php’</a:t>
+                      </a:r>
+                      <a:endParaRPr lang="ru-RU" sz="1200" dirty="0">
+                        <a:solidFill>
+                          <a:schemeClr val="tx1"/>
+                        </a:solidFill>
+                        <a:effectLst/>
+                        <a:latin typeface="Arial" panose="020B0604020202020204" pitchFamily="34" charset="0"/>
+                        <a:cs typeface="Arial" panose="020B0604020202020204" pitchFamily="34" charset="0"/>
+                      </a:endParaRPr>
+                    </a:p>
+                    <a:p>
+                      <a:pPr>
+                        <a:lnSpc>
+                          <a:spcPct val="107000"/>
+                        </a:lnSpc>
+                        <a:spcAft>
+                          <a:spcPts val="800"/>
+                        </a:spcAft>
+                      </a:pPr>
+                      <a:r>
+                        <a:rPr lang="en-US" sz="1200" dirty="0" err="1">
+                          <a:solidFill>
+                            <a:schemeClr val="tx1"/>
+                          </a:solidFill>
+                          <a:effectLst/>
+                          <a:latin typeface="Arial" panose="020B0604020202020204" pitchFamily="34" charset="0"/>
+                          <a:cs typeface="Arial" panose="020B0604020202020204" pitchFamily="34" charset="0"/>
+                        </a:rPr>
+                        <a:t>dataType</a:t>
+                      </a:r>
+                      <a:r>
+                        <a:rPr lang="en-US" sz="1200" dirty="0">
+                          <a:solidFill>
+                            <a:schemeClr val="tx1"/>
+                          </a:solidFill>
+                          <a:effectLst/>
+                          <a:latin typeface="Arial" panose="020B0604020202020204" pitchFamily="34" charset="0"/>
+                          <a:cs typeface="Arial" panose="020B0604020202020204" pitchFamily="34" charset="0"/>
+                        </a:rPr>
+                        <a:t>: ‘json’</a:t>
+                      </a:r>
+                      <a:endParaRPr lang="ru-RU" sz="1200" dirty="0">
+                        <a:solidFill>
+                          <a:schemeClr val="tx1"/>
+                        </a:solidFill>
+                        <a:effectLst/>
+                        <a:latin typeface="Arial" panose="020B0604020202020204" pitchFamily="34" charset="0"/>
+                        <a:cs typeface="Arial" panose="020B0604020202020204" pitchFamily="34" charset="0"/>
+                      </a:endParaRPr>
+                    </a:p>
+                    <a:p>
+                      <a:pPr>
+                        <a:lnSpc>
+                          <a:spcPct val="107000"/>
+                        </a:lnSpc>
+                        <a:spcAft>
+                          <a:spcPts val="800"/>
+                        </a:spcAft>
+                      </a:pPr>
+                      <a:r>
+                        <a:rPr lang="en-US" sz="1200" dirty="0">
+                          <a:solidFill>
+                            <a:schemeClr val="tx1"/>
+                          </a:solidFill>
+                          <a:effectLst/>
+                          <a:latin typeface="Arial" panose="020B0604020202020204" pitchFamily="34" charset="0"/>
+                          <a:cs typeface="Arial" panose="020B0604020202020204" pitchFamily="34" charset="0"/>
+                        </a:rPr>
+                        <a:t>[</a:t>
+                      </a:r>
+                      <a:endParaRPr lang="ru-RU" sz="1200" dirty="0">
+                        <a:solidFill>
+                          <a:schemeClr val="tx1"/>
+                        </a:solidFill>
+                        <a:effectLst/>
+                        <a:latin typeface="Arial" panose="020B0604020202020204" pitchFamily="34" charset="0"/>
+                        <a:cs typeface="Arial" panose="020B0604020202020204" pitchFamily="34" charset="0"/>
+                      </a:endParaRPr>
+                    </a:p>
+                    <a:p>
+                      <a:pPr indent="194310">
+                        <a:lnSpc>
+                          <a:spcPct val="107000"/>
+                        </a:lnSpc>
+                        <a:spcAft>
+                          <a:spcPts val="800"/>
+                        </a:spcAft>
+                      </a:pPr>
+                      <a:r>
+                        <a:rPr lang="en-US" sz="1200" dirty="0">
+                          <a:solidFill>
+                            <a:schemeClr val="tx1"/>
+                          </a:solidFill>
+                          <a:effectLst/>
+                          <a:latin typeface="Arial" panose="020B0604020202020204" pitchFamily="34" charset="0"/>
+                          <a:cs typeface="Arial" panose="020B0604020202020204" pitchFamily="34" charset="0"/>
+                        </a:rPr>
+                        <a:t>{</a:t>
+                      </a:r>
+                      <a:endParaRPr lang="ru-RU" sz="1200" dirty="0">
+                        <a:solidFill>
+                          <a:schemeClr val="tx1"/>
+                        </a:solidFill>
+                        <a:effectLst/>
+                        <a:latin typeface="Arial" panose="020B0604020202020204" pitchFamily="34" charset="0"/>
+                        <a:cs typeface="Arial" panose="020B0604020202020204" pitchFamily="34" charset="0"/>
+                      </a:endParaRPr>
+                    </a:p>
+                    <a:p>
+                      <a:pPr indent="374015">
+                        <a:lnSpc>
+                          <a:spcPct val="107000"/>
+                        </a:lnSpc>
+                        <a:spcAft>
+                          <a:spcPts val="800"/>
+                        </a:spcAft>
+                      </a:pPr>
+                      <a:r>
+                        <a:rPr lang="en-US" sz="1200" dirty="0">
+                          <a:solidFill>
+                            <a:schemeClr val="tx1"/>
+                          </a:solidFill>
+                          <a:effectLst/>
+                          <a:latin typeface="Arial" panose="020B0604020202020204" pitchFamily="34" charset="0"/>
+                          <a:cs typeface="Arial" panose="020B0604020202020204" pitchFamily="34" charset="0"/>
+                        </a:rPr>
+                        <a:t>email: ’hgtcpvshc@gmail.com’,</a:t>
+                      </a:r>
+                      <a:endParaRPr lang="ru-RU" sz="1200" dirty="0">
+                        <a:solidFill>
+                          <a:schemeClr val="tx1"/>
+                        </a:solidFill>
+                        <a:effectLst/>
+                        <a:latin typeface="Arial" panose="020B0604020202020204" pitchFamily="34" charset="0"/>
+                        <a:cs typeface="Arial" panose="020B0604020202020204" pitchFamily="34" charset="0"/>
+                      </a:endParaRPr>
+                    </a:p>
+                    <a:p>
+                      <a:pPr indent="374015">
+                        <a:lnSpc>
+                          <a:spcPct val="107000"/>
+                        </a:lnSpc>
+                        <a:spcAft>
+                          <a:spcPts val="800"/>
+                        </a:spcAft>
+                      </a:pPr>
+                      <a:r>
+                        <a:rPr lang="en-US" sz="1200" dirty="0">
+                          <a:solidFill>
+                            <a:schemeClr val="tx1"/>
+                          </a:solidFill>
+                          <a:effectLst/>
+                          <a:latin typeface="Arial" panose="020B0604020202020204" pitchFamily="34" charset="0"/>
+                          <a:cs typeface="Arial" panose="020B0604020202020204" pitchFamily="34" charset="0"/>
+                        </a:rPr>
+                        <a:t>password: ’1234’</a:t>
+                      </a:r>
+                      <a:endParaRPr lang="ru-RU" sz="1200" dirty="0">
+                        <a:solidFill>
+                          <a:schemeClr val="tx1"/>
+                        </a:solidFill>
+                        <a:effectLst/>
+                        <a:latin typeface="Arial" panose="020B0604020202020204" pitchFamily="34" charset="0"/>
+                        <a:cs typeface="Arial" panose="020B0604020202020204" pitchFamily="34" charset="0"/>
+                      </a:endParaRPr>
+                    </a:p>
+                    <a:p>
+                      <a:pPr indent="194310">
+                        <a:lnSpc>
+                          <a:spcPct val="107000"/>
+                        </a:lnSpc>
+                        <a:spcAft>
+                          <a:spcPts val="800"/>
+                        </a:spcAft>
+                      </a:pPr>
+                      <a:r>
+                        <a:rPr lang="en-US" sz="1200" dirty="0">
+                          <a:solidFill>
+                            <a:schemeClr val="tx1"/>
+                          </a:solidFill>
+                          <a:effectLst/>
+                          <a:latin typeface="Arial" panose="020B0604020202020204" pitchFamily="34" charset="0"/>
+                          <a:cs typeface="Arial" panose="020B0604020202020204" pitchFamily="34" charset="0"/>
+                        </a:rPr>
+                        <a:t>}</a:t>
+                      </a:r>
+                      <a:endParaRPr lang="ru-RU" sz="1200" dirty="0">
+                        <a:solidFill>
+                          <a:schemeClr val="tx1"/>
+                        </a:solidFill>
+                        <a:effectLst/>
+                        <a:latin typeface="Arial" panose="020B0604020202020204" pitchFamily="34" charset="0"/>
+                        <a:cs typeface="Arial" panose="020B0604020202020204" pitchFamily="34" charset="0"/>
+                      </a:endParaRPr>
+                    </a:p>
+                    <a:p>
+                      <a:pPr>
+                        <a:lnSpc>
+                          <a:spcPct val="107000"/>
+                        </a:lnSpc>
+                        <a:spcAft>
+                          <a:spcPts val="800"/>
+                        </a:spcAft>
+                      </a:pPr>
+                      <a:r>
+                        <a:rPr lang="en-US" sz="1200" dirty="0">
+                          <a:solidFill>
+                            <a:schemeClr val="tx1"/>
+                          </a:solidFill>
+                          <a:effectLst/>
+                          <a:latin typeface="Arial" panose="020B0604020202020204" pitchFamily="34" charset="0"/>
+                          <a:cs typeface="Arial" panose="020B0604020202020204" pitchFamily="34" charset="0"/>
+                        </a:rPr>
+                        <a:t>]</a:t>
+                      </a:r>
+                      <a:endParaRPr lang="ru-RU" sz="1200" dirty="0">
+                        <a:solidFill>
+                          <a:schemeClr val="tx1"/>
+                        </a:solidFill>
+                        <a:effectLst/>
+                        <a:latin typeface="Arial" panose="020B0604020202020204" pitchFamily="34" charset="0"/>
+                        <a:ea typeface="Calibri" panose="020F0502020204030204" pitchFamily="34" charset="0"/>
+                        <a:cs typeface="Arial" panose="020B0604020202020204" pitchFamily="34" charset="0"/>
+                      </a:endParaRPr>
+                    </a:p>
+                  </a:txBody>
+                  <a:tcPr marL="68580" marR="68580" marT="0" marB="0">
+                    <a:noFill/>
+                  </a:tcPr>
+                </a:tc>
+                <a:tc>
+                  <a:txBody>
+                    <a:bodyPr/>
+                    <a:lstStyle/>
+                    <a:p>
+                      <a:pPr>
+                        <a:lnSpc>
+                          <a:spcPct val="107000"/>
+                        </a:lnSpc>
+                        <a:spcAft>
+                          <a:spcPts val="800"/>
+                        </a:spcAft>
+                      </a:pPr>
+                      <a:r>
+                        <a:rPr lang="en-US" sz="1200">
+                          <a:solidFill>
+                            <a:schemeClr val="tx1"/>
+                          </a:solidFill>
+                          <a:effectLst/>
+                          <a:latin typeface="Arial" panose="020B0604020202020204" pitchFamily="34" charset="0"/>
+                          <a:cs typeface="Arial" panose="020B0604020202020204" pitchFamily="34" charset="0"/>
+                        </a:rPr>
+                        <a:t>Header: "Content-Type: application/json; charset=UTF-8"</a:t>
+                      </a:r>
+                      <a:endParaRPr lang="ru-RU" sz="1200">
+                        <a:solidFill>
+                          <a:schemeClr val="tx1"/>
+                        </a:solidFill>
+                        <a:effectLst/>
+                        <a:latin typeface="Arial" panose="020B0604020202020204" pitchFamily="34" charset="0"/>
+                        <a:cs typeface="Arial" panose="020B0604020202020204" pitchFamily="34" charset="0"/>
+                      </a:endParaRPr>
+                    </a:p>
+                    <a:p>
+                      <a:pPr>
+                        <a:lnSpc>
+                          <a:spcPct val="107000"/>
+                        </a:lnSpc>
+                        <a:spcAft>
+                          <a:spcPts val="800"/>
+                        </a:spcAft>
+                      </a:pPr>
+                      <a:r>
+                        <a:rPr lang="en-US" sz="1200">
+                          <a:solidFill>
+                            <a:schemeClr val="tx1"/>
+                          </a:solidFill>
+                          <a:effectLst/>
+                          <a:latin typeface="Arial" panose="020B0604020202020204" pitchFamily="34" charset="0"/>
+                          <a:cs typeface="Arial" panose="020B0604020202020204" pitchFamily="34" charset="0"/>
+                        </a:rPr>
+                        <a:t>Header: "Access-Control-Max-Age: 3600"</a:t>
+                      </a:r>
+                      <a:endParaRPr lang="ru-RU" sz="1200">
+                        <a:solidFill>
+                          <a:schemeClr val="tx1"/>
+                        </a:solidFill>
+                        <a:effectLst/>
+                        <a:latin typeface="Arial" panose="020B0604020202020204" pitchFamily="34" charset="0"/>
+                        <a:cs typeface="Arial" panose="020B0604020202020204" pitchFamily="34" charset="0"/>
+                      </a:endParaRPr>
+                    </a:p>
+                    <a:p>
+                      <a:pPr>
+                        <a:lnSpc>
+                          <a:spcPct val="107000"/>
+                        </a:lnSpc>
+                        <a:spcAft>
+                          <a:spcPts val="800"/>
+                        </a:spcAft>
+                      </a:pPr>
+                      <a:r>
+                        <a:rPr lang="en-US" sz="1200">
+                          <a:solidFill>
+                            <a:schemeClr val="tx1"/>
+                          </a:solidFill>
+                          <a:effectLst/>
+                          <a:latin typeface="Arial" panose="020B0604020202020204" pitchFamily="34" charset="0"/>
+                          <a:cs typeface="Arial" panose="020B0604020202020204" pitchFamily="34" charset="0"/>
+                        </a:rPr>
+                        <a:t>Header: "Access-Control-Allow-Headers: Content-Type, Access-Control-Allow-Headers, Authorization, X-Requested-With"</a:t>
+                      </a:r>
+                      <a:endParaRPr lang="ru-RU" sz="1200">
+                        <a:solidFill>
+                          <a:schemeClr val="tx1"/>
+                        </a:solidFill>
+                        <a:effectLst/>
+                        <a:latin typeface="Arial" panose="020B0604020202020204" pitchFamily="34" charset="0"/>
+                        <a:cs typeface="Arial" panose="020B0604020202020204" pitchFamily="34" charset="0"/>
+                      </a:endParaRPr>
+                    </a:p>
+                    <a:p>
+                      <a:pPr>
+                        <a:lnSpc>
+                          <a:spcPct val="107000"/>
+                        </a:lnSpc>
+                        <a:spcAft>
+                          <a:spcPts val="800"/>
+                        </a:spcAft>
+                      </a:pPr>
+                      <a:r>
+                        <a:rPr lang="en-US" sz="1200">
+                          <a:solidFill>
+                            <a:schemeClr val="tx1"/>
+                          </a:solidFill>
+                          <a:effectLst/>
+                          <a:latin typeface="Arial" panose="020B0604020202020204" pitchFamily="34" charset="0"/>
+                          <a:cs typeface="Arial" panose="020B0604020202020204" pitchFamily="34" charset="0"/>
+                        </a:rPr>
+                        <a:t>[</a:t>
+                      </a:r>
+                      <a:endParaRPr lang="ru-RU" sz="1200">
+                        <a:solidFill>
+                          <a:schemeClr val="tx1"/>
+                        </a:solidFill>
+                        <a:effectLst/>
+                        <a:latin typeface="Arial" panose="020B0604020202020204" pitchFamily="34" charset="0"/>
+                        <a:cs typeface="Arial" panose="020B0604020202020204" pitchFamily="34" charset="0"/>
+                      </a:endParaRPr>
+                    </a:p>
+                    <a:p>
+                      <a:pPr indent="194310">
+                        <a:lnSpc>
+                          <a:spcPct val="107000"/>
+                        </a:lnSpc>
+                        <a:spcAft>
+                          <a:spcPts val="800"/>
+                        </a:spcAft>
+                      </a:pPr>
+                      <a:r>
+                        <a:rPr lang="en-US" sz="1200">
+                          <a:solidFill>
+                            <a:schemeClr val="tx1"/>
+                          </a:solidFill>
+                          <a:effectLst/>
+                          <a:latin typeface="Arial" panose="020B0604020202020204" pitchFamily="34" charset="0"/>
+                          <a:cs typeface="Arial" panose="020B0604020202020204" pitchFamily="34" charset="0"/>
+                        </a:rPr>
+                        <a:t>{</a:t>
+                      </a:r>
+                      <a:endParaRPr lang="ru-RU" sz="1200">
+                        <a:solidFill>
+                          <a:schemeClr val="tx1"/>
+                        </a:solidFill>
+                        <a:effectLst/>
+                        <a:latin typeface="Arial" panose="020B0604020202020204" pitchFamily="34" charset="0"/>
+                        <a:cs typeface="Arial" panose="020B0604020202020204" pitchFamily="34" charset="0"/>
+                      </a:endParaRPr>
+                    </a:p>
+                    <a:p>
+                      <a:pPr indent="473075">
+                        <a:lnSpc>
+                          <a:spcPct val="107000"/>
+                        </a:lnSpc>
+                        <a:spcAft>
+                          <a:spcPts val="800"/>
+                        </a:spcAft>
+                      </a:pPr>
+                      <a:r>
+                        <a:rPr lang="en-US" sz="1200">
+                          <a:solidFill>
+                            <a:schemeClr val="tx1"/>
+                          </a:solidFill>
+                          <a:effectLst/>
+                          <a:latin typeface="Arial" panose="020B0604020202020204" pitchFamily="34" charset="0"/>
+                          <a:cs typeface="Arial" panose="020B0604020202020204" pitchFamily="34" charset="0"/>
+                        </a:rPr>
+                        <a:t>Massage: ’success’</a:t>
+                      </a:r>
+                      <a:endParaRPr lang="ru-RU" sz="1200">
+                        <a:solidFill>
+                          <a:schemeClr val="tx1"/>
+                        </a:solidFill>
+                        <a:effectLst/>
+                        <a:latin typeface="Arial" panose="020B0604020202020204" pitchFamily="34" charset="0"/>
+                        <a:cs typeface="Arial" panose="020B0604020202020204" pitchFamily="34" charset="0"/>
+                      </a:endParaRPr>
+                    </a:p>
+                    <a:p>
+                      <a:pPr indent="194310">
+                        <a:lnSpc>
+                          <a:spcPct val="107000"/>
+                        </a:lnSpc>
+                        <a:spcAft>
+                          <a:spcPts val="800"/>
+                        </a:spcAft>
+                      </a:pPr>
+                      <a:r>
+                        <a:rPr lang="en-US" sz="1200">
+                          <a:solidFill>
+                            <a:schemeClr val="tx1"/>
+                          </a:solidFill>
+                          <a:effectLst/>
+                          <a:latin typeface="Arial" panose="020B0604020202020204" pitchFamily="34" charset="0"/>
+                          <a:cs typeface="Arial" panose="020B0604020202020204" pitchFamily="34" charset="0"/>
+                        </a:rPr>
+                        <a:t>}</a:t>
+                      </a:r>
+                      <a:endParaRPr lang="ru-RU" sz="1200">
+                        <a:solidFill>
+                          <a:schemeClr val="tx1"/>
+                        </a:solidFill>
+                        <a:effectLst/>
+                        <a:latin typeface="Arial" panose="020B0604020202020204" pitchFamily="34" charset="0"/>
+                        <a:cs typeface="Arial" panose="020B0604020202020204" pitchFamily="34" charset="0"/>
+                      </a:endParaRPr>
+                    </a:p>
+                    <a:p>
+                      <a:pPr>
+                        <a:lnSpc>
+                          <a:spcPct val="107000"/>
+                        </a:lnSpc>
+                        <a:spcAft>
+                          <a:spcPts val="800"/>
+                        </a:spcAft>
+                      </a:pPr>
+                      <a:r>
+                        <a:rPr lang="en-US" sz="1200">
+                          <a:solidFill>
+                            <a:schemeClr val="tx1"/>
+                          </a:solidFill>
+                          <a:effectLst/>
+                          <a:latin typeface="Arial" panose="020B0604020202020204" pitchFamily="34" charset="0"/>
+                          <a:cs typeface="Arial" panose="020B0604020202020204" pitchFamily="34" charset="0"/>
+                        </a:rPr>
+                        <a:t>]</a:t>
+                      </a:r>
+                      <a:endParaRPr lang="ru-RU" sz="1200">
+                        <a:solidFill>
+                          <a:schemeClr val="tx1"/>
+                        </a:solidFill>
+                        <a:effectLst/>
+                        <a:latin typeface="Arial" panose="020B0604020202020204" pitchFamily="34" charset="0"/>
+                        <a:ea typeface="Calibri" panose="020F0502020204030204" pitchFamily="34" charset="0"/>
+                        <a:cs typeface="Arial" panose="020B0604020202020204" pitchFamily="34" charset="0"/>
+                      </a:endParaRPr>
+                    </a:p>
+                  </a:txBody>
+                  <a:tcPr marL="68580" marR="68580" marT="0" marB="0">
+                    <a:noFill/>
+                  </a:tcPr>
+                </a:tc>
+                <a:extLst>
+                  <a:ext uri="{0D108BD9-81ED-4DB2-BD59-A6C34878D82A}">
+                    <a16:rowId xmlns:a16="http://schemas.microsoft.com/office/drawing/2014/main" val="2602977926"/>
+                  </a:ext>
+                </a:extLst>
+              </a:tr>
+              <a:tr h="0">
+                <a:tc>
+                  <a:txBody>
+                    <a:bodyPr/>
+                    <a:lstStyle/>
+                    <a:p>
+                      <a:pPr>
+                        <a:lnSpc>
+                          <a:spcPct val="107000"/>
+                        </a:lnSpc>
+                        <a:spcAft>
+                          <a:spcPts val="800"/>
+                        </a:spcAft>
+                      </a:pPr>
+                      <a:r>
+                        <a:rPr lang="en-US" sz="1200">
+                          <a:solidFill>
+                            <a:schemeClr val="tx1"/>
+                          </a:solidFill>
+                          <a:effectLst/>
+                          <a:latin typeface="Arial" panose="020B0604020202020204" pitchFamily="34" charset="0"/>
+                          <a:cs typeface="Arial" panose="020B0604020202020204" pitchFamily="34" charset="0"/>
+                        </a:rPr>
+                        <a:t>POST</a:t>
+                      </a:r>
+                      <a:endParaRPr lang="ru-RU" sz="1200">
+                        <a:solidFill>
+                          <a:schemeClr val="tx1"/>
+                        </a:solidFill>
+                        <a:effectLst/>
+                        <a:latin typeface="Arial" panose="020B0604020202020204" pitchFamily="34" charset="0"/>
+                        <a:ea typeface="Calibri" panose="020F0502020204030204" pitchFamily="34" charset="0"/>
+                        <a:cs typeface="Arial" panose="020B0604020202020204" pitchFamily="34" charset="0"/>
+                      </a:endParaRPr>
+                    </a:p>
+                  </a:txBody>
+                  <a:tcPr marL="68580" marR="68580" marT="0" marB="0">
+                    <a:noFill/>
+                  </a:tcPr>
+                </a:tc>
+                <a:tc>
+                  <a:txBody>
+                    <a:bodyPr/>
+                    <a:lstStyle/>
+                    <a:p>
+                      <a:pPr>
+                        <a:lnSpc>
+                          <a:spcPct val="107000"/>
+                        </a:lnSpc>
+                        <a:spcAft>
+                          <a:spcPts val="800"/>
+                        </a:spcAft>
+                      </a:pPr>
+                      <a:r>
+                        <a:rPr lang="en-US" sz="1200" dirty="0">
+                          <a:solidFill>
+                            <a:schemeClr val="tx1"/>
+                          </a:solidFill>
+                          <a:effectLst/>
+                          <a:latin typeface="Arial" panose="020B0604020202020204" pitchFamily="34" charset="0"/>
+                          <a:cs typeface="Arial" panose="020B0604020202020204" pitchFamily="34" charset="0"/>
+                        </a:rPr>
+                        <a:t>Status: 20</a:t>
+                      </a:r>
+                      <a:r>
+                        <a:rPr lang="ru-RU" sz="1200" dirty="0">
+                          <a:solidFill>
+                            <a:schemeClr val="tx1"/>
+                          </a:solidFill>
+                          <a:effectLst/>
+                          <a:latin typeface="Arial" panose="020B0604020202020204" pitchFamily="34" charset="0"/>
+                          <a:cs typeface="Arial" panose="020B0604020202020204" pitchFamily="34" charset="0"/>
+                        </a:rPr>
+                        <a:t>1 </a:t>
+                      </a:r>
+                      <a:r>
+                        <a:rPr lang="en-US" sz="1200" dirty="0">
+                          <a:solidFill>
+                            <a:schemeClr val="tx1"/>
+                          </a:solidFill>
+                          <a:effectLst/>
+                          <a:latin typeface="Arial" panose="020B0604020202020204" pitchFamily="34" charset="0"/>
+                          <a:cs typeface="Arial" panose="020B0604020202020204" pitchFamily="34" charset="0"/>
+                        </a:rPr>
+                        <a:t>Accepted</a:t>
+                      </a:r>
+                      <a:endParaRPr lang="ru-RU" sz="1200" dirty="0">
+                        <a:solidFill>
+                          <a:schemeClr val="tx1"/>
+                        </a:solidFill>
+                        <a:effectLst/>
+                        <a:latin typeface="Arial" panose="020B0604020202020204" pitchFamily="34" charset="0"/>
+                        <a:ea typeface="Calibri" panose="020F0502020204030204" pitchFamily="34" charset="0"/>
+                        <a:cs typeface="Arial" panose="020B0604020202020204" pitchFamily="34" charset="0"/>
+                      </a:endParaRPr>
+                    </a:p>
+                  </a:txBody>
+                  <a:tcPr marL="68580" marR="68580" marT="0" marB="0">
+                    <a:noFill/>
+                  </a:tcPr>
+                </a:tc>
+                <a:extLst>
+                  <a:ext uri="{0D108BD9-81ED-4DB2-BD59-A6C34878D82A}">
+                    <a16:rowId xmlns:a16="http://schemas.microsoft.com/office/drawing/2014/main" val="2564795034"/>
+                  </a:ext>
+                </a:extLst>
+              </a:tr>
+            </a:tbl>
+          </a:graphicData>
+        </a:graphic>
+      </p:graphicFrame>
+    </p:spTree>
+    <p:extLst>
+      <p:ext uri="{BB962C8B-B14F-4D97-AF65-F5344CB8AC3E}">
+        <p14:creationId xmlns:p14="http://schemas.microsoft.com/office/powerpoint/2010/main" val="3593998296"/>
+      </p:ext>
+    </p:extLst>
+  </p:cSld>
+  <p:clrMapOvr>
+    <a:masterClrMapping/>
+  </p:clrMapOvr>
+</p:sld>
+</file>
+
+<file path=ppt/slides/slide13.xml><?xml version="1.0" encoding="utf-8"?>
+<p:sld xmlns:a="http://schemas.openxmlformats.org/drawingml/2006/main" xmlns:r="http://schemas.openxmlformats.org/officeDocument/2006/relationships" xmlns:p="http://schemas.openxmlformats.org/presentationml/2006/main">
+  <p:cSld>
+    <p:spTree>
+      <p:nvGrpSpPr>
+        <p:cNvPr id="1" name=""/>
+        <p:cNvGrpSpPr/>
+        <p:nvPr/>
+      </p:nvGrpSpPr>
+      <p:grpSpPr>
+        <a:xfrm>
+          <a:off x="0" y="0"/>
+          <a:ext cx="0" cy="0"/>
+          <a:chOff x="0" y="0"/>
+          <a:chExt cx="0" cy="0"/>
+        </a:xfrm>
+      </p:grpSpPr>
+      <p:sp>
+        <p:nvSpPr>
+          <p:cNvPr id="2" name="Заголовок 1">
+            <a:extLst>
+              <a:ext uri="{FF2B5EF4-FFF2-40B4-BE49-F238E27FC236}">
                 <a16:creationId xmlns:a16="http://schemas.microsoft.com/office/drawing/2014/main" id="{8DAC2B6D-2B73-47E4-BA12-B1E4F62F03CF}"/>
               </a:ext>
             </a:extLst>
@@ -4222,7 +6334,7 @@
 </p:sld>
 </file>
 
-<file path=ppt/slides/slide12.xml><?xml version="1.0" encoding="utf-8"?>
+<file path=ppt/slides/slide14.xml><?xml version="1.0" encoding="utf-8"?>
 <p:sld xmlns:a="http://schemas.openxmlformats.org/drawingml/2006/main" xmlns:r="http://schemas.openxmlformats.org/officeDocument/2006/relationships" xmlns:p="http://schemas.openxmlformats.org/presentationml/2006/main">
   <p:cSld>
     <p:spTree>
@@ -4431,7 +6543,22 @@
                 <a:latin typeface="Arial" panose="020B0604020202020204" pitchFamily="34" charset="0"/>
                 <a:cs typeface="Arial" panose="020B0604020202020204" pitchFamily="34" charset="0"/>
               </a:rPr>
-              <a:t>Автоматизировать процесс аренды и покупки фильмов, систему учёта фильмов, тем самым повысив эффективность работы предприятия.</a:t>
+              <a:t>Бизнес-целью проекта является:</a:t>
+            </a:r>
+          </a:p>
+          <a:p>
+            <a:pPr marL="0" indent="0" algn="just">
+              <a:lnSpc>
+                <a:spcPct val="150000"/>
+              </a:lnSpc>
+              <a:buNone/>
+            </a:pPr>
+            <a:r>
+              <a:rPr lang="ru-RU" sz="2400" dirty="0">
+                <a:latin typeface="Arial" panose="020B0604020202020204" pitchFamily="34" charset="0"/>
+                <a:cs typeface="Arial" panose="020B0604020202020204" pitchFamily="34" charset="0"/>
+              </a:rPr>
+              <a:t>Автоматизация системы предоставления медиаконтента</a:t>
             </a:r>
           </a:p>
         </p:txBody>
@@ -4468,371 +6595,129 @@
       </p:grpSpPr>
       <p:sp>
         <p:nvSpPr>
-          <p:cNvPr id="6" name="Объект 2">
+          <p:cNvPr id="2" name="Заголовок 1">
             <a:extLst>
               <a:ext uri="{FF2B5EF4-FFF2-40B4-BE49-F238E27FC236}">
-                <a16:creationId xmlns:a16="http://schemas.microsoft.com/office/drawing/2014/main" id="{DA25E945-989A-4417-B3D4-8A60E5D4613B}"/>
+                <a16:creationId xmlns:a16="http://schemas.microsoft.com/office/drawing/2014/main" id="{E90C3D9B-7C92-4959-82FF-81213911C51E}"/>
               </a:ext>
             </a:extLst>
           </p:cNvPr>
-          <p:cNvSpPr txBox="1">
-            <a:spLocks/>
-          </p:cNvSpPr>
-          <p:nvPr/>
-        </p:nvSpPr>
-        <p:spPr>
-          <a:xfrm>
-            <a:off x="1097280" y="1880949"/>
-            <a:ext cx="10058400" cy="1263292"/>
-          </a:xfrm>
-          <a:prstGeom prst="rect">
-            <a:avLst/>
-          </a:prstGeom>
-        </p:spPr>
-        <p:txBody>
-          <a:bodyPr vert="horz" lIns="0" tIns="45720" rIns="0" bIns="45720" rtlCol="0">
-            <a:normAutofit/>
-          </a:bodyPr>
-          <a:lstStyle>
-            <a:lvl1pPr marL="91440" indent="-91440" algn="l" defTabSz="914400" rtl="0" eaLnBrk="1" latinLnBrk="0" hangingPunct="1">
-              <a:lnSpc>
-                <a:spcPct val="90000"/>
-              </a:lnSpc>
-              <a:spcBef>
-                <a:spcPts val="1200"/>
-              </a:spcBef>
-              <a:spcAft>
-                <a:spcPts val="200"/>
-              </a:spcAft>
-              <a:buClr>
-                <a:schemeClr val="accent1"/>
-              </a:buClr>
-              <a:buSzPct val="100000"/>
-              <a:buFont typeface="Calibri" panose="020F0502020204030204" pitchFamily="34" charset="0"/>
-              <a:buChar char=" "/>
-              <a:defRPr sz="2000" kern="1200">
-                <a:solidFill>
-                  <a:schemeClr val="tx1">
-                    <a:lumMod val="75000"/>
-                    <a:lumOff val="25000"/>
-                  </a:schemeClr>
-                </a:solidFill>
-                <a:latin typeface="+mn-lt"/>
-                <a:ea typeface="+mn-ea"/>
-                <a:cs typeface="+mn-cs"/>
-              </a:defRPr>
-            </a:lvl1pPr>
-            <a:lvl2pPr marL="384048" indent="-182880" algn="l" defTabSz="914400" rtl="0" eaLnBrk="1" latinLnBrk="0" hangingPunct="1">
-              <a:lnSpc>
-                <a:spcPct val="90000"/>
-              </a:lnSpc>
-              <a:spcBef>
-                <a:spcPts val="200"/>
-              </a:spcBef>
-              <a:spcAft>
-                <a:spcPts val="400"/>
-              </a:spcAft>
-              <a:buClr>
-                <a:schemeClr val="accent1"/>
-              </a:buClr>
-              <a:buFont typeface="Calibri" pitchFamily="34" charset="0"/>
-              <a:buChar char="◦"/>
-              <a:defRPr sz="1800" kern="1200">
-                <a:solidFill>
-                  <a:schemeClr val="tx1">
-                    <a:lumMod val="75000"/>
-                    <a:lumOff val="25000"/>
-                  </a:schemeClr>
-                </a:solidFill>
-                <a:latin typeface="+mn-lt"/>
-                <a:ea typeface="+mn-ea"/>
-                <a:cs typeface="+mn-cs"/>
-              </a:defRPr>
-            </a:lvl2pPr>
-            <a:lvl3pPr marL="566928" indent="-182880" algn="l" defTabSz="914400" rtl="0" eaLnBrk="1" latinLnBrk="0" hangingPunct="1">
-              <a:lnSpc>
-                <a:spcPct val="90000"/>
-              </a:lnSpc>
-              <a:spcBef>
-                <a:spcPts val="200"/>
-              </a:spcBef>
-              <a:spcAft>
-                <a:spcPts val="400"/>
-              </a:spcAft>
-              <a:buClr>
-                <a:schemeClr val="accent1"/>
-              </a:buClr>
-              <a:buFont typeface="Calibri" pitchFamily="34" charset="0"/>
-              <a:buChar char="◦"/>
-              <a:defRPr sz="1400" kern="1200">
-                <a:solidFill>
-                  <a:schemeClr val="tx1">
-                    <a:lumMod val="75000"/>
-                    <a:lumOff val="25000"/>
-                  </a:schemeClr>
-                </a:solidFill>
-                <a:latin typeface="+mn-lt"/>
-                <a:ea typeface="+mn-ea"/>
-                <a:cs typeface="+mn-cs"/>
-              </a:defRPr>
-            </a:lvl3pPr>
-            <a:lvl4pPr marL="749808" indent="-182880" algn="l" defTabSz="914400" rtl="0" eaLnBrk="1" latinLnBrk="0" hangingPunct="1">
-              <a:lnSpc>
-                <a:spcPct val="90000"/>
-              </a:lnSpc>
-              <a:spcBef>
-                <a:spcPts val="200"/>
-              </a:spcBef>
-              <a:spcAft>
-                <a:spcPts val="400"/>
-              </a:spcAft>
-              <a:buClr>
-                <a:schemeClr val="accent1"/>
-              </a:buClr>
-              <a:buFont typeface="Calibri" pitchFamily="34" charset="0"/>
-              <a:buChar char="◦"/>
-              <a:defRPr sz="1400" kern="1200">
-                <a:solidFill>
-                  <a:schemeClr val="tx1">
-                    <a:lumMod val="75000"/>
-                    <a:lumOff val="25000"/>
-                  </a:schemeClr>
-                </a:solidFill>
-                <a:latin typeface="+mn-lt"/>
-                <a:ea typeface="+mn-ea"/>
-                <a:cs typeface="+mn-cs"/>
-              </a:defRPr>
-            </a:lvl4pPr>
-            <a:lvl5pPr marL="932688" indent="-182880" algn="l" defTabSz="914400" rtl="0" eaLnBrk="1" latinLnBrk="0" hangingPunct="1">
-              <a:lnSpc>
-                <a:spcPct val="90000"/>
-              </a:lnSpc>
-              <a:spcBef>
-                <a:spcPts val="200"/>
-              </a:spcBef>
-              <a:spcAft>
-                <a:spcPts val="400"/>
-              </a:spcAft>
-              <a:buClr>
-                <a:schemeClr val="accent1"/>
-              </a:buClr>
-              <a:buFont typeface="Calibri" pitchFamily="34" charset="0"/>
-              <a:buChar char="◦"/>
-              <a:defRPr sz="1400" kern="1200">
-                <a:solidFill>
-                  <a:schemeClr val="tx1">
-                    <a:lumMod val="75000"/>
-                    <a:lumOff val="25000"/>
-                  </a:schemeClr>
-                </a:solidFill>
-                <a:latin typeface="+mn-lt"/>
-                <a:ea typeface="+mn-ea"/>
-                <a:cs typeface="+mn-cs"/>
-              </a:defRPr>
-            </a:lvl5pPr>
-            <a:lvl6pPr marL="1100000" indent="-228600" algn="l" defTabSz="914400" rtl="0" eaLnBrk="1" latinLnBrk="0" hangingPunct="1">
-              <a:lnSpc>
-                <a:spcPct val="90000"/>
-              </a:lnSpc>
-              <a:spcBef>
-                <a:spcPts val="200"/>
-              </a:spcBef>
-              <a:spcAft>
-                <a:spcPts val="400"/>
-              </a:spcAft>
-              <a:buClr>
-                <a:schemeClr val="accent1"/>
-              </a:buClr>
-              <a:buFont typeface="Calibri" pitchFamily="34" charset="0"/>
-              <a:buChar char="◦"/>
-              <a:defRPr sz="1400" kern="1200">
-                <a:solidFill>
-                  <a:schemeClr val="tx1">
-                    <a:lumMod val="75000"/>
-                    <a:lumOff val="25000"/>
-                  </a:schemeClr>
-                </a:solidFill>
-                <a:latin typeface="+mn-lt"/>
-                <a:ea typeface="+mn-ea"/>
-                <a:cs typeface="+mn-cs"/>
-              </a:defRPr>
-            </a:lvl6pPr>
-            <a:lvl7pPr marL="1300000" indent="-228600" algn="l" defTabSz="914400" rtl="0" eaLnBrk="1" latinLnBrk="0" hangingPunct="1">
-              <a:lnSpc>
-                <a:spcPct val="90000"/>
-              </a:lnSpc>
-              <a:spcBef>
-                <a:spcPts val="200"/>
-              </a:spcBef>
-              <a:spcAft>
-                <a:spcPts val="400"/>
-              </a:spcAft>
-              <a:buClr>
-                <a:schemeClr val="accent1"/>
-              </a:buClr>
-              <a:buFont typeface="Calibri" pitchFamily="34" charset="0"/>
-              <a:buChar char="◦"/>
-              <a:defRPr sz="1400" kern="1200">
-                <a:solidFill>
-                  <a:schemeClr val="tx1">
-                    <a:lumMod val="75000"/>
-                    <a:lumOff val="25000"/>
-                  </a:schemeClr>
-                </a:solidFill>
-                <a:latin typeface="+mn-lt"/>
-                <a:ea typeface="+mn-ea"/>
-                <a:cs typeface="+mn-cs"/>
-              </a:defRPr>
-            </a:lvl7pPr>
-            <a:lvl8pPr marL="1500000" indent="-228600" algn="l" defTabSz="914400" rtl="0" eaLnBrk="1" latinLnBrk="0" hangingPunct="1">
-              <a:lnSpc>
-                <a:spcPct val="90000"/>
-              </a:lnSpc>
-              <a:spcBef>
-                <a:spcPts val="200"/>
-              </a:spcBef>
-              <a:spcAft>
-                <a:spcPts val="400"/>
-              </a:spcAft>
-              <a:buClr>
-                <a:schemeClr val="accent1"/>
-              </a:buClr>
-              <a:buFont typeface="Calibri" pitchFamily="34" charset="0"/>
-              <a:buChar char="◦"/>
-              <a:defRPr sz="1400" kern="1200">
-                <a:solidFill>
-                  <a:schemeClr val="tx1">
-                    <a:lumMod val="75000"/>
-                    <a:lumOff val="25000"/>
-                  </a:schemeClr>
-                </a:solidFill>
-                <a:latin typeface="+mn-lt"/>
-                <a:ea typeface="+mn-ea"/>
-                <a:cs typeface="+mn-cs"/>
-              </a:defRPr>
-            </a:lvl8pPr>
-            <a:lvl9pPr marL="1700000" indent="-228600" algn="l" defTabSz="914400" rtl="0" eaLnBrk="1" latinLnBrk="0" hangingPunct="1">
-              <a:lnSpc>
-                <a:spcPct val="90000"/>
-              </a:lnSpc>
-              <a:spcBef>
-                <a:spcPts val="200"/>
-              </a:spcBef>
-              <a:spcAft>
-                <a:spcPts val="400"/>
-              </a:spcAft>
-              <a:buClr>
-                <a:schemeClr val="accent1"/>
-              </a:buClr>
-              <a:buFont typeface="Calibri" pitchFamily="34" charset="0"/>
-              <a:buChar char="◦"/>
-              <a:defRPr sz="1400" kern="1200">
-                <a:solidFill>
-                  <a:schemeClr val="tx1">
-                    <a:lumMod val="75000"/>
-                    <a:lumOff val="25000"/>
-                  </a:schemeClr>
-                </a:solidFill>
-                <a:latin typeface="+mn-lt"/>
-                <a:ea typeface="+mn-ea"/>
-                <a:cs typeface="+mn-cs"/>
-              </a:defRPr>
-            </a:lvl9pPr>
-          </a:lstStyle>
-          <a:p>
-            <a:pPr marL="0" indent="0" algn="just">
-              <a:lnSpc>
-                <a:spcPct val="150000"/>
-              </a:lnSpc>
-              <a:buFont typeface="Calibri" panose="020F0502020204030204" pitchFamily="34" charset="0"/>
-              <a:buNone/>
-            </a:pPr>
-            <a:r>
-              <a:rPr lang="ru-RU" sz="2400" dirty="0">
-                <a:latin typeface="Arial" panose="020B0604020202020204" pitchFamily="34" charset="0"/>
-                <a:ea typeface="Times New Roman" panose="02020603050405020304" pitchFamily="18" charset="0"/>
-                <a:cs typeface="Arial" panose="020B0604020202020204" pitchFamily="34" charset="0"/>
-              </a:rPr>
-              <a:t>Разработка кода информационной системы для видеосалона, которая будет автоматизировать процесс аренды и покупки фильмов.</a:t>
-            </a:r>
-          </a:p>
-          <a:p>
-            <a:pPr marL="0" indent="0" algn="just">
-              <a:lnSpc>
-                <a:spcPct val="150000"/>
-              </a:lnSpc>
-              <a:buFont typeface="Calibri" panose="020F0502020204030204" pitchFamily="34" charset="0"/>
-              <a:buNone/>
-            </a:pPr>
-            <a:endParaRPr lang="ru-RU" sz="4800" spc="-50" dirty="0">
-              <a:latin typeface="+mj-lt"/>
-              <a:ea typeface="+mj-ea"/>
-              <a:cs typeface="+mj-cs"/>
-            </a:endParaRPr>
-          </a:p>
-        </p:txBody>
-      </p:sp>
-      <p:sp>
-        <p:nvSpPr>
-          <p:cNvPr id="4" name="Заголовок 1">
+          <p:cNvSpPr>
+            <a:spLocks noGrp="1"/>
+          </p:cNvSpPr>
+          <p:nvPr>
+            <p:ph type="title"/>
+          </p:nvPr>
+        </p:nvSpPr>
+        <p:spPr/>
+        <p:txBody>
+          <a:bodyPr/>
+          <a:lstStyle/>
+          <a:p>
+            <a:r>
+              <a:rPr lang="ru-RU" dirty="0"/>
+              <a:t>Цель и задачи проекта</a:t>
+            </a:r>
+          </a:p>
+        </p:txBody>
+      </p:sp>
+      <p:sp>
+        <p:nvSpPr>
+          <p:cNvPr id="3" name="Объект 2">
             <a:extLst>
               <a:ext uri="{FF2B5EF4-FFF2-40B4-BE49-F238E27FC236}">
-                <a16:creationId xmlns:a16="http://schemas.microsoft.com/office/drawing/2014/main" id="{5F3C77D8-E12C-42C4-8BFA-158BFCD74778}"/>
+                <a16:creationId xmlns:a16="http://schemas.microsoft.com/office/drawing/2014/main" id="{E192A5D4-CF5F-4902-839D-93BE4623B5B8}"/>
               </a:ext>
             </a:extLst>
           </p:cNvPr>
-          <p:cNvSpPr txBox="1">
-            <a:spLocks/>
-          </p:cNvSpPr>
-          <p:nvPr/>
-        </p:nvSpPr>
-        <p:spPr>
-          <a:xfrm>
-            <a:off x="1097280" y="286603"/>
-            <a:ext cx="10058400" cy="1450757"/>
-          </a:xfrm>
-          <a:prstGeom prst="rect">
-            <a:avLst/>
-          </a:prstGeom>
-        </p:spPr>
-        <p:txBody>
-          <a:bodyPr vert="horz" lIns="91440" tIns="45720" rIns="91440" bIns="45720" rtlCol="0" anchor="b">
-            <a:normAutofit/>
-          </a:bodyPr>
-          <a:lstStyle>
-            <a:lvl1pPr algn="l" defTabSz="914400" rtl="0" eaLnBrk="1" latinLnBrk="0" hangingPunct="1">
-              <a:lnSpc>
-                <a:spcPct val="85000"/>
-              </a:lnSpc>
-              <a:spcBef>
-                <a:spcPct val="0"/>
-              </a:spcBef>
-              <a:buNone/>
-              <a:defRPr sz="4800" kern="1200" spc="-50" baseline="0">
-                <a:solidFill>
-                  <a:schemeClr val="tx1">
-                    <a:lumMod val="75000"/>
-                    <a:lumOff val="25000"/>
-                  </a:schemeClr>
-                </a:solidFill>
-                <a:latin typeface="+mj-lt"/>
-                <a:ea typeface="+mj-ea"/>
-                <a:cs typeface="+mj-cs"/>
-              </a:defRPr>
-            </a:lvl1pPr>
-          </a:lstStyle>
+          <p:cNvSpPr>
+            <a:spLocks noGrp="1"/>
+          </p:cNvSpPr>
+          <p:nvPr>
+            <p:ph idx="1"/>
+          </p:nvPr>
+        </p:nvSpPr>
+        <p:spPr/>
+        <p:txBody>
+          <a:bodyPr/>
+          <a:lstStyle/>
           <a:p>
             <a:r>
               <a:rPr lang="ru-RU" dirty="0"/>
-              <a:t>Задача работы</a:t>
-            </a:r>
+              <a:t>Целью проекта была разработка кода информационной системы для работы видеосалона</a:t>
+            </a:r>
+          </a:p>
+          <a:p>
+            <a:r>
+              <a:rPr lang="ru-RU" dirty="0"/>
+              <a:t>Задачи </a:t>
+            </a:r>
+            <a:r>
+              <a:rPr lang="en-US" dirty="0" err="1"/>
+              <a:t>FullStack</a:t>
+            </a:r>
+            <a:r>
+              <a:rPr lang="en-US" dirty="0"/>
+              <a:t>:</a:t>
+            </a:r>
+          </a:p>
+          <a:p>
+            <a:pPr marL="720725" indent="-276225">
+              <a:buFont typeface="Arial" panose="020B0604020202020204" pitchFamily="34" charset="0"/>
+              <a:buChar char="•"/>
+            </a:pPr>
+            <a:r>
+              <a:rPr lang="ru-RU" dirty="0"/>
+              <a:t>Создание базы данных</a:t>
+            </a:r>
+          </a:p>
+          <a:p>
+            <a:pPr marL="720725" indent="-276225">
+              <a:buFont typeface="Arial" panose="020B0604020202020204" pitchFamily="34" charset="0"/>
+              <a:buChar char="•"/>
+            </a:pPr>
+            <a:r>
+              <a:rPr lang="ru-RU" dirty="0"/>
+              <a:t>Реализация </a:t>
+            </a:r>
+            <a:r>
+              <a:rPr lang="en-US" dirty="0"/>
+              <a:t>API</a:t>
+            </a:r>
+          </a:p>
+          <a:p>
+            <a:pPr marL="720725" indent="-276225">
+              <a:buFont typeface="Arial" panose="020B0604020202020204" pitchFamily="34" charset="0"/>
+              <a:buChar char="•"/>
+            </a:pPr>
+            <a:r>
+              <a:rPr lang="ru-RU" dirty="0"/>
+              <a:t>Создание пользовательского интерфейса</a:t>
+            </a:r>
+          </a:p>
+          <a:p>
+            <a:pPr marL="720725" indent="-276225">
+              <a:buFont typeface="Arial" panose="020B0604020202020204" pitchFamily="34" charset="0"/>
+              <a:buChar char="•"/>
+            </a:pPr>
+            <a:r>
+              <a:rPr lang="ru-RU" dirty="0"/>
+              <a:t>Построение веб страницы на основе данных из </a:t>
+            </a:r>
+            <a:r>
+              <a:rPr lang="en-US" dirty="0"/>
+              <a:t>API</a:t>
+            </a:r>
+          </a:p>
+          <a:p>
+            <a:endParaRPr lang="ru-RU" dirty="0"/>
           </a:p>
         </p:txBody>
       </p:sp>
     </p:spTree>
     <p:extLst>
       <p:ext uri="{BB962C8B-B14F-4D97-AF65-F5344CB8AC3E}">
-        <p14:creationId xmlns:p14="http://schemas.microsoft.com/office/powerpoint/2010/main" val="1411215383"/>
+        <p14:creationId xmlns:p14="http://schemas.microsoft.com/office/powerpoint/2010/main" val="778025058"/>
       </p:ext>
     </p:extLst>
   </p:cSld>
@@ -4864,7 +6749,7 @@
           <p:cNvPr id="2" name="Заголовок 1">
             <a:extLst>
               <a:ext uri="{FF2B5EF4-FFF2-40B4-BE49-F238E27FC236}">
-                <a16:creationId xmlns:a16="http://schemas.microsoft.com/office/drawing/2014/main" id="{DAC56440-DDF6-4632-9410-184E9787BF65}"/>
+                <a16:creationId xmlns:a16="http://schemas.microsoft.com/office/drawing/2014/main" id="{D3EDBF60-4D8A-4639-AF82-7B86BDAFDBF5}"/>
               </a:ext>
             </a:extLst>
           </p:cNvPr>
@@ -4881,9 +6766,10 @@
           <a:lstStyle/>
           <a:p>
             <a:r>
-              <a:rPr lang="ru-RU" dirty="0"/>
-              <a:t>Задачи перед разработчиком</a:t>
-            </a:r>
+              <a:rPr lang="en-US" dirty="0"/>
+              <a:t>MVP</a:t>
+            </a:r>
+            <a:endParaRPr lang="ru-RU" dirty="0"/>
           </a:p>
         </p:txBody>
       </p:sp>
@@ -4892,7 +6778,7 @@
           <p:cNvPr id="3" name="Объект 2">
             <a:extLst>
               <a:ext uri="{FF2B5EF4-FFF2-40B4-BE49-F238E27FC236}">
-                <a16:creationId xmlns:a16="http://schemas.microsoft.com/office/drawing/2014/main" id="{7E2FFCF8-C0BD-4BFC-B66F-B1D7EAB6676B}"/>
+                <a16:creationId xmlns:a16="http://schemas.microsoft.com/office/drawing/2014/main" id="{AC856EAA-8181-4922-BC6B-4170DC4F3BCD}"/>
               </a:ext>
             </a:extLst>
           </p:cNvPr>
@@ -4909,30 +6795,51 @@
           <a:lstStyle/>
           <a:p>
             <a:r>
-              <a:rPr lang="ru-RU" sz="2400" dirty="0">
+              <a:rPr lang="en-US" dirty="0">
                 <a:latin typeface="Arial" panose="020B0604020202020204" pitchFamily="34" charset="0"/>
                 <a:cs typeface="Arial" panose="020B0604020202020204" pitchFamily="34" charset="0"/>
               </a:rPr>
-              <a:t>1) проектирование базы данных</a:t>
-            </a:r>
-          </a:p>
-          <a:p>
-            <a:r>
-              <a:rPr lang="ru-RU" sz="2400" dirty="0">
+              <a:t>MVP </a:t>
+            </a:r>
+            <a:r>
+              <a:rPr lang="ru-RU" dirty="0">
                 <a:latin typeface="Arial" panose="020B0604020202020204" pitchFamily="34" charset="0"/>
                 <a:cs typeface="Arial" panose="020B0604020202020204" pitchFamily="34" charset="0"/>
               </a:rPr>
-              <a:t>2) разработка </a:t>
-            </a:r>
-            <a:r>
-              <a:rPr lang="en-US" sz="2400" dirty="0">
+              <a:t>ИС для видеосалона:</a:t>
+            </a:r>
+            <a:endParaRPr lang="ru-RU" sz="2000" dirty="0">
+              <a:latin typeface="Arial" panose="020B0604020202020204" pitchFamily="34" charset="0"/>
+              <a:cs typeface="Arial" panose="020B0604020202020204" pitchFamily="34" charset="0"/>
+            </a:endParaRPr>
+          </a:p>
+          <a:p>
+            <a:pPr marL="693738" indent="-342900">
+              <a:buFont typeface="Arial" panose="020B0604020202020204" pitchFamily="34" charset="0"/>
+              <a:buChar char="•"/>
+            </a:pPr>
+            <a:r>
+              <a:rPr lang="ru-RU" sz="2000" dirty="0">
+                <a:latin typeface="Arial" panose="020B0604020202020204" pitchFamily="34" charset="0"/>
+                <a:cs typeface="Arial" panose="020B0604020202020204" pitchFamily="34" charset="0"/>
+              </a:rPr>
+              <a:t>База данных</a:t>
+            </a:r>
+          </a:p>
+          <a:p>
+            <a:pPr marL="693738" indent="-342900">
+              <a:buFont typeface="Arial" panose="020B0604020202020204" pitchFamily="34" charset="0"/>
+              <a:buChar char="•"/>
+            </a:pPr>
+            <a:r>
+              <a:rPr lang="en-US" sz="2000" dirty="0">
                 <a:latin typeface="Arial" panose="020B0604020202020204" pitchFamily="34" charset="0"/>
                 <a:cs typeface="Arial" panose="020B0604020202020204" pitchFamily="34" charset="0"/>
               </a:rPr>
               <a:t>API </a:t>
             </a:r>
             <a:r>
-              <a:rPr lang="ru-RU" sz="2400" dirty="0">
+              <a:rPr lang="ru-RU" sz="2000" dirty="0">
                 <a:latin typeface="Arial" panose="020B0604020202020204" pitchFamily="34" charset="0"/>
                 <a:cs typeface="Arial" panose="020B0604020202020204" pitchFamily="34" charset="0"/>
               </a:rPr>
@@ -4940,85 +6847,69 @@
             </a:r>
           </a:p>
           <a:p>
-            <a:r>
-              <a:rPr lang="ru-RU" sz="2400" dirty="0">
-                <a:latin typeface="Arial" panose="020B0604020202020204" pitchFamily="34" charset="0"/>
-                <a:cs typeface="Arial" panose="020B0604020202020204" pitchFamily="34" charset="0"/>
-              </a:rPr>
-              <a:t>3) формирование </a:t>
-            </a:r>
-            <a:r>
-              <a:rPr lang="en-US" sz="2400" dirty="0">
+            <a:pPr marL="693738" indent="-342900">
+              <a:buFont typeface="Arial" panose="020B0604020202020204" pitchFamily="34" charset="0"/>
+              <a:buChar char="•"/>
+            </a:pPr>
+            <a:r>
+              <a:rPr lang="en-US" sz="2000" dirty="0">
                 <a:latin typeface="Arial" panose="020B0604020202020204" pitchFamily="34" charset="0"/>
                 <a:cs typeface="Arial" panose="020B0604020202020204" pitchFamily="34" charset="0"/>
               </a:rPr>
               <a:t>AJAX </a:t>
             </a:r>
             <a:r>
-              <a:rPr lang="ru-RU" sz="2400" dirty="0">
+              <a:rPr lang="ru-RU" sz="2000" dirty="0">
                 <a:latin typeface="Arial" panose="020B0604020202020204" pitchFamily="34" charset="0"/>
                 <a:cs typeface="Arial" panose="020B0604020202020204" pitchFamily="34" charset="0"/>
               </a:rPr>
-              <a:t>запросов к </a:t>
-            </a:r>
-            <a:r>
-              <a:rPr lang="en-US" sz="2400" dirty="0">
+              <a:t>запросы к </a:t>
+            </a:r>
+            <a:r>
+              <a:rPr lang="en-US" sz="2000" dirty="0">
                 <a:latin typeface="Arial" panose="020B0604020202020204" pitchFamily="34" charset="0"/>
                 <a:cs typeface="Arial" panose="020B0604020202020204" pitchFamily="34" charset="0"/>
               </a:rPr>
               <a:t>API</a:t>
             </a:r>
-            <a:endParaRPr lang="ru-RU" sz="2400" dirty="0">
+            <a:endParaRPr lang="ru-RU" sz="2000" dirty="0">
               <a:latin typeface="Arial" panose="020B0604020202020204" pitchFamily="34" charset="0"/>
               <a:cs typeface="Arial" panose="020B0604020202020204" pitchFamily="34" charset="0"/>
             </a:endParaRPr>
           </a:p>
           <a:p>
-            <a:r>
-              <a:rPr lang="ru-RU" sz="2400" dirty="0">
+            <a:pPr marL="693738" indent="-342900">
+              <a:buFont typeface="Arial" panose="020B0604020202020204" pitchFamily="34" charset="0"/>
+              <a:buChar char="•"/>
+            </a:pPr>
+            <a:r>
+              <a:rPr lang="ru-RU" sz="2000" dirty="0">
                 <a:latin typeface="Arial" panose="020B0604020202020204" pitchFamily="34" charset="0"/>
                 <a:cs typeface="Arial" panose="020B0604020202020204" pitchFamily="34" charset="0"/>
               </a:rPr>
-              <a:t>4) построение веб страницы на основе </a:t>
-            </a:r>
-            <a:r>
-              <a:rPr lang="ru-RU" sz="2400" dirty="0" err="1">
-                <a:latin typeface="Arial" panose="020B0604020202020204" pitchFamily="34" charset="0"/>
-                <a:cs typeface="Arial" panose="020B0604020202020204" pitchFamily="34" charset="0"/>
-              </a:rPr>
-              <a:t>полученых</a:t>
-            </a:r>
-            <a:r>
-              <a:rPr lang="ru-RU" sz="2400" dirty="0">
-                <a:latin typeface="Arial" panose="020B0604020202020204" pitchFamily="34" charset="0"/>
-                <a:cs typeface="Arial" panose="020B0604020202020204" pitchFamily="34" charset="0"/>
-              </a:rPr>
-              <a:t> </a:t>
-            </a:r>
-            <a:r>
-              <a:rPr lang="en-US" sz="2400" dirty="0">
+              <a:t>веб страница на основе полученных </a:t>
+            </a:r>
+            <a:r>
+              <a:rPr lang="en-US" sz="2000" dirty="0">
                 <a:latin typeface="Arial" panose="020B0604020202020204" pitchFamily="34" charset="0"/>
                 <a:cs typeface="Arial" panose="020B0604020202020204" pitchFamily="34" charset="0"/>
               </a:rPr>
               <a:t>JSON </a:t>
             </a:r>
             <a:r>
-              <a:rPr lang="ru-RU" sz="2400" dirty="0">
+              <a:rPr lang="ru-RU" sz="2000" dirty="0">
                 <a:latin typeface="Arial" panose="020B0604020202020204" pitchFamily="34" charset="0"/>
                 <a:cs typeface="Arial" panose="020B0604020202020204" pitchFamily="34" charset="0"/>
               </a:rPr>
               <a:t>данных</a:t>
             </a:r>
           </a:p>
-          <a:p>
-            <a:endParaRPr lang="ru-RU" dirty="0"/>
-          </a:p>
         </p:txBody>
       </p:sp>
     </p:spTree>
     <p:extLst>
       <p:ext uri="{BB962C8B-B14F-4D97-AF65-F5344CB8AC3E}">
-        <p14:creationId xmlns:p14="http://schemas.microsoft.com/office/powerpoint/2010/main" val="3066556992"/>
+        <p14:creationId xmlns:p14="http://schemas.microsoft.com/office/powerpoint/2010/main" val="3787968199"/>
       </p:ext>
     </p:extLst>
   </p:cSld>
@@ -5189,7 +7080,21 @@
                 <a:latin typeface="Arial" panose="020B0604020202020204" pitchFamily="34" charset="0"/>
                 <a:cs typeface="Arial" panose="020B0604020202020204" pitchFamily="34" charset="0"/>
               </a:rPr>
-              <a:t>для локального хостинга приложения.</a:t>
+              <a:t>для локального хостинга приложения, редактор </a:t>
+            </a:r>
+            <a:r>
+              <a:rPr lang="en-US" sz="2400" dirty="0">
+                <a:latin typeface="Arial" panose="020B0604020202020204" pitchFamily="34" charset="0"/>
+                <a:cs typeface="Arial" panose="020B0604020202020204" pitchFamily="34" charset="0"/>
+              </a:rPr>
+              <a:t>Visual Studio Code</a:t>
+            </a:r>
+            <a:r>
+              <a:rPr lang="ru-RU" sz="2400" dirty="0">
+                <a:latin typeface="Arial" panose="020B0604020202020204" pitchFamily="34" charset="0"/>
+                <a:cs typeface="Arial" panose="020B0604020202020204" pitchFamily="34" charset="0"/>
+              </a:rPr>
+              <a:t>.</a:t>
             </a:r>
           </a:p>
           <a:p>
@@ -5393,7 +7298,7 @@
           <p:cNvPr id="2" name="Заголовок 1">
             <a:extLst>
               <a:ext uri="{FF2B5EF4-FFF2-40B4-BE49-F238E27FC236}">
-                <a16:creationId xmlns:a16="http://schemas.microsoft.com/office/drawing/2014/main" id="{BE32E8DD-F446-4D39-A8EC-9422D25AAC08}"/>
+                <a16:creationId xmlns:a16="http://schemas.microsoft.com/office/drawing/2014/main" id="{37F44F9A-7B99-4180-8289-583BE44F5C7D}"/>
               </a:ext>
             </a:extLst>
           </p:cNvPr>
@@ -5411,26 +7316,21 @@
           <a:p>
             <a:r>
               <a:rPr lang="en-US" dirty="0"/>
-              <a:t>Activity</a:t>
+              <a:t>Activity </a:t>
             </a:r>
             <a:r>
               <a:rPr lang="ru-RU" dirty="0"/>
-              <a:t> пользователя</a:t>
-            </a:r>
-            <a:r>
-              <a:rPr lang="en-US" dirty="0"/>
-              <a:t> </a:t>
-            </a:r>
-            <a:endParaRPr lang="ru-RU" dirty="0"/>
+              <a:t>диаграмма</a:t>
+            </a:r>
           </a:p>
         </p:txBody>
       </p:sp>
       <p:pic>
         <p:nvPicPr>
-          <p:cNvPr id="11" name="Рисунок 10">
+          <p:cNvPr id="5" name="Рисунок 4">
             <a:extLst>
               <a:ext uri="{FF2B5EF4-FFF2-40B4-BE49-F238E27FC236}">
-                <a16:creationId xmlns:a16="http://schemas.microsoft.com/office/drawing/2014/main" id="{95758B3A-385D-40E0-ADC3-9E8FD36AB261}"/>
+                <a16:creationId xmlns:a16="http://schemas.microsoft.com/office/drawing/2014/main" id="{F47CCA98-3F06-4A4B-AEF4-67DD59090EE8}"/>
               </a:ext>
             </a:extLst>
           </p:cNvPr>
@@ -5447,8 +7347,38 @@
         </p:blipFill>
         <p:spPr>
           <a:xfrm>
-            <a:off x="1280900" y="1941032"/>
-            <a:ext cx="9630200" cy="4062194"/>
+            <a:off x="1097280" y="1856654"/>
+            <a:ext cx="3391593" cy="4270046"/>
+          </a:xfrm>
+          <a:prstGeom prst="rect">
+            <a:avLst/>
+          </a:prstGeom>
+        </p:spPr>
+      </p:pic>
+      <p:pic>
+        <p:nvPicPr>
+          <p:cNvPr id="7" name="Рисунок 6">
+            <a:extLst>
+              <a:ext uri="{FF2B5EF4-FFF2-40B4-BE49-F238E27FC236}">
+                <a16:creationId xmlns:a16="http://schemas.microsoft.com/office/drawing/2014/main" id="{FFC30652-3727-48EF-AE36-D88C58CA9E56}"/>
+              </a:ext>
+            </a:extLst>
+          </p:cNvPr>
+          <p:cNvPicPr>
+            <a:picLocks noChangeAspect="1"/>
+          </p:cNvPicPr>
+          <p:nvPr/>
+        </p:nvPicPr>
+        <p:blipFill>
+          <a:blip r:embed="rId3"/>
+          <a:stretch>
+            <a:fillRect/>
+          </a:stretch>
+        </p:blipFill>
+        <p:spPr>
+          <a:xfrm>
+            <a:off x="5264726" y="1821420"/>
+            <a:ext cx="5244235" cy="4305280"/>
           </a:xfrm>
           <a:prstGeom prst="rect">
             <a:avLst/>
@@ -5458,7 +7388,7 @@
     </p:spTree>
     <p:extLst>
       <p:ext uri="{BB962C8B-B14F-4D97-AF65-F5344CB8AC3E}">
-        <p14:creationId xmlns:p14="http://schemas.microsoft.com/office/powerpoint/2010/main" val="881918466"/>
+        <p14:creationId xmlns:p14="http://schemas.microsoft.com/office/powerpoint/2010/main" val="1735127333"/>
       </p:ext>
     </p:extLst>
   </p:cSld>
@@ -5490,7 +7420,7 @@
           <p:cNvPr id="2" name="Заголовок 1">
             <a:extLst>
               <a:ext uri="{FF2B5EF4-FFF2-40B4-BE49-F238E27FC236}">
-                <a16:creationId xmlns:a16="http://schemas.microsoft.com/office/drawing/2014/main" id="{23A9AD64-2348-445C-852B-036C3438FC90}"/>
+                <a16:creationId xmlns:a16="http://schemas.microsoft.com/office/drawing/2014/main" id="{3575FB3E-DB31-4FBE-A76F-5162A3F7A82D}"/>
               </a:ext>
             </a:extLst>
           </p:cNvPr>
@@ -5507,22 +7437,18 @@
           <a:lstStyle/>
           <a:p>
             <a:r>
-              <a:rPr lang="en-US" dirty="0"/>
-              <a:t>Activity</a:t>
-            </a:r>
-            <a:r>
               <a:rPr lang="ru-RU" dirty="0"/>
-              <a:t> администратора</a:t>
+              <a:t>Схема базы данных</a:t>
             </a:r>
           </a:p>
         </p:txBody>
       </p:sp>
       <p:pic>
         <p:nvPicPr>
-          <p:cNvPr id="7" name="Рисунок 6">
+          <p:cNvPr id="5" name="Рисунок 4">
             <a:extLst>
               <a:ext uri="{FF2B5EF4-FFF2-40B4-BE49-F238E27FC236}">
-                <a16:creationId xmlns:a16="http://schemas.microsoft.com/office/drawing/2014/main" id="{437AB327-81C3-48C3-8BED-3CFCBD5202E6}"/>
+                <a16:creationId xmlns:a16="http://schemas.microsoft.com/office/drawing/2014/main" id="{5472ADF7-30F6-4371-8FA3-E90BB84EA8C3}"/>
               </a:ext>
             </a:extLst>
           </p:cNvPr>
@@ -5531,15 +7457,16 @@
           </p:cNvPicPr>
           <p:nvPr/>
         </p:nvPicPr>
-        <p:blipFill rotWithShape="1">
+        <p:blipFill>
           <a:blip r:embed="rId2"/>
-          <a:srcRect r="534"/>
-          <a:stretch/>
+          <a:stretch>
+            <a:fillRect/>
+          </a:stretch>
         </p:blipFill>
         <p:spPr>
           <a:xfrm>
-            <a:off x="839828" y="2251907"/>
-            <a:ext cx="10315852" cy="3092392"/>
+            <a:off x="1813560" y="1995784"/>
+            <a:ext cx="8564880" cy="3964982"/>
           </a:xfrm>
           <a:prstGeom prst="rect">
             <a:avLst/>
@@ -5549,7 +7476,7 @@
     </p:spTree>
     <p:extLst>
       <p:ext uri="{BB962C8B-B14F-4D97-AF65-F5344CB8AC3E}">
-        <p14:creationId xmlns:p14="http://schemas.microsoft.com/office/powerpoint/2010/main" val="4063809082"/>
+        <p14:creationId xmlns:p14="http://schemas.microsoft.com/office/powerpoint/2010/main" val="235859999"/>
       </p:ext>
     </p:extLst>
   </p:cSld>
@@ -5581,7 +7508,7 @@
           <p:cNvPr id="2" name="Заголовок 1">
             <a:extLst>
               <a:ext uri="{FF2B5EF4-FFF2-40B4-BE49-F238E27FC236}">
-                <a16:creationId xmlns:a16="http://schemas.microsoft.com/office/drawing/2014/main" id="{8781DB86-B1D1-4591-B65B-2418DCE2F2EE}"/>
+                <a16:creationId xmlns:a16="http://schemas.microsoft.com/office/drawing/2014/main" id="{965AFF78-315C-4E78-B3F1-58DFD54F5688}"/>
               </a:ext>
             </a:extLst>
           </p:cNvPr>
@@ -5599,7 +7526,7 @@
           <a:p>
             <a:r>
               <a:rPr lang="en-US" dirty="0"/>
-              <a:t>Rest API</a:t>
+              <a:t>API</a:t>
             </a:r>
             <a:endParaRPr lang="ru-RU" dirty="0"/>
           </a:p>
@@ -5610,7 +7537,7 @@
           <p:cNvPr id="3" name="Объект 2">
             <a:extLst>
               <a:ext uri="{FF2B5EF4-FFF2-40B4-BE49-F238E27FC236}">
-                <a16:creationId xmlns:a16="http://schemas.microsoft.com/office/drawing/2014/main" id="{B033BC2C-9B0D-4EFB-859B-D4C14FFC2515}"/>
+                <a16:creationId xmlns:a16="http://schemas.microsoft.com/office/drawing/2014/main" id="{79D92FBF-B1A8-4BD1-BC4B-36F0393DDBC7}"/>
               </a:ext>
             </a:extLst>
           </p:cNvPr>
@@ -5627,81 +7554,130 @@
           <a:lstStyle/>
           <a:p>
             <a:r>
-              <a:rPr lang="ru-RU" b="1" i="0" dirty="0">
-                <a:solidFill>
-                  <a:srgbClr val="484848"/>
-                </a:solidFill>
-                <a:effectLst/>
-                <a:latin typeface="TT Norms Pro"/>
-              </a:rPr>
-              <a:t>REST API</a:t>
-            </a:r>
-            <a:r>
-              <a:rPr lang="ru-RU" b="0" i="0" dirty="0">
-                <a:solidFill>
-                  <a:srgbClr val="484848"/>
-                </a:solidFill>
-                <a:effectLst/>
-                <a:latin typeface="TT Norms Pro"/>
-              </a:rPr>
-              <a:t> — это когда серверное приложение дает доступ к своим данным клиентскому приложению по определенному URL.</a:t>
-            </a:r>
-            <a:endParaRPr lang="en-US" b="0" i="0" dirty="0">
-              <a:solidFill>
-                <a:srgbClr val="484848"/>
-              </a:solidFill>
-              <a:effectLst/>
-              <a:latin typeface="TT Norms Pro"/>
-            </a:endParaRPr>
-          </a:p>
-          <a:p>
-            <a:endParaRPr lang="ru-RU" dirty="0"/>
+              <a:rPr lang="ru-RU" dirty="0"/>
+              <a:t>Структура файлов </a:t>
+            </a:r>
+            <a:r>
+              <a:rPr lang="en-US" dirty="0"/>
+              <a:t>API</a:t>
+            </a:r>
+            <a:r>
+              <a:rPr lang="ru-RU" dirty="0"/>
+              <a:t>:</a:t>
+            </a:r>
+          </a:p>
+          <a:p>
+            <a:pPr marL="628650" indent="360363">
+              <a:buFont typeface="Arial" panose="020B0604020202020204" pitchFamily="34" charset="0"/>
+              <a:buChar char="•"/>
+            </a:pPr>
+            <a:r>
+              <a:rPr lang="ru-RU" dirty="0"/>
+              <a:t>папка </a:t>
+            </a:r>
+            <a:r>
+              <a:rPr lang="en-US" dirty="0"/>
+              <a:t>Config: </a:t>
+            </a:r>
+            <a:r>
+              <a:rPr lang="ru-RU" dirty="0"/>
+              <a:t>файл конфигурации базы данных</a:t>
+            </a:r>
+            <a:endParaRPr lang="en-US" dirty="0"/>
+          </a:p>
+          <a:p>
+            <a:pPr marL="628650" indent="360363">
+              <a:buFont typeface="Arial" panose="020B0604020202020204" pitchFamily="34" charset="0"/>
+              <a:buChar char="•"/>
+            </a:pPr>
+            <a:r>
+              <a:rPr lang="ru-RU" dirty="0"/>
+              <a:t>папка </a:t>
+            </a:r>
+            <a:r>
+              <a:rPr lang="en-US" dirty="0"/>
+              <a:t>Entity</a:t>
+            </a:r>
+            <a:r>
+              <a:rPr lang="ru-RU" dirty="0"/>
+              <a:t>: содержит файлы операции с данными</a:t>
+            </a:r>
+            <a:endParaRPr lang="en-US" dirty="0"/>
+          </a:p>
+          <a:p>
+            <a:pPr marL="628650" indent="360363">
+              <a:buFont typeface="Arial" panose="020B0604020202020204" pitchFamily="34" charset="0"/>
+              <a:buChar char="•"/>
+            </a:pPr>
+            <a:r>
+              <a:rPr lang="ru-RU" dirty="0"/>
+              <a:t>папка </a:t>
+            </a:r>
+            <a:r>
+              <a:rPr lang="en-US" dirty="0"/>
+              <a:t>Object</a:t>
+            </a:r>
+            <a:r>
+              <a:rPr lang="ru-RU" dirty="0"/>
+              <a:t>: содержит описание классов и методов</a:t>
+            </a:r>
+            <a:endParaRPr lang="en-US" dirty="0"/>
+          </a:p>
+          <a:p>
+            <a:pPr marL="628650" indent="360363">
+              <a:buFont typeface="Arial" panose="020B0604020202020204" pitchFamily="34" charset="0"/>
+              <a:buChar char="•"/>
+            </a:pPr>
+            <a:r>
+              <a:rPr lang="ru-RU" dirty="0"/>
+              <a:t>папка </a:t>
+            </a:r>
+            <a:r>
+              <a:rPr lang="en-US" dirty="0"/>
+              <a:t>Session</a:t>
+            </a:r>
+            <a:r>
+              <a:rPr lang="ru-RU" dirty="0"/>
+              <a:t>: содержит файлы в которых хранится сессия</a:t>
+            </a:r>
+            <a:endParaRPr lang="en-US" dirty="0"/>
           </a:p>
         </p:txBody>
       </p:sp>
       <p:pic>
         <p:nvPicPr>
-          <p:cNvPr id="4" name="Рисунок 3">
+          <p:cNvPr id="5" name="Рисунок 4">
             <a:extLst>
               <a:ext uri="{FF2B5EF4-FFF2-40B4-BE49-F238E27FC236}">
-                <a16:creationId xmlns:a16="http://schemas.microsoft.com/office/drawing/2014/main" id="{884288F7-59E9-46D3-BF58-3DBFE1E5F530}"/>
+                <a16:creationId xmlns:a16="http://schemas.microsoft.com/office/drawing/2014/main" id="{11975843-E562-4001-BFB1-221274907632}"/>
               </a:ext>
             </a:extLst>
           </p:cNvPr>
-          <p:cNvPicPr/>
+          <p:cNvPicPr>
+            <a:picLocks noChangeAspect="1"/>
+          </p:cNvPicPr>
           <p:nvPr/>
         </p:nvPicPr>
         <p:blipFill>
-          <a:blip r:embed="rId2">
-            <a:extLst>
-              <a:ext uri="{28A0092B-C50C-407E-A947-70E740481C1C}">
-                <a14:useLocalDpi xmlns:a14="http://schemas.microsoft.com/office/drawing/2010/main" val="0"/>
-              </a:ext>
-            </a:extLst>
-          </a:blip>
-          <a:srcRect/>
+          <a:blip r:embed="rId3"/>
           <a:stretch>
             <a:fillRect/>
           </a:stretch>
         </p:blipFill>
-        <p:spPr bwMode="auto">
+        <p:spPr>
           <a:xfrm>
-            <a:off x="1902872" y="3053919"/>
-            <a:ext cx="7435227" cy="1575894"/>
+            <a:off x="8831727" y="2016607"/>
+            <a:ext cx="2159979" cy="3681614"/>
           </a:xfrm>
           <a:prstGeom prst="rect">
             <a:avLst/>
           </a:prstGeom>
-          <a:noFill/>
-          <a:ln>
-            <a:noFill/>
-          </a:ln>
         </p:spPr>
       </p:pic>
     </p:spTree>
     <p:extLst>
       <p:ext uri="{BB962C8B-B14F-4D97-AF65-F5344CB8AC3E}">
-        <p14:creationId xmlns:p14="http://schemas.microsoft.com/office/powerpoint/2010/main" val="2632173412"/>
+        <p14:creationId xmlns:p14="http://schemas.microsoft.com/office/powerpoint/2010/main" val="909652298"/>
       </p:ext>
     </p:extLst>
   </p:cSld>
@@ -5992,4 +7968,299 @@
     </a:ext>
   </a:extLst>
 </a:theme>
+</file>
+
+<file path=ppt/theme/theme2.xml><?xml version="1.0" encoding="utf-8"?>
+<a:theme xmlns:a="http://schemas.openxmlformats.org/drawingml/2006/main" name="Тема Office">
+  <a:themeElements>
+    <a:clrScheme name="Стандартная">
+      <a:dk1>
+        <a:sysClr val="windowText" lastClr="000000"/>
+      </a:dk1>
+      <a:lt1>
+        <a:sysClr val="window" lastClr="FFFFFF"/>
+      </a:lt1>
+      <a:dk2>
+        <a:srgbClr val="44546A"/>
+      </a:dk2>
+      <a:lt2>
+        <a:srgbClr val="E7E6E6"/>
+      </a:lt2>
+      <a:accent1>
+        <a:srgbClr val="4472C4"/>
+      </a:accent1>
+      <a:accent2>
+        <a:srgbClr val="ED7D31"/>
+      </a:accent2>
+      <a:accent3>
+        <a:srgbClr val="A5A5A5"/>
+      </a:accent3>
+      <a:accent4>
+        <a:srgbClr val="FFC000"/>
+      </a:accent4>
+      <a:accent5>
+        <a:srgbClr val="5B9BD5"/>
+      </a:accent5>
+      <a:accent6>
+        <a:srgbClr val="70AD47"/>
+      </a:accent6>
+      <a:hlink>
+        <a:srgbClr val="0563C1"/>
+      </a:hlink>
+      <a:folHlink>
+        <a:srgbClr val="954F72"/>
+      </a:folHlink>
+    </a:clrScheme>
+    <a:fontScheme name="Стандартная">
+      <a:majorFont>
+        <a:latin typeface="Calibri Light" panose="020F0302020204030204"/>
+        <a:ea typeface=""/>
+        <a:cs typeface=""/>
+        <a:font script="Jpan" typeface="游ゴシック Light"/>
+        <a:font script="Hang" typeface="맑은 고딕"/>
+        <a:font script="Hans" typeface="等线 Light"/>
+        <a:font script="Hant" typeface="新細明體"/>
+        <a:font script="Arab" typeface="Times New Roman"/>
+        <a:font script="Hebr" typeface="Times New Roman"/>
+        <a:font script="Thai" typeface="Angsana New"/>
+        <a:font script="Ethi" typeface="Nyala"/>
+        <a:font script="Beng" typeface="Vrinda"/>
+        <a:font script="Gujr" typeface="Shruti"/>
+        <a:font script="Khmr" typeface="MoolBoran"/>
+        <a:font script="Knda" typeface="Tunga"/>
+        <a:font script="Guru" typeface="Raavi"/>
+        <a:font script="Cans" typeface="Euphemia"/>
+        <a:font script="Cher" typeface="Plantagenet Cherokee"/>
+        <a:font script="Yiii" typeface="Microsoft Yi Baiti"/>
+        <a:font script="Tibt" typeface="Microsoft Himalaya"/>
+        <a:font script="Thaa" typeface="MV Boli"/>
+        <a:font script="Deva" typeface="Mangal"/>
+        <a:font script="Telu" typeface="Gautami"/>
+        <a:font script="Taml" typeface="Latha"/>
+        <a:font script="Syrc" typeface="Estrangelo Edessa"/>
+        <a:font script="Orya" typeface="Kalinga"/>
+        <a:font script="Mlym" typeface="Kartika"/>
+        <a:font script="Laoo" typeface="DokChampa"/>
+        <a:font script="Sinh" typeface="Iskoola Pota"/>
+        <a:font script="Mong" typeface="Mongolian Baiti"/>
+        <a:font script="Viet" typeface="Times New Roman"/>
+        <a:font script="Uigh" typeface="Microsoft Uighur"/>
+        <a:font script="Geor" typeface="Sylfaen"/>
+        <a:font script="Armn" typeface="Arial"/>
+        <a:font script="Bugi" typeface="Leelawadee UI"/>
+        <a:font script="Bopo" typeface="Microsoft JhengHei"/>
+        <a:font script="Java" typeface="Javanese Text"/>
+        <a:font script="Lisu" typeface="Segoe UI"/>
+        <a:font script="Mymr" typeface="Myanmar Text"/>
+        <a:font script="Nkoo" typeface="Ebrima"/>
+        <a:font script="Olck" typeface="Nirmala UI"/>
+        <a:font script="Osma" typeface="Ebrima"/>
+        <a:font script="Phag" typeface="Phagspa"/>
+        <a:font script="Syrn" typeface="Estrangelo Edessa"/>
+        <a:font script="Syrj" typeface="Estrangelo Edessa"/>
+        <a:font script="Syre" typeface="Estrangelo Edessa"/>
+        <a:font script="Sora" typeface="Nirmala UI"/>
+        <a:font script="Tale" typeface="Microsoft Tai Le"/>
+        <a:font script="Talu" typeface="Microsoft New Tai Lue"/>
+        <a:font script="Tfng" typeface="Ebrima"/>
+      </a:majorFont>
+      <a:minorFont>
+        <a:latin typeface="Calibri" panose="020F0502020204030204"/>
+        <a:ea typeface=""/>
+        <a:cs typeface=""/>
+        <a:font script="Jpan" typeface="游ゴシック"/>
+        <a:font script="Hang" typeface="맑은 고딕"/>
+        <a:font script="Hans" typeface="等线"/>
+        <a:font script="Hant" typeface="新細明體"/>
+        <a:font script="Arab" typeface="Arial"/>
+        <a:font script="Hebr" typeface="Arial"/>
+        <a:font script="Thai" typeface="Cordia New"/>
+        <a:font script="Ethi" typeface="Nyala"/>
+        <a:font script="Beng" typeface="Vrinda"/>
+        <a:font script="Gujr" typeface="Shruti"/>
+        <a:font script="Khmr" typeface="DaunPenh"/>
+        <a:font script="Knda" typeface="Tunga"/>
+        <a:font script="Guru" typeface="Raavi"/>
+        <a:font script="Cans" typeface="Euphemia"/>
+        <a:font script="Cher" typeface="Plantagenet Cherokee"/>
+        <a:font script="Yiii" typeface="Microsoft Yi Baiti"/>
+        <a:font script="Tibt" typeface="Microsoft Himalaya"/>
+        <a:font script="Thaa" typeface="MV Boli"/>
+        <a:font script="Deva" typeface="Mangal"/>
+        <a:font script="Telu" typeface="Gautami"/>
+        <a:font script="Taml" typeface="Latha"/>
+        <a:font script="Syrc" typeface="Estrangelo Edessa"/>
+        <a:font script="Orya" typeface="Kalinga"/>
+        <a:font script="Mlym" typeface="Kartika"/>
+        <a:font script="Laoo" typeface="DokChampa"/>
+        <a:font script="Sinh" typeface="Iskoola Pota"/>
+        <a:font script="Mong" typeface="Mongolian Baiti"/>
+        <a:font script="Viet" typeface="Arial"/>
+        <a:font script="Uigh" typeface="Microsoft Uighur"/>
+        <a:font script="Geor" typeface="Sylfaen"/>
+        <a:font script="Armn" typeface="Arial"/>
+        <a:font script="Bugi" typeface="Leelawadee UI"/>
+        <a:font script="Bopo" typeface="Microsoft JhengHei"/>
+        <a:font script="Java" typeface="Javanese Text"/>
+        <a:font script="Lisu" typeface="Segoe UI"/>
+        <a:font script="Mymr" typeface="Myanmar Text"/>
+        <a:font script="Nkoo" typeface="Ebrima"/>
+        <a:font script="Olck" typeface="Nirmala UI"/>
+        <a:font script="Osma" typeface="Ebrima"/>
+        <a:font script="Phag" typeface="Phagspa"/>
+        <a:font script="Syrn" typeface="Estrangelo Edessa"/>
+        <a:font script="Syrj" typeface="Estrangelo Edessa"/>
+        <a:font script="Syre" typeface="Estrangelo Edessa"/>
+        <a:font script="Sora" typeface="Nirmala UI"/>
+        <a:font script="Tale" typeface="Microsoft Tai Le"/>
+        <a:font script="Talu" typeface="Microsoft New Tai Lue"/>
+        <a:font script="Tfng" typeface="Ebrima"/>
+      </a:minorFont>
+    </a:fontScheme>
+    <a:fmtScheme name="Стандартная">
+      <a:fillStyleLst>
+        <a:solidFill>
+          <a:schemeClr val="phClr"/>
+        </a:solidFill>
+        <a:gradFill rotWithShape="1">
+          <a:gsLst>
+            <a:gs pos="0">
+              <a:schemeClr val="phClr">
+                <a:lumMod val="110000"/>
+                <a:satMod val="105000"/>
+                <a:tint val="67000"/>
+              </a:schemeClr>
+            </a:gs>
+            <a:gs pos="50000">
+              <a:schemeClr val="phClr">
+                <a:lumMod val="105000"/>
+                <a:satMod val="103000"/>
+                <a:tint val="73000"/>
+              </a:schemeClr>
+            </a:gs>
+            <a:gs pos="100000">
+              <a:schemeClr val="phClr">
+                <a:lumMod val="105000"/>
+                <a:satMod val="109000"/>
+                <a:tint val="81000"/>
+              </a:schemeClr>
+            </a:gs>
+          </a:gsLst>
+          <a:lin ang="5400000" scaled="0"/>
+        </a:gradFill>
+        <a:gradFill rotWithShape="1">
+          <a:gsLst>
+            <a:gs pos="0">
+              <a:schemeClr val="phClr">
+                <a:satMod val="103000"/>
+                <a:lumMod val="102000"/>
+                <a:tint val="94000"/>
+              </a:schemeClr>
+            </a:gs>
+            <a:gs pos="50000">
+              <a:schemeClr val="phClr">
+                <a:satMod val="110000"/>
+                <a:lumMod val="100000"/>
+                <a:shade val="100000"/>
+              </a:schemeClr>
+            </a:gs>
+            <a:gs pos="100000">
+              <a:schemeClr val="phClr">
+                <a:lumMod val="99000"/>
+                <a:satMod val="120000"/>
+                <a:shade val="78000"/>
+              </a:schemeClr>
+            </a:gs>
+          </a:gsLst>
+          <a:lin ang="5400000" scaled="0"/>
+        </a:gradFill>
+      </a:fillStyleLst>
+      <a:lnStyleLst>
+        <a:ln w="6350" cap="flat" cmpd="sng" algn="ctr">
+          <a:solidFill>
+            <a:schemeClr val="phClr"/>
+          </a:solidFill>
+          <a:prstDash val="solid"/>
+          <a:miter lim="800000"/>
+        </a:ln>
+        <a:ln w="12700" cap="flat" cmpd="sng" algn="ctr">
+          <a:solidFill>
+            <a:schemeClr val="phClr"/>
+          </a:solidFill>
+          <a:prstDash val="solid"/>
+          <a:miter lim="800000"/>
+        </a:ln>
+        <a:ln w="19050" cap="flat" cmpd="sng" algn="ctr">
+          <a:solidFill>
+            <a:schemeClr val="phClr"/>
+          </a:solidFill>
+          <a:prstDash val="solid"/>
+          <a:miter lim="800000"/>
+        </a:ln>
+      </a:lnStyleLst>
+      <a:effectStyleLst>
+        <a:effectStyle>
+          <a:effectLst/>
+        </a:effectStyle>
+        <a:effectStyle>
+          <a:effectLst/>
+        </a:effectStyle>
+        <a:effectStyle>
+          <a:effectLst>
+            <a:outerShdw blurRad="57150" dist="19050" dir="5400000" algn="ctr" rotWithShape="0">
+              <a:srgbClr val="000000">
+                <a:alpha val="63000"/>
+              </a:srgbClr>
+            </a:outerShdw>
+          </a:effectLst>
+        </a:effectStyle>
+      </a:effectStyleLst>
+      <a:bgFillStyleLst>
+        <a:solidFill>
+          <a:schemeClr val="phClr"/>
+        </a:solidFill>
+        <a:solidFill>
+          <a:schemeClr val="phClr">
+            <a:tint val="95000"/>
+            <a:satMod val="170000"/>
+          </a:schemeClr>
+        </a:solidFill>
+        <a:gradFill rotWithShape="1">
+          <a:gsLst>
+            <a:gs pos="0">
+              <a:schemeClr val="phClr">
+                <a:tint val="93000"/>
+                <a:satMod val="150000"/>
+                <a:shade val="98000"/>
+                <a:lumMod val="102000"/>
+              </a:schemeClr>
+            </a:gs>
+            <a:gs pos="50000">
+              <a:schemeClr val="phClr">
+                <a:tint val="98000"/>
+                <a:satMod val="130000"/>
+                <a:shade val="90000"/>
+                <a:lumMod val="103000"/>
+              </a:schemeClr>
+            </a:gs>
+            <a:gs pos="100000">
+              <a:schemeClr val="phClr">
+                <a:shade val="63000"/>
+                <a:satMod val="120000"/>
+              </a:schemeClr>
+            </a:gs>
+          </a:gsLst>
+          <a:lin ang="5400000" scaled="0"/>
+        </a:gradFill>
+      </a:bgFillStyleLst>
+    </a:fmtScheme>
+  </a:themeElements>
+  <a:objectDefaults/>
+  <a:extraClrSchemeLst/>
+  <a:extLst>
+    <a:ext uri="{05A4C25C-085E-4340-85A3-A5531E510DB2}">
+      <thm15:themeFamily xmlns:thm15="http://schemas.microsoft.com/office/thememl/2012/main" name="Office Theme" id="{62F939B6-93AF-4DB8-9C6B-D6C7DFDC589F}" vid="{4A3C46E8-61CC-4603-A589-7422A47A8E4A}"/>
+    </a:ext>
+  </a:extLst>
+</a:theme>
 </file>
--- a/DOCS/презентация к карсовому проекту.pptx
+++ b/DOCS/презентация к карсовому проекту.pptx
@@ -2,7 +2,7 @@
 <file path=ppt/presentation.xml><?xml version="1.0" encoding="utf-8"?>
 <p:presentation xmlns:a="http://schemas.openxmlformats.org/drawingml/2006/main" xmlns:r="http://schemas.openxmlformats.org/officeDocument/2006/relationships" xmlns:p="http://schemas.openxmlformats.org/presentationml/2006/main" saveSubsetFonts="1">
   <p:sldMasterIdLst>
-    <p:sldMasterId id="2147483672" r:id="rId1"/>
+    <p:sldMasterId id="2147483684" r:id="rId1"/>
   </p:sldMasterIdLst>
   <p:notesMasterIdLst>
     <p:notesMasterId r:id="rId16"/>
@@ -27,9 +27,9 @@
   <p:notesSz cx="6858000" cy="9144000"/>
   <p:defaultTextStyle>
     <a:defPPr>
-      <a:defRPr lang="en-US"/>
+      <a:defRPr lang="ru-RU"/>
     </a:defPPr>
-    <a:lvl1pPr marL="0" algn="l" defTabSz="457200" rtl="0" eaLnBrk="1" latinLnBrk="0" hangingPunct="1">
+    <a:lvl1pPr marL="0" algn="l" defTabSz="914400" rtl="0" eaLnBrk="1" latinLnBrk="0" hangingPunct="1">
       <a:defRPr sz="1800" kern="1200">
         <a:solidFill>
           <a:schemeClr val="tx1"/>
@@ -39,7 +39,7 @@
         <a:cs typeface="+mn-cs"/>
       </a:defRPr>
     </a:lvl1pPr>
-    <a:lvl2pPr marL="457200" algn="l" defTabSz="457200" rtl="0" eaLnBrk="1" latinLnBrk="0" hangingPunct="1">
+    <a:lvl2pPr marL="457200" algn="l" defTabSz="914400" rtl="0" eaLnBrk="1" latinLnBrk="0" hangingPunct="1">
       <a:defRPr sz="1800" kern="1200">
         <a:solidFill>
           <a:schemeClr val="tx1"/>
@@ -49,7 +49,7 @@
         <a:cs typeface="+mn-cs"/>
       </a:defRPr>
     </a:lvl2pPr>
-    <a:lvl3pPr marL="914400" algn="l" defTabSz="457200" rtl="0" eaLnBrk="1" latinLnBrk="0" hangingPunct="1">
+    <a:lvl3pPr marL="914400" algn="l" defTabSz="914400" rtl="0" eaLnBrk="1" latinLnBrk="0" hangingPunct="1">
       <a:defRPr sz="1800" kern="1200">
         <a:solidFill>
           <a:schemeClr val="tx1"/>
@@ -59,7 +59,7 @@
         <a:cs typeface="+mn-cs"/>
       </a:defRPr>
     </a:lvl3pPr>
-    <a:lvl4pPr marL="1371600" algn="l" defTabSz="457200" rtl="0" eaLnBrk="1" latinLnBrk="0" hangingPunct="1">
+    <a:lvl4pPr marL="1371600" algn="l" defTabSz="914400" rtl="0" eaLnBrk="1" latinLnBrk="0" hangingPunct="1">
       <a:defRPr sz="1800" kern="1200">
         <a:solidFill>
           <a:schemeClr val="tx1"/>
@@ -69,7 +69,7 @@
         <a:cs typeface="+mn-cs"/>
       </a:defRPr>
     </a:lvl4pPr>
-    <a:lvl5pPr marL="1828800" algn="l" defTabSz="457200" rtl="0" eaLnBrk="1" latinLnBrk="0" hangingPunct="1">
+    <a:lvl5pPr marL="1828800" algn="l" defTabSz="914400" rtl="0" eaLnBrk="1" latinLnBrk="0" hangingPunct="1">
       <a:defRPr sz="1800" kern="1200">
         <a:solidFill>
           <a:schemeClr val="tx1"/>
@@ -79,7 +79,7 @@
         <a:cs typeface="+mn-cs"/>
       </a:defRPr>
     </a:lvl5pPr>
-    <a:lvl6pPr marL="2286000" algn="l" defTabSz="457200" rtl="0" eaLnBrk="1" latinLnBrk="0" hangingPunct="1">
+    <a:lvl6pPr marL="2286000" algn="l" defTabSz="914400" rtl="0" eaLnBrk="1" latinLnBrk="0" hangingPunct="1">
       <a:defRPr sz="1800" kern="1200">
         <a:solidFill>
           <a:schemeClr val="tx1"/>
@@ -89,7 +89,7 @@
         <a:cs typeface="+mn-cs"/>
       </a:defRPr>
     </a:lvl6pPr>
-    <a:lvl7pPr marL="2743200" algn="l" defTabSz="457200" rtl="0" eaLnBrk="1" latinLnBrk="0" hangingPunct="1">
+    <a:lvl7pPr marL="2743200" algn="l" defTabSz="914400" rtl="0" eaLnBrk="1" latinLnBrk="0" hangingPunct="1">
       <a:defRPr sz="1800" kern="1200">
         <a:solidFill>
           <a:schemeClr val="tx1"/>
@@ -99,7 +99,7 @@
         <a:cs typeface="+mn-cs"/>
       </a:defRPr>
     </a:lvl7pPr>
-    <a:lvl8pPr marL="3200400" algn="l" defTabSz="457200" rtl="0" eaLnBrk="1" latinLnBrk="0" hangingPunct="1">
+    <a:lvl8pPr marL="3200400" algn="l" defTabSz="914400" rtl="0" eaLnBrk="1" latinLnBrk="0" hangingPunct="1">
       <a:defRPr sz="1800" kern="1200">
         <a:solidFill>
           <a:schemeClr val="tx1"/>
@@ -109,7 +109,7 @@
         <a:cs typeface="+mn-cs"/>
       </a:defRPr>
     </a:lvl8pPr>
-    <a:lvl9pPr marL="3657600" algn="l" defTabSz="457200" rtl="0" eaLnBrk="1" latinLnBrk="0" hangingPunct="1">
+    <a:lvl9pPr marL="3657600" algn="l" defTabSz="914400" rtl="0" eaLnBrk="1" latinLnBrk="0" hangingPunct="1">
       <a:defRPr sz="1800" kern="1200">
         <a:solidFill>
           <a:schemeClr val="tx1"/>
@@ -210,7 +210,7 @@
           <a:p>
             <a:fld id="{41C5ACA4-13C2-471A-A3B2-01790E2C4216}" type="datetimeFigureOut">
               <a:rPr lang="ru-RU" smtClean="0"/>
-              <a:t>13.06.2024</a:t>
+              <a:t>28.06.2024</a:t>
             </a:fld>
             <a:endParaRPr lang="ru-RU"/>
           </a:p>
@@ -562,7 +562,7 @@
 </file>
 
 <file path=ppt/slideLayouts/slideLayout1.xml><?xml version="1.0" encoding="utf-8"?>
-<p:sldLayout xmlns:a="http://schemas.openxmlformats.org/drawingml/2006/main" xmlns:r="http://schemas.openxmlformats.org/officeDocument/2006/relationships" xmlns:p="http://schemas.openxmlformats.org/presentationml/2006/main" showMasterSp="0" type="title" preserve="1">
+<p:sldLayout xmlns:a="http://schemas.openxmlformats.org/drawingml/2006/main" xmlns:r="http://schemas.openxmlformats.org/officeDocument/2006/relationships" xmlns:p="http://schemas.openxmlformats.org/presentationml/2006/main" type="title" preserve="1">
   <p:cSld name="Титульный слайд">
     <p:spTree>
       <p:nvGrpSpPr>
@@ -580,187 +580,101 @@
       </p:grpSpPr>
       <p:sp>
         <p:nvSpPr>
-          <p:cNvPr id="7" name="Rectangle 6"/>
-          <p:cNvSpPr/>
-          <p:nvPr/>
+          <p:cNvPr id="2" name="Заголовок 1">
+            <a:extLst>
+              <a:ext uri="{FF2B5EF4-FFF2-40B4-BE49-F238E27FC236}">
+                <a16:creationId xmlns:a16="http://schemas.microsoft.com/office/drawing/2014/main" id="{8BDEF3FC-B73E-433B-96B1-14EAE2DE9410}"/>
+              </a:ext>
+            </a:extLst>
+          </p:cNvPr>
+          <p:cNvSpPr>
+            <a:spLocks noGrp="1"/>
+          </p:cNvSpPr>
+          <p:nvPr>
+            <p:ph type="ctrTitle"/>
+          </p:nvPr>
         </p:nvSpPr>
         <p:spPr>
           <a:xfrm>
-            <a:off x="3175" y="6400800"/>
-            <a:ext cx="12188825" cy="457200"/>
+            <a:off x="1524000" y="1122363"/>
+            <a:ext cx="9144000" cy="2387600"/>
           </a:xfrm>
-          <a:prstGeom prst="rect">
-            <a:avLst/>
-          </a:prstGeom>
-          <a:solidFill>
-            <a:schemeClr val="accent4">
-              <a:lumMod val="75000"/>
-            </a:schemeClr>
-          </a:solidFill>
-          <a:ln>
-            <a:noFill/>
-          </a:ln>
         </p:spPr>
-        <p:style>
-          <a:lnRef idx="2">
-            <a:schemeClr val="accent1">
-              <a:shade val="50000"/>
-            </a:schemeClr>
-          </a:lnRef>
-          <a:fillRef idx="1">
-            <a:schemeClr val="accent1"/>
-          </a:fillRef>
-          <a:effectRef idx="0">
-            <a:schemeClr val="accent1"/>
-          </a:effectRef>
-          <a:fontRef idx="minor">
-            <a:schemeClr val="lt1"/>
-          </a:fontRef>
-        </p:style>
-      </p:sp>
-      <p:sp>
-        <p:nvSpPr>
-          <p:cNvPr id="8" name="Rectangle 7"/>
-          <p:cNvSpPr/>
-          <p:nvPr/>
+        <p:txBody>
+          <a:bodyPr anchor="b"/>
+          <a:lstStyle>
+            <a:lvl1pPr algn="ctr">
+              <a:defRPr sz="6000"/>
+            </a:lvl1pPr>
+          </a:lstStyle>
+          <a:p>
+            <a:r>
+              <a:rPr lang="ru-RU"/>
+              <a:t>Образец заголовка</a:t>
+            </a:r>
+          </a:p>
+        </p:txBody>
+      </p:sp>
+      <p:sp>
+        <p:nvSpPr>
+          <p:cNvPr id="3" name="Подзаголовок 2">
+            <a:extLst>
+              <a:ext uri="{FF2B5EF4-FFF2-40B4-BE49-F238E27FC236}">
+                <a16:creationId xmlns:a16="http://schemas.microsoft.com/office/drawing/2014/main" id="{D35186D2-3B4F-4B9F-9E11-E0E1B5C610E8}"/>
+              </a:ext>
+            </a:extLst>
+          </p:cNvPr>
+          <p:cNvSpPr>
+            <a:spLocks noGrp="1"/>
+          </p:cNvSpPr>
+          <p:nvPr>
+            <p:ph type="subTitle" idx="1"/>
+          </p:nvPr>
         </p:nvSpPr>
         <p:spPr>
           <a:xfrm>
-            <a:off x="15" y="6334316"/>
-            <a:ext cx="12188825" cy="64008"/>
-          </a:xfrm>
-          <a:prstGeom prst="rect">
-            <a:avLst/>
-          </a:prstGeom>
-          <a:solidFill>
-            <a:schemeClr val="accent4"/>
-          </a:solidFill>
-          <a:ln>
-            <a:noFill/>
-          </a:ln>
-        </p:spPr>
-        <p:style>
-          <a:lnRef idx="2">
-            <a:schemeClr val="accent1">
-              <a:shade val="50000"/>
-            </a:schemeClr>
-          </a:lnRef>
-          <a:fillRef idx="1">
-            <a:schemeClr val="accent1"/>
-          </a:fillRef>
-          <a:effectRef idx="0">
-            <a:schemeClr val="accent1"/>
-          </a:effectRef>
-          <a:fontRef idx="minor">
-            <a:schemeClr val="lt1"/>
-          </a:fontRef>
-        </p:style>
-      </p:sp>
-      <p:sp>
-        <p:nvSpPr>
-          <p:cNvPr id="2" name="Title 1"/>
-          <p:cNvSpPr>
-            <a:spLocks noGrp="1"/>
-          </p:cNvSpPr>
-          <p:nvPr>
-            <p:ph type="ctrTitle"/>
-          </p:nvPr>
-        </p:nvSpPr>
-        <p:spPr>
-          <a:xfrm>
-            <a:off x="1097280" y="758952"/>
-            <a:ext cx="10058400" cy="3566160"/>
+            <a:off x="1524000" y="3602038"/>
+            <a:ext cx="9144000" cy="1655762"/>
           </a:xfrm>
         </p:spPr>
         <p:txBody>
-          <a:bodyPr anchor="b">
-            <a:normAutofit/>
-          </a:bodyPr>
+          <a:bodyPr/>
           <a:lstStyle>
-            <a:lvl1pPr algn="l">
-              <a:lnSpc>
-                <a:spcPct val="85000"/>
-              </a:lnSpc>
-              <a:defRPr sz="8000" spc="-50" baseline="0">
-                <a:solidFill>
-                  <a:schemeClr val="tx1">
-                    <a:lumMod val="85000"/>
-                    <a:lumOff val="15000"/>
-                  </a:schemeClr>
-                </a:solidFill>
-              </a:defRPr>
-            </a:lvl1pPr>
-          </a:lstStyle>
-          <a:p>
-            <a:r>
-              <a:rPr lang="ru-RU"/>
-              <a:t>Образец заголовка</a:t>
-            </a:r>
-            <a:endParaRPr lang="en-US" dirty="0"/>
-          </a:p>
-        </p:txBody>
-      </p:sp>
-      <p:sp>
-        <p:nvSpPr>
-          <p:cNvPr id="3" name="Subtitle 2"/>
-          <p:cNvSpPr>
-            <a:spLocks noGrp="1"/>
-          </p:cNvSpPr>
-          <p:nvPr>
-            <p:ph type="subTitle" idx="1"/>
-          </p:nvPr>
-        </p:nvSpPr>
-        <p:spPr>
-          <a:xfrm>
-            <a:off x="1100051" y="4455621"/>
-            <a:ext cx="10058400" cy="1143000"/>
-          </a:xfrm>
-        </p:spPr>
-        <p:txBody>
-          <a:bodyPr lIns="91440" rIns="91440">
-            <a:normAutofit/>
-          </a:bodyPr>
-          <a:lstStyle>
-            <a:lvl1pPr marL="0" indent="0" algn="l">
+            <a:lvl1pPr marL="0" indent="0" algn="ctr">
               <a:buNone/>
-              <a:defRPr sz="2400" cap="all" spc="200" baseline="0">
-                <a:solidFill>
-                  <a:schemeClr val="tx2"/>
-                </a:solidFill>
-                <a:latin typeface="+mj-lt"/>
-              </a:defRPr>
+              <a:defRPr sz="2400"/>
             </a:lvl1pPr>
             <a:lvl2pPr marL="457200" indent="0" algn="ctr">
               <a:buNone/>
-              <a:defRPr sz="2400"/>
+              <a:defRPr sz="2000"/>
             </a:lvl2pPr>
             <a:lvl3pPr marL="914400" indent="0" algn="ctr">
               <a:buNone/>
-              <a:defRPr sz="2400"/>
+              <a:defRPr sz="1800"/>
             </a:lvl3pPr>
             <a:lvl4pPr marL="1371600" indent="0" algn="ctr">
               <a:buNone/>
-              <a:defRPr sz="2000"/>
+              <a:defRPr sz="1600"/>
             </a:lvl4pPr>
             <a:lvl5pPr marL="1828800" indent="0" algn="ctr">
               <a:buNone/>
-              <a:defRPr sz="2000"/>
+              <a:defRPr sz="1600"/>
             </a:lvl5pPr>
             <a:lvl6pPr marL="2286000" indent="0" algn="ctr">
               <a:buNone/>
-              <a:defRPr sz="2000"/>
+              <a:defRPr sz="1600"/>
             </a:lvl6pPr>
             <a:lvl7pPr marL="2743200" indent="0" algn="ctr">
               <a:buNone/>
-              <a:defRPr sz="2000"/>
+              <a:defRPr sz="1600"/>
             </a:lvl7pPr>
             <a:lvl8pPr marL="3200400" indent="0" algn="ctr">
               <a:buNone/>
-              <a:defRPr sz="2000"/>
+              <a:defRPr sz="1600"/>
             </a:lvl8pPr>
             <a:lvl9pPr marL="3657600" indent="0" algn="ctr">
               <a:buNone/>
-              <a:defRPr sz="2000"/>
+              <a:defRPr sz="1600"/>
             </a:lvl9pPr>
           </a:lstStyle>
           <a:p>
@@ -768,13 +682,18 @@
               <a:rPr lang="ru-RU"/>
               <a:t>Образец подзаголовка</a:t>
             </a:r>
-            <a:endParaRPr lang="en-US" dirty="0"/>
-          </a:p>
-        </p:txBody>
-      </p:sp>
-      <p:sp>
-        <p:nvSpPr>
-          <p:cNvPr id="4" name="Date Placeholder 3"/>
+          </a:p>
+        </p:txBody>
+      </p:sp>
+      <p:sp>
+        <p:nvSpPr>
+          <p:cNvPr id="4" name="Дата 3">
+            <a:extLst>
+              <a:ext uri="{FF2B5EF4-FFF2-40B4-BE49-F238E27FC236}">
+                <a16:creationId xmlns:a16="http://schemas.microsoft.com/office/drawing/2014/main" id="{625EB554-8258-46EB-99A7-74E40A3C1AAC}"/>
+              </a:ext>
+            </a:extLst>
+          </p:cNvPr>
           <p:cNvSpPr>
             <a:spLocks noGrp="1"/>
           </p:cNvSpPr>
@@ -789,7 +708,7 @@
           <a:p>
             <a:fld id="{76AF6DA2-7DC5-45ED-9B6E-8E65A4A73975}" type="datetimeFigureOut">
               <a:rPr lang="ru-RU" smtClean="0"/>
-              <a:t>13.06.2024</a:t>
+              <a:t>28.06.2024</a:t>
             </a:fld>
             <a:endParaRPr lang="ru-RU"/>
           </a:p>
@@ -797,7 +716,13 @@
       </p:sp>
       <p:sp>
         <p:nvSpPr>
-          <p:cNvPr id="5" name="Footer Placeholder 4"/>
+          <p:cNvPr id="5" name="Нижний колонтитул 4">
+            <a:extLst>
+              <a:ext uri="{FF2B5EF4-FFF2-40B4-BE49-F238E27FC236}">
+                <a16:creationId xmlns:a16="http://schemas.microsoft.com/office/drawing/2014/main" id="{9A5FBB03-6C19-4639-BB95-DACDCE09016C}"/>
+              </a:ext>
+            </a:extLst>
+          </p:cNvPr>
           <p:cNvSpPr>
             <a:spLocks noGrp="1"/>
           </p:cNvSpPr>
@@ -816,7 +741,13 @@
       </p:sp>
       <p:sp>
         <p:nvSpPr>
-          <p:cNvPr id="6" name="Slide Number Placeholder 5"/>
+          <p:cNvPr id="6" name="Номер слайда 5">
+            <a:extLst>
+              <a:ext uri="{FF2B5EF4-FFF2-40B4-BE49-F238E27FC236}">
+                <a16:creationId xmlns:a16="http://schemas.microsoft.com/office/drawing/2014/main" id="{FCCCA67A-AA06-4615-8FCC-C3828AE68FC0}"/>
+              </a:ext>
+            </a:extLst>
+          </p:cNvPr>
           <p:cNvSpPr>
             <a:spLocks noGrp="1"/>
           </p:cNvSpPr>
@@ -837,48 +768,10 @@
           </a:p>
         </p:txBody>
       </p:sp>
-      <p:cxnSp>
-        <p:nvCxnSpPr>
-          <p:cNvPr id="9" name="Straight Connector 8"/>
-          <p:cNvCxnSpPr/>
-          <p:nvPr/>
-        </p:nvCxnSpPr>
-        <p:spPr>
-          <a:xfrm>
-            <a:off x="1207658" y="4343400"/>
-            <a:ext cx="9875520" cy="0"/>
-          </a:xfrm>
-          <a:prstGeom prst="line">
-            <a:avLst/>
-          </a:prstGeom>
-          <a:ln w="6350">
-            <a:solidFill>
-              <a:schemeClr val="tx1">
-                <a:lumMod val="50000"/>
-                <a:lumOff val="50000"/>
-              </a:schemeClr>
-            </a:solidFill>
-          </a:ln>
-        </p:spPr>
-        <p:style>
-          <a:lnRef idx="1">
-            <a:schemeClr val="accent1"/>
-          </a:lnRef>
-          <a:fillRef idx="0">
-            <a:schemeClr val="accent1"/>
-          </a:fillRef>
-          <a:effectRef idx="0">
-            <a:schemeClr val="accent1"/>
-          </a:effectRef>
-          <a:fontRef idx="minor">
-            <a:schemeClr val="tx1"/>
-          </a:fontRef>
-        </p:style>
-      </p:cxnSp>
     </p:spTree>
     <p:extLst>
       <p:ext uri="{BB962C8B-B14F-4D97-AF65-F5344CB8AC3E}">
-        <p14:creationId xmlns:p14="http://schemas.microsoft.com/office/powerpoint/2010/main" val="1015684480"/>
+        <p14:creationId xmlns:p14="http://schemas.microsoft.com/office/powerpoint/2010/main" val="312801636"/>
       </p:ext>
     </p:extLst>
   </p:cSld>
@@ -907,7 +800,13 @@
       </p:grpSpPr>
       <p:sp>
         <p:nvSpPr>
-          <p:cNvPr id="2" name="Title 1"/>
+          <p:cNvPr id="2" name="Заголовок 1">
+            <a:extLst>
+              <a:ext uri="{FF2B5EF4-FFF2-40B4-BE49-F238E27FC236}">
+                <a16:creationId xmlns:a16="http://schemas.microsoft.com/office/drawing/2014/main" id="{1E0205BE-FD30-4720-84EC-5BE6C61FBF71}"/>
+              </a:ext>
+            </a:extLst>
+          </p:cNvPr>
           <p:cNvSpPr>
             <a:spLocks noGrp="1"/>
           </p:cNvSpPr>
@@ -924,13 +823,18 @@
               <a:rPr lang="ru-RU"/>
               <a:t>Образец заголовка</a:t>
             </a:r>
-            <a:endParaRPr lang="en-US" dirty="0"/>
-          </a:p>
-        </p:txBody>
-      </p:sp>
-      <p:sp>
-        <p:nvSpPr>
-          <p:cNvPr id="3" name="Vertical Text Placeholder 2"/>
+          </a:p>
+        </p:txBody>
+      </p:sp>
+      <p:sp>
+        <p:nvSpPr>
+          <p:cNvPr id="3" name="Вертикальный текст 2">
+            <a:extLst>
+              <a:ext uri="{FF2B5EF4-FFF2-40B4-BE49-F238E27FC236}">
+                <a16:creationId xmlns:a16="http://schemas.microsoft.com/office/drawing/2014/main" id="{A40CA19A-A582-431A-B080-1E0DF89A30B3}"/>
+              </a:ext>
+            </a:extLst>
+          </p:cNvPr>
           <p:cNvSpPr>
             <a:spLocks noGrp="1"/>
           </p:cNvSpPr>
@@ -940,7 +844,7 @@
         </p:nvSpPr>
         <p:spPr/>
         <p:txBody>
-          <a:bodyPr vert="eaVert" lIns="45720" tIns="0" rIns="45720" bIns="0"/>
+          <a:bodyPr vert="eaVert"/>
           <a:lstStyle/>
           <a:p>
             <a:pPr lvl="0"/>
@@ -976,13 +880,18 @@
               <a:rPr lang="ru-RU"/>
               <a:t>Пятый уровень</a:t>
             </a:r>
-            <a:endParaRPr lang="en-US" dirty="0"/>
-          </a:p>
-        </p:txBody>
-      </p:sp>
-      <p:sp>
-        <p:nvSpPr>
-          <p:cNvPr id="4" name="Date Placeholder 3"/>
+          </a:p>
+        </p:txBody>
+      </p:sp>
+      <p:sp>
+        <p:nvSpPr>
+          <p:cNvPr id="4" name="Дата 3">
+            <a:extLst>
+              <a:ext uri="{FF2B5EF4-FFF2-40B4-BE49-F238E27FC236}">
+                <a16:creationId xmlns:a16="http://schemas.microsoft.com/office/drawing/2014/main" id="{BF7AAB72-57F4-4998-8139-C8A69873D0B5}"/>
+              </a:ext>
+            </a:extLst>
+          </p:cNvPr>
           <p:cNvSpPr>
             <a:spLocks noGrp="1"/>
           </p:cNvSpPr>
@@ -997,7 +906,7 @@
           <a:p>
             <a:fld id="{76AF6DA2-7DC5-45ED-9B6E-8E65A4A73975}" type="datetimeFigureOut">
               <a:rPr lang="ru-RU" smtClean="0"/>
-              <a:t>13.06.2024</a:t>
+              <a:t>28.06.2024</a:t>
             </a:fld>
             <a:endParaRPr lang="ru-RU"/>
           </a:p>
@@ -1005,7 +914,13 @@
       </p:sp>
       <p:sp>
         <p:nvSpPr>
-          <p:cNvPr id="5" name="Footer Placeholder 4"/>
+          <p:cNvPr id="5" name="Нижний колонтитул 4">
+            <a:extLst>
+              <a:ext uri="{FF2B5EF4-FFF2-40B4-BE49-F238E27FC236}">
+                <a16:creationId xmlns:a16="http://schemas.microsoft.com/office/drawing/2014/main" id="{2AD44D35-49AF-4D38-B99E-BC287981AE3C}"/>
+              </a:ext>
+            </a:extLst>
+          </p:cNvPr>
           <p:cNvSpPr>
             <a:spLocks noGrp="1"/>
           </p:cNvSpPr>
@@ -1024,7 +939,13 @@
       </p:sp>
       <p:sp>
         <p:nvSpPr>
-          <p:cNvPr id="6" name="Slide Number Placeholder 5"/>
+          <p:cNvPr id="6" name="Номер слайда 5">
+            <a:extLst>
+              <a:ext uri="{FF2B5EF4-FFF2-40B4-BE49-F238E27FC236}">
+                <a16:creationId xmlns:a16="http://schemas.microsoft.com/office/drawing/2014/main" id="{F409E5BB-92A7-4C86-8E3C-836F1A756B04}"/>
+              </a:ext>
+            </a:extLst>
+          </p:cNvPr>
           <p:cNvSpPr>
             <a:spLocks noGrp="1"/>
           </p:cNvSpPr>
@@ -1048,7 +969,7 @@
     </p:spTree>
     <p:extLst>
       <p:ext uri="{BB962C8B-B14F-4D97-AF65-F5344CB8AC3E}">
-        <p14:creationId xmlns:p14="http://schemas.microsoft.com/office/powerpoint/2010/main" val="2259757807"/>
+        <p14:creationId xmlns:p14="http://schemas.microsoft.com/office/powerpoint/2010/main" val="2975048599"/>
       </p:ext>
     </p:extLst>
   </p:cSld>
@@ -1059,7 +980,7 @@
 </file>
 
 <file path=ppt/slideLayouts/slideLayout11.xml><?xml version="1.0" encoding="utf-8"?>
-<p:sldLayout xmlns:a="http://schemas.openxmlformats.org/drawingml/2006/main" xmlns:r="http://schemas.openxmlformats.org/officeDocument/2006/relationships" xmlns:p="http://schemas.openxmlformats.org/presentationml/2006/main" showMasterSp="0" type="vertTitleAndTx" preserve="1">
+<p:sldLayout xmlns:a="http://schemas.openxmlformats.org/drawingml/2006/main" xmlns:r="http://schemas.openxmlformats.org/officeDocument/2006/relationships" xmlns:p="http://schemas.openxmlformats.org/presentationml/2006/main" type="vertTitleAndTx" preserve="1">
   <p:cSld name="Вертикальный заголовок и текст">
     <p:spTree>
       <p:nvGrpSpPr>
@@ -1077,130 +998,63 @@
       </p:grpSpPr>
       <p:sp>
         <p:nvSpPr>
-          <p:cNvPr id="7" name="Rectangle 6"/>
-          <p:cNvSpPr/>
-          <p:nvPr/>
+          <p:cNvPr id="2" name="Вертикальный заголовок 1">
+            <a:extLst>
+              <a:ext uri="{FF2B5EF4-FFF2-40B4-BE49-F238E27FC236}">
+                <a16:creationId xmlns:a16="http://schemas.microsoft.com/office/drawing/2014/main" id="{A547B3D3-D983-4A62-8AB0-B0AC337B7C3B}"/>
+              </a:ext>
+            </a:extLst>
+          </p:cNvPr>
+          <p:cNvSpPr>
+            <a:spLocks noGrp="1"/>
+          </p:cNvSpPr>
+          <p:nvPr>
+            <p:ph type="title" orient="vert"/>
+          </p:nvPr>
         </p:nvSpPr>
         <p:spPr>
           <a:xfrm>
-            <a:off x="3175" y="6400800"/>
-            <a:ext cx="12188825" cy="457200"/>
+            <a:off x="8724900" y="365125"/>
+            <a:ext cx="2628900" cy="5811838"/>
           </a:xfrm>
-          <a:prstGeom prst="rect">
-            <a:avLst/>
-          </a:prstGeom>
-          <a:solidFill>
-            <a:schemeClr val="accent4">
-              <a:lumMod val="75000"/>
-            </a:schemeClr>
-          </a:solidFill>
-          <a:ln>
-            <a:noFill/>
-          </a:ln>
         </p:spPr>
-        <p:style>
-          <a:lnRef idx="2">
-            <a:schemeClr val="accent1">
-              <a:shade val="50000"/>
-            </a:schemeClr>
-          </a:lnRef>
-          <a:fillRef idx="1">
-            <a:schemeClr val="accent1"/>
-          </a:fillRef>
-          <a:effectRef idx="0">
-            <a:schemeClr val="accent1"/>
-          </a:effectRef>
-          <a:fontRef idx="minor">
-            <a:schemeClr val="lt1"/>
-          </a:fontRef>
-        </p:style>
-      </p:sp>
-      <p:sp>
-        <p:nvSpPr>
-          <p:cNvPr id="8" name="Rectangle 7"/>
-          <p:cNvSpPr/>
-          <p:nvPr/>
+        <p:txBody>
+          <a:bodyPr vert="eaVert"/>
+          <a:lstStyle/>
+          <a:p>
+            <a:r>
+              <a:rPr lang="ru-RU"/>
+              <a:t>Образец заголовка</a:t>
+            </a:r>
+          </a:p>
+        </p:txBody>
+      </p:sp>
+      <p:sp>
+        <p:nvSpPr>
+          <p:cNvPr id="3" name="Вертикальный текст 2">
+            <a:extLst>
+              <a:ext uri="{FF2B5EF4-FFF2-40B4-BE49-F238E27FC236}">
+                <a16:creationId xmlns:a16="http://schemas.microsoft.com/office/drawing/2014/main" id="{28DE74A0-8B76-4173-B0F0-64E3685FCC2B}"/>
+              </a:ext>
+            </a:extLst>
+          </p:cNvPr>
+          <p:cNvSpPr>
+            <a:spLocks noGrp="1"/>
+          </p:cNvSpPr>
+          <p:nvPr>
+            <p:ph type="body" orient="vert" idx="1"/>
+          </p:nvPr>
         </p:nvSpPr>
         <p:spPr>
           <a:xfrm>
-            <a:off x="15" y="6334316"/>
-            <a:ext cx="12188825" cy="64008"/>
-          </a:xfrm>
-          <a:prstGeom prst="rect">
-            <a:avLst/>
-          </a:prstGeom>
-          <a:solidFill>
-            <a:schemeClr val="accent4"/>
-          </a:solidFill>
-          <a:ln>
-            <a:noFill/>
-          </a:ln>
-        </p:spPr>
-        <p:style>
-          <a:lnRef idx="2">
-            <a:schemeClr val="accent1">
-              <a:shade val="50000"/>
-            </a:schemeClr>
-          </a:lnRef>
-          <a:fillRef idx="1">
-            <a:schemeClr val="accent1"/>
-          </a:fillRef>
-          <a:effectRef idx="0">
-            <a:schemeClr val="accent1"/>
-          </a:effectRef>
-          <a:fontRef idx="minor">
-            <a:schemeClr val="lt1"/>
-          </a:fontRef>
-        </p:style>
-      </p:sp>
-      <p:sp>
-        <p:nvSpPr>
-          <p:cNvPr id="2" name="Vertical Title 1"/>
-          <p:cNvSpPr>
-            <a:spLocks noGrp="1"/>
-          </p:cNvSpPr>
-          <p:nvPr>
-            <p:ph type="title" orient="vert"/>
-          </p:nvPr>
-        </p:nvSpPr>
-        <p:spPr>
-          <a:xfrm>
-            <a:off x="8724900" y="412302"/>
-            <a:ext cx="2628900" cy="5759898"/>
+            <a:off x="838200" y="365125"/>
+            <a:ext cx="7734300" cy="5811838"/>
           </a:xfrm>
         </p:spPr>
         <p:txBody>
           <a:bodyPr vert="eaVert"/>
           <a:lstStyle/>
           <a:p>
-            <a:r>
-              <a:rPr lang="ru-RU"/>
-              <a:t>Образец заголовка</a:t>
-            </a:r>
-            <a:endParaRPr lang="en-US" dirty="0"/>
-          </a:p>
-        </p:txBody>
-      </p:sp>
-      <p:sp>
-        <p:nvSpPr>
-          <p:cNvPr id="3" name="Vertical Text Placeholder 2"/>
-          <p:cNvSpPr>
-            <a:spLocks noGrp="1"/>
-          </p:cNvSpPr>
-          <p:nvPr>
-            <p:ph type="body" orient="vert" idx="1"/>
-          </p:nvPr>
-        </p:nvSpPr>
-        <p:spPr>
-          <a:xfrm>
-            <a:off x="838200" y="412302"/>
-            <a:ext cx="7734300" cy="5759898"/>
-          </a:xfrm>
-        </p:spPr>
-        <p:txBody>
-          <a:bodyPr vert="eaVert" lIns="45720" tIns="0" rIns="45720" bIns="0"/>
-          <a:lstStyle/>
-          <a:p>
             <a:pPr lvl="0"/>
             <a:r>
               <a:rPr lang="ru-RU"/>
@@ -1234,13 +1088,18 @@
               <a:rPr lang="ru-RU"/>
               <a:t>Пятый уровень</a:t>
             </a:r>
-            <a:endParaRPr lang="en-US" dirty="0"/>
-          </a:p>
-        </p:txBody>
-      </p:sp>
-      <p:sp>
-        <p:nvSpPr>
-          <p:cNvPr id="4" name="Date Placeholder 3"/>
+          </a:p>
+        </p:txBody>
+      </p:sp>
+      <p:sp>
+        <p:nvSpPr>
+          <p:cNvPr id="4" name="Дата 3">
+            <a:extLst>
+              <a:ext uri="{FF2B5EF4-FFF2-40B4-BE49-F238E27FC236}">
+                <a16:creationId xmlns:a16="http://schemas.microsoft.com/office/drawing/2014/main" id="{9005FC22-CC77-401F-A2F0-F40B2964DFB8}"/>
+              </a:ext>
+            </a:extLst>
+          </p:cNvPr>
           <p:cNvSpPr>
             <a:spLocks noGrp="1"/>
           </p:cNvSpPr>
@@ -1255,7 +1114,7 @@
           <a:p>
             <a:fld id="{76AF6DA2-7DC5-45ED-9B6E-8E65A4A73975}" type="datetimeFigureOut">
               <a:rPr lang="ru-RU" smtClean="0"/>
-              <a:t>13.06.2024</a:t>
+              <a:t>28.06.2024</a:t>
             </a:fld>
             <a:endParaRPr lang="ru-RU"/>
           </a:p>
@@ -1263,7 +1122,13 @@
       </p:sp>
       <p:sp>
         <p:nvSpPr>
-          <p:cNvPr id="5" name="Footer Placeholder 4"/>
+          <p:cNvPr id="5" name="Нижний колонтитул 4">
+            <a:extLst>
+              <a:ext uri="{FF2B5EF4-FFF2-40B4-BE49-F238E27FC236}">
+                <a16:creationId xmlns:a16="http://schemas.microsoft.com/office/drawing/2014/main" id="{A1D0C463-7394-49EA-A4DC-2CB4CA0A7AB2}"/>
+              </a:ext>
+            </a:extLst>
+          </p:cNvPr>
           <p:cNvSpPr>
             <a:spLocks noGrp="1"/>
           </p:cNvSpPr>
@@ -1282,7 +1147,13 @@
       </p:sp>
       <p:sp>
         <p:nvSpPr>
-          <p:cNvPr id="6" name="Slide Number Placeholder 5"/>
+          <p:cNvPr id="6" name="Номер слайда 5">
+            <a:extLst>
+              <a:ext uri="{FF2B5EF4-FFF2-40B4-BE49-F238E27FC236}">
+                <a16:creationId xmlns:a16="http://schemas.microsoft.com/office/drawing/2014/main" id="{253C1F41-8DC7-4862-8464-CD0D394AA2D9}"/>
+              </a:ext>
+            </a:extLst>
+          </p:cNvPr>
           <p:cNvSpPr>
             <a:spLocks noGrp="1"/>
           </p:cNvSpPr>
@@ -1306,7 +1177,7 @@
     </p:spTree>
     <p:extLst>
       <p:ext uri="{BB962C8B-B14F-4D97-AF65-F5344CB8AC3E}">
-        <p14:creationId xmlns:p14="http://schemas.microsoft.com/office/powerpoint/2010/main" val="1904806257"/>
+        <p14:creationId xmlns:p14="http://schemas.microsoft.com/office/powerpoint/2010/main" val="429278143"/>
       </p:ext>
     </p:extLst>
   </p:cSld>
@@ -1335,7 +1206,13 @@
       </p:grpSpPr>
       <p:sp>
         <p:nvSpPr>
-          <p:cNvPr id="2" name="Title 1"/>
+          <p:cNvPr id="2" name="Заголовок 1">
+            <a:extLst>
+              <a:ext uri="{FF2B5EF4-FFF2-40B4-BE49-F238E27FC236}">
+                <a16:creationId xmlns:a16="http://schemas.microsoft.com/office/drawing/2014/main" id="{EBE591A8-0FAC-4C40-88E5-1954F66AFF6C}"/>
+              </a:ext>
+            </a:extLst>
+          </p:cNvPr>
           <p:cNvSpPr>
             <a:spLocks noGrp="1"/>
           </p:cNvSpPr>
@@ -1352,13 +1229,18 @@
               <a:rPr lang="ru-RU"/>
               <a:t>Образец заголовка</a:t>
             </a:r>
-            <a:endParaRPr lang="en-US" dirty="0"/>
-          </a:p>
-        </p:txBody>
-      </p:sp>
-      <p:sp>
-        <p:nvSpPr>
-          <p:cNvPr id="3" name="Content Placeholder 2"/>
+          </a:p>
+        </p:txBody>
+      </p:sp>
+      <p:sp>
+        <p:nvSpPr>
+          <p:cNvPr id="3" name="Объект 2">
+            <a:extLst>
+              <a:ext uri="{FF2B5EF4-FFF2-40B4-BE49-F238E27FC236}">
+                <a16:creationId xmlns:a16="http://schemas.microsoft.com/office/drawing/2014/main" id="{178B204E-3A83-4A0D-8D2D-FB4150C47EA4}"/>
+              </a:ext>
+            </a:extLst>
+          </p:cNvPr>
           <p:cNvSpPr>
             <a:spLocks noGrp="1"/>
           </p:cNvSpPr>
@@ -1404,13 +1286,18 @@
               <a:rPr lang="ru-RU"/>
               <a:t>Пятый уровень</a:t>
             </a:r>
-            <a:endParaRPr lang="en-US" dirty="0"/>
-          </a:p>
-        </p:txBody>
-      </p:sp>
-      <p:sp>
-        <p:nvSpPr>
-          <p:cNvPr id="4" name="Date Placeholder 3"/>
+          </a:p>
+        </p:txBody>
+      </p:sp>
+      <p:sp>
+        <p:nvSpPr>
+          <p:cNvPr id="4" name="Дата 3">
+            <a:extLst>
+              <a:ext uri="{FF2B5EF4-FFF2-40B4-BE49-F238E27FC236}">
+                <a16:creationId xmlns:a16="http://schemas.microsoft.com/office/drawing/2014/main" id="{2FCED6A4-6756-4CFD-A702-A21C03EE2BE5}"/>
+              </a:ext>
+            </a:extLst>
+          </p:cNvPr>
           <p:cNvSpPr>
             <a:spLocks noGrp="1"/>
           </p:cNvSpPr>
@@ -1425,7 +1312,7 @@
           <a:p>
             <a:fld id="{76AF6DA2-7DC5-45ED-9B6E-8E65A4A73975}" type="datetimeFigureOut">
               <a:rPr lang="ru-RU" smtClean="0"/>
-              <a:t>13.06.2024</a:t>
+              <a:t>28.06.2024</a:t>
             </a:fld>
             <a:endParaRPr lang="ru-RU"/>
           </a:p>
@@ -1433,7 +1320,13 @@
       </p:sp>
       <p:sp>
         <p:nvSpPr>
-          <p:cNvPr id="5" name="Footer Placeholder 4"/>
+          <p:cNvPr id="5" name="Нижний колонтитул 4">
+            <a:extLst>
+              <a:ext uri="{FF2B5EF4-FFF2-40B4-BE49-F238E27FC236}">
+                <a16:creationId xmlns:a16="http://schemas.microsoft.com/office/drawing/2014/main" id="{F56735B0-AD28-40CB-8FC1-3D7BF77D4D5F}"/>
+              </a:ext>
+            </a:extLst>
+          </p:cNvPr>
           <p:cNvSpPr>
             <a:spLocks noGrp="1"/>
           </p:cNvSpPr>
@@ -1452,7 +1345,13 @@
       </p:sp>
       <p:sp>
         <p:nvSpPr>
-          <p:cNvPr id="6" name="Slide Number Placeholder 5"/>
+          <p:cNvPr id="6" name="Номер слайда 5">
+            <a:extLst>
+              <a:ext uri="{FF2B5EF4-FFF2-40B4-BE49-F238E27FC236}">
+                <a16:creationId xmlns:a16="http://schemas.microsoft.com/office/drawing/2014/main" id="{FF169F07-3B24-4073-BB21-5D1D5553A3E3}"/>
+              </a:ext>
+            </a:extLst>
+          </p:cNvPr>
           <p:cNvSpPr>
             <a:spLocks noGrp="1"/>
           </p:cNvSpPr>
@@ -1476,7 +1375,7 @@
     </p:spTree>
     <p:extLst>
       <p:ext uri="{BB962C8B-B14F-4D97-AF65-F5344CB8AC3E}">
-        <p14:creationId xmlns:p14="http://schemas.microsoft.com/office/powerpoint/2010/main" val="4013244998"/>
+        <p14:creationId xmlns:p14="http://schemas.microsoft.com/office/powerpoint/2010/main" val="3054050412"/>
       </p:ext>
     </p:extLst>
   </p:cSld>
@@ -1487,7 +1386,7 @@
 </file>
 
 <file path=ppt/slideLayouts/slideLayout3.xml><?xml version="1.0" encoding="utf-8"?>
-<p:sldLayout xmlns:a="http://schemas.openxmlformats.org/drawingml/2006/main" xmlns:r="http://schemas.openxmlformats.org/officeDocument/2006/relationships" xmlns:p="http://schemas.openxmlformats.org/presentationml/2006/main" showMasterSp="0" type="secHead" preserve="1">
+<p:sldLayout xmlns:a="http://schemas.openxmlformats.org/drawingml/2006/main" xmlns:r="http://schemas.openxmlformats.org/officeDocument/2006/relationships" xmlns:p="http://schemas.openxmlformats.org/presentationml/2006/main" type="secHead" preserve="1">
   <p:cSld name="Заголовок раздела">
     <p:spTree>
       <p:nvGrpSpPr>
@@ -1505,159 +1404,79 @@
       </p:grpSpPr>
       <p:sp>
         <p:nvSpPr>
-          <p:cNvPr id="7" name="Rectangle 6"/>
-          <p:cNvSpPr/>
-          <p:nvPr/>
+          <p:cNvPr id="2" name="Заголовок 1">
+            <a:extLst>
+              <a:ext uri="{FF2B5EF4-FFF2-40B4-BE49-F238E27FC236}">
+                <a16:creationId xmlns:a16="http://schemas.microsoft.com/office/drawing/2014/main" id="{93B63D84-F5E8-4ABF-8255-0FB1729430F8}"/>
+              </a:ext>
+            </a:extLst>
+          </p:cNvPr>
+          <p:cNvSpPr>
+            <a:spLocks noGrp="1"/>
+          </p:cNvSpPr>
+          <p:nvPr>
+            <p:ph type="title"/>
+          </p:nvPr>
         </p:nvSpPr>
         <p:spPr>
           <a:xfrm>
-            <a:off x="3175" y="6400800"/>
-            <a:ext cx="12188825" cy="457200"/>
+            <a:off x="831850" y="1709738"/>
+            <a:ext cx="10515600" cy="2852737"/>
           </a:xfrm>
-          <a:prstGeom prst="rect">
-            <a:avLst/>
-          </a:prstGeom>
-          <a:solidFill>
-            <a:schemeClr val="accent4">
-              <a:lumMod val="75000"/>
-            </a:schemeClr>
-          </a:solidFill>
-          <a:ln>
-            <a:noFill/>
-          </a:ln>
         </p:spPr>
-        <p:style>
-          <a:lnRef idx="2">
-            <a:schemeClr val="accent1">
-              <a:shade val="50000"/>
-            </a:schemeClr>
-          </a:lnRef>
-          <a:fillRef idx="1">
-            <a:schemeClr val="accent1"/>
-          </a:fillRef>
-          <a:effectRef idx="0">
-            <a:schemeClr val="accent1"/>
-          </a:effectRef>
-          <a:fontRef idx="minor">
-            <a:schemeClr val="lt1"/>
-          </a:fontRef>
-        </p:style>
-      </p:sp>
-      <p:sp>
-        <p:nvSpPr>
-          <p:cNvPr id="8" name="Rectangle 7"/>
-          <p:cNvSpPr/>
-          <p:nvPr/>
+        <p:txBody>
+          <a:bodyPr anchor="b"/>
+          <a:lstStyle>
+            <a:lvl1pPr>
+              <a:defRPr sz="6000"/>
+            </a:lvl1pPr>
+          </a:lstStyle>
+          <a:p>
+            <a:r>
+              <a:rPr lang="ru-RU"/>
+              <a:t>Образец заголовка</a:t>
+            </a:r>
+          </a:p>
+        </p:txBody>
+      </p:sp>
+      <p:sp>
+        <p:nvSpPr>
+          <p:cNvPr id="3" name="Текст 2">
+            <a:extLst>
+              <a:ext uri="{FF2B5EF4-FFF2-40B4-BE49-F238E27FC236}">
+                <a16:creationId xmlns:a16="http://schemas.microsoft.com/office/drawing/2014/main" id="{377C225C-4014-421B-9DA5-BF796FB6520B}"/>
+              </a:ext>
+            </a:extLst>
+          </p:cNvPr>
+          <p:cNvSpPr>
+            <a:spLocks noGrp="1"/>
+          </p:cNvSpPr>
+          <p:nvPr>
+            <p:ph type="body" idx="1"/>
+          </p:nvPr>
         </p:nvSpPr>
         <p:spPr>
           <a:xfrm>
-            <a:off x="15" y="6334316"/>
-            <a:ext cx="12188825" cy="64008"/>
-          </a:xfrm>
-          <a:prstGeom prst="rect">
-            <a:avLst/>
-          </a:prstGeom>
-          <a:solidFill>
-            <a:schemeClr val="accent4"/>
-          </a:solidFill>
-          <a:ln>
-            <a:noFill/>
-          </a:ln>
-        </p:spPr>
-        <p:style>
-          <a:lnRef idx="2">
-            <a:schemeClr val="accent1">
-              <a:shade val="50000"/>
-            </a:schemeClr>
-          </a:lnRef>
-          <a:fillRef idx="1">
-            <a:schemeClr val="accent1"/>
-          </a:fillRef>
-          <a:effectRef idx="0">
-            <a:schemeClr val="accent1"/>
-          </a:effectRef>
-          <a:fontRef idx="minor">
-            <a:schemeClr val="lt1"/>
-          </a:fontRef>
-        </p:style>
-      </p:sp>
-      <p:sp>
-        <p:nvSpPr>
-          <p:cNvPr id="2" name="Title 1"/>
-          <p:cNvSpPr>
-            <a:spLocks noGrp="1"/>
-          </p:cNvSpPr>
-          <p:nvPr>
-            <p:ph type="title"/>
-          </p:nvPr>
-        </p:nvSpPr>
-        <p:spPr>
-          <a:xfrm>
-            <a:off x="1097280" y="758952"/>
-            <a:ext cx="10058400" cy="3566160"/>
+            <a:off x="831850" y="4589463"/>
+            <a:ext cx="10515600" cy="1500187"/>
           </a:xfrm>
         </p:spPr>
         <p:txBody>
-          <a:bodyPr anchor="b" anchorCtr="0">
-            <a:normAutofit/>
-          </a:bodyPr>
+          <a:bodyPr/>
           <a:lstStyle>
-            <a:lvl1pPr>
-              <a:lnSpc>
-                <a:spcPct val="85000"/>
-              </a:lnSpc>
-              <a:defRPr sz="8000" b="0">
+            <a:lvl1pPr marL="0" indent="0">
+              <a:buNone/>
+              <a:defRPr sz="2400">
                 <a:solidFill>
                   <a:schemeClr val="tx1">
-                    <a:lumMod val="85000"/>
-                    <a:lumOff val="15000"/>
+                    <a:tint val="75000"/>
                   </a:schemeClr>
                 </a:solidFill>
               </a:defRPr>
             </a:lvl1pPr>
-          </a:lstStyle>
-          <a:p>
-            <a:r>
-              <a:rPr lang="ru-RU"/>
-              <a:t>Образец заголовка</a:t>
-            </a:r>
-            <a:endParaRPr lang="en-US" dirty="0"/>
-          </a:p>
-        </p:txBody>
-      </p:sp>
-      <p:sp>
-        <p:nvSpPr>
-          <p:cNvPr id="3" name="Text Placeholder 2"/>
-          <p:cNvSpPr>
-            <a:spLocks noGrp="1"/>
-          </p:cNvSpPr>
-          <p:nvPr>
-            <p:ph type="body" idx="1"/>
-          </p:nvPr>
-        </p:nvSpPr>
-        <p:spPr>
-          <a:xfrm>
-            <a:off x="1097280" y="4453128"/>
-            <a:ext cx="10058400" cy="1143000"/>
-          </a:xfrm>
-        </p:spPr>
-        <p:txBody>
-          <a:bodyPr lIns="91440" rIns="91440" anchor="t" anchorCtr="0">
-            <a:normAutofit/>
-          </a:bodyPr>
-          <a:lstStyle>
-            <a:lvl1pPr marL="0" indent="0">
-              <a:buNone/>
-              <a:defRPr sz="2400" cap="all" spc="200" baseline="0">
-                <a:solidFill>
-                  <a:schemeClr val="tx2"/>
-                </a:solidFill>
-                <a:latin typeface="+mj-lt"/>
-              </a:defRPr>
-            </a:lvl1pPr>
             <a:lvl2pPr marL="457200" indent="0">
               <a:buNone/>
-              <a:defRPr sz="1800">
+              <a:defRPr sz="2000">
                 <a:solidFill>
                   <a:schemeClr val="tx1">
                     <a:tint val="75000"/>
@@ -1667,7 +1486,7 @@
             </a:lvl2pPr>
             <a:lvl3pPr marL="914400" indent="0">
               <a:buNone/>
-              <a:defRPr sz="1600">
+              <a:defRPr sz="1800">
                 <a:solidFill>
                   <a:schemeClr val="tx1">
                     <a:tint val="75000"/>
@@ -1677,7 +1496,7 @@
             </a:lvl3pPr>
             <a:lvl4pPr marL="1371600" indent="0">
               <a:buNone/>
-              <a:defRPr sz="1400">
+              <a:defRPr sz="1600">
                 <a:solidFill>
                   <a:schemeClr val="tx1">
                     <a:tint val="75000"/>
@@ -1687,7 +1506,7 @@
             </a:lvl4pPr>
             <a:lvl5pPr marL="1828800" indent="0">
               <a:buNone/>
-              <a:defRPr sz="1400">
+              <a:defRPr sz="1600">
                 <a:solidFill>
                   <a:schemeClr val="tx1">
                     <a:tint val="75000"/>
@@ -1697,7 +1516,7 @@
             </a:lvl5pPr>
             <a:lvl6pPr marL="2286000" indent="0">
               <a:buNone/>
-              <a:defRPr sz="1400">
+              <a:defRPr sz="1600">
                 <a:solidFill>
                   <a:schemeClr val="tx1">
                     <a:tint val="75000"/>
@@ -1707,7 +1526,7 @@
             </a:lvl6pPr>
             <a:lvl7pPr marL="2743200" indent="0">
               <a:buNone/>
-              <a:defRPr sz="1400">
+              <a:defRPr sz="1600">
                 <a:solidFill>
                   <a:schemeClr val="tx1">
                     <a:tint val="75000"/>
@@ -1717,7 +1536,7 @@
             </a:lvl7pPr>
             <a:lvl8pPr marL="3200400" indent="0">
               <a:buNone/>
-              <a:defRPr sz="1400">
+              <a:defRPr sz="1600">
                 <a:solidFill>
                   <a:schemeClr val="tx1">
                     <a:tint val="75000"/>
@@ -1727,7 +1546,7 @@
             </a:lvl8pPr>
             <a:lvl9pPr marL="3657600" indent="0">
               <a:buNone/>
-              <a:defRPr sz="1400">
+              <a:defRPr sz="1600">
                 <a:solidFill>
                   <a:schemeClr val="tx1">
                     <a:tint val="75000"/>
@@ -1747,7 +1566,13 @@
       </p:sp>
       <p:sp>
         <p:nvSpPr>
-          <p:cNvPr id="4" name="Date Placeholder 3"/>
+          <p:cNvPr id="4" name="Дата 3">
+            <a:extLst>
+              <a:ext uri="{FF2B5EF4-FFF2-40B4-BE49-F238E27FC236}">
+                <a16:creationId xmlns:a16="http://schemas.microsoft.com/office/drawing/2014/main" id="{A3A179CC-E510-4EC7-98F1-3D8E111B19B3}"/>
+              </a:ext>
+            </a:extLst>
+          </p:cNvPr>
           <p:cNvSpPr>
             <a:spLocks noGrp="1"/>
           </p:cNvSpPr>
@@ -1762,7 +1587,7 @@
           <a:p>
             <a:fld id="{76AF6DA2-7DC5-45ED-9B6E-8E65A4A73975}" type="datetimeFigureOut">
               <a:rPr lang="ru-RU" smtClean="0"/>
-              <a:t>13.06.2024</a:t>
+              <a:t>28.06.2024</a:t>
             </a:fld>
             <a:endParaRPr lang="ru-RU"/>
           </a:p>
@@ -1770,7 +1595,13 @@
       </p:sp>
       <p:sp>
         <p:nvSpPr>
-          <p:cNvPr id="5" name="Footer Placeholder 4"/>
+          <p:cNvPr id="5" name="Нижний колонтитул 4">
+            <a:extLst>
+              <a:ext uri="{FF2B5EF4-FFF2-40B4-BE49-F238E27FC236}">
+                <a16:creationId xmlns:a16="http://schemas.microsoft.com/office/drawing/2014/main" id="{09F7BB6A-30CF-4511-8D44-1DAF4CF9137C}"/>
+              </a:ext>
+            </a:extLst>
+          </p:cNvPr>
           <p:cNvSpPr>
             <a:spLocks noGrp="1"/>
           </p:cNvSpPr>
@@ -1789,7 +1620,13 @@
       </p:sp>
       <p:sp>
         <p:nvSpPr>
-          <p:cNvPr id="6" name="Slide Number Placeholder 5"/>
+          <p:cNvPr id="6" name="Номер слайда 5">
+            <a:extLst>
+              <a:ext uri="{FF2B5EF4-FFF2-40B4-BE49-F238E27FC236}">
+                <a16:creationId xmlns:a16="http://schemas.microsoft.com/office/drawing/2014/main" id="{4413A9A8-5837-4463-85D9-E31676383BE6}"/>
+              </a:ext>
+            </a:extLst>
+          </p:cNvPr>
           <p:cNvSpPr>
             <a:spLocks noGrp="1"/>
           </p:cNvSpPr>
@@ -1810,48 +1647,10 @@
           </a:p>
         </p:txBody>
       </p:sp>
-      <p:cxnSp>
-        <p:nvCxnSpPr>
-          <p:cNvPr id="9" name="Straight Connector 8"/>
-          <p:cNvCxnSpPr/>
-          <p:nvPr/>
-        </p:nvCxnSpPr>
-        <p:spPr>
-          <a:xfrm>
-            <a:off x="1207658" y="4343400"/>
-            <a:ext cx="9875520" cy="0"/>
-          </a:xfrm>
-          <a:prstGeom prst="line">
-            <a:avLst/>
-          </a:prstGeom>
-          <a:ln w="6350">
-            <a:solidFill>
-              <a:schemeClr val="tx1">
-                <a:lumMod val="50000"/>
-                <a:lumOff val="50000"/>
-              </a:schemeClr>
-            </a:solidFill>
-          </a:ln>
-        </p:spPr>
-        <p:style>
-          <a:lnRef idx="1">
-            <a:schemeClr val="accent1"/>
-          </a:lnRef>
-          <a:fillRef idx="0">
-            <a:schemeClr val="accent1"/>
-          </a:fillRef>
-          <a:effectRef idx="0">
-            <a:schemeClr val="accent1"/>
-          </a:effectRef>
-          <a:fontRef idx="minor">
-            <a:schemeClr val="tx1"/>
-          </a:fontRef>
-        </p:style>
-      </p:cxnSp>
     </p:spTree>
     <p:extLst>
       <p:ext uri="{BB962C8B-B14F-4D97-AF65-F5344CB8AC3E}">
-        <p14:creationId xmlns:p14="http://schemas.microsoft.com/office/powerpoint/2010/main" val="1610444279"/>
+        <p14:creationId xmlns:p14="http://schemas.microsoft.com/office/powerpoint/2010/main" val="3231899940"/>
       </p:ext>
     </p:extLst>
   </p:cSld>
@@ -1880,46 +1679,114 @@
       </p:grpSpPr>
       <p:sp>
         <p:nvSpPr>
-          <p:cNvPr id="8" name="Title 7"/>
+          <p:cNvPr id="2" name="Заголовок 1">
+            <a:extLst>
+              <a:ext uri="{FF2B5EF4-FFF2-40B4-BE49-F238E27FC236}">
+                <a16:creationId xmlns:a16="http://schemas.microsoft.com/office/drawing/2014/main" id="{BC3295FC-4222-441A-855C-CC704B7E932C}"/>
+              </a:ext>
+            </a:extLst>
+          </p:cNvPr>
           <p:cNvSpPr>
             <a:spLocks noGrp="1"/>
           </p:cNvSpPr>
           <p:nvPr>
             <p:ph type="title"/>
+          </p:nvPr>
+        </p:nvSpPr>
+        <p:spPr/>
+        <p:txBody>
+          <a:bodyPr/>
+          <a:lstStyle/>
+          <a:p>
+            <a:r>
+              <a:rPr lang="ru-RU"/>
+              <a:t>Образец заголовка</a:t>
+            </a:r>
+          </a:p>
+        </p:txBody>
+      </p:sp>
+      <p:sp>
+        <p:nvSpPr>
+          <p:cNvPr id="3" name="Объект 2">
+            <a:extLst>
+              <a:ext uri="{FF2B5EF4-FFF2-40B4-BE49-F238E27FC236}">
+                <a16:creationId xmlns:a16="http://schemas.microsoft.com/office/drawing/2014/main" id="{484B9AB4-AD19-4DAB-8406-69D65C5F6373}"/>
+              </a:ext>
+            </a:extLst>
+          </p:cNvPr>
+          <p:cNvSpPr>
+            <a:spLocks noGrp="1"/>
+          </p:cNvSpPr>
+          <p:nvPr>
+            <p:ph sz="half" idx="1"/>
           </p:nvPr>
         </p:nvSpPr>
         <p:spPr>
           <a:xfrm>
-            <a:off x="1097280" y="286603"/>
-            <a:ext cx="10058400" cy="1450757"/>
+            <a:off x="838200" y="1825625"/>
+            <a:ext cx="5181600" cy="4351338"/>
           </a:xfrm>
         </p:spPr>
         <p:txBody>
           <a:bodyPr/>
           <a:lstStyle/>
           <a:p>
+            <a:pPr lvl="0"/>
             <a:r>
               <a:rPr lang="ru-RU"/>
-              <a:t>Образец заголовка</a:t>
-            </a:r>
-            <a:endParaRPr lang="en-US" dirty="0"/>
-          </a:p>
-        </p:txBody>
-      </p:sp>
-      <p:sp>
-        <p:nvSpPr>
-          <p:cNvPr id="3" name="Content Placeholder 2"/>
-          <p:cNvSpPr>
-            <a:spLocks noGrp="1"/>
-          </p:cNvSpPr>
-          <p:nvPr>
-            <p:ph sz="half" idx="1"/>
+              <a:t>Образец текста</a:t>
+            </a:r>
+          </a:p>
+          <a:p>
+            <a:pPr lvl="1"/>
+            <a:r>
+              <a:rPr lang="ru-RU"/>
+              <a:t>Второй уровень</a:t>
+            </a:r>
+          </a:p>
+          <a:p>
+            <a:pPr lvl="2"/>
+            <a:r>
+              <a:rPr lang="ru-RU"/>
+              <a:t>Третий уровень</a:t>
+            </a:r>
+          </a:p>
+          <a:p>
+            <a:pPr lvl="3"/>
+            <a:r>
+              <a:rPr lang="ru-RU"/>
+              <a:t>Четвертый уровень</a:t>
+            </a:r>
+          </a:p>
+          <a:p>
+            <a:pPr lvl="4"/>
+            <a:r>
+              <a:rPr lang="ru-RU"/>
+              <a:t>Пятый уровень</a:t>
+            </a:r>
+          </a:p>
+        </p:txBody>
+      </p:sp>
+      <p:sp>
+        <p:nvSpPr>
+          <p:cNvPr id="4" name="Объект 3">
+            <a:extLst>
+              <a:ext uri="{FF2B5EF4-FFF2-40B4-BE49-F238E27FC236}">
+                <a16:creationId xmlns:a16="http://schemas.microsoft.com/office/drawing/2014/main" id="{F816E474-4DAB-4C6E-839E-949EBAEF4F22}"/>
+              </a:ext>
+            </a:extLst>
+          </p:cNvPr>
+          <p:cNvSpPr>
+            <a:spLocks noGrp="1"/>
+          </p:cNvSpPr>
+          <p:nvPr>
+            <p:ph sz="half" idx="2"/>
           </p:nvPr>
         </p:nvSpPr>
         <p:spPr>
           <a:xfrm>
-            <a:off x="1097278" y="1845734"/>
-            <a:ext cx="4937760" cy="4023360"/>
+            <a:off x="6172200" y="1825625"/>
+            <a:ext cx="5181600" cy="4351338"/>
           </a:xfrm>
         </p:spPr>
         <p:txBody>
@@ -1959,75 +1826,52 @@
               <a:rPr lang="ru-RU"/>
               <a:t>Пятый уровень</a:t>
             </a:r>
-            <a:endParaRPr lang="en-US" dirty="0"/>
-          </a:p>
-        </p:txBody>
-      </p:sp>
-      <p:sp>
-        <p:nvSpPr>
-          <p:cNvPr id="4" name="Content Placeholder 3"/>
-          <p:cNvSpPr>
-            <a:spLocks noGrp="1"/>
-          </p:cNvSpPr>
-          <p:nvPr>
-            <p:ph sz="half" idx="2"/>
-          </p:nvPr>
-        </p:nvSpPr>
-        <p:spPr>
-          <a:xfrm>
-            <a:off x="6217920" y="1845735"/>
-            <a:ext cx="4937760" cy="4023360"/>
-          </a:xfrm>
-        </p:spPr>
+          </a:p>
+        </p:txBody>
+      </p:sp>
+      <p:sp>
+        <p:nvSpPr>
+          <p:cNvPr id="5" name="Дата 4">
+            <a:extLst>
+              <a:ext uri="{FF2B5EF4-FFF2-40B4-BE49-F238E27FC236}">
+                <a16:creationId xmlns:a16="http://schemas.microsoft.com/office/drawing/2014/main" id="{00111948-6C29-4EA3-8960-19F8F6AD9FBA}"/>
+              </a:ext>
+            </a:extLst>
+          </p:cNvPr>
+          <p:cNvSpPr>
+            <a:spLocks noGrp="1"/>
+          </p:cNvSpPr>
+          <p:nvPr>
+            <p:ph type="dt" sz="half" idx="10"/>
+          </p:nvPr>
+        </p:nvSpPr>
+        <p:spPr/>
         <p:txBody>
           <a:bodyPr/>
           <a:lstStyle/>
           <a:p>
-            <a:pPr lvl="0"/>
-            <a:r>
-              <a:rPr lang="ru-RU"/>
-              <a:t>Образец текста</a:t>
-            </a:r>
-          </a:p>
-          <a:p>
-            <a:pPr lvl="1"/>
-            <a:r>
-              <a:rPr lang="ru-RU"/>
-              <a:t>Второй уровень</a:t>
-            </a:r>
-          </a:p>
-          <a:p>
-            <a:pPr lvl="2"/>
-            <a:r>
-              <a:rPr lang="ru-RU"/>
-              <a:t>Третий уровень</a:t>
-            </a:r>
-          </a:p>
-          <a:p>
-            <a:pPr lvl="3"/>
-            <a:r>
-              <a:rPr lang="ru-RU"/>
-              <a:t>Четвертый уровень</a:t>
-            </a:r>
-          </a:p>
-          <a:p>
-            <a:pPr lvl="4"/>
-            <a:r>
-              <a:rPr lang="ru-RU"/>
-              <a:t>Пятый уровень</a:t>
-            </a:r>
-            <a:endParaRPr lang="en-US" dirty="0"/>
-          </a:p>
-        </p:txBody>
-      </p:sp>
-      <p:sp>
-        <p:nvSpPr>
-          <p:cNvPr id="5" name="Date Placeholder 4"/>
-          <p:cNvSpPr>
-            <a:spLocks noGrp="1"/>
-          </p:cNvSpPr>
-          <p:nvPr>
-            <p:ph type="dt" sz="half" idx="10"/>
+            <a:fld id="{76AF6DA2-7DC5-45ED-9B6E-8E65A4A73975}" type="datetimeFigureOut">
+              <a:rPr lang="ru-RU" smtClean="0"/>
+              <a:t>28.06.2024</a:t>
+            </a:fld>
+            <a:endParaRPr lang="ru-RU"/>
+          </a:p>
+        </p:txBody>
+      </p:sp>
+      <p:sp>
+        <p:nvSpPr>
+          <p:cNvPr id="6" name="Нижний колонтитул 5">
+            <a:extLst>
+              <a:ext uri="{FF2B5EF4-FFF2-40B4-BE49-F238E27FC236}">
+                <a16:creationId xmlns:a16="http://schemas.microsoft.com/office/drawing/2014/main" id="{E2628C61-4E70-478C-9ECC-13CCD6A3A007}"/>
+              </a:ext>
+            </a:extLst>
+          </p:cNvPr>
+          <p:cNvSpPr>
+            <a:spLocks noGrp="1"/>
+          </p:cNvSpPr>
+          <p:nvPr>
+            <p:ph type="ftr" sz="quarter" idx="11"/>
           </p:nvPr>
         </p:nvSpPr>
         <p:spPr/>
@@ -2035,36 +1879,19 @@
           <a:bodyPr/>
           <a:lstStyle/>
           <a:p>
-            <a:fld id="{76AF6DA2-7DC5-45ED-9B6E-8E65A4A73975}" type="datetimeFigureOut">
-              <a:rPr lang="ru-RU" smtClean="0"/>
-              <a:t>13.06.2024</a:t>
-            </a:fld>
             <a:endParaRPr lang="ru-RU"/>
           </a:p>
         </p:txBody>
       </p:sp>
       <p:sp>
         <p:nvSpPr>
-          <p:cNvPr id="6" name="Footer Placeholder 5"/>
-          <p:cNvSpPr>
-            <a:spLocks noGrp="1"/>
-          </p:cNvSpPr>
-          <p:nvPr>
-            <p:ph type="ftr" sz="quarter" idx="11"/>
-          </p:nvPr>
-        </p:nvSpPr>
-        <p:spPr/>
-        <p:txBody>
-          <a:bodyPr/>
-          <a:lstStyle/>
-          <a:p>
-            <a:endParaRPr lang="ru-RU"/>
-          </a:p>
-        </p:txBody>
-      </p:sp>
-      <p:sp>
-        <p:nvSpPr>
-          <p:cNvPr id="7" name="Slide Number Placeholder 6"/>
+          <p:cNvPr id="7" name="Номер слайда 6">
+            <a:extLst>
+              <a:ext uri="{FF2B5EF4-FFF2-40B4-BE49-F238E27FC236}">
+                <a16:creationId xmlns:a16="http://schemas.microsoft.com/office/drawing/2014/main" id="{C105A717-B3B4-4B96-9AC4-99F3145D50C6}"/>
+              </a:ext>
+            </a:extLst>
+          </p:cNvPr>
           <p:cNvSpPr>
             <a:spLocks noGrp="1"/>
           </p:cNvSpPr>
@@ -2088,7 +1915,7 @@
     </p:spTree>
     <p:extLst>
       <p:ext uri="{BB962C8B-B14F-4D97-AF65-F5344CB8AC3E}">
-        <p14:creationId xmlns:p14="http://schemas.microsoft.com/office/powerpoint/2010/main" val="3142037015"/>
+        <p14:creationId xmlns:p14="http://schemas.microsoft.com/office/powerpoint/2010/main" val="4270963677"/>
       </p:ext>
     </p:extLst>
   </p:cSld>
@@ -2117,7 +1944,13 @@
       </p:grpSpPr>
       <p:sp>
         <p:nvSpPr>
-          <p:cNvPr id="10" name="Title 9"/>
+          <p:cNvPr id="2" name="Заголовок 1">
+            <a:extLst>
+              <a:ext uri="{FF2B5EF4-FFF2-40B4-BE49-F238E27FC236}">
+                <a16:creationId xmlns:a16="http://schemas.microsoft.com/office/drawing/2014/main" id="{6F8597C0-BE12-4237-97F3-6A02385B77A2}"/>
+              </a:ext>
+            </a:extLst>
+          </p:cNvPr>
           <p:cNvSpPr>
             <a:spLocks noGrp="1"/>
           </p:cNvSpPr>
@@ -2127,8 +1960,8 @@
         </p:nvSpPr>
         <p:spPr>
           <a:xfrm>
-            <a:off x="1097280" y="286603"/>
-            <a:ext cx="10058400" cy="1450757"/>
+            <a:off x="839788" y="365125"/>
+            <a:ext cx="10515600" cy="1325563"/>
           </a:xfrm>
         </p:spPr>
         <p:txBody>
@@ -2139,13 +1972,18 @@
               <a:rPr lang="ru-RU"/>
               <a:t>Образец заголовка</a:t>
             </a:r>
-            <a:endParaRPr lang="en-US" dirty="0"/>
-          </a:p>
-        </p:txBody>
-      </p:sp>
-      <p:sp>
-        <p:nvSpPr>
-          <p:cNvPr id="3" name="Text Placeholder 2"/>
+          </a:p>
+        </p:txBody>
+      </p:sp>
+      <p:sp>
+        <p:nvSpPr>
+          <p:cNvPr id="3" name="Текст 2">
+            <a:extLst>
+              <a:ext uri="{FF2B5EF4-FFF2-40B4-BE49-F238E27FC236}">
+                <a16:creationId xmlns:a16="http://schemas.microsoft.com/office/drawing/2014/main" id="{B8F35E39-C5BF-412F-AA7B-642274612DB9}"/>
+              </a:ext>
+            </a:extLst>
+          </p:cNvPr>
           <p:cNvSpPr>
             <a:spLocks noGrp="1"/>
           </p:cNvSpPr>
@@ -2155,22 +1993,16 @@
         </p:nvSpPr>
         <p:spPr>
           <a:xfrm>
-            <a:off x="1097280" y="1846052"/>
-            <a:ext cx="4937760" cy="736282"/>
+            <a:off x="839788" y="1681163"/>
+            <a:ext cx="5157787" cy="823912"/>
           </a:xfrm>
         </p:spPr>
         <p:txBody>
-          <a:bodyPr lIns="91440" rIns="91440" anchor="ctr">
-            <a:normAutofit/>
-          </a:bodyPr>
+          <a:bodyPr anchor="b"/>
           <a:lstStyle>
             <a:lvl1pPr marL="0" indent="0">
               <a:buNone/>
-              <a:defRPr sz="2000" b="0" cap="all" baseline="0">
-                <a:solidFill>
-                  <a:schemeClr val="tx2"/>
-                </a:solidFill>
-              </a:defRPr>
+              <a:defRPr sz="2400" b="1"/>
             </a:lvl1pPr>
             <a:lvl2pPr marL="457200" indent="0">
               <a:buNone/>
@@ -2216,7 +2048,13 @@
       </p:sp>
       <p:sp>
         <p:nvSpPr>
-          <p:cNvPr id="4" name="Content Placeholder 3"/>
+          <p:cNvPr id="4" name="Объект 3">
+            <a:extLst>
+              <a:ext uri="{FF2B5EF4-FFF2-40B4-BE49-F238E27FC236}">
+                <a16:creationId xmlns:a16="http://schemas.microsoft.com/office/drawing/2014/main" id="{9AC8B5B2-BD4D-4B86-8FAA-0D35D3FA6110}"/>
+              </a:ext>
+            </a:extLst>
+          </p:cNvPr>
           <p:cNvSpPr>
             <a:spLocks noGrp="1"/>
           </p:cNvSpPr>
@@ -2226,8 +2064,8 @@
         </p:nvSpPr>
         <p:spPr>
           <a:xfrm>
-            <a:off x="1097280" y="2582334"/>
-            <a:ext cx="4937760" cy="3378200"/>
+            <a:off x="839788" y="2505075"/>
+            <a:ext cx="5157787" cy="3684588"/>
           </a:xfrm>
         </p:spPr>
         <p:txBody>
@@ -2267,13 +2105,18 @@
               <a:rPr lang="ru-RU"/>
               <a:t>Пятый уровень</a:t>
             </a:r>
-            <a:endParaRPr lang="en-US" dirty="0"/>
-          </a:p>
-        </p:txBody>
-      </p:sp>
-      <p:sp>
-        <p:nvSpPr>
-          <p:cNvPr id="5" name="Text Placeholder 4"/>
+          </a:p>
+        </p:txBody>
+      </p:sp>
+      <p:sp>
+        <p:nvSpPr>
+          <p:cNvPr id="5" name="Текст 4">
+            <a:extLst>
+              <a:ext uri="{FF2B5EF4-FFF2-40B4-BE49-F238E27FC236}">
+                <a16:creationId xmlns:a16="http://schemas.microsoft.com/office/drawing/2014/main" id="{7CDBB96F-015C-4720-B6B1-1549BB2D3936}"/>
+              </a:ext>
+            </a:extLst>
+          </p:cNvPr>
           <p:cNvSpPr>
             <a:spLocks noGrp="1"/>
           </p:cNvSpPr>
@@ -2283,22 +2126,16 @@
         </p:nvSpPr>
         <p:spPr>
           <a:xfrm>
-            <a:off x="6217920" y="1846052"/>
-            <a:ext cx="4937760" cy="736282"/>
+            <a:off x="6172200" y="1681163"/>
+            <a:ext cx="5183188" cy="823912"/>
           </a:xfrm>
         </p:spPr>
         <p:txBody>
-          <a:bodyPr lIns="91440" rIns="91440" anchor="ctr">
-            <a:normAutofit/>
-          </a:bodyPr>
+          <a:bodyPr anchor="b"/>
           <a:lstStyle>
             <a:lvl1pPr marL="0" indent="0">
               <a:buNone/>
-              <a:defRPr sz="2000" b="0" cap="all" baseline="0">
-                <a:solidFill>
-                  <a:schemeClr val="tx2"/>
-                </a:solidFill>
-              </a:defRPr>
+              <a:defRPr sz="2400" b="1"/>
             </a:lvl1pPr>
             <a:lvl2pPr marL="457200" indent="0">
               <a:buNone/>
@@ -2344,7 +2181,13 @@
       </p:sp>
       <p:sp>
         <p:nvSpPr>
-          <p:cNvPr id="6" name="Content Placeholder 5"/>
+          <p:cNvPr id="6" name="Объект 5">
+            <a:extLst>
+              <a:ext uri="{FF2B5EF4-FFF2-40B4-BE49-F238E27FC236}">
+                <a16:creationId xmlns:a16="http://schemas.microsoft.com/office/drawing/2014/main" id="{D681E2F5-D189-4648-A89E-47F537AAD92E}"/>
+              </a:ext>
+            </a:extLst>
+          </p:cNvPr>
           <p:cNvSpPr>
             <a:spLocks noGrp="1"/>
           </p:cNvSpPr>
@@ -2354,8 +2197,8 @@
         </p:nvSpPr>
         <p:spPr>
           <a:xfrm>
-            <a:off x="6217920" y="2582334"/>
-            <a:ext cx="4937760" cy="3378200"/>
+            <a:off x="6172200" y="2505075"/>
+            <a:ext cx="5183188" cy="3684588"/>
           </a:xfrm>
         </p:spPr>
         <p:txBody>
@@ -2395,13 +2238,18 @@
               <a:rPr lang="ru-RU"/>
               <a:t>Пятый уровень</a:t>
             </a:r>
-            <a:endParaRPr lang="en-US" dirty="0"/>
-          </a:p>
-        </p:txBody>
-      </p:sp>
-      <p:sp>
-        <p:nvSpPr>
-          <p:cNvPr id="7" name="Date Placeholder 6"/>
+          </a:p>
+        </p:txBody>
+      </p:sp>
+      <p:sp>
+        <p:nvSpPr>
+          <p:cNvPr id="7" name="Дата 6">
+            <a:extLst>
+              <a:ext uri="{FF2B5EF4-FFF2-40B4-BE49-F238E27FC236}">
+                <a16:creationId xmlns:a16="http://schemas.microsoft.com/office/drawing/2014/main" id="{24F1A2D5-6CD5-4D05-8328-8692FD9648FD}"/>
+              </a:ext>
+            </a:extLst>
+          </p:cNvPr>
           <p:cNvSpPr>
             <a:spLocks noGrp="1"/>
           </p:cNvSpPr>
@@ -2416,7 +2264,7 @@
           <a:p>
             <a:fld id="{76AF6DA2-7DC5-45ED-9B6E-8E65A4A73975}" type="datetimeFigureOut">
               <a:rPr lang="ru-RU" smtClean="0"/>
-              <a:t>13.06.2024</a:t>
+              <a:t>28.06.2024</a:t>
             </a:fld>
             <a:endParaRPr lang="ru-RU"/>
           </a:p>
@@ -2424,7 +2272,13 @@
       </p:sp>
       <p:sp>
         <p:nvSpPr>
-          <p:cNvPr id="8" name="Footer Placeholder 7"/>
+          <p:cNvPr id="8" name="Нижний колонтитул 7">
+            <a:extLst>
+              <a:ext uri="{FF2B5EF4-FFF2-40B4-BE49-F238E27FC236}">
+                <a16:creationId xmlns:a16="http://schemas.microsoft.com/office/drawing/2014/main" id="{E295955D-A3BD-4D64-9057-C9F9ECD8880B}"/>
+              </a:ext>
+            </a:extLst>
+          </p:cNvPr>
           <p:cNvSpPr>
             <a:spLocks noGrp="1"/>
           </p:cNvSpPr>
@@ -2443,7 +2297,13 @@
       </p:sp>
       <p:sp>
         <p:nvSpPr>
-          <p:cNvPr id="9" name="Slide Number Placeholder 8"/>
+          <p:cNvPr id="9" name="Номер слайда 8">
+            <a:extLst>
+              <a:ext uri="{FF2B5EF4-FFF2-40B4-BE49-F238E27FC236}">
+                <a16:creationId xmlns:a16="http://schemas.microsoft.com/office/drawing/2014/main" id="{2E6D49A0-059A-4960-8B1A-4159ED1AACC1}"/>
+              </a:ext>
+            </a:extLst>
+          </p:cNvPr>
           <p:cNvSpPr>
             <a:spLocks noGrp="1"/>
           </p:cNvSpPr>
@@ -2467,7 +2327,7 @@
     </p:spTree>
     <p:extLst>
       <p:ext uri="{BB962C8B-B14F-4D97-AF65-F5344CB8AC3E}">
-        <p14:creationId xmlns:p14="http://schemas.microsoft.com/office/powerpoint/2010/main" val="2661232384"/>
+        <p14:creationId xmlns:p14="http://schemas.microsoft.com/office/powerpoint/2010/main" val="1422540718"/>
       </p:ext>
     </p:extLst>
   </p:cSld>
@@ -2496,7 +2356,13 @@
       </p:grpSpPr>
       <p:sp>
         <p:nvSpPr>
-          <p:cNvPr id="2" name="Title 1"/>
+          <p:cNvPr id="2" name="Заголовок 1">
+            <a:extLst>
+              <a:ext uri="{FF2B5EF4-FFF2-40B4-BE49-F238E27FC236}">
+                <a16:creationId xmlns:a16="http://schemas.microsoft.com/office/drawing/2014/main" id="{B84C3B1A-0BE8-4E9F-A4D9-2D6FD6B5AD66}"/>
+              </a:ext>
+            </a:extLst>
+          </p:cNvPr>
           <p:cNvSpPr>
             <a:spLocks noGrp="1"/>
           </p:cNvSpPr>
@@ -2513,13 +2379,18 @@
               <a:rPr lang="ru-RU"/>
               <a:t>Образец заголовка</a:t>
             </a:r>
-            <a:endParaRPr lang="en-US" dirty="0"/>
-          </a:p>
-        </p:txBody>
-      </p:sp>
-      <p:sp>
-        <p:nvSpPr>
-          <p:cNvPr id="3" name="Date Placeholder 2"/>
+          </a:p>
+        </p:txBody>
+      </p:sp>
+      <p:sp>
+        <p:nvSpPr>
+          <p:cNvPr id="3" name="Дата 2">
+            <a:extLst>
+              <a:ext uri="{FF2B5EF4-FFF2-40B4-BE49-F238E27FC236}">
+                <a16:creationId xmlns:a16="http://schemas.microsoft.com/office/drawing/2014/main" id="{FC83DD67-DA7E-4EF6-B48F-5C61A4A13E14}"/>
+              </a:ext>
+            </a:extLst>
+          </p:cNvPr>
           <p:cNvSpPr>
             <a:spLocks noGrp="1"/>
           </p:cNvSpPr>
@@ -2534,7 +2405,7 @@
           <a:p>
             <a:fld id="{76AF6DA2-7DC5-45ED-9B6E-8E65A4A73975}" type="datetimeFigureOut">
               <a:rPr lang="ru-RU" smtClean="0"/>
-              <a:t>13.06.2024</a:t>
+              <a:t>28.06.2024</a:t>
             </a:fld>
             <a:endParaRPr lang="ru-RU"/>
           </a:p>
@@ -2542,7 +2413,13 @@
       </p:sp>
       <p:sp>
         <p:nvSpPr>
-          <p:cNvPr id="4" name="Footer Placeholder 3"/>
+          <p:cNvPr id="4" name="Нижний колонтитул 3">
+            <a:extLst>
+              <a:ext uri="{FF2B5EF4-FFF2-40B4-BE49-F238E27FC236}">
+                <a16:creationId xmlns:a16="http://schemas.microsoft.com/office/drawing/2014/main" id="{E9952D39-6C7E-4C57-92FB-5A4F5738B922}"/>
+              </a:ext>
+            </a:extLst>
+          </p:cNvPr>
           <p:cNvSpPr>
             <a:spLocks noGrp="1"/>
           </p:cNvSpPr>
@@ -2561,7 +2438,13 @@
       </p:sp>
       <p:sp>
         <p:nvSpPr>
-          <p:cNvPr id="5" name="Slide Number Placeholder 4"/>
+          <p:cNvPr id="5" name="Номер слайда 4">
+            <a:extLst>
+              <a:ext uri="{FF2B5EF4-FFF2-40B4-BE49-F238E27FC236}">
+                <a16:creationId xmlns:a16="http://schemas.microsoft.com/office/drawing/2014/main" id="{B4DAFAE5-A2D7-4F42-B9F7-C46C5906DBE9}"/>
+              </a:ext>
+            </a:extLst>
+          </p:cNvPr>
           <p:cNvSpPr>
             <a:spLocks noGrp="1"/>
           </p:cNvSpPr>
@@ -2585,7 +2468,7 @@
     </p:spTree>
     <p:extLst>
       <p:ext uri="{BB962C8B-B14F-4D97-AF65-F5344CB8AC3E}">
-        <p14:creationId xmlns:p14="http://schemas.microsoft.com/office/powerpoint/2010/main" val="1524623902"/>
+        <p14:creationId xmlns:p14="http://schemas.microsoft.com/office/powerpoint/2010/main" val="3733342922"/>
       </p:ext>
     </p:extLst>
   </p:cSld>
@@ -2596,7 +2479,7 @@
 </file>
 
 <file path=ppt/slideLayouts/slideLayout7.xml><?xml version="1.0" encoding="utf-8"?>
-<p:sldLayout xmlns:a="http://schemas.openxmlformats.org/drawingml/2006/main" xmlns:r="http://schemas.openxmlformats.org/officeDocument/2006/relationships" xmlns:p="http://schemas.openxmlformats.org/presentationml/2006/main" showMasterSp="0" type="blank" preserve="1">
+<p:sldLayout xmlns:a="http://schemas.openxmlformats.org/drawingml/2006/main" xmlns:r="http://schemas.openxmlformats.org/officeDocument/2006/relationships" xmlns:p="http://schemas.openxmlformats.org/presentationml/2006/main" type="blank" preserve="1">
   <p:cSld name="Пустой слайд">
     <p:spTree>
       <p:nvGrpSpPr>
@@ -2614,85 +2497,13 @@
       </p:grpSpPr>
       <p:sp>
         <p:nvSpPr>
-          <p:cNvPr id="5" name="Rectangle 4"/>
-          <p:cNvSpPr/>
-          <p:nvPr/>
-        </p:nvSpPr>
-        <p:spPr>
-          <a:xfrm>
-            <a:off x="3175" y="6400800"/>
-            <a:ext cx="12188825" cy="457200"/>
-          </a:xfrm>
-          <a:prstGeom prst="rect">
-            <a:avLst/>
-          </a:prstGeom>
-          <a:solidFill>
-            <a:schemeClr val="accent4">
-              <a:lumMod val="75000"/>
-            </a:schemeClr>
-          </a:solidFill>
-          <a:ln>
-            <a:noFill/>
-          </a:ln>
-        </p:spPr>
-        <p:style>
-          <a:lnRef idx="2">
-            <a:schemeClr val="accent1">
-              <a:shade val="50000"/>
-            </a:schemeClr>
-          </a:lnRef>
-          <a:fillRef idx="1">
-            <a:schemeClr val="accent1"/>
-          </a:fillRef>
-          <a:effectRef idx="0">
-            <a:schemeClr val="accent1"/>
-          </a:effectRef>
-          <a:fontRef idx="minor">
-            <a:schemeClr val="lt1"/>
-          </a:fontRef>
-        </p:style>
-      </p:sp>
-      <p:sp>
-        <p:nvSpPr>
-          <p:cNvPr id="6" name="Rectangle 5"/>
-          <p:cNvSpPr/>
-          <p:nvPr/>
-        </p:nvSpPr>
-        <p:spPr>
-          <a:xfrm>
-            <a:off x="15" y="6334316"/>
-            <a:ext cx="12188825" cy="64008"/>
-          </a:xfrm>
-          <a:prstGeom prst="rect">
-            <a:avLst/>
-          </a:prstGeom>
-          <a:solidFill>
-            <a:schemeClr val="accent4"/>
-          </a:solidFill>
-          <a:ln>
-            <a:noFill/>
-          </a:ln>
-        </p:spPr>
-        <p:style>
-          <a:lnRef idx="2">
-            <a:schemeClr val="accent1">
-              <a:shade val="50000"/>
-            </a:schemeClr>
-          </a:lnRef>
-          <a:fillRef idx="1">
-            <a:schemeClr val="accent1"/>
-          </a:fillRef>
-          <a:effectRef idx="0">
-            <a:schemeClr val="accent1"/>
-          </a:effectRef>
-          <a:fontRef idx="minor">
-            <a:schemeClr val="lt1"/>
-          </a:fontRef>
-        </p:style>
-      </p:sp>
-      <p:sp>
-        <p:nvSpPr>
-          <p:cNvPr id="7" name="Date Placeholder 6"/>
+          <p:cNvPr id="2" name="Дата 1">
+            <a:extLst>
+              <a:ext uri="{FF2B5EF4-FFF2-40B4-BE49-F238E27FC236}">
+                <a16:creationId xmlns:a16="http://schemas.microsoft.com/office/drawing/2014/main" id="{D68929F4-1DA0-44CE-B7CD-38A90E694E85}"/>
+              </a:ext>
+            </a:extLst>
+          </p:cNvPr>
           <p:cNvSpPr>
             <a:spLocks noGrp="1"/>
           </p:cNvSpPr>
@@ -2707,7 +2518,7 @@
           <a:p>
             <a:fld id="{76AF6DA2-7DC5-45ED-9B6E-8E65A4A73975}" type="datetimeFigureOut">
               <a:rPr lang="ru-RU" smtClean="0"/>
-              <a:t>13.06.2024</a:t>
+              <a:t>28.06.2024</a:t>
             </a:fld>
             <a:endParaRPr lang="ru-RU"/>
           </a:p>
@@ -2715,7 +2526,13 @@
       </p:sp>
       <p:sp>
         <p:nvSpPr>
-          <p:cNvPr id="8" name="Footer Placeholder 7"/>
+          <p:cNvPr id="3" name="Нижний колонтитул 2">
+            <a:extLst>
+              <a:ext uri="{FF2B5EF4-FFF2-40B4-BE49-F238E27FC236}">
+                <a16:creationId xmlns:a16="http://schemas.microsoft.com/office/drawing/2014/main" id="{4287E9B2-8DE5-45E4-AE38-8DA41F9242B5}"/>
+              </a:ext>
+            </a:extLst>
+          </p:cNvPr>
           <p:cNvSpPr>
             <a:spLocks noGrp="1"/>
           </p:cNvSpPr>
@@ -2726,15 +2543,7 @@
         <p:spPr/>
         <p:txBody>
           <a:bodyPr/>
-          <a:lstStyle>
-            <a:lvl1pPr>
-              <a:defRPr>
-                <a:solidFill>
-                  <a:srgbClr val="FFFFFF"/>
-                </a:solidFill>
-              </a:defRPr>
-            </a:lvl1pPr>
-          </a:lstStyle>
+          <a:lstStyle/>
           <a:p>
             <a:endParaRPr lang="ru-RU"/>
           </a:p>
@@ -2742,7 +2551,13 @@
       </p:sp>
       <p:sp>
         <p:nvSpPr>
-          <p:cNvPr id="9" name="Slide Number Placeholder 8"/>
+          <p:cNvPr id="4" name="Номер слайда 3">
+            <a:extLst>
+              <a:ext uri="{FF2B5EF4-FFF2-40B4-BE49-F238E27FC236}">
+                <a16:creationId xmlns:a16="http://schemas.microsoft.com/office/drawing/2014/main" id="{0D318370-8DDB-4EA3-B27F-55C0D3B92903}"/>
+              </a:ext>
+            </a:extLst>
+          </p:cNvPr>
           <p:cNvSpPr>
             <a:spLocks noGrp="1"/>
           </p:cNvSpPr>
@@ -2766,7 +2581,7 @@
     </p:spTree>
     <p:extLst>
       <p:ext uri="{BB962C8B-B14F-4D97-AF65-F5344CB8AC3E}">
-        <p14:creationId xmlns:p14="http://schemas.microsoft.com/office/powerpoint/2010/main" val="2243140481"/>
+        <p14:creationId xmlns:p14="http://schemas.microsoft.com/office/powerpoint/2010/main" val="2908108904"/>
       </p:ext>
     </p:extLst>
   </p:cSld>
@@ -2777,7 +2592,7 @@
 </file>
 
 <file path=ppt/slideLayouts/slideLayout8.xml><?xml version="1.0" encoding="utf-8"?>
-<p:sldLayout xmlns:a="http://schemas.openxmlformats.org/drawingml/2006/main" xmlns:r="http://schemas.openxmlformats.org/officeDocument/2006/relationships" xmlns:p="http://schemas.openxmlformats.org/presentationml/2006/main" showMasterSp="0" type="objTx" preserve="1">
+<p:sldLayout xmlns:a="http://schemas.openxmlformats.org/drawingml/2006/main" xmlns:r="http://schemas.openxmlformats.org/officeDocument/2006/relationships" xmlns:p="http://schemas.openxmlformats.org/presentationml/2006/main" type="objTx" preserve="1">
   <p:cSld name="Объект с подписью">
     <p:spTree>
       <p:nvGrpSpPr>
@@ -2795,237 +2610,191 @@
       </p:grpSpPr>
       <p:sp>
         <p:nvSpPr>
-          <p:cNvPr id="8" name="Rectangle 7"/>
-          <p:cNvSpPr/>
-          <p:nvPr/>
+          <p:cNvPr id="2" name="Заголовок 1">
+            <a:extLst>
+              <a:ext uri="{FF2B5EF4-FFF2-40B4-BE49-F238E27FC236}">
+                <a16:creationId xmlns:a16="http://schemas.microsoft.com/office/drawing/2014/main" id="{AFA90E14-E83A-496B-9D87-7C8D37122B3D}"/>
+              </a:ext>
+            </a:extLst>
+          </p:cNvPr>
+          <p:cNvSpPr>
+            <a:spLocks noGrp="1"/>
+          </p:cNvSpPr>
+          <p:nvPr>
+            <p:ph type="title"/>
+          </p:nvPr>
         </p:nvSpPr>
         <p:spPr>
           <a:xfrm>
-            <a:off x="16" y="0"/>
-            <a:ext cx="4050791" cy="6858000"/>
+            <a:off x="839788" y="457200"/>
+            <a:ext cx="3932237" cy="1600200"/>
           </a:xfrm>
-          <a:prstGeom prst="rect">
-            <a:avLst/>
-          </a:prstGeom>
-          <a:solidFill>
-            <a:schemeClr val="accent4">
-              <a:lumMod val="75000"/>
-            </a:schemeClr>
-          </a:solidFill>
-          <a:ln>
-            <a:noFill/>
-          </a:ln>
         </p:spPr>
-        <p:style>
-          <a:lnRef idx="2">
-            <a:schemeClr val="accent1">
-              <a:shade val="50000"/>
-            </a:schemeClr>
-          </a:lnRef>
-          <a:fillRef idx="1">
-            <a:schemeClr val="accent1"/>
-          </a:fillRef>
-          <a:effectRef idx="0">
-            <a:schemeClr val="accent1"/>
-          </a:effectRef>
-          <a:fontRef idx="minor">
-            <a:schemeClr val="lt1"/>
-          </a:fontRef>
-        </p:style>
-      </p:sp>
-      <p:sp>
-        <p:nvSpPr>
-          <p:cNvPr id="9" name="Rectangle 8"/>
-          <p:cNvSpPr/>
-          <p:nvPr/>
+        <p:txBody>
+          <a:bodyPr anchor="b"/>
+          <a:lstStyle>
+            <a:lvl1pPr>
+              <a:defRPr sz="3200"/>
+            </a:lvl1pPr>
+          </a:lstStyle>
+          <a:p>
+            <a:r>
+              <a:rPr lang="ru-RU"/>
+              <a:t>Образец заголовка</a:t>
+            </a:r>
+          </a:p>
+        </p:txBody>
+      </p:sp>
+      <p:sp>
+        <p:nvSpPr>
+          <p:cNvPr id="3" name="Объект 2">
+            <a:extLst>
+              <a:ext uri="{FF2B5EF4-FFF2-40B4-BE49-F238E27FC236}">
+                <a16:creationId xmlns:a16="http://schemas.microsoft.com/office/drawing/2014/main" id="{26B5F88C-F7D7-4B19-A5D4-5C71A03737D5}"/>
+              </a:ext>
+            </a:extLst>
+          </p:cNvPr>
+          <p:cNvSpPr>
+            <a:spLocks noGrp="1"/>
+          </p:cNvSpPr>
+          <p:nvPr>
+            <p:ph idx="1"/>
+          </p:nvPr>
         </p:nvSpPr>
         <p:spPr>
           <a:xfrm>
-            <a:off x="4040071" y="0"/>
-            <a:ext cx="64008" cy="6858000"/>
+            <a:off x="5183188" y="987425"/>
+            <a:ext cx="6172200" cy="4873625"/>
           </a:xfrm>
-          <a:prstGeom prst="rect">
-            <a:avLst/>
-          </a:prstGeom>
-          <a:solidFill>
-            <a:schemeClr val="accent4"/>
-          </a:solidFill>
-          <a:ln>
-            <a:noFill/>
-          </a:ln>
         </p:spPr>
-        <p:style>
-          <a:lnRef idx="2">
-            <a:schemeClr val="accent1">
-              <a:shade val="50000"/>
-            </a:schemeClr>
-          </a:lnRef>
-          <a:fillRef idx="1">
-            <a:schemeClr val="accent1"/>
-          </a:fillRef>
-          <a:effectRef idx="0">
-            <a:schemeClr val="accent1"/>
-          </a:effectRef>
-          <a:fontRef idx="minor">
-            <a:schemeClr val="lt1"/>
-          </a:fontRef>
-        </p:style>
-      </p:sp>
-      <p:sp>
-        <p:nvSpPr>
-          <p:cNvPr id="2" name="Title 1"/>
-          <p:cNvSpPr>
-            <a:spLocks noGrp="1"/>
-          </p:cNvSpPr>
-          <p:nvPr>
-            <p:ph type="title"/>
+        <p:txBody>
+          <a:bodyPr/>
+          <a:lstStyle>
+            <a:lvl1pPr>
+              <a:defRPr sz="3200"/>
+            </a:lvl1pPr>
+            <a:lvl2pPr>
+              <a:defRPr sz="2800"/>
+            </a:lvl2pPr>
+            <a:lvl3pPr>
+              <a:defRPr sz="2400"/>
+            </a:lvl3pPr>
+            <a:lvl4pPr>
+              <a:defRPr sz="2000"/>
+            </a:lvl4pPr>
+            <a:lvl5pPr>
+              <a:defRPr sz="2000"/>
+            </a:lvl5pPr>
+            <a:lvl6pPr>
+              <a:defRPr sz="2000"/>
+            </a:lvl6pPr>
+            <a:lvl7pPr>
+              <a:defRPr sz="2000"/>
+            </a:lvl7pPr>
+            <a:lvl8pPr>
+              <a:defRPr sz="2000"/>
+            </a:lvl8pPr>
+            <a:lvl9pPr>
+              <a:defRPr sz="2000"/>
+            </a:lvl9pPr>
+          </a:lstStyle>
+          <a:p>
+            <a:pPr lvl="0"/>
+            <a:r>
+              <a:rPr lang="ru-RU"/>
+              <a:t>Образец текста</a:t>
+            </a:r>
+          </a:p>
+          <a:p>
+            <a:pPr lvl="1"/>
+            <a:r>
+              <a:rPr lang="ru-RU"/>
+              <a:t>Второй уровень</a:t>
+            </a:r>
+          </a:p>
+          <a:p>
+            <a:pPr lvl="2"/>
+            <a:r>
+              <a:rPr lang="ru-RU"/>
+              <a:t>Третий уровень</a:t>
+            </a:r>
+          </a:p>
+          <a:p>
+            <a:pPr lvl="3"/>
+            <a:r>
+              <a:rPr lang="ru-RU"/>
+              <a:t>Четвертый уровень</a:t>
+            </a:r>
+          </a:p>
+          <a:p>
+            <a:pPr lvl="4"/>
+            <a:r>
+              <a:rPr lang="ru-RU"/>
+              <a:t>Пятый уровень</a:t>
+            </a:r>
+          </a:p>
+        </p:txBody>
+      </p:sp>
+      <p:sp>
+        <p:nvSpPr>
+          <p:cNvPr id="4" name="Текст 3">
+            <a:extLst>
+              <a:ext uri="{FF2B5EF4-FFF2-40B4-BE49-F238E27FC236}">
+                <a16:creationId xmlns:a16="http://schemas.microsoft.com/office/drawing/2014/main" id="{9F2DF456-29C7-465E-AF7F-09F57416F82A}"/>
+              </a:ext>
+            </a:extLst>
+          </p:cNvPr>
+          <p:cNvSpPr>
+            <a:spLocks noGrp="1"/>
+          </p:cNvSpPr>
+          <p:nvPr>
+            <p:ph type="body" sz="half" idx="2"/>
           </p:nvPr>
         </p:nvSpPr>
         <p:spPr>
           <a:xfrm>
-            <a:off x="457200" y="594359"/>
-            <a:ext cx="3200400" cy="2286000"/>
+            <a:off x="839788" y="2057400"/>
+            <a:ext cx="3932237" cy="3811588"/>
           </a:xfrm>
         </p:spPr>
         <p:txBody>
-          <a:bodyPr anchor="b">
-            <a:normAutofit/>
-          </a:bodyPr>
-          <a:lstStyle>
-            <a:lvl1pPr>
-              <a:defRPr sz="3600" b="0">
-                <a:solidFill>
-                  <a:srgbClr val="FFFFFF"/>
-                </a:solidFill>
-              </a:defRPr>
-            </a:lvl1pPr>
-          </a:lstStyle>
-          <a:p>
-            <a:r>
-              <a:rPr lang="ru-RU"/>
-              <a:t>Образец заголовка</a:t>
-            </a:r>
-            <a:endParaRPr lang="en-US" dirty="0"/>
-          </a:p>
-        </p:txBody>
-      </p:sp>
-      <p:sp>
-        <p:nvSpPr>
-          <p:cNvPr id="3" name="Content Placeholder 2"/>
-          <p:cNvSpPr>
-            <a:spLocks noGrp="1"/>
-          </p:cNvSpPr>
-          <p:nvPr>
-            <p:ph idx="1"/>
-          </p:nvPr>
-        </p:nvSpPr>
-        <p:spPr>
-          <a:xfrm>
-            <a:off x="4800600" y="731520"/>
-            <a:ext cx="6492240" cy="5257800"/>
-          </a:xfrm>
-        </p:spPr>
-        <p:txBody>
           <a:bodyPr/>
-          <a:lstStyle/>
-          <a:p>
-            <a:pPr lvl="0"/>
-            <a:r>
-              <a:rPr lang="ru-RU"/>
-              <a:t>Образец текста</a:t>
-            </a:r>
-          </a:p>
-          <a:p>
-            <a:pPr lvl="1"/>
-            <a:r>
-              <a:rPr lang="ru-RU"/>
-              <a:t>Второй уровень</a:t>
-            </a:r>
-          </a:p>
-          <a:p>
-            <a:pPr lvl="2"/>
-            <a:r>
-              <a:rPr lang="ru-RU"/>
-              <a:t>Третий уровень</a:t>
-            </a:r>
-          </a:p>
-          <a:p>
-            <a:pPr lvl="3"/>
-            <a:r>
-              <a:rPr lang="ru-RU"/>
-              <a:t>Четвертый уровень</a:t>
-            </a:r>
-          </a:p>
-          <a:p>
-            <a:pPr lvl="4"/>
-            <a:r>
-              <a:rPr lang="ru-RU"/>
-              <a:t>Пятый уровень</a:t>
-            </a:r>
-            <a:endParaRPr lang="en-US" dirty="0"/>
-          </a:p>
-        </p:txBody>
-      </p:sp>
-      <p:sp>
-        <p:nvSpPr>
-          <p:cNvPr id="4" name="Text Placeholder 3"/>
-          <p:cNvSpPr>
-            <a:spLocks noGrp="1"/>
-          </p:cNvSpPr>
-          <p:nvPr>
-            <p:ph type="body" sz="half" idx="2"/>
-          </p:nvPr>
-        </p:nvSpPr>
-        <p:spPr>
-          <a:xfrm>
-            <a:off x="457200" y="2926080"/>
-            <a:ext cx="3200400" cy="3379124"/>
-          </a:xfrm>
-        </p:spPr>
-        <p:txBody>
-          <a:bodyPr lIns="91440" rIns="91440">
-            <a:normAutofit/>
-          </a:bodyPr>
           <a:lstStyle>
             <a:lvl1pPr marL="0" indent="0">
               <a:buNone/>
-              <a:defRPr sz="1500">
-                <a:solidFill>
-                  <a:srgbClr val="FFFFFF"/>
-                </a:solidFill>
-              </a:defRPr>
+              <a:defRPr sz="1600"/>
             </a:lvl1pPr>
             <a:lvl2pPr marL="457200" indent="0">
               <a:buNone/>
-              <a:defRPr sz="1200"/>
+              <a:defRPr sz="1400"/>
             </a:lvl2pPr>
             <a:lvl3pPr marL="914400" indent="0">
               <a:buNone/>
-              <a:defRPr sz="1000"/>
+              <a:defRPr sz="1200"/>
             </a:lvl3pPr>
             <a:lvl4pPr marL="1371600" indent="0">
               <a:buNone/>
-              <a:defRPr sz="900"/>
+              <a:defRPr sz="1000"/>
             </a:lvl4pPr>
             <a:lvl5pPr marL="1828800" indent="0">
               <a:buNone/>
-              <a:defRPr sz="900"/>
+              <a:defRPr sz="1000"/>
             </a:lvl5pPr>
             <a:lvl6pPr marL="2286000" indent="0">
               <a:buNone/>
-              <a:defRPr sz="900"/>
+              <a:defRPr sz="1000"/>
             </a:lvl6pPr>
             <a:lvl7pPr marL="2743200" indent="0">
               <a:buNone/>
-              <a:defRPr sz="900"/>
+              <a:defRPr sz="1000"/>
             </a:lvl7pPr>
             <a:lvl8pPr marL="3200400" indent="0">
               <a:buNone/>
-              <a:defRPr sz="900"/>
+              <a:defRPr sz="1000"/>
             </a:lvl8pPr>
             <a:lvl9pPr marL="3657600" indent="0">
               <a:buNone/>
-              <a:defRPr sz="900"/>
+              <a:defRPr sz="1000"/>
             </a:lvl9pPr>
           </a:lstStyle>
           <a:p>
@@ -3039,7 +2808,13 @@
       </p:sp>
       <p:sp>
         <p:nvSpPr>
-          <p:cNvPr id="5" name="Date Placeholder 4"/>
+          <p:cNvPr id="5" name="Дата 4">
+            <a:extLst>
+              <a:ext uri="{FF2B5EF4-FFF2-40B4-BE49-F238E27FC236}">
+                <a16:creationId xmlns:a16="http://schemas.microsoft.com/office/drawing/2014/main" id="{496281CF-9FC5-401E-B340-85003C5A3538}"/>
+              </a:ext>
+            </a:extLst>
+          </p:cNvPr>
           <p:cNvSpPr>
             <a:spLocks noGrp="1"/>
           </p:cNvSpPr>
@@ -3047,23 +2822,14 @@
             <p:ph type="dt" sz="half" idx="10"/>
           </p:nvPr>
         </p:nvSpPr>
-        <p:spPr>
-          <a:xfrm>
-            <a:off x="465512" y="6459785"/>
-            <a:ext cx="2618510" cy="365125"/>
-          </a:xfrm>
-        </p:spPr>
+        <p:spPr/>
         <p:txBody>
           <a:bodyPr/>
-          <a:lstStyle>
-            <a:lvl1pPr algn="l">
-              <a:defRPr/>
-            </a:lvl1pPr>
-          </a:lstStyle>
+          <a:lstStyle/>
           <a:p>
             <a:fld id="{76AF6DA2-7DC5-45ED-9B6E-8E65A4A73975}" type="datetimeFigureOut">
               <a:rPr lang="ru-RU" smtClean="0"/>
-              <a:t>13.06.2024</a:t>
+              <a:t>28.06.2024</a:t>
             </a:fld>
             <a:endParaRPr lang="ru-RU"/>
           </a:p>
@@ -3071,7 +2837,13 @@
       </p:sp>
       <p:sp>
         <p:nvSpPr>
-          <p:cNvPr id="6" name="Footer Placeholder 5"/>
+          <p:cNvPr id="6" name="Нижний колонтитул 5">
+            <a:extLst>
+              <a:ext uri="{FF2B5EF4-FFF2-40B4-BE49-F238E27FC236}">
+                <a16:creationId xmlns:a16="http://schemas.microsoft.com/office/drawing/2014/main" id="{74F0FB20-F350-458D-8FD2-28FB169276E7}"/>
+              </a:ext>
+            </a:extLst>
+          </p:cNvPr>
           <p:cNvSpPr>
             <a:spLocks noGrp="1"/>
           </p:cNvSpPr>
@@ -3079,23 +2851,10 @@
             <p:ph type="ftr" sz="quarter" idx="11"/>
           </p:nvPr>
         </p:nvSpPr>
-        <p:spPr>
-          <a:xfrm>
-            <a:off x="4800600" y="6459785"/>
-            <a:ext cx="4648200" cy="365125"/>
-          </a:xfrm>
-        </p:spPr>
+        <p:spPr/>
         <p:txBody>
           <a:bodyPr/>
-          <a:lstStyle>
-            <a:lvl1pPr algn="l">
-              <a:defRPr>
-                <a:solidFill>
-                  <a:schemeClr val="tx2"/>
-                </a:solidFill>
-              </a:defRPr>
-            </a:lvl1pPr>
-          </a:lstStyle>
+          <a:lstStyle/>
           <a:p>
             <a:endParaRPr lang="ru-RU"/>
           </a:p>
@@ -3103,7 +2862,13 @@
       </p:sp>
       <p:sp>
         <p:nvSpPr>
-          <p:cNvPr id="7" name="Slide Number Placeholder 6"/>
+          <p:cNvPr id="7" name="Номер слайда 6">
+            <a:extLst>
+              <a:ext uri="{FF2B5EF4-FFF2-40B4-BE49-F238E27FC236}">
+                <a16:creationId xmlns:a16="http://schemas.microsoft.com/office/drawing/2014/main" id="{3007EBDD-2EB8-41F5-A988-14AFD44E048F}"/>
+              </a:ext>
+            </a:extLst>
+          </p:cNvPr>
           <p:cNvSpPr>
             <a:spLocks noGrp="1"/>
           </p:cNvSpPr>
@@ -3114,15 +2879,7 @@
         <p:spPr/>
         <p:txBody>
           <a:bodyPr/>
-          <a:lstStyle>
-            <a:lvl1pPr>
-              <a:defRPr>
-                <a:solidFill>
-                  <a:schemeClr val="tx2"/>
-                </a:solidFill>
-              </a:defRPr>
-            </a:lvl1pPr>
-          </a:lstStyle>
+          <a:lstStyle/>
           <a:p>
             <a:fld id="{7F9EE627-9768-47A9-B8A3-48A372671E8E}" type="slidenum">
               <a:rPr lang="ru-RU" smtClean="0"/>
@@ -3135,7 +2892,7 @@
     </p:spTree>
     <p:extLst>
       <p:ext uri="{BB962C8B-B14F-4D97-AF65-F5344CB8AC3E}">
-        <p14:creationId xmlns:p14="http://schemas.microsoft.com/office/powerpoint/2010/main" val="2363203711"/>
+        <p14:creationId xmlns:p14="http://schemas.microsoft.com/office/powerpoint/2010/main" val="2118682682"/>
       </p:ext>
     </p:extLst>
   </p:cSld>
@@ -3146,7 +2903,7 @@
 </file>
 
 <file path=ppt/slideLayouts/slideLayout9.xml><?xml version="1.0" encoding="utf-8"?>
-<p:sldLayout xmlns:a="http://schemas.openxmlformats.org/drawingml/2006/main" xmlns:r="http://schemas.openxmlformats.org/officeDocument/2006/relationships" xmlns:p="http://schemas.openxmlformats.org/presentationml/2006/main" showMasterSp="0" type="picTx" preserve="1">
+<p:sldLayout xmlns:a="http://schemas.openxmlformats.org/drawingml/2006/main" xmlns:r="http://schemas.openxmlformats.org/officeDocument/2006/relationships" xmlns:p="http://schemas.openxmlformats.org/presentationml/2006/main" type="picTx" preserve="1">
   <p:cSld name="Рисунок с подписью">
     <p:spTree>
       <p:nvGrpSpPr>
@@ -3164,143 +2921,65 @@
       </p:grpSpPr>
       <p:sp>
         <p:nvSpPr>
-          <p:cNvPr id="8" name="Rectangle 7"/>
-          <p:cNvSpPr/>
-          <p:nvPr/>
+          <p:cNvPr id="2" name="Заголовок 1">
+            <a:extLst>
+              <a:ext uri="{FF2B5EF4-FFF2-40B4-BE49-F238E27FC236}">
+                <a16:creationId xmlns:a16="http://schemas.microsoft.com/office/drawing/2014/main" id="{E8190178-4C02-4447-BBC0-BF86DF664C49}"/>
+              </a:ext>
+            </a:extLst>
+          </p:cNvPr>
+          <p:cNvSpPr>
+            <a:spLocks noGrp="1"/>
+          </p:cNvSpPr>
+          <p:nvPr>
+            <p:ph type="title"/>
+          </p:nvPr>
         </p:nvSpPr>
         <p:spPr>
           <a:xfrm>
-            <a:off x="0" y="4953000"/>
-            <a:ext cx="12188825" cy="1905000"/>
+            <a:off x="839788" y="457200"/>
+            <a:ext cx="3932237" cy="1600200"/>
           </a:xfrm>
-          <a:prstGeom prst="rect">
-            <a:avLst/>
-          </a:prstGeom>
-          <a:solidFill>
-            <a:schemeClr val="accent4">
-              <a:lumMod val="75000"/>
-            </a:schemeClr>
-          </a:solidFill>
-          <a:ln>
-            <a:noFill/>
-          </a:ln>
         </p:spPr>
-        <p:style>
-          <a:lnRef idx="2">
-            <a:schemeClr val="accent1">
-              <a:shade val="50000"/>
-            </a:schemeClr>
-          </a:lnRef>
-          <a:fillRef idx="1">
-            <a:schemeClr val="accent1"/>
-          </a:fillRef>
-          <a:effectRef idx="0">
-            <a:schemeClr val="accent1"/>
-          </a:effectRef>
-          <a:fontRef idx="minor">
-            <a:schemeClr val="lt1"/>
-          </a:fontRef>
-        </p:style>
-      </p:sp>
-      <p:sp>
-        <p:nvSpPr>
-          <p:cNvPr id="9" name="Rectangle 8"/>
-          <p:cNvSpPr/>
-          <p:nvPr/>
+        <p:txBody>
+          <a:bodyPr anchor="b"/>
+          <a:lstStyle>
+            <a:lvl1pPr>
+              <a:defRPr sz="3200"/>
+            </a:lvl1pPr>
+          </a:lstStyle>
+          <a:p>
+            <a:r>
+              <a:rPr lang="ru-RU"/>
+              <a:t>Образец заголовка</a:t>
+            </a:r>
+          </a:p>
+        </p:txBody>
+      </p:sp>
+      <p:sp>
+        <p:nvSpPr>
+          <p:cNvPr id="3" name="Рисунок 2">
+            <a:extLst>
+              <a:ext uri="{FF2B5EF4-FFF2-40B4-BE49-F238E27FC236}">
+                <a16:creationId xmlns:a16="http://schemas.microsoft.com/office/drawing/2014/main" id="{BBFE6792-44E7-47BF-A3E3-A0FD5ABC76C5}"/>
+              </a:ext>
+            </a:extLst>
+          </p:cNvPr>
+          <p:cNvSpPr>
+            <a:spLocks noGrp="1"/>
+          </p:cNvSpPr>
+          <p:nvPr>
+            <p:ph type="pic" idx="1"/>
+          </p:nvPr>
         </p:nvSpPr>
         <p:spPr>
           <a:xfrm>
-            <a:off x="15" y="4915076"/>
-            <a:ext cx="12188825" cy="64008"/>
-          </a:xfrm>
-          <a:prstGeom prst="rect">
-            <a:avLst/>
-          </a:prstGeom>
-          <a:solidFill>
-            <a:schemeClr val="accent4"/>
-          </a:solidFill>
-          <a:ln>
-            <a:noFill/>
-          </a:ln>
-        </p:spPr>
-        <p:style>
-          <a:lnRef idx="2">
-            <a:schemeClr val="accent1">
-              <a:shade val="50000"/>
-            </a:schemeClr>
-          </a:lnRef>
-          <a:fillRef idx="1">
-            <a:schemeClr val="accent1"/>
-          </a:fillRef>
-          <a:effectRef idx="0">
-            <a:schemeClr val="accent1"/>
-          </a:effectRef>
-          <a:fontRef idx="minor">
-            <a:schemeClr val="lt1"/>
-          </a:fontRef>
-        </p:style>
-      </p:sp>
-      <p:sp>
-        <p:nvSpPr>
-          <p:cNvPr id="2" name="Title 1"/>
-          <p:cNvSpPr>
-            <a:spLocks noGrp="1"/>
-          </p:cNvSpPr>
-          <p:nvPr>
-            <p:ph type="title"/>
-          </p:nvPr>
-        </p:nvSpPr>
-        <p:spPr>
-          <a:xfrm>
-            <a:off x="1097280" y="5074920"/>
-            <a:ext cx="10113645" cy="822960"/>
+            <a:off x="5183188" y="987425"/>
+            <a:ext cx="6172200" cy="4873625"/>
           </a:xfrm>
         </p:spPr>
         <p:txBody>
-          <a:bodyPr lIns="91440" tIns="0" rIns="91440" bIns="0" anchor="b">
-            <a:noAutofit/>
-          </a:bodyPr>
-          <a:lstStyle>
-            <a:lvl1pPr>
-              <a:defRPr sz="3600" b="0">
-                <a:solidFill>
-                  <a:srgbClr val="FFFFFF"/>
-                </a:solidFill>
-              </a:defRPr>
-            </a:lvl1pPr>
-          </a:lstStyle>
-          <a:p>
-            <a:r>
-              <a:rPr lang="ru-RU"/>
-              <a:t>Образец заголовка</a:t>
-            </a:r>
-            <a:endParaRPr lang="en-US" dirty="0"/>
-          </a:p>
-        </p:txBody>
-      </p:sp>
-      <p:sp>
-        <p:nvSpPr>
-          <p:cNvPr id="3" name="Picture Placeholder 2"/>
-          <p:cNvSpPr>
-            <a:spLocks noGrp="1" noChangeAspect="1"/>
-          </p:cNvSpPr>
-          <p:nvPr>
-            <p:ph type="pic" idx="1"/>
-          </p:nvPr>
-        </p:nvSpPr>
-        <p:spPr>
-          <a:xfrm>
-            <a:off x="15" y="0"/>
-            <a:ext cx="12191985" cy="4915076"/>
-          </a:xfrm>
-          <a:solidFill>
-            <a:schemeClr val="bg2">
-              <a:lumMod val="90000"/>
-            </a:schemeClr>
-          </a:solidFill>
-        </p:spPr>
-        <p:txBody>
-          <a:bodyPr lIns="457200" tIns="457200" anchor="t"/>
+          <a:bodyPr/>
           <a:lstStyle>
             <a:lvl1pPr marL="0" indent="0">
               <a:buNone/>
@@ -3340,17 +3019,19 @@
             </a:lvl9pPr>
           </a:lstStyle>
           <a:p>
-            <a:r>
-              <a:rPr lang="ru-RU"/>
-              <a:t>Вставка рисунка</a:t>
-            </a:r>
-            <a:endParaRPr lang="en-US" dirty="0"/>
-          </a:p>
-        </p:txBody>
-      </p:sp>
-      <p:sp>
-        <p:nvSpPr>
-          <p:cNvPr id="4" name="Text Placeholder 3"/>
+            <a:endParaRPr lang="ru-RU"/>
+          </a:p>
+        </p:txBody>
+      </p:sp>
+      <p:sp>
+        <p:nvSpPr>
+          <p:cNvPr id="4" name="Текст 3">
+            <a:extLst>
+              <a:ext uri="{FF2B5EF4-FFF2-40B4-BE49-F238E27FC236}">
+                <a16:creationId xmlns:a16="http://schemas.microsoft.com/office/drawing/2014/main" id="{55572C69-7F95-4873-ABE4-F61839714AC8}"/>
+              </a:ext>
+            </a:extLst>
+          </p:cNvPr>
           <p:cNvSpPr>
             <a:spLocks noGrp="1"/>
           </p:cNvSpPr>
@@ -3360,60 +3041,48 @@
         </p:nvSpPr>
         <p:spPr>
           <a:xfrm>
-            <a:off x="1097280" y="5907024"/>
-            <a:ext cx="10113264" cy="594360"/>
+            <a:off x="839788" y="2057400"/>
+            <a:ext cx="3932237" cy="3811588"/>
           </a:xfrm>
         </p:spPr>
         <p:txBody>
-          <a:bodyPr lIns="91440" tIns="0" rIns="91440" bIns="0">
-            <a:normAutofit/>
-          </a:bodyPr>
+          <a:bodyPr/>
           <a:lstStyle>
             <a:lvl1pPr marL="0" indent="0">
-              <a:spcBef>
-                <a:spcPts val="0"/>
-              </a:spcBef>
-              <a:spcAft>
-                <a:spcPts val="600"/>
-              </a:spcAft>
               <a:buNone/>
-              <a:defRPr sz="1500">
-                <a:solidFill>
-                  <a:srgbClr val="FFFFFF"/>
-                </a:solidFill>
-              </a:defRPr>
+              <a:defRPr sz="1600"/>
             </a:lvl1pPr>
             <a:lvl2pPr marL="457200" indent="0">
               <a:buNone/>
-              <a:defRPr sz="1200"/>
+              <a:defRPr sz="1400"/>
             </a:lvl2pPr>
             <a:lvl3pPr marL="914400" indent="0">
               <a:buNone/>
-              <a:defRPr sz="1000"/>
+              <a:defRPr sz="1200"/>
             </a:lvl3pPr>
             <a:lvl4pPr marL="1371600" indent="0">
               <a:buNone/>
-              <a:defRPr sz="900"/>
+              <a:defRPr sz="1000"/>
             </a:lvl4pPr>
             <a:lvl5pPr marL="1828800" indent="0">
               <a:buNone/>
-              <a:defRPr sz="900"/>
+              <a:defRPr sz="1000"/>
             </a:lvl5pPr>
             <a:lvl6pPr marL="2286000" indent="0">
               <a:buNone/>
-              <a:defRPr sz="900"/>
+              <a:defRPr sz="1000"/>
             </a:lvl6pPr>
             <a:lvl7pPr marL="2743200" indent="0">
               <a:buNone/>
-              <a:defRPr sz="900"/>
+              <a:defRPr sz="1000"/>
             </a:lvl7pPr>
             <a:lvl8pPr marL="3200400" indent="0">
               <a:buNone/>
-              <a:defRPr sz="900"/>
+              <a:defRPr sz="1000"/>
             </a:lvl8pPr>
             <a:lvl9pPr marL="3657600" indent="0">
               <a:buNone/>
-              <a:defRPr sz="900"/>
+              <a:defRPr sz="1000"/>
             </a:lvl9pPr>
           </a:lstStyle>
           <a:p>
@@ -3427,7 +3096,13 @@
       </p:sp>
       <p:sp>
         <p:nvSpPr>
-          <p:cNvPr id="5" name="Date Placeholder 4"/>
+          <p:cNvPr id="5" name="Дата 4">
+            <a:extLst>
+              <a:ext uri="{FF2B5EF4-FFF2-40B4-BE49-F238E27FC236}">
+                <a16:creationId xmlns:a16="http://schemas.microsoft.com/office/drawing/2014/main" id="{1C191744-9471-46B7-80FC-464FC28B3439}"/>
+              </a:ext>
+            </a:extLst>
+          </p:cNvPr>
           <p:cNvSpPr>
             <a:spLocks noGrp="1"/>
           </p:cNvSpPr>
@@ -3442,7 +3117,7 @@
           <a:p>
             <a:fld id="{76AF6DA2-7DC5-45ED-9B6E-8E65A4A73975}" type="datetimeFigureOut">
               <a:rPr lang="ru-RU" smtClean="0"/>
-              <a:t>13.06.2024</a:t>
+              <a:t>28.06.2024</a:t>
             </a:fld>
             <a:endParaRPr lang="ru-RU"/>
           </a:p>
@@ -3450,7 +3125,13 @@
       </p:sp>
       <p:sp>
         <p:nvSpPr>
-          <p:cNvPr id="6" name="Footer Placeholder 5"/>
+          <p:cNvPr id="6" name="Нижний колонтитул 5">
+            <a:extLst>
+              <a:ext uri="{FF2B5EF4-FFF2-40B4-BE49-F238E27FC236}">
+                <a16:creationId xmlns:a16="http://schemas.microsoft.com/office/drawing/2014/main" id="{145FA716-1478-4E3F-8E15-A7822A1A0018}"/>
+              </a:ext>
+            </a:extLst>
+          </p:cNvPr>
           <p:cNvSpPr>
             <a:spLocks noGrp="1"/>
           </p:cNvSpPr>
@@ -3469,7 +3150,13 @@
       </p:sp>
       <p:sp>
         <p:nvSpPr>
-          <p:cNvPr id="7" name="Slide Number Placeholder 6"/>
+          <p:cNvPr id="7" name="Номер слайда 6">
+            <a:extLst>
+              <a:ext uri="{FF2B5EF4-FFF2-40B4-BE49-F238E27FC236}">
+                <a16:creationId xmlns:a16="http://schemas.microsoft.com/office/drawing/2014/main" id="{9B2925C6-CA7A-47E6-A379-BD0C6523A918}"/>
+              </a:ext>
+            </a:extLst>
+          </p:cNvPr>
           <p:cNvSpPr>
             <a:spLocks noGrp="1"/>
           </p:cNvSpPr>
@@ -3493,7 +3180,7 @@
     </p:spTree>
     <p:extLst>
       <p:ext uri="{BB962C8B-B14F-4D97-AF65-F5344CB8AC3E}">
-        <p14:creationId xmlns:p14="http://schemas.microsoft.com/office/powerpoint/2010/main" val="3465636816"/>
+        <p14:creationId xmlns:p14="http://schemas.microsoft.com/office/powerpoint/2010/main" val="2450490916"/>
       </p:ext>
     </p:extLst>
   </p:cSld>
@@ -3508,7 +3195,7 @@
   <p:cSld>
     <p:bg>
       <p:bgRef idx="1001">
-        <a:schemeClr val="bg2"/>
+        <a:schemeClr val="bg1"/>
       </p:bgRef>
     </p:bg>
     <p:spTree>
@@ -3527,103 +3214,31 @@
       </p:grpSpPr>
       <p:sp>
         <p:nvSpPr>
-          <p:cNvPr id="7" name="Rectangle 6"/>
-          <p:cNvSpPr/>
-          <p:nvPr/>
+          <p:cNvPr id="2" name="Заголовок 1">
+            <a:extLst>
+              <a:ext uri="{FF2B5EF4-FFF2-40B4-BE49-F238E27FC236}">
+                <a16:creationId xmlns:a16="http://schemas.microsoft.com/office/drawing/2014/main" id="{EF996AA2-83EF-4610-9014-1BD457EF295D}"/>
+              </a:ext>
+            </a:extLst>
+          </p:cNvPr>
+          <p:cNvSpPr>
+            <a:spLocks noGrp="1"/>
+          </p:cNvSpPr>
+          <p:nvPr>
+            <p:ph type="title"/>
+          </p:nvPr>
         </p:nvSpPr>
         <p:spPr>
           <a:xfrm>
-            <a:off x="1" y="6400800"/>
-            <a:ext cx="12192000" cy="457200"/>
-          </a:xfrm>
-          <a:prstGeom prst="rect">
-            <a:avLst/>
-          </a:prstGeom>
-          <a:solidFill>
-            <a:schemeClr val="accent4">
-              <a:lumMod val="75000"/>
-            </a:schemeClr>
-          </a:solidFill>
-          <a:ln>
-            <a:noFill/>
-          </a:ln>
-        </p:spPr>
-        <p:style>
-          <a:lnRef idx="2">
-            <a:schemeClr val="accent1">
-              <a:shade val="50000"/>
-            </a:schemeClr>
-          </a:lnRef>
-          <a:fillRef idx="1">
-            <a:schemeClr val="accent1"/>
-          </a:fillRef>
-          <a:effectRef idx="0">
-            <a:schemeClr val="accent1"/>
-          </a:effectRef>
-          <a:fontRef idx="minor">
-            <a:schemeClr val="lt1"/>
-          </a:fontRef>
-        </p:style>
-      </p:sp>
-      <p:sp>
-        <p:nvSpPr>
-          <p:cNvPr id="9" name="Rectangle 8"/>
-          <p:cNvSpPr/>
-          <p:nvPr/>
-        </p:nvSpPr>
-        <p:spPr>
-          <a:xfrm>
-            <a:off x="15" y="6334316"/>
-            <a:ext cx="12191985" cy="66484"/>
-          </a:xfrm>
-          <a:prstGeom prst="rect">
-            <a:avLst/>
-          </a:prstGeom>
-          <a:solidFill>
-            <a:schemeClr val="accent4"/>
-          </a:solidFill>
-          <a:ln>
-            <a:noFill/>
-          </a:ln>
-        </p:spPr>
-        <p:style>
-          <a:lnRef idx="2">
-            <a:schemeClr val="accent1">
-              <a:shade val="50000"/>
-            </a:schemeClr>
-          </a:lnRef>
-          <a:fillRef idx="1">
-            <a:schemeClr val="accent1"/>
-          </a:fillRef>
-          <a:effectRef idx="0">
-            <a:schemeClr val="accent1"/>
-          </a:effectRef>
-          <a:fontRef idx="minor">
-            <a:schemeClr val="lt1"/>
-          </a:fontRef>
-        </p:style>
-      </p:sp>
-      <p:sp>
-        <p:nvSpPr>
-          <p:cNvPr id="2" name="Title Placeholder 1"/>
-          <p:cNvSpPr>
-            <a:spLocks noGrp="1"/>
-          </p:cNvSpPr>
-          <p:nvPr>
-            <p:ph type="title"/>
-          </p:nvPr>
-        </p:nvSpPr>
-        <p:spPr>
-          <a:xfrm>
-            <a:off x="1097280" y="286603"/>
-            <a:ext cx="10058400" cy="1450757"/>
+            <a:off x="838200" y="365125"/>
+            <a:ext cx="10515600" cy="1325563"/>
           </a:xfrm>
           <a:prstGeom prst="rect">
             <a:avLst/>
           </a:prstGeom>
         </p:spPr>
         <p:txBody>
-          <a:bodyPr vert="horz" lIns="91440" tIns="45720" rIns="91440" bIns="45720" rtlCol="0" anchor="b">
+          <a:bodyPr vert="horz" lIns="91440" tIns="45720" rIns="91440" bIns="45720" rtlCol="0" anchor="ctr">
             <a:normAutofit/>
           </a:bodyPr>
           <a:lstStyle/>
@@ -3632,13 +3247,18 @@
               <a:rPr lang="ru-RU"/>
               <a:t>Образец заголовка</a:t>
             </a:r>
-            <a:endParaRPr lang="en-US" dirty="0"/>
-          </a:p>
-        </p:txBody>
-      </p:sp>
-      <p:sp>
-        <p:nvSpPr>
-          <p:cNvPr id="3" name="Text Placeholder 2"/>
+          </a:p>
+        </p:txBody>
+      </p:sp>
+      <p:sp>
+        <p:nvSpPr>
+          <p:cNvPr id="3" name="Текст 2">
+            <a:extLst>
+              <a:ext uri="{FF2B5EF4-FFF2-40B4-BE49-F238E27FC236}">
+                <a16:creationId xmlns:a16="http://schemas.microsoft.com/office/drawing/2014/main" id="{27363A30-4B41-4534-9AB2-D94D3CC239DE}"/>
+              </a:ext>
+            </a:extLst>
+          </p:cNvPr>
           <p:cNvSpPr>
             <a:spLocks noGrp="1"/>
           </p:cNvSpPr>
@@ -3648,15 +3268,15 @@
         </p:nvSpPr>
         <p:spPr>
           <a:xfrm>
-            <a:off x="1097280" y="1845734"/>
-            <a:ext cx="10058400" cy="4023360"/>
+            <a:off x="838200" y="1825625"/>
+            <a:ext cx="10515600" cy="4351338"/>
           </a:xfrm>
           <a:prstGeom prst="rect">
             <a:avLst/>
           </a:prstGeom>
         </p:spPr>
         <p:txBody>
-          <a:bodyPr vert="horz" lIns="0" tIns="45720" rIns="0" bIns="45720" rtlCol="0">
+          <a:bodyPr vert="horz" lIns="91440" tIns="45720" rIns="91440" bIns="45720" rtlCol="0">
             <a:normAutofit/>
           </a:bodyPr>
           <a:lstStyle/>
@@ -3694,13 +3314,18 @@
               <a:rPr lang="ru-RU"/>
               <a:t>Пятый уровень</a:t>
             </a:r>
-            <a:endParaRPr lang="en-US" dirty="0"/>
-          </a:p>
-        </p:txBody>
-      </p:sp>
-      <p:sp>
-        <p:nvSpPr>
-          <p:cNvPr id="4" name="Date Placeholder 3"/>
+          </a:p>
+        </p:txBody>
+      </p:sp>
+      <p:sp>
+        <p:nvSpPr>
+          <p:cNvPr id="4" name="Дата 3">
+            <a:extLst>
+              <a:ext uri="{FF2B5EF4-FFF2-40B4-BE49-F238E27FC236}">
+                <a16:creationId xmlns:a16="http://schemas.microsoft.com/office/drawing/2014/main" id="{1BDB0E73-A4F4-4AC9-87E2-D24E80767B71}"/>
+              </a:ext>
+            </a:extLst>
+          </p:cNvPr>
           <p:cNvSpPr>
             <a:spLocks noGrp="1"/>
           </p:cNvSpPr>
@@ -3710,8 +3335,8 @@
         </p:nvSpPr>
         <p:spPr>
           <a:xfrm>
-            <a:off x="1097280" y="6459785"/>
-            <a:ext cx="2472271" cy="365125"/>
+            <a:off x="838200" y="6356350"/>
+            <a:ext cx="2743200" cy="365125"/>
           </a:xfrm>
           <a:prstGeom prst="rect">
             <a:avLst/>
@@ -3721,9 +3346,11 @@
           <a:bodyPr vert="horz" lIns="91440" tIns="45720" rIns="91440" bIns="45720" rtlCol="0" anchor="ctr"/>
           <a:lstStyle>
             <a:lvl1pPr algn="l">
-              <a:defRPr sz="900">
+              <a:defRPr sz="1200">
                 <a:solidFill>
-                  <a:srgbClr val="FFFFFF"/>
+                  <a:schemeClr val="tx1">
+                    <a:tint val="75000"/>
+                  </a:schemeClr>
                 </a:solidFill>
               </a:defRPr>
             </a:lvl1pPr>
@@ -3731,7 +3358,7 @@
           <a:p>
             <a:fld id="{76AF6DA2-7DC5-45ED-9B6E-8E65A4A73975}" type="datetimeFigureOut">
               <a:rPr lang="ru-RU" smtClean="0"/>
-              <a:t>13.06.2024</a:t>
+              <a:t>28.06.2024</a:t>
             </a:fld>
             <a:endParaRPr lang="ru-RU"/>
           </a:p>
@@ -3739,7 +3366,13 @@
       </p:sp>
       <p:sp>
         <p:nvSpPr>
-          <p:cNvPr id="5" name="Footer Placeholder 4"/>
+          <p:cNvPr id="5" name="Нижний колонтитул 4">
+            <a:extLst>
+              <a:ext uri="{FF2B5EF4-FFF2-40B4-BE49-F238E27FC236}">
+                <a16:creationId xmlns:a16="http://schemas.microsoft.com/office/drawing/2014/main" id="{C4A53EC2-6BB2-47D5-AF28-AF136B46B80C}"/>
+              </a:ext>
+            </a:extLst>
+          </p:cNvPr>
           <p:cNvSpPr>
             <a:spLocks noGrp="1"/>
           </p:cNvSpPr>
@@ -3749,8 +3382,8 @@
         </p:nvSpPr>
         <p:spPr>
           <a:xfrm>
-            <a:off x="3686185" y="6459785"/>
-            <a:ext cx="4822804" cy="365125"/>
+            <a:off x="4038600" y="6356350"/>
+            <a:ext cx="4114800" cy="365125"/>
           </a:xfrm>
           <a:prstGeom prst="rect">
             <a:avLst/>
@@ -3760,9 +3393,11 @@
           <a:bodyPr vert="horz" lIns="91440" tIns="45720" rIns="91440" bIns="45720" rtlCol="0" anchor="ctr"/>
           <a:lstStyle>
             <a:lvl1pPr algn="ctr">
-              <a:defRPr sz="900" cap="all" baseline="0">
+              <a:defRPr sz="1200">
                 <a:solidFill>
-                  <a:srgbClr val="FFFFFF"/>
+                  <a:schemeClr val="tx1">
+                    <a:tint val="75000"/>
+                  </a:schemeClr>
                 </a:solidFill>
               </a:defRPr>
             </a:lvl1pPr>
@@ -3774,7 +3409,13 @@
       </p:sp>
       <p:sp>
         <p:nvSpPr>
-          <p:cNvPr id="6" name="Slide Number Placeholder 5"/>
+          <p:cNvPr id="6" name="Номер слайда 5">
+            <a:extLst>
+              <a:ext uri="{FF2B5EF4-FFF2-40B4-BE49-F238E27FC236}">
+                <a16:creationId xmlns:a16="http://schemas.microsoft.com/office/drawing/2014/main" id="{AFF68925-8884-41BB-B252-082BDA6243D2}"/>
+              </a:ext>
+            </a:extLst>
+          </p:cNvPr>
           <p:cNvSpPr>
             <a:spLocks noGrp="1"/>
           </p:cNvSpPr>
@@ -3784,8 +3425,8 @@
         </p:nvSpPr>
         <p:spPr>
           <a:xfrm>
-            <a:off x="9900458" y="6459785"/>
-            <a:ext cx="1312025" cy="365125"/>
+            <a:off x="8610600" y="6356350"/>
+            <a:ext cx="2743200" cy="365125"/>
           </a:xfrm>
           <a:prstGeom prst="rect">
             <a:avLst/>
@@ -3795,9 +3436,11 @@
           <a:bodyPr vert="horz" lIns="91440" tIns="45720" rIns="91440" bIns="45720" rtlCol="0" anchor="ctr"/>
           <a:lstStyle>
             <a:lvl1pPr algn="r">
-              <a:defRPr sz="1050">
+              <a:defRPr sz="1200">
                 <a:solidFill>
-                  <a:srgbClr val="FFFFFF"/>
+                  <a:schemeClr val="tx1">
+                    <a:tint val="75000"/>
+                  </a:schemeClr>
                 </a:solidFill>
               </a:defRPr>
             </a:lvl1pPr>
@@ -3811,81 +3454,40 @@
           </a:p>
         </p:txBody>
       </p:sp>
-      <p:cxnSp>
-        <p:nvCxnSpPr>
-          <p:cNvPr id="10" name="Straight Connector 9"/>
-          <p:cNvCxnSpPr/>
-          <p:nvPr/>
-        </p:nvCxnSpPr>
-        <p:spPr>
-          <a:xfrm>
-            <a:off x="1193532" y="1737845"/>
-            <a:ext cx="9966960" cy="0"/>
-          </a:xfrm>
-          <a:prstGeom prst="line">
-            <a:avLst/>
-          </a:prstGeom>
-          <a:ln w="6350">
-            <a:solidFill>
-              <a:schemeClr val="tx1">
-                <a:lumMod val="50000"/>
-                <a:lumOff val="50000"/>
-              </a:schemeClr>
-            </a:solidFill>
-          </a:ln>
-        </p:spPr>
-        <p:style>
-          <a:lnRef idx="1">
-            <a:schemeClr val="accent1"/>
-          </a:lnRef>
-          <a:fillRef idx="0">
-            <a:schemeClr val="accent1"/>
-          </a:fillRef>
-          <a:effectRef idx="0">
-            <a:schemeClr val="accent1"/>
-          </a:effectRef>
-          <a:fontRef idx="minor">
-            <a:schemeClr val="tx1"/>
-          </a:fontRef>
-        </p:style>
-      </p:cxnSp>
     </p:spTree>
     <p:extLst>
       <p:ext uri="{BB962C8B-B14F-4D97-AF65-F5344CB8AC3E}">
-        <p14:creationId xmlns:p14="http://schemas.microsoft.com/office/powerpoint/2010/main" val="491926256"/>
+        <p14:creationId xmlns:p14="http://schemas.microsoft.com/office/powerpoint/2010/main" val="1569822589"/>
       </p:ext>
     </p:extLst>
   </p:cSld>
   <p:clrMap bg1="lt1" tx1="dk1" bg2="lt2" tx2="dk2" accent1="accent1" accent2="accent2" accent3="accent3" accent4="accent4" accent5="accent5" accent6="accent6" hlink="hlink" folHlink="folHlink"/>
   <p:sldLayoutIdLst>
-    <p:sldLayoutId id="2147483673" r:id="rId1"/>
-    <p:sldLayoutId id="2147483674" r:id="rId2"/>
-    <p:sldLayoutId id="2147483675" r:id="rId3"/>
-    <p:sldLayoutId id="2147483676" r:id="rId4"/>
-    <p:sldLayoutId id="2147483677" r:id="rId5"/>
-    <p:sldLayoutId id="2147483678" r:id="rId6"/>
-    <p:sldLayoutId id="2147483679" r:id="rId7"/>
-    <p:sldLayoutId id="2147483680" r:id="rId8"/>
-    <p:sldLayoutId id="2147483681" r:id="rId9"/>
-    <p:sldLayoutId id="2147483682" r:id="rId10"/>
-    <p:sldLayoutId id="2147483683" r:id="rId11"/>
+    <p:sldLayoutId id="2147483685" r:id="rId1"/>
+    <p:sldLayoutId id="2147483686" r:id="rId2"/>
+    <p:sldLayoutId id="2147483687" r:id="rId3"/>
+    <p:sldLayoutId id="2147483688" r:id="rId4"/>
+    <p:sldLayoutId id="2147483689" r:id="rId5"/>
+    <p:sldLayoutId id="2147483690" r:id="rId6"/>
+    <p:sldLayoutId id="2147483691" r:id="rId7"/>
+    <p:sldLayoutId id="2147483692" r:id="rId8"/>
+    <p:sldLayoutId id="2147483693" r:id="rId9"/>
+    <p:sldLayoutId id="2147483694" r:id="rId10"/>
+    <p:sldLayoutId id="2147483695" r:id="rId11"/>
   </p:sldLayoutIdLst>
   <p:txStyles>
     <p:titleStyle>
       <a:lvl1pPr algn="l" defTabSz="914400" rtl="0" eaLnBrk="1" latinLnBrk="0" hangingPunct="1">
         <a:lnSpc>
-          <a:spcPct val="85000"/>
+          <a:spcPct val="90000"/>
         </a:lnSpc>
         <a:spcBef>
           <a:spcPct val="0"/>
         </a:spcBef>
         <a:buNone/>
-        <a:defRPr sz="4800" kern="1200" spc="-50" baseline="0">
+        <a:defRPr sz="4400" kern="1200">
           <a:solidFill>
-            <a:schemeClr val="tx1">
-              <a:lumMod val="75000"/>
-              <a:lumOff val="25000"/>
-            </a:schemeClr>
+            <a:schemeClr val="tx1"/>
           </a:solidFill>
           <a:latin typeface="+mj-lt"/>
           <a:ea typeface="+mj-ea"/>
@@ -3894,244 +3496,162 @@
       </a:lvl1pPr>
     </p:titleStyle>
     <p:bodyStyle>
-      <a:lvl1pPr marL="91440" indent="-91440" algn="l" defTabSz="914400" rtl="0" eaLnBrk="1" latinLnBrk="0" hangingPunct="1">
+      <a:lvl1pPr marL="228600" indent="-228600" algn="l" defTabSz="914400" rtl="0" eaLnBrk="1" latinLnBrk="0" hangingPunct="1">
         <a:lnSpc>
           <a:spcPct val="90000"/>
         </a:lnSpc>
         <a:spcBef>
-          <a:spcPts val="1200"/>
+          <a:spcPts val="1000"/>
         </a:spcBef>
-        <a:spcAft>
-          <a:spcPts val="200"/>
-        </a:spcAft>
-        <a:buClr>
-          <a:schemeClr val="accent1"/>
-        </a:buClr>
-        <a:buSzPct val="100000"/>
-        <a:buFont typeface="Calibri" panose="020F0502020204030204" pitchFamily="34" charset="0"/>
-        <a:buChar char=" "/>
-        <a:defRPr sz="2000" kern="1200">
+        <a:buFont typeface="Arial" panose="020B0604020202020204" pitchFamily="34" charset="0"/>
+        <a:buChar char="•"/>
+        <a:defRPr sz="2800" kern="1200">
           <a:solidFill>
-            <a:schemeClr val="tx1">
-              <a:lumMod val="75000"/>
-              <a:lumOff val="25000"/>
-            </a:schemeClr>
+            <a:schemeClr val="tx1"/>
           </a:solidFill>
           <a:latin typeface="+mn-lt"/>
           <a:ea typeface="+mn-ea"/>
           <a:cs typeface="+mn-cs"/>
         </a:defRPr>
       </a:lvl1pPr>
-      <a:lvl2pPr marL="384048" indent="-182880" algn="l" defTabSz="914400" rtl="0" eaLnBrk="1" latinLnBrk="0" hangingPunct="1">
+      <a:lvl2pPr marL="685800" indent="-228600" algn="l" defTabSz="914400" rtl="0" eaLnBrk="1" latinLnBrk="0" hangingPunct="1">
         <a:lnSpc>
           <a:spcPct val="90000"/>
         </a:lnSpc>
         <a:spcBef>
-          <a:spcPts val="200"/>
+          <a:spcPts val="500"/>
         </a:spcBef>
-        <a:spcAft>
-          <a:spcPts val="400"/>
-        </a:spcAft>
-        <a:buClr>
-          <a:schemeClr val="accent1"/>
-        </a:buClr>
-        <a:buFont typeface="Calibri" pitchFamily="34" charset="0"/>
-        <a:buChar char="◦"/>
-        <a:defRPr sz="1800" kern="1200">
+        <a:buFont typeface="Arial" panose="020B0604020202020204" pitchFamily="34" charset="0"/>
+        <a:buChar char="•"/>
+        <a:defRPr sz="2400" kern="1200">
           <a:solidFill>
-            <a:schemeClr val="tx1">
-              <a:lumMod val="75000"/>
-              <a:lumOff val="25000"/>
-            </a:schemeClr>
+            <a:schemeClr val="tx1"/>
           </a:solidFill>
           <a:latin typeface="+mn-lt"/>
           <a:ea typeface="+mn-ea"/>
           <a:cs typeface="+mn-cs"/>
         </a:defRPr>
       </a:lvl2pPr>
-      <a:lvl3pPr marL="566928" indent="-182880" algn="l" defTabSz="914400" rtl="0" eaLnBrk="1" latinLnBrk="0" hangingPunct="1">
+      <a:lvl3pPr marL="1143000" indent="-228600" algn="l" defTabSz="914400" rtl="0" eaLnBrk="1" latinLnBrk="0" hangingPunct="1">
         <a:lnSpc>
           <a:spcPct val="90000"/>
         </a:lnSpc>
         <a:spcBef>
-          <a:spcPts val="200"/>
+          <a:spcPts val="500"/>
         </a:spcBef>
-        <a:spcAft>
-          <a:spcPts val="400"/>
-        </a:spcAft>
-        <a:buClr>
-          <a:schemeClr val="accent1"/>
-        </a:buClr>
-        <a:buFont typeface="Calibri" pitchFamily="34" charset="0"/>
-        <a:buChar char="◦"/>
-        <a:defRPr sz="1400" kern="1200">
+        <a:buFont typeface="Arial" panose="020B0604020202020204" pitchFamily="34" charset="0"/>
+        <a:buChar char="•"/>
+        <a:defRPr sz="2000" kern="1200">
           <a:solidFill>
-            <a:schemeClr val="tx1">
-              <a:lumMod val="75000"/>
-              <a:lumOff val="25000"/>
-            </a:schemeClr>
+            <a:schemeClr val="tx1"/>
           </a:solidFill>
           <a:latin typeface="+mn-lt"/>
           <a:ea typeface="+mn-ea"/>
           <a:cs typeface="+mn-cs"/>
         </a:defRPr>
       </a:lvl3pPr>
-      <a:lvl4pPr marL="749808" indent="-182880" algn="l" defTabSz="914400" rtl="0" eaLnBrk="1" latinLnBrk="0" hangingPunct="1">
+      <a:lvl4pPr marL="1600200" indent="-228600" algn="l" defTabSz="914400" rtl="0" eaLnBrk="1" latinLnBrk="0" hangingPunct="1">
         <a:lnSpc>
           <a:spcPct val="90000"/>
         </a:lnSpc>
         <a:spcBef>
-          <a:spcPts val="200"/>
+          <a:spcPts val="500"/>
         </a:spcBef>
-        <a:spcAft>
-          <a:spcPts val="400"/>
-        </a:spcAft>
-        <a:buClr>
-          <a:schemeClr val="accent1"/>
-        </a:buClr>
-        <a:buFont typeface="Calibri" pitchFamily="34" charset="0"/>
-        <a:buChar char="◦"/>
-        <a:defRPr sz="1400" kern="1200">
+        <a:buFont typeface="Arial" panose="020B0604020202020204" pitchFamily="34" charset="0"/>
+        <a:buChar char="•"/>
+        <a:defRPr sz="1800" kern="1200">
           <a:solidFill>
-            <a:schemeClr val="tx1">
-              <a:lumMod val="75000"/>
-              <a:lumOff val="25000"/>
-            </a:schemeClr>
+            <a:schemeClr val="tx1"/>
           </a:solidFill>
           <a:latin typeface="+mn-lt"/>
           <a:ea typeface="+mn-ea"/>
           <a:cs typeface="+mn-cs"/>
         </a:defRPr>
       </a:lvl4pPr>
-      <a:lvl5pPr marL="932688" indent="-182880" algn="l" defTabSz="914400" rtl="0" eaLnBrk="1" latinLnBrk="0" hangingPunct="1">
+      <a:lvl5pPr marL="2057400" indent="-228600" algn="l" defTabSz="914400" rtl="0" eaLnBrk="1" latinLnBrk="0" hangingPunct="1">
         <a:lnSpc>
           <a:spcPct val="90000"/>
         </a:lnSpc>
         <a:spcBef>
-          <a:spcPts val="200"/>
+          <a:spcPts val="500"/>
         </a:spcBef>
-        <a:spcAft>
-          <a:spcPts val="400"/>
-        </a:spcAft>
-        <a:buClr>
-          <a:schemeClr val="accent1"/>
-        </a:buClr>
-        <a:buFont typeface="Calibri" pitchFamily="34" charset="0"/>
-        <a:buChar char="◦"/>
-        <a:defRPr sz="1400" kern="1200">
+        <a:buFont typeface="Arial" panose="020B0604020202020204" pitchFamily="34" charset="0"/>
+        <a:buChar char="•"/>
+        <a:defRPr sz="1800" kern="1200">
           <a:solidFill>
-            <a:schemeClr val="tx1">
-              <a:lumMod val="75000"/>
-              <a:lumOff val="25000"/>
-            </a:schemeClr>
+            <a:schemeClr val="tx1"/>
           </a:solidFill>
           <a:latin typeface="+mn-lt"/>
           <a:ea typeface="+mn-ea"/>
           <a:cs typeface="+mn-cs"/>
         </a:defRPr>
       </a:lvl5pPr>
-      <a:lvl6pPr marL="1100000" indent="-228600" algn="l" defTabSz="914400" rtl="0" eaLnBrk="1" latinLnBrk="0" hangingPunct="1">
+      <a:lvl6pPr marL="2514600" indent="-228600" algn="l" defTabSz="914400" rtl="0" eaLnBrk="1" latinLnBrk="0" hangingPunct="1">
         <a:lnSpc>
           <a:spcPct val="90000"/>
         </a:lnSpc>
         <a:spcBef>
-          <a:spcPts val="200"/>
+          <a:spcPts val="500"/>
         </a:spcBef>
-        <a:spcAft>
-          <a:spcPts val="400"/>
-        </a:spcAft>
-        <a:buClr>
-          <a:schemeClr val="accent1"/>
-        </a:buClr>
-        <a:buFont typeface="Calibri" pitchFamily="34" charset="0"/>
-        <a:buChar char="◦"/>
-        <a:defRPr sz="1400" kern="1200">
+        <a:buFont typeface="Arial" panose="020B0604020202020204" pitchFamily="34" charset="0"/>
+        <a:buChar char="•"/>
+        <a:defRPr sz="1800" kern="1200">
           <a:solidFill>
-            <a:schemeClr val="tx1">
-              <a:lumMod val="75000"/>
-              <a:lumOff val="25000"/>
-            </a:schemeClr>
+            <a:schemeClr val="tx1"/>
           </a:solidFill>
           <a:latin typeface="+mn-lt"/>
           <a:ea typeface="+mn-ea"/>
           <a:cs typeface="+mn-cs"/>
         </a:defRPr>
       </a:lvl6pPr>
-      <a:lvl7pPr marL="1300000" indent="-228600" algn="l" defTabSz="914400" rtl="0" eaLnBrk="1" latinLnBrk="0" hangingPunct="1">
+      <a:lvl7pPr marL="2971800" indent="-228600" algn="l" defTabSz="914400" rtl="0" eaLnBrk="1" latinLnBrk="0" hangingPunct="1">
         <a:lnSpc>
           <a:spcPct val="90000"/>
         </a:lnSpc>
         <a:spcBef>
-          <a:spcPts val="200"/>
+          <a:spcPts val="500"/>
         </a:spcBef>
-        <a:spcAft>
-          <a:spcPts val="400"/>
-        </a:spcAft>
-        <a:buClr>
-          <a:schemeClr val="accent1"/>
-        </a:buClr>
-        <a:buFont typeface="Calibri" pitchFamily="34" charset="0"/>
-        <a:buChar char="◦"/>
-        <a:defRPr sz="1400" kern="1200">
+        <a:buFont typeface="Arial" panose="020B0604020202020204" pitchFamily="34" charset="0"/>
+        <a:buChar char="•"/>
+        <a:defRPr sz="1800" kern="1200">
           <a:solidFill>
-            <a:schemeClr val="tx1">
-              <a:lumMod val="75000"/>
-              <a:lumOff val="25000"/>
-            </a:schemeClr>
+            <a:schemeClr val="tx1"/>
           </a:solidFill>
           <a:latin typeface="+mn-lt"/>
           <a:ea typeface="+mn-ea"/>
           <a:cs typeface="+mn-cs"/>
         </a:defRPr>
       </a:lvl7pPr>
-      <a:lvl8pPr marL="1500000" indent="-228600" algn="l" defTabSz="914400" rtl="0" eaLnBrk="1" latinLnBrk="0" hangingPunct="1">
+      <a:lvl8pPr marL="3429000" indent="-228600" algn="l" defTabSz="914400" rtl="0" eaLnBrk="1" latinLnBrk="0" hangingPunct="1">
         <a:lnSpc>
           <a:spcPct val="90000"/>
         </a:lnSpc>
         <a:spcBef>
-          <a:spcPts val="200"/>
+          <a:spcPts val="500"/>
         </a:spcBef>
-        <a:spcAft>
-          <a:spcPts val="400"/>
-        </a:spcAft>
-        <a:buClr>
-          <a:schemeClr val="accent1"/>
-        </a:buClr>
-        <a:buFont typeface="Calibri" pitchFamily="34" charset="0"/>
-        <a:buChar char="◦"/>
-        <a:defRPr sz="1400" kern="1200">
+        <a:buFont typeface="Arial" panose="020B0604020202020204" pitchFamily="34" charset="0"/>
+        <a:buChar char="•"/>
+        <a:defRPr sz="1800" kern="1200">
           <a:solidFill>
-            <a:schemeClr val="tx1">
-              <a:lumMod val="75000"/>
-              <a:lumOff val="25000"/>
-            </a:schemeClr>
+            <a:schemeClr val="tx1"/>
           </a:solidFill>
           <a:latin typeface="+mn-lt"/>
           <a:ea typeface="+mn-ea"/>
           <a:cs typeface="+mn-cs"/>
         </a:defRPr>
       </a:lvl8pPr>
-      <a:lvl9pPr marL="1700000" indent="-228600" algn="l" defTabSz="914400" rtl="0" eaLnBrk="1" latinLnBrk="0" hangingPunct="1">
+      <a:lvl9pPr marL="3886200" indent="-228600" algn="l" defTabSz="914400" rtl="0" eaLnBrk="1" latinLnBrk="0" hangingPunct="1">
         <a:lnSpc>
           <a:spcPct val="90000"/>
         </a:lnSpc>
         <a:spcBef>
-          <a:spcPts val="200"/>
+          <a:spcPts val="500"/>
         </a:spcBef>
-        <a:spcAft>
-          <a:spcPts val="400"/>
-        </a:spcAft>
-        <a:buClr>
-          <a:schemeClr val="accent1"/>
-        </a:buClr>
-        <a:buFont typeface="Calibri" pitchFamily="34" charset="0"/>
-        <a:buChar char="◦"/>
-        <a:defRPr sz="1400" kern="1200">
+        <a:buFont typeface="Arial" panose="020B0604020202020204" pitchFamily="34" charset="0"/>
+        <a:buChar char="•"/>
+        <a:defRPr sz="1800" kern="1200">
           <a:solidFill>
-            <a:schemeClr val="tx1">
-              <a:lumMod val="75000"/>
-              <a:lumOff val="25000"/>
-            </a:schemeClr>
+            <a:schemeClr val="tx1"/>
           </a:solidFill>
           <a:latin typeface="+mn-lt"/>
           <a:ea typeface="+mn-ea"/>
@@ -4141,7 +3661,7 @@
     </p:bodyStyle>
     <p:otherStyle>
       <a:defPPr>
-        <a:defRPr lang="en-US"/>
+        <a:defRPr lang="ru-RU"/>
       </a:defPPr>
       <a:lvl1pPr marL="0" algn="l" defTabSz="914400" rtl="0" eaLnBrk="1" latinLnBrk="0" hangingPunct="1">
         <a:defRPr sz="1800" kern="1200">
@@ -4318,7 +3838,7 @@
         </p:spPr>
         <p:txBody>
           <a:bodyPr>
-            <a:normAutofit fontScale="92500" lnSpcReduction="20000"/>
+            <a:normAutofit fontScale="92500" lnSpcReduction="10000"/>
           </a:bodyPr>
           <a:lstStyle/>
           <a:p>
@@ -4568,11 +4088,19 @@
             <p:ph idx="1"/>
           </p:nvPr>
         </p:nvSpPr>
-        <p:spPr/>
+        <p:spPr>
+          <a:xfrm>
+            <a:off x="838200" y="1825625"/>
+            <a:ext cx="5855208" cy="4351338"/>
+          </a:xfrm>
+        </p:spPr>
         <p:txBody>
           <a:bodyPr/>
           <a:lstStyle/>
           <a:p>
+            <a:pPr marL="0" indent="0">
+              <a:buNone/>
+            </a:pPr>
             <a:r>
               <a:rPr lang="ru-RU" dirty="0"/>
               <a:t>А</a:t>
@@ -4666,7 +4194,7 @@
         </p:blipFill>
         <p:spPr>
           <a:xfrm>
-            <a:off x="6271491" y="1845734"/>
+            <a:off x="7524219" y="2117994"/>
             <a:ext cx="3983760" cy="3766600"/>
           </a:xfrm>
           <a:prstGeom prst="rect">
@@ -6397,20 +5925,28 @@
         </p:nvSpPr>
         <p:spPr>
           <a:xfrm>
-            <a:off x="7715794" y="3935791"/>
-            <a:ext cx="3634377" cy="1942495"/>
+            <a:off x="7251192" y="3935791"/>
+            <a:ext cx="4098979" cy="1942495"/>
           </a:xfrm>
         </p:spPr>
         <p:txBody>
-          <a:bodyPr/>
+          <a:bodyPr>
+            <a:normAutofit fontScale="92500" lnSpcReduction="20000"/>
+          </a:bodyPr>
           <a:lstStyle/>
           <a:p>
+            <a:pPr marL="0" indent="0">
+              <a:buNone/>
+            </a:pPr>
             <a:r>
               <a:rPr lang="ru-RU" dirty="0"/>
               <a:t>Савельев Константин</a:t>
             </a:r>
           </a:p>
           <a:p>
+            <a:pPr marL="0" indent="0">
+              <a:buNone/>
+            </a:pPr>
             <a:r>
               <a:rPr lang="ru-RU" dirty="0"/>
               <a:t>ВК: </a:t>
@@ -6424,6 +5960,9 @@
             <a:endParaRPr lang="en-US" dirty="0"/>
           </a:p>
           <a:p>
+            <a:pPr marL="0" indent="0">
+              <a:buNone/>
+            </a:pPr>
             <a:r>
               <a:rPr lang="en-US" dirty="0"/>
               <a:t>E-mail: </a:t>
@@ -6437,6 +5976,9 @@
             <a:endParaRPr lang="en-US" dirty="0"/>
           </a:p>
           <a:p>
+            <a:pPr marL="0" indent="0">
+              <a:buNone/>
+            </a:pPr>
             <a:r>
               <a:rPr lang="ru-RU" dirty="0"/>
               <a:t>Телефон: 8 (920) 125 80-17</a:t>
@@ -6558,7 +6100,7 @@
                 <a:latin typeface="Arial" panose="020B0604020202020204" pitchFamily="34" charset="0"/>
                 <a:cs typeface="Arial" panose="020B0604020202020204" pitchFamily="34" charset="0"/>
               </a:rPr>
-              <a:t>Автоматизация системы предоставления медиаконтента</a:t>
+              <a:t>Увеличение товарооборота за счёт привлечения новых клиентов</a:t>
             </a:r>
           </a:p>
         </p:txBody>
@@ -6794,6 +6336,9 @@
           <a:bodyPr/>
           <a:lstStyle/>
           <a:p>
+            <a:pPr marL="0" indent="0">
+              <a:buNone/>
+            </a:pPr>
             <a:r>
               <a:rPr lang="en-US" dirty="0">
                 <a:latin typeface="Arial" panose="020B0604020202020204" pitchFamily="34" charset="0"/>
@@ -6808,101 +6353,60 @@
               </a:rPr>
               <a:t>ИС для видеосалона:</a:t>
             </a:r>
+          </a:p>
+          <a:p>
+            <a:r>
+              <a:rPr lang="ru-RU" sz="2000" dirty="0">
+                <a:latin typeface="Arial" panose="020B0604020202020204" pitchFamily="34" charset="0"/>
+                <a:cs typeface="Arial" panose="020B0604020202020204" pitchFamily="34" charset="0"/>
+              </a:rPr>
+              <a:t>Авторизация в системе</a:t>
+            </a:r>
+          </a:p>
+          <a:p>
+            <a:r>
+              <a:rPr lang="ru-RU" sz="2000" dirty="0">
+                <a:latin typeface="Arial" panose="020B0604020202020204" pitchFamily="34" charset="0"/>
+                <a:cs typeface="Arial" panose="020B0604020202020204" pitchFamily="34" charset="0"/>
+              </a:rPr>
+              <a:t>Регистрация в системе</a:t>
+            </a:r>
+          </a:p>
+          <a:p>
+            <a:r>
+              <a:rPr lang="ru-RU" sz="2000" dirty="0">
+                <a:latin typeface="Arial" panose="020B0604020202020204" pitchFamily="34" charset="0"/>
+                <a:cs typeface="Arial" panose="020B0604020202020204" pitchFamily="34" charset="0"/>
+              </a:rPr>
+              <a:t>Просмотр списка фильмов в наличии</a:t>
+            </a:r>
+          </a:p>
+          <a:p>
+            <a:r>
+              <a:rPr lang="ru-RU" sz="2000" dirty="0">
+                <a:latin typeface="Arial" panose="020B0604020202020204" pitchFamily="34" charset="0"/>
+                <a:cs typeface="Arial" panose="020B0604020202020204" pitchFamily="34" charset="0"/>
+              </a:rPr>
+              <a:t>аренда/покупка фильмов</a:t>
+            </a:r>
+          </a:p>
+          <a:p>
+            <a:r>
+              <a:rPr lang="ru-RU" sz="2000" dirty="0">
+                <a:latin typeface="Arial" panose="020B0604020202020204" pitchFamily="34" charset="0"/>
+                <a:cs typeface="Arial" panose="020B0604020202020204" pitchFamily="34" charset="0"/>
+              </a:rPr>
+              <a:t>Управление контентом (для администратора)</a:t>
+            </a:r>
+          </a:p>
+          <a:p>
+            <a:pPr marL="0" indent="0">
+              <a:buNone/>
+            </a:pPr>
             <a:endParaRPr lang="ru-RU" sz="2000" dirty="0">
               <a:latin typeface="Arial" panose="020B0604020202020204" pitchFamily="34" charset="0"/>
               <a:cs typeface="Arial" panose="020B0604020202020204" pitchFamily="34" charset="0"/>
             </a:endParaRPr>
-          </a:p>
-          <a:p>
-            <a:pPr marL="693738" indent="-342900">
-              <a:buFont typeface="Arial" panose="020B0604020202020204" pitchFamily="34" charset="0"/>
-              <a:buChar char="•"/>
-            </a:pPr>
-            <a:r>
-              <a:rPr lang="ru-RU" sz="2000" dirty="0">
-                <a:latin typeface="Arial" panose="020B0604020202020204" pitchFamily="34" charset="0"/>
-                <a:cs typeface="Arial" panose="020B0604020202020204" pitchFamily="34" charset="0"/>
-              </a:rPr>
-              <a:t>База данных</a:t>
-            </a:r>
-          </a:p>
-          <a:p>
-            <a:pPr marL="693738" indent="-342900">
-              <a:buFont typeface="Arial" panose="020B0604020202020204" pitchFamily="34" charset="0"/>
-              <a:buChar char="•"/>
-            </a:pPr>
-            <a:r>
-              <a:rPr lang="en-US" sz="2000" dirty="0">
-                <a:latin typeface="Arial" panose="020B0604020202020204" pitchFamily="34" charset="0"/>
-                <a:cs typeface="Arial" panose="020B0604020202020204" pitchFamily="34" charset="0"/>
-              </a:rPr>
-              <a:t>API </a:t>
-            </a:r>
-            <a:r>
-              <a:rPr lang="ru-RU" sz="2000" dirty="0">
-                <a:latin typeface="Arial" panose="020B0604020202020204" pitchFamily="34" charset="0"/>
-                <a:cs typeface="Arial" panose="020B0604020202020204" pitchFamily="34" charset="0"/>
-              </a:rPr>
-              <a:t>для взаимодействия с базой данных</a:t>
-            </a:r>
-          </a:p>
-          <a:p>
-            <a:pPr marL="693738" indent="-342900">
-              <a:buFont typeface="Arial" panose="020B0604020202020204" pitchFamily="34" charset="0"/>
-              <a:buChar char="•"/>
-            </a:pPr>
-            <a:r>
-              <a:rPr lang="en-US" sz="2000" dirty="0">
-                <a:latin typeface="Arial" panose="020B0604020202020204" pitchFamily="34" charset="0"/>
-                <a:cs typeface="Arial" panose="020B0604020202020204" pitchFamily="34" charset="0"/>
-              </a:rPr>
-              <a:t>AJAX </a:t>
-            </a:r>
-            <a:r>
-              <a:rPr lang="ru-RU" sz="2000" dirty="0">
-                <a:latin typeface="Arial" panose="020B0604020202020204" pitchFamily="34" charset="0"/>
-                <a:cs typeface="Arial" panose="020B0604020202020204" pitchFamily="34" charset="0"/>
-              </a:rPr>
-              <a:t>запросы к </a:t>
-            </a:r>
-            <a:r>
-              <a:rPr lang="en-US" sz="2000" dirty="0">
-                <a:latin typeface="Arial" panose="020B0604020202020204" pitchFamily="34" charset="0"/>
-                <a:cs typeface="Arial" panose="020B0604020202020204" pitchFamily="34" charset="0"/>
-              </a:rPr>
-              <a:t>API</a:t>
-            </a:r>
-            <a:endParaRPr lang="ru-RU" sz="2000" dirty="0">
-              <a:latin typeface="Arial" panose="020B0604020202020204" pitchFamily="34" charset="0"/>
-              <a:cs typeface="Arial" panose="020B0604020202020204" pitchFamily="34" charset="0"/>
-            </a:endParaRPr>
-          </a:p>
-          <a:p>
-            <a:pPr marL="693738" indent="-342900">
-              <a:buFont typeface="Arial" panose="020B0604020202020204" pitchFamily="34" charset="0"/>
-              <a:buChar char="•"/>
-            </a:pPr>
-            <a:r>
-              <a:rPr lang="ru-RU" sz="2000" dirty="0">
-                <a:latin typeface="Arial" panose="020B0604020202020204" pitchFamily="34" charset="0"/>
-                <a:cs typeface="Arial" panose="020B0604020202020204" pitchFamily="34" charset="0"/>
-              </a:rPr>
-              <a:t>веб страница на основе полученных </a:t>
-            </a:r>
-            <a:r>
-              <a:rPr lang="en-US" sz="2000" dirty="0">
-                <a:latin typeface="Arial" panose="020B0604020202020204" pitchFamily="34" charset="0"/>
-                <a:cs typeface="Arial" panose="020B0604020202020204" pitchFamily="34" charset="0"/>
-              </a:rPr>
-              <a:t>JSON </a:t>
-            </a:r>
-            <a:r>
-              <a:rPr lang="ru-RU" sz="2000" dirty="0">
-                <a:latin typeface="Arial" panose="020B0604020202020204" pitchFamily="34" charset="0"/>
-                <a:cs typeface="Arial" panose="020B0604020202020204" pitchFamily="34" charset="0"/>
-              </a:rPr>
-              <a:t>данных</a:t>
-            </a:r>
           </a:p>
         </p:txBody>
       </p:sp>
@@ -7197,6 +6701,9 @@
           <a:bodyPr/>
           <a:lstStyle/>
           <a:p>
+            <a:pPr marL="0" indent="0">
+              <a:buNone/>
+            </a:pPr>
             <a:r>
               <a:rPr lang="ru-RU" dirty="0"/>
               <a:t>Для </a:t>
@@ -7255,7 +6762,7 @@
         </p:blipFill>
         <p:spPr>
           <a:xfrm>
-            <a:off x="1097280" y="2573444"/>
+            <a:off x="1033272" y="2881313"/>
             <a:ext cx="6381750" cy="3295650"/>
           </a:xfrm>
           <a:prstGeom prst="rect">
@@ -7548,11 +7055,19 @@
             <p:ph idx="1"/>
           </p:nvPr>
         </p:nvSpPr>
-        <p:spPr/>
+        <p:spPr>
+          <a:xfrm>
+            <a:off x="838200" y="1825625"/>
+            <a:ext cx="8333232" cy="4351338"/>
+          </a:xfrm>
+        </p:spPr>
         <p:txBody>
           <a:bodyPr/>
           <a:lstStyle/>
           <a:p>
+            <a:pPr marL="0" indent="0">
+              <a:buNone/>
+            </a:pPr>
             <a:r>
               <a:rPr lang="ru-RU" dirty="0"/>
               <a:t>Структура файлов </a:t>
@@ -7666,7 +7181,7 @@
         </p:blipFill>
         <p:spPr>
           <a:xfrm>
-            <a:off x="8831727" y="2016607"/>
+            <a:off x="9535815" y="2379943"/>
             <a:ext cx="2159979" cy="3681614"/>
           </a:xfrm>
           <a:prstGeom prst="rect">
@@ -7688,9 +7203,9 @@
 </file>
 
 <file path=ppt/theme/theme1.xml><?xml version="1.0" encoding="utf-8"?>
-<a:theme xmlns:a="http://schemas.openxmlformats.org/drawingml/2006/main" name="Ретро">
+<a:theme xmlns:a="http://schemas.openxmlformats.org/drawingml/2006/main" name="Тема Office">
   <a:themeElements>
-    <a:clrScheme name="Ретро">
+    <a:clrScheme name="Стандартная">
       <a:dk1>
         <a:sysClr val="windowText" lastClr="000000"/>
       </a:dk1>
@@ -7698,44 +7213,44 @@
         <a:sysClr val="window" lastClr="FFFFFF"/>
       </a:lt1>
       <a:dk2>
-        <a:srgbClr val="514949"/>
+        <a:srgbClr val="44546A"/>
       </a:dk2>
       <a:lt2>
-        <a:srgbClr val="E1E1DB"/>
+        <a:srgbClr val="E7E6E6"/>
       </a:lt2>
       <a:accent1>
-        <a:srgbClr val="9DBFBE"/>
+        <a:srgbClr val="4472C4"/>
       </a:accent1>
       <a:accent2>
-        <a:srgbClr val="DB8631"/>
+        <a:srgbClr val="ED7D31"/>
       </a:accent2>
       <a:accent3>
-        <a:srgbClr val="E3CC5A"/>
+        <a:srgbClr val="A5A5A5"/>
       </a:accent3>
       <a:accent4>
-        <a:srgbClr val="ACADA8"/>
+        <a:srgbClr val="FFC000"/>
       </a:accent4>
       <a:accent5>
-        <a:srgbClr val="927C61"/>
+        <a:srgbClr val="5B9BD5"/>
       </a:accent5>
       <a:accent6>
-        <a:srgbClr val="B3B435"/>
+        <a:srgbClr val="70AD47"/>
       </a:accent6>
       <a:hlink>
-        <a:srgbClr val="0000FF"/>
+        <a:srgbClr val="0563C1"/>
       </a:hlink>
       <a:folHlink>
-        <a:srgbClr val="800080"/>
+        <a:srgbClr val="954F72"/>
       </a:folHlink>
     </a:clrScheme>
-    <a:fontScheme name="Ретро">
+    <a:fontScheme name="Стандартная">
       <a:majorFont>
         <a:latin typeface="Calibri Light" panose="020F0302020204030204"/>
         <a:ea typeface=""/>
         <a:cs typeface=""/>
-        <a:font script="Jpan" typeface="ＭＳ Ｐゴシック"/>
+        <a:font script="Jpan" typeface="游ゴシック Light"/>
         <a:font script="Hang" typeface="맑은 고딕"/>
-        <a:font script="Hans" typeface="宋体"/>
+        <a:font script="Hans" typeface="等线 Light"/>
         <a:font script="Hant" typeface="新細明體"/>
         <a:font script="Arab" typeface="Times New Roman"/>
         <a:font script="Hebr" typeface="Times New Roman"/>
@@ -7763,14 +7278,31 @@
         <a:font script="Viet" typeface="Times New Roman"/>
         <a:font script="Uigh" typeface="Microsoft Uighur"/>
         <a:font script="Geor" typeface="Sylfaen"/>
+        <a:font script="Armn" typeface="Arial"/>
+        <a:font script="Bugi" typeface="Leelawadee UI"/>
+        <a:font script="Bopo" typeface="Microsoft JhengHei"/>
+        <a:font script="Java" typeface="Javanese Text"/>
+        <a:font script="Lisu" typeface="Segoe UI"/>
+        <a:font script="Mymr" typeface="Myanmar Text"/>
+        <a:font script="Nkoo" typeface="Ebrima"/>
+        <a:font script="Olck" typeface="Nirmala UI"/>
+        <a:font script="Osma" typeface="Ebrima"/>
+        <a:font script="Phag" typeface="Phagspa"/>
+        <a:font script="Syrn" typeface="Estrangelo Edessa"/>
+        <a:font script="Syrj" typeface="Estrangelo Edessa"/>
+        <a:font script="Syre" typeface="Estrangelo Edessa"/>
+        <a:font script="Sora" typeface="Nirmala UI"/>
+        <a:font script="Tale" typeface="Microsoft Tai Le"/>
+        <a:font script="Talu" typeface="Microsoft New Tai Lue"/>
+        <a:font script="Tfng" typeface="Ebrima"/>
       </a:majorFont>
       <a:minorFont>
         <a:latin typeface="Calibri" panose="020F0502020204030204"/>
         <a:ea typeface=""/>
         <a:cs typeface=""/>
-        <a:font script="Jpan" typeface="ＭＳ Ｐゴシック"/>
+        <a:font script="Jpan" typeface="游ゴシック"/>
         <a:font script="Hang" typeface="맑은 고딕"/>
-        <a:font script="Hans" typeface="宋体"/>
+        <a:font script="Hans" typeface="等线"/>
         <a:font script="Hant" typeface="新細明體"/>
         <a:font script="Arab" typeface="Arial"/>
         <a:font script="Hebr" typeface="Arial"/>
@@ -7798,9 +7330,26 @@
         <a:font script="Viet" typeface="Arial"/>
         <a:font script="Uigh" typeface="Microsoft Uighur"/>
         <a:font script="Geor" typeface="Sylfaen"/>
+        <a:font script="Armn" typeface="Arial"/>
+        <a:font script="Bugi" typeface="Leelawadee UI"/>
+        <a:font script="Bopo" typeface="Microsoft JhengHei"/>
+        <a:font script="Java" typeface="Javanese Text"/>
+        <a:font script="Lisu" typeface="Segoe UI"/>
+        <a:font script="Mymr" typeface="Myanmar Text"/>
+        <a:font script="Nkoo" typeface="Ebrima"/>
+        <a:font script="Olck" typeface="Nirmala UI"/>
+        <a:font script="Osma" typeface="Ebrima"/>
+        <a:font script="Phag" typeface="Phagspa"/>
+        <a:font script="Syrn" typeface="Estrangelo Edessa"/>
+        <a:font script="Syrj" typeface="Estrangelo Edessa"/>
+        <a:font script="Syre" typeface="Estrangelo Edessa"/>
+        <a:font script="Sora" typeface="Nirmala UI"/>
+        <a:font script="Tale" typeface="Microsoft Tai Le"/>
+        <a:font script="Talu" typeface="Microsoft New Tai Lue"/>
+        <a:font script="Tfng" typeface="Ebrima"/>
       </a:minorFont>
     </a:fontScheme>
-    <a:fmtScheme name="Ретро">
+    <a:fmtScheme name="Стандартная">
       <a:fillStyleLst>
         <a:solidFill>
           <a:schemeClr val="phClr"/>
@@ -7809,81 +7358,76 @@
           <a:gsLst>
             <a:gs pos="0">
               <a:schemeClr val="phClr">
-                <a:tint val="65000"/>
-                <a:shade val="92000"/>
-                <a:satMod val="130000"/>
+                <a:lumMod val="110000"/>
+                <a:satMod val="105000"/>
+                <a:tint val="67000"/>
               </a:schemeClr>
             </a:gs>
-            <a:gs pos="45000">
+            <a:gs pos="50000">
               <a:schemeClr val="phClr">
-                <a:tint val="60000"/>
-                <a:shade val="99000"/>
-                <a:satMod val="120000"/>
+                <a:lumMod val="105000"/>
+                <a:satMod val="103000"/>
+                <a:tint val="73000"/>
               </a:schemeClr>
             </a:gs>
             <a:gs pos="100000">
               <a:schemeClr val="phClr">
-                <a:tint val="55000"/>
-                <a:satMod val="140000"/>
+                <a:lumMod val="105000"/>
+                <a:satMod val="109000"/>
+                <a:tint val="81000"/>
               </a:schemeClr>
             </a:gs>
           </a:gsLst>
-          <a:path path="circle">
-            <a:fillToRect l="100000" t="100000" r="100000" b="100000"/>
-          </a:path>
+          <a:lin ang="5400000" scaled="0"/>
         </a:gradFill>
         <a:gradFill rotWithShape="1">
           <a:gsLst>
             <a:gs pos="0">
               <a:schemeClr val="phClr">
-                <a:shade val="85000"/>
-                <a:satMod val="130000"/>
+                <a:satMod val="103000"/>
+                <a:lumMod val="102000"/>
+                <a:tint val="94000"/>
               </a:schemeClr>
             </a:gs>
-            <a:gs pos="34000">
+            <a:gs pos="50000">
               <a:schemeClr val="phClr">
-                <a:shade val="87000"/>
-                <a:satMod val="125000"/>
-              </a:schemeClr>
-            </a:gs>
-            <a:gs pos="70000">
-              <a:schemeClr val="phClr">
-                <a:tint val="100000"/>
-                <a:shade val="90000"/>
-                <a:satMod val="130000"/>
+                <a:satMod val="110000"/>
+                <a:lumMod val="100000"/>
+                <a:shade val="100000"/>
               </a:schemeClr>
             </a:gs>
             <a:gs pos="100000">
               <a:schemeClr val="phClr">
-                <a:tint val="100000"/>
-                <a:shade val="100000"/>
-                <a:satMod val="110000"/>
+                <a:lumMod val="99000"/>
+                <a:satMod val="120000"/>
+                <a:shade val="78000"/>
               </a:schemeClr>
             </a:gs>
           </a:gsLst>
-          <a:path path="circle">
-            <a:fillToRect l="100000" t="100000" r="100000" b="100000"/>
-          </a:path>
+          <a:lin ang="5400000" scaled="0"/>
         </a:gradFill>
       </a:fillStyleLst>
       <a:lnStyleLst>
+        <a:ln w="6350" cap="flat" cmpd="sng" algn="ctr">
+          <a:solidFill>
+            <a:schemeClr val="phClr"/>
+          </a:solidFill>
+          <a:prstDash val="solid"/>
+          <a:miter lim="800000"/>
+        </a:ln>
         <a:ln w="12700" cap="flat" cmpd="sng" algn="ctr">
           <a:solidFill>
             <a:schemeClr val="phClr"/>
           </a:solidFill>
           <a:prstDash val="solid"/>
+          <a:miter lim="800000"/>
         </a:ln>
-        <a:ln w="15875" cap="flat" cmpd="sng" algn="ctr">
+        <a:ln w="19050" cap="flat" cmpd="sng" algn="ctr">
           <a:solidFill>
             <a:schemeClr val="phClr"/>
           </a:solidFill>
           <a:prstDash val="solid"/>
-        </a:ln>
-        <a:ln w="25400" cap="flat" cmpd="sng" algn="ctr">
-          <a:solidFill>
-            <a:schemeClr val="phClr"/>
-          </a:solidFill>
-          <a:prstDash val="solid"/>
+          <a:miter lim="800000"/>
         </a:ln>
       </a:lnStyleLst>
       <a:effectStyleLst>
@@ -7891,33 +7435,16 @@
           <a:effectLst/>
         </a:effectStyle>
         <a:effectStyle>
+          <a:effectLst/>
+        </a:effectStyle>
+        <a:effectStyle>
           <a:effectLst>
-            <a:outerShdw blurRad="38100" dist="25400" dir="2700000" algn="br" rotWithShape="0">
+            <a:outerShdw blurRad="57150" dist="19050" dir="5400000" algn="ctr" rotWithShape="0">
               <a:srgbClr val="000000">
-                <a:alpha val="60000"/>
+                <a:alpha val="63000"/>
               </a:srgbClr>
             </a:outerShdw>
           </a:effectLst>
-        </a:effectStyle>
-        <a:effectStyle>
-          <a:effectLst>
-            <a:outerShdw blurRad="44450" dist="25400" dir="2700000" algn="br" rotWithShape="0">
-              <a:srgbClr val="000000">
-                <a:alpha val="60000"/>
-              </a:srgbClr>
-            </a:outerShdw>
-          </a:effectLst>
-          <a:scene3d>
-            <a:camera prst="orthographicFront">
-              <a:rot lat="0" lon="0" rev="0"/>
-            </a:camera>
-            <a:lightRig rig="threePt" dir="t">
-              <a:rot lat="0" lon="0" rev="19800000"/>
-            </a:lightRig>
-          </a:scene3d>
-          <a:sp3d prstMaterial="flat">
-            <a:bevelT w="25400" h="31750"/>
-          </a:sp3d>
         </a:effectStyle>
       </a:effectStyleLst>
       <a:bgFillStyleLst>
@@ -7926,36 +7453,36 @@
         </a:solidFill>
         <a:solidFill>
           <a:schemeClr val="phClr">
-            <a:tint val="90000"/>
-            <a:shade val="97000"/>
-            <a:satMod val="130000"/>
+            <a:tint val="95000"/>
+            <a:satMod val="170000"/>
           </a:schemeClr>
         </a:solidFill>
         <a:gradFill rotWithShape="1">
           <a:gsLst>
             <a:gs pos="0">
               <a:schemeClr val="phClr">
-                <a:tint val="96000"/>
-                <a:shade val="99000"/>
-                <a:satMod val="140000"/>
+                <a:tint val="93000"/>
+                <a:satMod val="150000"/>
+                <a:shade val="98000"/>
+                <a:lumMod val="102000"/>
               </a:schemeClr>
             </a:gs>
-            <a:gs pos="65000">
+            <a:gs pos="50000">
               <a:schemeClr val="phClr">
-                <a:tint val="100000"/>
-                <a:shade val="80000"/>
+                <a:tint val="98000"/>
                 <a:satMod val="130000"/>
+                <a:shade val="90000"/>
+                <a:lumMod val="103000"/>
               </a:schemeClr>
             </a:gs>
             <a:gs pos="100000">
               <a:schemeClr val="phClr">
-                <a:tint val="100000"/>
-                <a:shade val="48000"/>
+                <a:shade val="63000"/>
                 <a:satMod val="120000"/>
               </a:schemeClr>
             </a:gs>
           </a:gsLst>
-          <a:lin ang="16200000" scaled="0"/>
+          <a:lin ang="5400000" scaled="0"/>
         </a:gradFill>
       </a:bgFillStyleLst>
     </a:fmtScheme>
@@ -7964,7 +7491,7 @@
   <a:extraClrSchemeLst/>
   <a:extLst>
     <a:ext uri="{05A4C25C-085E-4340-85A3-A5531E510DB2}">
-      <thm15:themeFamily xmlns:thm15="http://schemas.microsoft.com/office/thememl/2012/main" name="Retrospect" id="{5F128B03-DCCA-4EEB-AB3B-CF2899314A46}" vid="{243AF7DC-D15B-41C0-AE81-23980D1B9FC4}"/>
+      <thm15:themeFamily xmlns:thm15="http://schemas.microsoft.com/office/thememl/2012/main" name="Office Theme" id="{62F939B6-93AF-4DB8-9C6B-D6C7DFDC589F}" vid="{4A3C46E8-61CC-4603-A589-7422A47A8E4A}"/>
     </a:ext>
   </a:extLst>
 </a:theme>

--- a/DOCS/презентация к карсовому проекту.pptx
+++ b/DOCS/презентация к карсовому проекту.pptx
@@ -3864,25 +3864,8 @@
                 <a:latin typeface="Arial" panose="020B0604020202020204" pitchFamily="34" charset="0"/>
                 <a:cs typeface="Arial" panose="020B0604020202020204" pitchFamily="34" charset="0"/>
               </a:rPr>
-              <a:t>Савельев </a:t>
-            </a:r>
-            <a:r>
-              <a:rPr lang="ru-RU" dirty="0" err="1">
-                <a:solidFill>
-                  <a:schemeClr val="tx1"/>
-                </a:solidFill>
-                <a:latin typeface="Arial" panose="020B0604020202020204" pitchFamily="34" charset="0"/>
-                <a:cs typeface="Arial" panose="020B0604020202020204" pitchFamily="34" charset="0"/>
-              </a:rPr>
-              <a:t>КОнстантин</a:t>
-            </a:r>
-            <a:endParaRPr lang="ru-RU" dirty="0">
-              <a:solidFill>
-                <a:schemeClr val="tx1"/>
-              </a:solidFill>
-              <a:latin typeface="Arial" panose="020B0604020202020204" pitchFamily="34" charset="0"/>
-              <a:cs typeface="Arial" panose="020B0604020202020204" pitchFamily="34" charset="0"/>
-            </a:endParaRPr>
+              <a:t>Савельев Константин</a:t>
+            </a:r>
           </a:p>
           <a:p>
             <a:pPr algn="r"/>
@@ -7062,7 +7045,9 @@
           </a:xfrm>
         </p:spPr>
         <p:txBody>
-          <a:bodyPr/>
+          <a:bodyPr>
+            <a:normAutofit/>
+          </a:bodyPr>
           <a:lstStyle/>
           <a:p>
             <a:pPr marL="0" indent="0">
@@ -7101,6 +7086,37 @@
             <a:endParaRPr lang="en-US" dirty="0"/>
           </a:p>
           <a:p>
+            <a:pPr marL="628650" indent="360363"/>
+            <a:r>
+              <a:rPr lang="ru-RU" dirty="0"/>
+              <a:t>папка </a:t>
+            </a:r>
+            <a:r>
+              <a:rPr lang="en-US" dirty="0"/>
+              <a:t>Object</a:t>
+            </a:r>
+            <a:r>
+              <a:rPr lang="ru-RU" dirty="0"/>
+              <a:t>: содержит описание классов и методов</a:t>
+            </a:r>
+          </a:p>
+          <a:p>
+            <a:pPr marL="628650" indent="360363"/>
+            <a:r>
+              <a:rPr lang="ru-RU" dirty="0"/>
+              <a:t>папка </a:t>
+            </a:r>
+            <a:r>
+              <a:rPr lang="en-US" dirty="0"/>
+              <a:t>Entity</a:t>
+            </a:r>
+            <a:r>
+              <a:rPr lang="ru-RU" dirty="0"/>
+              <a:t>: содержит файлы использующие методы для взаимодействия с данными</a:t>
+            </a:r>
+            <a:endParaRPr lang="en-US" dirty="0"/>
+          </a:p>
+          <a:p>
             <a:pPr marL="628650" indent="360363">
               <a:buFont typeface="Arial" panose="020B0604020202020204" pitchFamily="34" charset="0"/>
               <a:buChar char="•"/>
@@ -7111,49 +7127,11 @@
             </a:r>
             <a:r>
               <a:rPr lang="en-US" dirty="0"/>
-              <a:t>Entity</a:t>
+              <a:t>Session</a:t>
             </a:r>
             <a:r>
               <a:rPr lang="ru-RU" dirty="0"/>
-              <a:t>: содержит файлы операции с данными</a:t>
-            </a:r>
-            <a:endParaRPr lang="en-US" dirty="0"/>
-          </a:p>
-          <a:p>
-            <a:pPr marL="628650" indent="360363">
-              <a:buFont typeface="Arial" panose="020B0604020202020204" pitchFamily="34" charset="0"/>
-              <a:buChar char="•"/>
-            </a:pPr>
-            <a:r>
-              <a:rPr lang="ru-RU" dirty="0"/>
-              <a:t>папка </a:t>
-            </a:r>
-            <a:r>
-              <a:rPr lang="en-US" dirty="0"/>
-              <a:t>Object</a:t>
-            </a:r>
-            <a:r>
-              <a:rPr lang="ru-RU" dirty="0"/>
-              <a:t>: содержит описание классов и методов</a:t>
-            </a:r>
-            <a:endParaRPr lang="en-US" dirty="0"/>
-          </a:p>
-          <a:p>
-            <a:pPr marL="628650" indent="360363">
-              <a:buFont typeface="Arial" panose="020B0604020202020204" pitchFamily="34" charset="0"/>
-              <a:buChar char="•"/>
-            </a:pPr>
-            <a:r>
-              <a:rPr lang="ru-RU" dirty="0"/>
-              <a:t>папка </a:t>
-            </a:r>
-            <a:r>
-              <a:rPr lang="en-US" dirty="0"/>
-              <a:t>Session</a:t>
-            </a:r>
-            <a:r>
-              <a:rPr lang="ru-RU" dirty="0"/>
-              <a:t>: содержит файлы в которых хранится сессия</a:t>
+              <a:t>: содержит файлы в которых хранится текущая сессия и методы взаимодействия с ней</a:t>
             </a:r>
             <a:endParaRPr lang="en-US" dirty="0"/>
           </a:p>

--- a/DOCS/презентация к карсовому проекту.pptx
+++ b/DOCS/презентация к карсовому проекту.pptx
@@ -5,7 +5,7 @@
     <p:sldMasterId id="2147483684" r:id="rId1"/>
   </p:sldMasterIdLst>
   <p:notesMasterIdLst>
-    <p:notesMasterId r:id="rId16"/>
+    <p:notesMasterId r:id="rId15"/>
   </p:notesMasterIdLst>
   <p:sldIdLst>
     <p:sldId id="256" r:id="rId2"/>
@@ -15,13 +15,12 @@
     <p:sldId id="259" r:id="rId6"/>
     <p:sldId id="261" r:id="rId7"/>
     <p:sldId id="270" r:id="rId8"/>
-    <p:sldId id="264" r:id="rId9"/>
-    <p:sldId id="271" r:id="rId10"/>
-    <p:sldId id="272" r:id="rId11"/>
-    <p:sldId id="273" r:id="rId12"/>
-    <p:sldId id="274" r:id="rId13"/>
-    <p:sldId id="265" r:id="rId14"/>
-    <p:sldId id="266" r:id="rId15"/>
+    <p:sldId id="275" r:id="rId9"/>
+    <p:sldId id="264" r:id="rId10"/>
+    <p:sldId id="271" r:id="rId11"/>
+    <p:sldId id="272" r:id="rId12"/>
+    <p:sldId id="265" r:id="rId13"/>
+    <p:sldId id="266" r:id="rId14"/>
   </p:sldIdLst>
   <p:sldSz cx="12192000" cy="6858000"/>
   <p:notesSz cx="6858000" cy="9144000"/>
@@ -542,7 +541,7 @@
           <a:p>
             <a:fld id="{55183171-1339-42E6-9839-ACCD519AD022}" type="slidenum">
               <a:rPr lang="ru-RU" smtClean="0"/>
-              <a:t>9</a:t>
+              <a:t>10</a:t>
             </a:fld>
             <a:endParaRPr lang="ru-RU"/>
           </a:p>
@@ -4031,6 +4030,210 @@
           <p:cNvPr id="2" name="Заголовок 1">
             <a:extLst>
               <a:ext uri="{FF2B5EF4-FFF2-40B4-BE49-F238E27FC236}">
+                <a16:creationId xmlns:a16="http://schemas.microsoft.com/office/drawing/2014/main" id="{965AFF78-315C-4E78-B3F1-58DFD54F5688}"/>
+              </a:ext>
+            </a:extLst>
+          </p:cNvPr>
+          <p:cNvSpPr>
+            <a:spLocks noGrp="1"/>
+          </p:cNvSpPr>
+          <p:nvPr>
+            <p:ph type="title"/>
+          </p:nvPr>
+        </p:nvSpPr>
+        <p:spPr/>
+        <p:txBody>
+          <a:bodyPr/>
+          <a:lstStyle/>
+          <a:p>
+            <a:r>
+              <a:rPr lang="en-US" dirty="0"/>
+              <a:t>API</a:t>
+            </a:r>
+            <a:endParaRPr lang="ru-RU" dirty="0"/>
+          </a:p>
+        </p:txBody>
+      </p:sp>
+      <p:sp>
+        <p:nvSpPr>
+          <p:cNvPr id="3" name="Объект 2">
+            <a:extLst>
+              <a:ext uri="{FF2B5EF4-FFF2-40B4-BE49-F238E27FC236}">
+                <a16:creationId xmlns:a16="http://schemas.microsoft.com/office/drawing/2014/main" id="{79D92FBF-B1A8-4BD1-BC4B-36F0393DDBC7}"/>
+              </a:ext>
+            </a:extLst>
+          </p:cNvPr>
+          <p:cNvSpPr>
+            <a:spLocks noGrp="1"/>
+          </p:cNvSpPr>
+          <p:nvPr>
+            <p:ph idx="1"/>
+          </p:nvPr>
+        </p:nvSpPr>
+        <p:spPr>
+          <a:xfrm>
+            <a:off x="838200" y="1825625"/>
+            <a:ext cx="8333232" cy="4351338"/>
+          </a:xfrm>
+        </p:spPr>
+        <p:txBody>
+          <a:bodyPr>
+            <a:normAutofit/>
+          </a:bodyPr>
+          <a:lstStyle/>
+          <a:p>
+            <a:pPr marL="0" indent="0">
+              <a:buNone/>
+            </a:pPr>
+            <a:r>
+              <a:rPr lang="ru-RU" dirty="0"/>
+              <a:t>Структура файлов </a:t>
+            </a:r>
+            <a:r>
+              <a:rPr lang="en-US" dirty="0"/>
+              <a:t>API</a:t>
+            </a:r>
+            <a:r>
+              <a:rPr lang="ru-RU" dirty="0"/>
+              <a:t>:</a:t>
+            </a:r>
+          </a:p>
+          <a:p>
+            <a:pPr marL="628650" indent="360363">
+              <a:buFont typeface="Arial" panose="020B0604020202020204" pitchFamily="34" charset="0"/>
+              <a:buChar char="•"/>
+            </a:pPr>
+            <a:r>
+              <a:rPr lang="ru-RU" dirty="0"/>
+              <a:t>папка </a:t>
+            </a:r>
+            <a:r>
+              <a:rPr lang="en-US" dirty="0"/>
+              <a:t>Config: </a:t>
+            </a:r>
+            <a:r>
+              <a:rPr lang="ru-RU" dirty="0"/>
+              <a:t>файл конфигурации базы данных</a:t>
+            </a:r>
+            <a:endParaRPr lang="en-US" dirty="0"/>
+          </a:p>
+          <a:p>
+            <a:pPr marL="628650" indent="360363"/>
+            <a:r>
+              <a:rPr lang="ru-RU" dirty="0"/>
+              <a:t>папка </a:t>
+            </a:r>
+            <a:r>
+              <a:rPr lang="en-US" dirty="0"/>
+              <a:t>Object</a:t>
+            </a:r>
+            <a:r>
+              <a:rPr lang="ru-RU" dirty="0"/>
+              <a:t>: содержит описание классов и методов</a:t>
+            </a:r>
+          </a:p>
+          <a:p>
+            <a:pPr marL="628650" indent="360363"/>
+            <a:r>
+              <a:rPr lang="ru-RU" dirty="0"/>
+              <a:t>папка </a:t>
+            </a:r>
+            <a:r>
+              <a:rPr lang="en-US" dirty="0"/>
+              <a:t>Entity</a:t>
+            </a:r>
+            <a:r>
+              <a:rPr lang="ru-RU" dirty="0"/>
+              <a:t>: содержит файлы обработки полученных данных пользователя</a:t>
+            </a:r>
+            <a:endParaRPr lang="en-US" dirty="0"/>
+          </a:p>
+          <a:p>
+            <a:pPr marL="628650" indent="360363">
+              <a:buFont typeface="Arial" panose="020B0604020202020204" pitchFamily="34" charset="0"/>
+              <a:buChar char="•"/>
+            </a:pPr>
+            <a:r>
+              <a:rPr lang="ru-RU" dirty="0"/>
+              <a:t>папка </a:t>
+            </a:r>
+            <a:r>
+              <a:rPr lang="en-US" dirty="0"/>
+              <a:t>Session</a:t>
+            </a:r>
+            <a:r>
+              <a:rPr lang="ru-RU" dirty="0"/>
+              <a:t>: содержит файлы в которых хранится текущая сессия и методы взаимодействия с ней</a:t>
+            </a:r>
+            <a:endParaRPr lang="en-US" dirty="0"/>
+          </a:p>
+        </p:txBody>
+      </p:sp>
+      <p:pic>
+        <p:nvPicPr>
+          <p:cNvPr id="5" name="Рисунок 4">
+            <a:extLst>
+              <a:ext uri="{FF2B5EF4-FFF2-40B4-BE49-F238E27FC236}">
+                <a16:creationId xmlns:a16="http://schemas.microsoft.com/office/drawing/2014/main" id="{11975843-E562-4001-BFB1-221274907632}"/>
+              </a:ext>
+            </a:extLst>
+          </p:cNvPr>
+          <p:cNvPicPr>
+            <a:picLocks noChangeAspect="1"/>
+          </p:cNvPicPr>
+          <p:nvPr/>
+        </p:nvPicPr>
+        <p:blipFill>
+          <a:blip r:embed="rId3"/>
+          <a:stretch>
+            <a:fillRect/>
+          </a:stretch>
+        </p:blipFill>
+        <p:spPr>
+          <a:xfrm>
+            <a:off x="9535815" y="2379943"/>
+            <a:ext cx="2159979" cy="3681614"/>
+          </a:xfrm>
+          <a:prstGeom prst="rect">
+            <a:avLst/>
+          </a:prstGeom>
+        </p:spPr>
+      </p:pic>
+    </p:spTree>
+    <p:extLst>
+      <p:ext uri="{BB962C8B-B14F-4D97-AF65-F5344CB8AC3E}">
+        <p14:creationId xmlns:p14="http://schemas.microsoft.com/office/powerpoint/2010/main" val="909652298"/>
+      </p:ext>
+    </p:extLst>
+  </p:cSld>
+  <p:clrMapOvr>
+    <a:masterClrMapping/>
+  </p:clrMapOvr>
+</p:sld>
+</file>
+
+<file path=ppt/slides/slide11.xml><?xml version="1.0" encoding="utf-8"?>
+<p:sld xmlns:a="http://schemas.openxmlformats.org/drawingml/2006/main" xmlns:r="http://schemas.openxmlformats.org/officeDocument/2006/relationships" xmlns:p="http://schemas.openxmlformats.org/presentationml/2006/main">
+  <p:cSld>
+    <p:spTree>
+      <p:nvGrpSpPr>
+        <p:cNvPr id="1" name=""/>
+        <p:cNvGrpSpPr/>
+        <p:nvPr/>
+      </p:nvGrpSpPr>
+      <p:grpSpPr>
+        <a:xfrm>
+          <a:off x="0" y="0"/>
+          <a:ext cx="0" cy="0"/>
+          <a:chOff x="0" y="0"/>
+          <a:chExt cx="0" cy="0"/>
+        </a:xfrm>
+      </p:grpSpPr>
+      <p:sp>
+        <p:nvSpPr>
+          <p:cNvPr id="2" name="Заголовок 1">
+            <a:extLst>
+              <a:ext uri="{FF2B5EF4-FFF2-40B4-BE49-F238E27FC236}">
                 <a16:creationId xmlns:a16="http://schemas.microsoft.com/office/drawing/2014/main" id="{7CCDDA4A-59E5-4193-BCB2-7F290424D839}"/>
               </a:ext>
             </a:extLst>
@@ -4198,751 +4401,6 @@
 </p:sld>
 </file>
 
-<file path=ppt/slides/slide11.xml><?xml version="1.0" encoding="utf-8"?>
-<p:sld xmlns:a="http://schemas.openxmlformats.org/drawingml/2006/main" xmlns:r="http://schemas.openxmlformats.org/officeDocument/2006/relationships" xmlns:p="http://schemas.openxmlformats.org/presentationml/2006/main">
-  <p:cSld>
-    <p:spTree>
-      <p:nvGrpSpPr>
-        <p:cNvPr id="1" name=""/>
-        <p:cNvGrpSpPr/>
-        <p:nvPr/>
-      </p:nvGrpSpPr>
-      <p:grpSpPr>
-        <a:xfrm>
-          <a:off x="0" y="0"/>
-          <a:ext cx="0" cy="0"/>
-          <a:chOff x="0" y="0"/>
-          <a:chExt cx="0" cy="0"/>
-        </a:xfrm>
-      </p:grpSpPr>
-      <p:sp>
-        <p:nvSpPr>
-          <p:cNvPr id="2" name="Заголовок 1">
-            <a:extLst>
-              <a:ext uri="{FF2B5EF4-FFF2-40B4-BE49-F238E27FC236}">
-                <a16:creationId xmlns:a16="http://schemas.microsoft.com/office/drawing/2014/main" id="{C0CB33A1-BC3C-43CA-A094-AF371E821B1A}"/>
-              </a:ext>
-            </a:extLst>
-          </p:cNvPr>
-          <p:cNvSpPr>
-            <a:spLocks noGrp="1"/>
-          </p:cNvSpPr>
-          <p:nvPr>
-            <p:ph type="title"/>
-          </p:nvPr>
-        </p:nvSpPr>
-        <p:spPr/>
-        <p:txBody>
-          <a:bodyPr/>
-          <a:lstStyle/>
-          <a:p>
-            <a:r>
-              <a:rPr lang="en-US" dirty="0"/>
-              <a:t>GET AJAX</a:t>
-            </a:r>
-            <a:endParaRPr lang="ru-RU" dirty="0"/>
-          </a:p>
-        </p:txBody>
-      </p:sp>
-      <p:graphicFrame>
-        <p:nvGraphicFramePr>
-          <p:cNvPr id="5" name="Таблица 4">
-            <a:extLst>
-              <a:ext uri="{FF2B5EF4-FFF2-40B4-BE49-F238E27FC236}">
-                <a16:creationId xmlns:a16="http://schemas.microsoft.com/office/drawing/2014/main" id="{B9A90F78-60C9-4869-BB4D-78D6237BD36A}"/>
-              </a:ext>
-            </a:extLst>
-          </p:cNvPr>
-          <p:cNvGraphicFramePr>
-            <a:graphicFrameLocks noGrp="1"/>
-          </p:cNvGraphicFramePr>
-          <p:nvPr>
-            <p:extLst>
-              <p:ext uri="{D42A27DB-BD31-4B8C-83A1-F6EECF244321}">
-                <p14:modId xmlns:p14="http://schemas.microsoft.com/office/powerpoint/2010/main" val="1220748516"/>
-              </p:ext>
-            </p:extLst>
-          </p:nvPr>
-        </p:nvGraphicFramePr>
-        <p:xfrm>
-          <a:off x="1995055" y="1970340"/>
-          <a:ext cx="8220364" cy="4104832"/>
-        </p:xfrm>
-        <a:graphic>
-          <a:graphicData uri="http://schemas.openxmlformats.org/drawingml/2006/table">
-            <a:tbl>
-              <a:tblPr firstRow="1" firstCol="1" bandRow="1">
-                <a:tableStyleId>{073A0DAA-6AF3-43AB-8588-CEC1D06C72B9}</a:tableStyleId>
-              </a:tblPr>
-              <a:tblGrid>
-                <a:gridCol w="4865962">
-                  <a:extLst>
-                    <a:ext uri="{9D8B030D-6E8A-4147-A177-3AD203B41FA5}">
-                      <a16:colId xmlns:a16="http://schemas.microsoft.com/office/drawing/2014/main" val="4100053904"/>
-                    </a:ext>
-                  </a:extLst>
-                </a:gridCol>
-                <a:gridCol w="3354402">
-                  <a:extLst>
-                    <a:ext uri="{9D8B030D-6E8A-4147-A177-3AD203B41FA5}">
-                      <a16:colId xmlns:a16="http://schemas.microsoft.com/office/drawing/2014/main" val="3812899401"/>
-                    </a:ext>
-                  </a:extLst>
-                </a:gridCol>
-              </a:tblGrid>
-              <a:tr h="152754">
-                <a:tc>
-                  <a:txBody>
-                    <a:bodyPr/>
-                    <a:lstStyle/>
-                    <a:p>
-                      <a:pPr>
-                        <a:lnSpc>
-                          <a:spcPct val="107000"/>
-                        </a:lnSpc>
-                        <a:spcAft>
-                          <a:spcPts val="800"/>
-                        </a:spcAft>
-                      </a:pPr>
-                      <a:r>
-                        <a:rPr lang="en-US" sz="1200" dirty="0">
-                          <a:solidFill>
-                            <a:schemeClr val="tx1"/>
-                          </a:solidFill>
-                          <a:effectLst/>
-                          <a:latin typeface="Arial" panose="020B0604020202020204" pitchFamily="34" charset="0"/>
-                          <a:cs typeface="Arial" panose="020B0604020202020204" pitchFamily="34" charset="0"/>
-                        </a:rPr>
-                        <a:t>request</a:t>
-                      </a:r>
-                      <a:endParaRPr lang="ru-RU" sz="1200" dirty="0">
-                        <a:solidFill>
-                          <a:schemeClr val="tx1"/>
-                        </a:solidFill>
-                        <a:effectLst/>
-                        <a:latin typeface="Arial" panose="020B0604020202020204" pitchFamily="34" charset="0"/>
-                        <a:ea typeface="Calibri" panose="020F0502020204030204" pitchFamily="34" charset="0"/>
-                        <a:cs typeface="Arial" panose="020B0604020202020204" pitchFamily="34" charset="0"/>
-                      </a:endParaRPr>
-                    </a:p>
-                  </a:txBody>
-                  <a:tcPr marL="56286" marR="56286" marT="0" marB="0">
-                    <a:noFill/>
-                  </a:tcPr>
-                </a:tc>
-                <a:tc>
-                  <a:txBody>
-                    <a:bodyPr/>
-                    <a:lstStyle/>
-                    <a:p>
-                      <a:pPr>
-                        <a:lnSpc>
-                          <a:spcPct val="107000"/>
-                        </a:lnSpc>
-                        <a:spcAft>
-                          <a:spcPts val="800"/>
-                        </a:spcAft>
-                      </a:pPr>
-                      <a:r>
-                        <a:rPr lang="en-US" sz="1200" dirty="0">
-                          <a:solidFill>
-                            <a:schemeClr val="tx1"/>
-                          </a:solidFill>
-                          <a:effectLst/>
-                          <a:latin typeface="Arial" panose="020B0604020202020204" pitchFamily="34" charset="0"/>
-                          <a:cs typeface="Arial" panose="020B0604020202020204" pitchFamily="34" charset="0"/>
-                        </a:rPr>
-                        <a:t>response</a:t>
-                      </a:r>
-                      <a:endParaRPr lang="ru-RU" sz="1200" dirty="0">
-                        <a:solidFill>
-                          <a:schemeClr val="tx1"/>
-                        </a:solidFill>
-                        <a:effectLst/>
-                        <a:latin typeface="Arial" panose="020B0604020202020204" pitchFamily="34" charset="0"/>
-                        <a:ea typeface="Calibri" panose="020F0502020204030204" pitchFamily="34" charset="0"/>
-                        <a:cs typeface="Arial" panose="020B0604020202020204" pitchFamily="34" charset="0"/>
-                      </a:endParaRPr>
-                    </a:p>
-                  </a:txBody>
-                  <a:tcPr marL="56286" marR="56286" marT="0" marB="0">
-                    <a:noFill/>
-                  </a:tcPr>
-                </a:tc>
-                <a:extLst>
-                  <a:ext uri="{0D108BD9-81ED-4DB2-BD59-A6C34878D82A}">
-                    <a16:rowId xmlns:a16="http://schemas.microsoft.com/office/drawing/2014/main" val="2339307783"/>
-                  </a:ext>
-                </a:extLst>
-              </a:tr>
-              <a:tr h="3717216">
-                <a:tc>
-                  <a:txBody>
-                    <a:bodyPr/>
-                    <a:lstStyle/>
-                    <a:p>
-                      <a:pPr>
-                        <a:lnSpc>
-                          <a:spcPct val="107000"/>
-                        </a:lnSpc>
-                        <a:spcAft>
-                          <a:spcPts val="800"/>
-                        </a:spcAft>
-                      </a:pPr>
-                      <a:r>
-                        <a:rPr lang="en-US" sz="1200" dirty="0">
-                          <a:solidFill>
-                            <a:schemeClr val="tx1"/>
-                          </a:solidFill>
-                          <a:effectLst/>
-                          <a:latin typeface="Arial" panose="020B0604020202020204" pitchFamily="34" charset="0"/>
-                          <a:cs typeface="Arial" panose="020B0604020202020204" pitchFamily="34" charset="0"/>
-                        </a:rPr>
-                        <a:t>url:’ http://videosalon/api/session/CurrentUser.php’</a:t>
-                      </a:r>
-                      <a:endParaRPr lang="ru-RU" sz="1200" dirty="0">
-                        <a:solidFill>
-                          <a:schemeClr val="tx1"/>
-                        </a:solidFill>
-                        <a:effectLst/>
-                        <a:latin typeface="Arial" panose="020B0604020202020204" pitchFamily="34" charset="0"/>
-                        <a:cs typeface="Arial" panose="020B0604020202020204" pitchFamily="34" charset="0"/>
-                      </a:endParaRPr>
-                    </a:p>
-                    <a:p>
-                      <a:pPr>
-                        <a:lnSpc>
-                          <a:spcPct val="107000"/>
-                        </a:lnSpc>
-                        <a:spcAft>
-                          <a:spcPts val="800"/>
-                        </a:spcAft>
-                      </a:pPr>
-                      <a:r>
-                        <a:rPr lang="en-US" sz="1200" dirty="0" err="1">
-                          <a:solidFill>
-                            <a:schemeClr val="tx1"/>
-                          </a:solidFill>
-                          <a:effectLst/>
-                          <a:latin typeface="Arial" panose="020B0604020202020204" pitchFamily="34" charset="0"/>
-                          <a:cs typeface="Arial" panose="020B0604020202020204" pitchFamily="34" charset="0"/>
-                        </a:rPr>
-                        <a:t>dataType</a:t>
-                      </a:r>
-                      <a:r>
-                        <a:rPr lang="en-US" sz="1200" dirty="0">
-                          <a:solidFill>
-                            <a:schemeClr val="tx1"/>
-                          </a:solidFill>
-                          <a:effectLst/>
-                          <a:latin typeface="Arial" panose="020B0604020202020204" pitchFamily="34" charset="0"/>
-                          <a:cs typeface="Arial" panose="020B0604020202020204" pitchFamily="34" charset="0"/>
-                        </a:rPr>
-                        <a:t>: ‘json’</a:t>
-                      </a:r>
-                      <a:endParaRPr lang="ru-RU" sz="1200" dirty="0">
-                        <a:solidFill>
-                          <a:schemeClr val="tx1"/>
-                        </a:solidFill>
-                        <a:effectLst/>
-                        <a:latin typeface="Arial" panose="020B0604020202020204" pitchFamily="34" charset="0"/>
-                        <a:cs typeface="Arial" panose="020B0604020202020204" pitchFamily="34" charset="0"/>
-                      </a:endParaRPr>
-                    </a:p>
-                    <a:p>
-                      <a:pPr>
-                        <a:lnSpc>
-                          <a:spcPct val="107000"/>
-                        </a:lnSpc>
-                        <a:spcAft>
-                          <a:spcPts val="800"/>
-                        </a:spcAft>
-                      </a:pPr>
-                      <a:r>
-                        <a:rPr lang="ru-RU" sz="1200" dirty="0">
-                          <a:solidFill>
-                            <a:schemeClr val="tx1"/>
-                          </a:solidFill>
-                          <a:effectLst/>
-                          <a:latin typeface="Arial" panose="020B0604020202020204" pitchFamily="34" charset="0"/>
-                          <a:cs typeface="Arial" panose="020B0604020202020204" pitchFamily="34" charset="0"/>
-                        </a:rPr>
-                        <a:t> </a:t>
-                      </a:r>
-                      <a:endParaRPr lang="ru-RU" sz="1200" dirty="0">
-                        <a:solidFill>
-                          <a:schemeClr val="tx1"/>
-                        </a:solidFill>
-                        <a:effectLst/>
-                        <a:latin typeface="Arial" panose="020B0604020202020204" pitchFamily="34" charset="0"/>
-                        <a:ea typeface="Calibri" panose="020F0502020204030204" pitchFamily="34" charset="0"/>
-                        <a:cs typeface="Arial" panose="020B0604020202020204" pitchFamily="34" charset="0"/>
-                      </a:endParaRPr>
-                    </a:p>
-                  </a:txBody>
-                  <a:tcPr marL="56286" marR="56286" marT="0" marB="0">
-                    <a:noFill/>
-                  </a:tcPr>
-                </a:tc>
-                <a:tc>
-                  <a:txBody>
-                    <a:bodyPr/>
-                    <a:lstStyle/>
-                    <a:p>
-                      <a:pPr>
-                        <a:lnSpc>
-                          <a:spcPct val="107000"/>
-                        </a:lnSpc>
-                        <a:spcAft>
-                          <a:spcPts val="800"/>
-                        </a:spcAft>
-                      </a:pPr>
-                      <a:r>
-                        <a:rPr lang="en-US" sz="1200" dirty="0">
-                          <a:solidFill>
-                            <a:schemeClr val="tx1"/>
-                          </a:solidFill>
-                          <a:effectLst/>
-                          <a:latin typeface="Arial" panose="020B0604020202020204" pitchFamily="34" charset="0"/>
-                          <a:cs typeface="Arial" panose="020B0604020202020204" pitchFamily="34" charset="0"/>
-                        </a:rPr>
-                        <a:t>Header:’ Access-Control-Allow-Origin: *’</a:t>
-                      </a:r>
-                      <a:endParaRPr lang="ru-RU" sz="1200" dirty="0">
-                        <a:solidFill>
-                          <a:schemeClr val="tx1"/>
-                        </a:solidFill>
-                        <a:effectLst/>
-                        <a:latin typeface="Arial" panose="020B0604020202020204" pitchFamily="34" charset="0"/>
-                        <a:cs typeface="Arial" panose="020B0604020202020204" pitchFamily="34" charset="0"/>
-                      </a:endParaRPr>
-                    </a:p>
-                    <a:p>
-                      <a:pPr>
-                        <a:lnSpc>
-                          <a:spcPct val="107000"/>
-                        </a:lnSpc>
-                        <a:spcAft>
-                          <a:spcPts val="800"/>
-                        </a:spcAft>
-                      </a:pPr>
-                      <a:r>
-                        <a:rPr lang="en-US" sz="1200" dirty="0">
-                          <a:solidFill>
-                            <a:schemeClr val="tx1"/>
-                          </a:solidFill>
-                          <a:effectLst/>
-                          <a:latin typeface="Arial" panose="020B0604020202020204" pitchFamily="34" charset="0"/>
-                          <a:cs typeface="Arial" panose="020B0604020202020204" pitchFamily="34" charset="0"/>
-                        </a:rPr>
-                        <a:t>Header: ‘Content-Type: application/json’</a:t>
-                      </a:r>
-                      <a:endParaRPr lang="ru-RU" sz="1200" dirty="0">
-                        <a:solidFill>
-                          <a:schemeClr val="tx1"/>
-                        </a:solidFill>
-                        <a:effectLst/>
-                        <a:latin typeface="Arial" panose="020B0604020202020204" pitchFamily="34" charset="0"/>
-                        <a:cs typeface="Arial" panose="020B0604020202020204" pitchFamily="34" charset="0"/>
-                      </a:endParaRPr>
-                    </a:p>
-                    <a:p>
-                      <a:pPr>
-                        <a:lnSpc>
-                          <a:spcPct val="107000"/>
-                        </a:lnSpc>
-                        <a:spcAft>
-                          <a:spcPts val="800"/>
-                        </a:spcAft>
-                      </a:pPr>
-                      <a:r>
-                        <a:rPr lang="en-US" sz="1200" dirty="0">
-                          <a:solidFill>
-                            <a:schemeClr val="tx1"/>
-                          </a:solidFill>
-                          <a:effectLst/>
-                          <a:latin typeface="Arial" panose="020B0604020202020204" pitchFamily="34" charset="0"/>
-                          <a:cs typeface="Arial" panose="020B0604020202020204" pitchFamily="34" charset="0"/>
-                        </a:rPr>
-                        <a:t>Header: "Content-Type: application/json; charset=UTF-8"</a:t>
-                      </a:r>
-                      <a:endParaRPr lang="ru-RU" sz="1200" dirty="0">
-                        <a:solidFill>
-                          <a:schemeClr val="tx1"/>
-                        </a:solidFill>
-                        <a:effectLst/>
-                        <a:latin typeface="Arial" panose="020B0604020202020204" pitchFamily="34" charset="0"/>
-                        <a:cs typeface="Arial" panose="020B0604020202020204" pitchFamily="34" charset="0"/>
-                      </a:endParaRPr>
-                    </a:p>
-                    <a:p>
-                      <a:pPr>
-                        <a:lnSpc>
-                          <a:spcPct val="107000"/>
-                        </a:lnSpc>
-                        <a:spcAft>
-                          <a:spcPts val="800"/>
-                        </a:spcAft>
-                      </a:pPr>
-                      <a:r>
-                        <a:rPr lang="en-US" sz="1200" dirty="0">
-                          <a:solidFill>
-                            <a:schemeClr val="tx1"/>
-                          </a:solidFill>
-                          <a:effectLst/>
-                          <a:latin typeface="Arial" panose="020B0604020202020204" pitchFamily="34" charset="0"/>
-                          <a:cs typeface="Arial" panose="020B0604020202020204" pitchFamily="34" charset="0"/>
-                        </a:rPr>
-                        <a:t>Header: "Access-Control-Max-Age: 3600"</a:t>
-                      </a:r>
-                      <a:endParaRPr lang="ru-RU" sz="1200" dirty="0">
-                        <a:solidFill>
-                          <a:schemeClr val="tx1"/>
-                        </a:solidFill>
-                        <a:effectLst/>
-                        <a:latin typeface="Arial" panose="020B0604020202020204" pitchFamily="34" charset="0"/>
-                        <a:cs typeface="Arial" panose="020B0604020202020204" pitchFamily="34" charset="0"/>
-                      </a:endParaRPr>
-                    </a:p>
-                    <a:p>
-                      <a:pPr>
-                        <a:lnSpc>
-                          <a:spcPct val="107000"/>
-                        </a:lnSpc>
-                        <a:spcAft>
-                          <a:spcPts val="800"/>
-                        </a:spcAft>
-                      </a:pPr>
-                      <a:r>
-                        <a:rPr lang="en-US" sz="1200" dirty="0">
-                          <a:solidFill>
-                            <a:schemeClr val="tx1"/>
-                          </a:solidFill>
-                          <a:effectLst/>
-                          <a:latin typeface="Arial" panose="020B0604020202020204" pitchFamily="34" charset="0"/>
-                          <a:cs typeface="Arial" panose="020B0604020202020204" pitchFamily="34" charset="0"/>
-                        </a:rPr>
-                        <a:t>Header: "Access-Control-Allow-Headers: Content-Type, Access-Control-Allow-Headers, Authorization, X-Requested-With"</a:t>
-                      </a:r>
-                      <a:endParaRPr lang="ru-RU" sz="1200" dirty="0">
-                        <a:solidFill>
-                          <a:schemeClr val="tx1"/>
-                        </a:solidFill>
-                        <a:effectLst/>
-                        <a:latin typeface="Arial" panose="020B0604020202020204" pitchFamily="34" charset="0"/>
-                        <a:cs typeface="Arial" panose="020B0604020202020204" pitchFamily="34" charset="0"/>
-                      </a:endParaRPr>
-                    </a:p>
-                    <a:p>
-                      <a:pPr>
-                        <a:lnSpc>
-                          <a:spcPct val="107000"/>
-                        </a:lnSpc>
-                        <a:spcAft>
-                          <a:spcPts val="800"/>
-                        </a:spcAft>
-                      </a:pPr>
-                      <a:r>
-                        <a:rPr lang="en-US" sz="1200" dirty="0">
-                          <a:solidFill>
-                            <a:schemeClr val="tx1"/>
-                          </a:solidFill>
-                          <a:effectLst/>
-                          <a:latin typeface="Arial" panose="020B0604020202020204" pitchFamily="34" charset="0"/>
-                          <a:cs typeface="Arial" panose="020B0604020202020204" pitchFamily="34" charset="0"/>
-                        </a:rPr>
-                        <a:t> </a:t>
-                      </a:r>
-                      <a:endParaRPr lang="ru-RU" sz="1200" dirty="0">
-                        <a:solidFill>
-                          <a:schemeClr val="tx1"/>
-                        </a:solidFill>
-                        <a:effectLst/>
-                        <a:latin typeface="Arial" panose="020B0604020202020204" pitchFamily="34" charset="0"/>
-                        <a:cs typeface="Arial" panose="020B0604020202020204" pitchFamily="34" charset="0"/>
-                      </a:endParaRPr>
-                    </a:p>
-                    <a:p>
-                      <a:pPr>
-                        <a:lnSpc>
-                          <a:spcPct val="107000"/>
-                        </a:lnSpc>
-                        <a:spcAft>
-                          <a:spcPts val="800"/>
-                        </a:spcAft>
-                      </a:pPr>
-                      <a:r>
-                        <a:rPr lang="en-US" sz="1200" dirty="0">
-                          <a:solidFill>
-                            <a:schemeClr val="tx1"/>
-                          </a:solidFill>
-                          <a:effectLst/>
-                          <a:latin typeface="Arial" panose="020B0604020202020204" pitchFamily="34" charset="0"/>
-                          <a:cs typeface="Arial" panose="020B0604020202020204" pitchFamily="34" charset="0"/>
-                        </a:rPr>
-                        <a:t>[</a:t>
-                      </a:r>
-                      <a:endParaRPr lang="ru-RU" sz="1200" dirty="0">
-                        <a:solidFill>
-                          <a:schemeClr val="tx1"/>
-                        </a:solidFill>
-                        <a:effectLst/>
-                        <a:latin typeface="Arial" panose="020B0604020202020204" pitchFamily="34" charset="0"/>
-                        <a:cs typeface="Arial" panose="020B0604020202020204" pitchFamily="34" charset="0"/>
-                      </a:endParaRPr>
-                    </a:p>
-                    <a:p>
-                      <a:pPr indent="194310">
-                        <a:lnSpc>
-                          <a:spcPct val="107000"/>
-                        </a:lnSpc>
-                        <a:spcAft>
-                          <a:spcPts val="800"/>
-                        </a:spcAft>
-                      </a:pPr>
-                      <a:r>
-                        <a:rPr lang="en-US" sz="1200" dirty="0">
-                          <a:solidFill>
-                            <a:schemeClr val="tx1"/>
-                          </a:solidFill>
-                          <a:effectLst/>
-                          <a:latin typeface="Arial" panose="020B0604020202020204" pitchFamily="34" charset="0"/>
-                          <a:cs typeface="Arial" panose="020B0604020202020204" pitchFamily="34" charset="0"/>
-                        </a:rPr>
-                        <a:t>{</a:t>
-                      </a:r>
-                      <a:endParaRPr lang="ru-RU" sz="1200" dirty="0">
-                        <a:solidFill>
-                          <a:schemeClr val="tx1"/>
-                        </a:solidFill>
-                        <a:effectLst/>
-                        <a:latin typeface="Arial" panose="020B0604020202020204" pitchFamily="34" charset="0"/>
-                        <a:cs typeface="Arial" panose="020B0604020202020204" pitchFamily="34" charset="0"/>
-                      </a:endParaRPr>
-                    </a:p>
-                    <a:p>
-                      <a:pPr indent="473075">
-                        <a:lnSpc>
-                          <a:spcPct val="107000"/>
-                        </a:lnSpc>
-                        <a:spcAft>
-                          <a:spcPts val="800"/>
-                        </a:spcAft>
-                      </a:pPr>
-                      <a:r>
-                        <a:rPr lang="en-US" sz="1200" dirty="0">
-                          <a:solidFill>
-                            <a:schemeClr val="tx1"/>
-                          </a:solidFill>
-                          <a:effectLst/>
-                          <a:latin typeface="Arial" panose="020B0604020202020204" pitchFamily="34" charset="0"/>
-                          <a:cs typeface="Arial" panose="020B0604020202020204" pitchFamily="34" charset="0"/>
-                        </a:rPr>
-                        <a:t>status: ’</a:t>
-                      </a:r>
-                      <a:r>
-                        <a:rPr lang="en-US" sz="1200" dirty="0" err="1">
-                          <a:solidFill>
-                            <a:schemeClr val="tx1"/>
-                          </a:solidFill>
-                          <a:effectLst/>
-                          <a:latin typeface="Arial" panose="020B0604020202020204" pitchFamily="34" charset="0"/>
-                          <a:cs typeface="Arial" panose="020B0604020202020204" pitchFamily="34" charset="0"/>
-                        </a:rPr>
-                        <a:t>unauthorised</a:t>
-                      </a:r>
-                      <a:r>
-                        <a:rPr lang="en-US" sz="1200" dirty="0">
-                          <a:solidFill>
-                            <a:schemeClr val="tx1"/>
-                          </a:solidFill>
-                          <a:effectLst/>
-                          <a:latin typeface="Arial" panose="020B0604020202020204" pitchFamily="34" charset="0"/>
-                          <a:cs typeface="Arial" panose="020B0604020202020204" pitchFamily="34" charset="0"/>
-                        </a:rPr>
-                        <a:t>’</a:t>
-                      </a:r>
-                      <a:endParaRPr lang="ru-RU" sz="1200" dirty="0">
-                        <a:solidFill>
-                          <a:schemeClr val="tx1"/>
-                        </a:solidFill>
-                        <a:effectLst/>
-                        <a:latin typeface="Arial" panose="020B0604020202020204" pitchFamily="34" charset="0"/>
-                        <a:cs typeface="Arial" panose="020B0604020202020204" pitchFamily="34" charset="0"/>
-                      </a:endParaRPr>
-                    </a:p>
-                    <a:p>
-                      <a:pPr indent="194310">
-                        <a:lnSpc>
-                          <a:spcPct val="107000"/>
-                        </a:lnSpc>
-                        <a:spcAft>
-                          <a:spcPts val="800"/>
-                        </a:spcAft>
-                      </a:pPr>
-                      <a:r>
-                        <a:rPr lang="en-US" sz="1200" dirty="0">
-                          <a:solidFill>
-                            <a:schemeClr val="tx1"/>
-                          </a:solidFill>
-                          <a:effectLst/>
-                          <a:latin typeface="Arial" panose="020B0604020202020204" pitchFamily="34" charset="0"/>
-                          <a:cs typeface="Arial" panose="020B0604020202020204" pitchFamily="34" charset="0"/>
-                        </a:rPr>
-                        <a:t>}</a:t>
-                      </a:r>
-                      <a:endParaRPr lang="ru-RU" sz="1200" dirty="0">
-                        <a:solidFill>
-                          <a:schemeClr val="tx1"/>
-                        </a:solidFill>
-                        <a:effectLst/>
-                        <a:latin typeface="Arial" panose="020B0604020202020204" pitchFamily="34" charset="0"/>
-                        <a:cs typeface="Arial" panose="020B0604020202020204" pitchFamily="34" charset="0"/>
-                      </a:endParaRPr>
-                    </a:p>
-                    <a:p>
-                      <a:pPr>
-                        <a:lnSpc>
-                          <a:spcPct val="107000"/>
-                        </a:lnSpc>
-                        <a:spcAft>
-                          <a:spcPts val="800"/>
-                        </a:spcAft>
-                      </a:pPr>
-                      <a:r>
-                        <a:rPr lang="en-US" sz="1200" dirty="0">
-                          <a:solidFill>
-                            <a:schemeClr val="tx1"/>
-                          </a:solidFill>
-                          <a:effectLst/>
-                          <a:latin typeface="Arial" panose="020B0604020202020204" pitchFamily="34" charset="0"/>
-                          <a:cs typeface="Arial" panose="020B0604020202020204" pitchFamily="34" charset="0"/>
-                        </a:rPr>
-                        <a:t>]</a:t>
-                      </a:r>
-                      <a:endParaRPr lang="ru-RU" sz="1200" dirty="0">
-                        <a:solidFill>
-                          <a:schemeClr val="tx1"/>
-                        </a:solidFill>
-                        <a:effectLst/>
-                        <a:latin typeface="Arial" panose="020B0604020202020204" pitchFamily="34" charset="0"/>
-                        <a:ea typeface="Calibri" panose="020F0502020204030204" pitchFamily="34" charset="0"/>
-                        <a:cs typeface="Arial" panose="020B0604020202020204" pitchFamily="34" charset="0"/>
-                      </a:endParaRPr>
-                    </a:p>
-                  </a:txBody>
-                  <a:tcPr marL="56286" marR="56286" marT="0" marB="0">
-                    <a:noFill/>
-                  </a:tcPr>
-                </a:tc>
-                <a:extLst>
-                  <a:ext uri="{0D108BD9-81ED-4DB2-BD59-A6C34878D82A}">
-                    <a16:rowId xmlns:a16="http://schemas.microsoft.com/office/drawing/2014/main" val="1018910426"/>
-                  </a:ext>
-                </a:extLst>
-              </a:tr>
-              <a:tr h="152754">
-                <a:tc>
-                  <a:txBody>
-                    <a:bodyPr/>
-                    <a:lstStyle/>
-                    <a:p>
-                      <a:pPr>
-                        <a:lnSpc>
-                          <a:spcPct val="107000"/>
-                        </a:lnSpc>
-                        <a:spcAft>
-                          <a:spcPts val="800"/>
-                        </a:spcAft>
-                      </a:pPr>
-                      <a:r>
-                        <a:rPr lang="en-US" sz="1200">
-                          <a:solidFill>
-                            <a:schemeClr val="tx1"/>
-                          </a:solidFill>
-                          <a:effectLst/>
-                          <a:latin typeface="Arial" panose="020B0604020202020204" pitchFamily="34" charset="0"/>
-                          <a:cs typeface="Arial" panose="020B0604020202020204" pitchFamily="34" charset="0"/>
-                        </a:rPr>
-                        <a:t>GET</a:t>
-                      </a:r>
-                      <a:endParaRPr lang="ru-RU" sz="1200">
-                        <a:solidFill>
-                          <a:schemeClr val="tx1"/>
-                        </a:solidFill>
-                        <a:effectLst/>
-                        <a:latin typeface="Arial" panose="020B0604020202020204" pitchFamily="34" charset="0"/>
-                        <a:ea typeface="Calibri" panose="020F0502020204030204" pitchFamily="34" charset="0"/>
-                        <a:cs typeface="Arial" panose="020B0604020202020204" pitchFamily="34" charset="0"/>
-                      </a:endParaRPr>
-                    </a:p>
-                  </a:txBody>
-                  <a:tcPr marL="56286" marR="56286" marT="0" marB="0">
-                    <a:noFill/>
-                  </a:tcPr>
-                </a:tc>
-                <a:tc>
-                  <a:txBody>
-                    <a:bodyPr/>
-                    <a:lstStyle/>
-                    <a:p>
-                      <a:pPr>
-                        <a:lnSpc>
-                          <a:spcPct val="107000"/>
-                        </a:lnSpc>
-                        <a:spcAft>
-                          <a:spcPts val="800"/>
-                        </a:spcAft>
-                      </a:pPr>
-                      <a:r>
-                        <a:rPr lang="en-US" sz="1200" dirty="0">
-                          <a:solidFill>
-                            <a:schemeClr val="tx1"/>
-                          </a:solidFill>
-                          <a:effectLst/>
-                          <a:latin typeface="Arial" panose="020B0604020202020204" pitchFamily="34" charset="0"/>
-                          <a:cs typeface="Arial" panose="020B0604020202020204" pitchFamily="34" charset="0"/>
-                        </a:rPr>
-                        <a:t>200 OK</a:t>
-                      </a:r>
-                      <a:endParaRPr lang="ru-RU" sz="1200" dirty="0">
-                        <a:solidFill>
-                          <a:schemeClr val="tx1"/>
-                        </a:solidFill>
-                        <a:effectLst/>
-                        <a:latin typeface="Arial" panose="020B0604020202020204" pitchFamily="34" charset="0"/>
-                        <a:ea typeface="Calibri" panose="020F0502020204030204" pitchFamily="34" charset="0"/>
-                        <a:cs typeface="Arial" panose="020B0604020202020204" pitchFamily="34" charset="0"/>
-                      </a:endParaRPr>
-                    </a:p>
-                  </a:txBody>
-                  <a:tcPr marL="56286" marR="56286" marT="0" marB="0">
-                    <a:noFill/>
-                  </a:tcPr>
-                </a:tc>
-                <a:extLst>
-                  <a:ext uri="{0D108BD9-81ED-4DB2-BD59-A6C34878D82A}">
-                    <a16:rowId xmlns:a16="http://schemas.microsoft.com/office/drawing/2014/main" val="3293884930"/>
-                  </a:ext>
-                </a:extLst>
-              </a:tr>
-            </a:tbl>
-          </a:graphicData>
-        </a:graphic>
-      </p:graphicFrame>
-    </p:spTree>
-    <p:extLst>
-      <p:ext uri="{BB962C8B-B14F-4D97-AF65-F5344CB8AC3E}">
-        <p14:creationId xmlns:p14="http://schemas.microsoft.com/office/powerpoint/2010/main" val="280470969"/>
-      </p:ext>
-    </p:extLst>
-  </p:cSld>
-  <p:clrMapOvr>
-    <a:masterClrMapping/>
-  </p:clrMapOvr>
-</p:sld>
-</file>
-
 <file path=ppt/slides/slide12.xml><?xml version="1.0" encoding="utf-8"?>
 <p:sld xmlns:a="http://schemas.openxmlformats.org/drawingml/2006/main" xmlns:r="http://schemas.openxmlformats.org/officeDocument/2006/relationships" xmlns:p="http://schemas.openxmlformats.org/presentationml/2006/main">
   <p:cSld>
@@ -4965,810 +4423,6 @@
           <p:cNvPr id="2" name="Заголовок 1">
             <a:extLst>
               <a:ext uri="{FF2B5EF4-FFF2-40B4-BE49-F238E27FC236}">
-                <a16:creationId xmlns:a16="http://schemas.microsoft.com/office/drawing/2014/main" id="{75B32BDB-3E5B-4408-B42C-D9EA1988F14E}"/>
-              </a:ext>
-            </a:extLst>
-          </p:cNvPr>
-          <p:cNvSpPr>
-            <a:spLocks noGrp="1"/>
-          </p:cNvSpPr>
-          <p:nvPr>
-            <p:ph type="title"/>
-          </p:nvPr>
-        </p:nvSpPr>
-        <p:spPr/>
-        <p:txBody>
-          <a:bodyPr/>
-          <a:lstStyle/>
-          <a:p>
-            <a:r>
-              <a:rPr lang="en-US" dirty="0"/>
-              <a:t>POST AJAX</a:t>
-            </a:r>
-            <a:endParaRPr lang="ru-RU" dirty="0"/>
-          </a:p>
-        </p:txBody>
-      </p:sp>
-      <p:graphicFrame>
-        <p:nvGraphicFramePr>
-          <p:cNvPr id="5" name="Таблица 4">
-            <a:extLst>
-              <a:ext uri="{FF2B5EF4-FFF2-40B4-BE49-F238E27FC236}">
-                <a16:creationId xmlns:a16="http://schemas.microsoft.com/office/drawing/2014/main" id="{2C06C5FD-BD92-4BF4-9A6A-9D8B6F891E5D}"/>
-              </a:ext>
-            </a:extLst>
-          </p:cNvPr>
-          <p:cNvGraphicFramePr>
-            <a:graphicFrameLocks noGrp="1"/>
-          </p:cNvGraphicFramePr>
-          <p:nvPr>
-            <p:extLst>
-              <p:ext uri="{D42A27DB-BD31-4B8C-83A1-F6EECF244321}">
-                <p14:modId xmlns:p14="http://schemas.microsoft.com/office/powerpoint/2010/main" val="712669974"/>
-              </p:ext>
-            </p:extLst>
-          </p:nvPr>
-        </p:nvGraphicFramePr>
-        <p:xfrm>
-          <a:off x="3159125" y="2244312"/>
-          <a:ext cx="5934075" cy="3408618"/>
-        </p:xfrm>
-        <a:graphic>
-          <a:graphicData uri="http://schemas.openxmlformats.org/drawingml/2006/table">
-            <a:tbl>
-              <a:tblPr firstRow="1" firstCol="1" bandRow="1">
-                <a:tableStyleId>{5C22544A-7EE6-4342-B048-85BDC9FD1C3A}</a:tableStyleId>
-              </a:tblPr>
-              <a:tblGrid>
-                <a:gridCol w="2966720">
-                  <a:extLst>
-                    <a:ext uri="{9D8B030D-6E8A-4147-A177-3AD203B41FA5}">
-                      <a16:colId xmlns:a16="http://schemas.microsoft.com/office/drawing/2014/main" val="1196102735"/>
-                    </a:ext>
-                  </a:extLst>
-                </a:gridCol>
-                <a:gridCol w="2967355">
-                  <a:extLst>
-                    <a:ext uri="{9D8B030D-6E8A-4147-A177-3AD203B41FA5}">
-                      <a16:colId xmlns:a16="http://schemas.microsoft.com/office/drawing/2014/main" val="2588526616"/>
-                    </a:ext>
-                  </a:extLst>
-                </a:gridCol>
-              </a:tblGrid>
-              <a:tr h="0">
-                <a:tc>
-                  <a:txBody>
-                    <a:bodyPr/>
-                    <a:lstStyle/>
-                    <a:p>
-                      <a:pPr marL="0" algn="l" defTabSz="914400" rtl="0" eaLnBrk="1" latinLnBrk="0" hangingPunct="1">
-                        <a:lnSpc>
-                          <a:spcPct val="107000"/>
-                        </a:lnSpc>
-                        <a:spcAft>
-                          <a:spcPts val="800"/>
-                        </a:spcAft>
-                      </a:pPr>
-                      <a:r>
-                        <a:rPr lang="en-US" sz="1200" b="1" kern="1200" dirty="0">
-                          <a:solidFill>
-                            <a:schemeClr val="tx1"/>
-                          </a:solidFill>
-                          <a:effectLst/>
-                          <a:latin typeface="Arial" panose="020B0604020202020204" pitchFamily="34" charset="0"/>
-                          <a:ea typeface="+mn-ea"/>
-                          <a:cs typeface="Arial" panose="020B0604020202020204" pitchFamily="34" charset="0"/>
-                        </a:rPr>
-                        <a:t>request</a:t>
-                      </a:r>
-                      <a:endParaRPr lang="ru-RU" sz="1200" b="1" kern="1200" dirty="0">
-                        <a:solidFill>
-                          <a:schemeClr val="tx1"/>
-                        </a:solidFill>
-                        <a:effectLst/>
-                        <a:latin typeface="Arial" panose="020B0604020202020204" pitchFamily="34" charset="0"/>
-                        <a:ea typeface="+mn-ea"/>
-                        <a:cs typeface="Arial" panose="020B0604020202020204" pitchFamily="34" charset="0"/>
-                      </a:endParaRPr>
-                    </a:p>
-                  </a:txBody>
-                  <a:tcPr marL="68580" marR="68580" marT="0" marB="0">
-                    <a:noFill/>
-                  </a:tcPr>
-                </a:tc>
-                <a:tc>
-                  <a:txBody>
-                    <a:bodyPr/>
-                    <a:lstStyle/>
-                    <a:p>
-                      <a:pPr>
-                        <a:lnSpc>
-                          <a:spcPct val="107000"/>
-                        </a:lnSpc>
-                        <a:spcAft>
-                          <a:spcPts val="800"/>
-                        </a:spcAft>
-                      </a:pPr>
-                      <a:r>
-                        <a:rPr lang="en-US" sz="1200">
-                          <a:solidFill>
-                            <a:schemeClr val="tx1"/>
-                          </a:solidFill>
-                          <a:effectLst/>
-                          <a:latin typeface="Arial" panose="020B0604020202020204" pitchFamily="34" charset="0"/>
-                          <a:cs typeface="Arial" panose="020B0604020202020204" pitchFamily="34" charset="0"/>
-                        </a:rPr>
-                        <a:t>response</a:t>
-                      </a:r>
-                      <a:endParaRPr lang="ru-RU" sz="1200">
-                        <a:solidFill>
-                          <a:schemeClr val="tx1"/>
-                        </a:solidFill>
-                        <a:effectLst/>
-                        <a:latin typeface="Arial" panose="020B0604020202020204" pitchFamily="34" charset="0"/>
-                        <a:ea typeface="Calibri" panose="020F0502020204030204" pitchFamily="34" charset="0"/>
-                        <a:cs typeface="Arial" panose="020B0604020202020204" pitchFamily="34" charset="0"/>
-                      </a:endParaRPr>
-                    </a:p>
-                  </a:txBody>
-                  <a:tcPr marL="68580" marR="68580" marT="0" marB="0">
-                    <a:noFill/>
-                  </a:tcPr>
-                </a:tc>
-                <a:extLst>
-                  <a:ext uri="{0D108BD9-81ED-4DB2-BD59-A6C34878D82A}">
-                    <a16:rowId xmlns:a16="http://schemas.microsoft.com/office/drawing/2014/main" val="3879250874"/>
-                  </a:ext>
-                </a:extLst>
-              </a:tr>
-              <a:tr h="0">
-                <a:tc>
-                  <a:txBody>
-                    <a:bodyPr/>
-                    <a:lstStyle/>
-                    <a:p>
-                      <a:pPr>
-                        <a:lnSpc>
-                          <a:spcPct val="107000"/>
-                        </a:lnSpc>
-                        <a:spcAft>
-                          <a:spcPts val="800"/>
-                        </a:spcAft>
-                      </a:pPr>
-                      <a:r>
-                        <a:rPr lang="en-US" sz="1200" dirty="0">
-                          <a:solidFill>
-                            <a:schemeClr val="tx1"/>
-                          </a:solidFill>
-                          <a:effectLst/>
-                          <a:latin typeface="Arial" panose="020B0604020202020204" pitchFamily="34" charset="0"/>
-                          <a:cs typeface="Arial" panose="020B0604020202020204" pitchFamily="34" charset="0"/>
-                        </a:rPr>
-                        <a:t>url:’ http://videosalon/api/session/login.php’</a:t>
-                      </a:r>
-                      <a:endParaRPr lang="ru-RU" sz="1200" dirty="0">
-                        <a:solidFill>
-                          <a:schemeClr val="tx1"/>
-                        </a:solidFill>
-                        <a:effectLst/>
-                        <a:latin typeface="Arial" panose="020B0604020202020204" pitchFamily="34" charset="0"/>
-                        <a:cs typeface="Arial" panose="020B0604020202020204" pitchFamily="34" charset="0"/>
-                      </a:endParaRPr>
-                    </a:p>
-                    <a:p>
-                      <a:pPr>
-                        <a:lnSpc>
-                          <a:spcPct val="107000"/>
-                        </a:lnSpc>
-                        <a:spcAft>
-                          <a:spcPts val="800"/>
-                        </a:spcAft>
-                      </a:pPr>
-                      <a:r>
-                        <a:rPr lang="en-US" sz="1200" dirty="0" err="1">
-                          <a:solidFill>
-                            <a:schemeClr val="tx1"/>
-                          </a:solidFill>
-                          <a:effectLst/>
-                          <a:latin typeface="Arial" panose="020B0604020202020204" pitchFamily="34" charset="0"/>
-                          <a:cs typeface="Arial" panose="020B0604020202020204" pitchFamily="34" charset="0"/>
-                        </a:rPr>
-                        <a:t>dataType</a:t>
-                      </a:r>
-                      <a:r>
-                        <a:rPr lang="en-US" sz="1200" dirty="0">
-                          <a:solidFill>
-                            <a:schemeClr val="tx1"/>
-                          </a:solidFill>
-                          <a:effectLst/>
-                          <a:latin typeface="Arial" panose="020B0604020202020204" pitchFamily="34" charset="0"/>
-                          <a:cs typeface="Arial" panose="020B0604020202020204" pitchFamily="34" charset="0"/>
-                        </a:rPr>
-                        <a:t>: ‘json’</a:t>
-                      </a:r>
-                      <a:endParaRPr lang="ru-RU" sz="1200" dirty="0">
-                        <a:solidFill>
-                          <a:schemeClr val="tx1"/>
-                        </a:solidFill>
-                        <a:effectLst/>
-                        <a:latin typeface="Arial" panose="020B0604020202020204" pitchFamily="34" charset="0"/>
-                        <a:cs typeface="Arial" panose="020B0604020202020204" pitchFamily="34" charset="0"/>
-                      </a:endParaRPr>
-                    </a:p>
-                    <a:p>
-                      <a:pPr>
-                        <a:lnSpc>
-                          <a:spcPct val="107000"/>
-                        </a:lnSpc>
-                        <a:spcAft>
-                          <a:spcPts val="800"/>
-                        </a:spcAft>
-                      </a:pPr>
-                      <a:r>
-                        <a:rPr lang="en-US" sz="1200" dirty="0">
-                          <a:solidFill>
-                            <a:schemeClr val="tx1"/>
-                          </a:solidFill>
-                          <a:effectLst/>
-                          <a:latin typeface="Arial" panose="020B0604020202020204" pitchFamily="34" charset="0"/>
-                          <a:cs typeface="Arial" panose="020B0604020202020204" pitchFamily="34" charset="0"/>
-                        </a:rPr>
-                        <a:t>[</a:t>
-                      </a:r>
-                      <a:endParaRPr lang="ru-RU" sz="1200" dirty="0">
-                        <a:solidFill>
-                          <a:schemeClr val="tx1"/>
-                        </a:solidFill>
-                        <a:effectLst/>
-                        <a:latin typeface="Arial" panose="020B0604020202020204" pitchFamily="34" charset="0"/>
-                        <a:cs typeface="Arial" panose="020B0604020202020204" pitchFamily="34" charset="0"/>
-                      </a:endParaRPr>
-                    </a:p>
-                    <a:p>
-                      <a:pPr indent="194310">
-                        <a:lnSpc>
-                          <a:spcPct val="107000"/>
-                        </a:lnSpc>
-                        <a:spcAft>
-                          <a:spcPts val="800"/>
-                        </a:spcAft>
-                      </a:pPr>
-                      <a:r>
-                        <a:rPr lang="en-US" sz="1200" dirty="0">
-                          <a:solidFill>
-                            <a:schemeClr val="tx1"/>
-                          </a:solidFill>
-                          <a:effectLst/>
-                          <a:latin typeface="Arial" panose="020B0604020202020204" pitchFamily="34" charset="0"/>
-                          <a:cs typeface="Arial" panose="020B0604020202020204" pitchFamily="34" charset="0"/>
-                        </a:rPr>
-                        <a:t>{</a:t>
-                      </a:r>
-                      <a:endParaRPr lang="ru-RU" sz="1200" dirty="0">
-                        <a:solidFill>
-                          <a:schemeClr val="tx1"/>
-                        </a:solidFill>
-                        <a:effectLst/>
-                        <a:latin typeface="Arial" panose="020B0604020202020204" pitchFamily="34" charset="0"/>
-                        <a:cs typeface="Arial" panose="020B0604020202020204" pitchFamily="34" charset="0"/>
-                      </a:endParaRPr>
-                    </a:p>
-                    <a:p>
-                      <a:pPr indent="374015">
-                        <a:lnSpc>
-                          <a:spcPct val="107000"/>
-                        </a:lnSpc>
-                        <a:spcAft>
-                          <a:spcPts val="800"/>
-                        </a:spcAft>
-                      </a:pPr>
-                      <a:r>
-                        <a:rPr lang="en-US" sz="1200" dirty="0">
-                          <a:solidFill>
-                            <a:schemeClr val="tx1"/>
-                          </a:solidFill>
-                          <a:effectLst/>
-                          <a:latin typeface="Arial" panose="020B0604020202020204" pitchFamily="34" charset="0"/>
-                          <a:cs typeface="Arial" panose="020B0604020202020204" pitchFamily="34" charset="0"/>
-                        </a:rPr>
-                        <a:t>email: ’hgtcpvshc@gmail.com’,</a:t>
-                      </a:r>
-                      <a:endParaRPr lang="ru-RU" sz="1200" dirty="0">
-                        <a:solidFill>
-                          <a:schemeClr val="tx1"/>
-                        </a:solidFill>
-                        <a:effectLst/>
-                        <a:latin typeface="Arial" panose="020B0604020202020204" pitchFamily="34" charset="0"/>
-                        <a:cs typeface="Arial" panose="020B0604020202020204" pitchFamily="34" charset="0"/>
-                      </a:endParaRPr>
-                    </a:p>
-                    <a:p>
-                      <a:pPr indent="374015">
-                        <a:lnSpc>
-                          <a:spcPct val="107000"/>
-                        </a:lnSpc>
-                        <a:spcAft>
-                          <a:spcPts val="800"/>
-                        </a:spcAft>
-                      </a:pPr>
-                      <a:r>
-                        <a:rPr lang="en-US" sz="1200" dirty="0">
-                          <a:solidFill>
-                            <a:schemeClr val="tx1"/>
-                          </a:solidFill>
-                          <a:effectLst/>
-                          <a:latin typeface="Arial" panose="020B0604020202020204" pitchFamily="34" charset="0"/>
-                          <a:cs typeface="Arial" panose="020B0604020202020204" pitchFamily="34" charset="0"/>
-                        </a:rPr>
-                        <a:t>password: ’1234’</a:t>
-                      </a:r>
-                      <a:endParaRPr lang="ru-RU" sz="1200" dirty="0">
-                        <a:solidFill>
-                          <a:schemeClr val="tx1"/>
-                        </a:solidFill>
-                        <a:effectLst/>
-                        <a:latin typeface="Arial" panose="020B0604020202020204" pitchFamily="34" charset="0"/>
-                        <a:cs typeface="Arial" panose="020B0604020202020204" pitchFamily="34" charset="0"/>
-                      </a:endParaRPr>
-                    </a:p>
-                    <a:p>
-                      <a:pPr indent="194310">
-                        <a:lnSpc>
-                          <a:spcPct val="107000"/>
-                        </a:lnSpc>
-                        <a:spcAft>
-                          <a:spcPts val="800"/>
-                        </a:spcAft>
-                      </a:pPr>
-                      <a:r>
-                        <a:rPr lang="en-US" sz="1200" dirty="0">
-                          <a:solidFill>
-                            <a:schemeClr val="tx1"/>
-                          </a:solidFill>
-                          <a:effectLst/>
-                          <a:latin typeface="Arial" panose="020B0604020202020204" pitchFamily="34" charset="0"/>
-                          <a:cs typeface="Arial" panose="020B0604020202020204" pitchFamily="34" charset="0"/>
-                        </a:rPr>
-                        <a:t>}</a:t>
-                      </a:r>
-                      <a:endParaRPr lang="ru-RU" sz="1200" dirty="0">
-                        <a:solidFill>
-                          <a:schemeClr val="tx1"/>
-                        </a:solidFill>
-                        <a:effectLst/>
-                        <a:latin typeface="Arial" panose="020B0604020202020204" pitchFamily="34" charset="0"/>
-                        <a:cs typeface="Arial" panose="020B0604020202020204" pitchFamily="34" charset="0"/>
-                      </a:endParaRPr>
-                    </a:p>
-                    <a:p>
-                      <a:pPr>
-                        <a:lnSpc>
-                          <a:spcPct val="107000"/>
-                        </a:lnSpc>
-                        <a:spcAft>
-                          <a:spcPts val="800"/>
-                        </a:spcAft>
-                      </a:pPr>
-                      <a:r>
-                        <a:rPr lang="en-US" sz="1200" dirty="0">
-                          <a:solidFill>
-                            <a:schemeClr val="tx1"/>
-                          </a:solidFill>
-                          <a:effectLst/>
-                          <a:latin typeface="Arial" panose="020B0604020202020204" pitchFamily="34" charset="0"/>
-                          <a:cs typeface="Arial" panose="020B0604020202020204" pitchFamily="34" charset="0"/>
-                        </a:rPr>
-                        <a:t>]</a:t>
-                      </a:r>
-                      <a:endParaRPr lang="ru-RU" sz="1200" dirty="0">
-                        <a:solidFill>
-                          <a:schemeClr val="tx1"/>
-                        </a:solidFill>
-                        <a:effectLst/>
-                        <a:latin typeface="Arial" panose="020B0604020202020204" pitchFamily="34" charset="0"/>
-                        <a:ea typeface="Calibri" panose="020F0502020204030204" pitchFamily="34" charset="0"/>
-                        <a:cs typeface="Arial" panose="020B0604020202020204" pitchFamily="34" charset="0"/>
-                      </a:endParaRPr>
-                    </a:p>
-                  </a:txBody>
-                  <a:tcPr marL="68580" marR="68580" marT="0" marB="0">
-                    <a:noFill/>
-                  </a:tcPr>
-                </a:tc>
-                <a:tc>
-                  <a:txBody>
-                    <a:bodyPr/>
-                    <a:lstStyle/>
-                    <a:p>
-                      <a:pPr>
-                        <a:lnSpc>
-                          <a:spcPct val="107000"/>
-                        </a:lnSpc>
-                        <a:spcAft>
-                          <a:spcPts val="800"/>
-                        </a:spcAft>
-                      </a:pPr>
-                      <a:r>
-                        <a:rPr lang="en-US" sz="1200">
-                          <a:solidFill>
-                            <a:schemeClr val="tx1"/>
-                          </a:solidFill>
-                          <a:effectLst/>
-                          <a:latin typeface="Arial" panose="020B0604020202020204" pitchFamily="34" charset="0"/>
-                          <a:cs typeface="Arial" panose="020B0604020202020204" pitchFamily="34" charset="0"/>
-                        </a:rPr>
-                        <a:t>Header: "Content-Type: application/json; charset=UTF-8"</a:t>
-                      </a:r>
-                      <a:endParaRPr lang="ru-RU" sz="1200">
-                        <a:solidFill>
-                          <a:schemeClr val="tx1"/>
-                        </a:solidFill>
-                        <a:effectLst/>
-                        <a:latin typeface="Arial" panose="020B0604020202020204" pitchFamily="34" charset="0"/>
-                        <a:cs typeface="Arial" panose="020B0604020202020204" pitchFamily="34" charset="0"/>
-                      </a:endParaRPr>
-                    </a:p>
-                    <a:p>
-                      <a:pPr>
-                        <a:lnSpc>
-                          <a:spcPct val="107000"/>
-                        </a:lnSpc>
-                        <a:spcAft>
-                          <a:spcPts val="800"/>
-                        </a:spcAft>
-                      </a:pPr>
-                      <a:r>
-                        <a:rPr lang="en-US" sz="1200">
-                          <a:solidFill>
-                            <a:schemeClr val="tx1"/>
-                          </a:solidFill>
-                          <a:effectLst/>
-                          <a:latin typeface="Arial" panose="020B0604020202020204" pitchFamily="34" charset="0"/>
-                          <a:cs typeface="Arial" panose="020B0604020202020204" pitchFamily="34" charset="0"/>
-                        </a:rPr>
-                        <a:t>Header: "Access-Control-Max-Age: 3600"</a:t>
-                      </a:r>
-                      <a:endParaRPr lang="ru-RU" sz="1200">
-                        <a:solidFill>
-                          <a:schemeClr val="tx1"/>
-                        </a:solidFill>
-                        <a:effectLst/>
-                        <a:latin typeface="Arial" panose="020B0604020202020204" pitchFamily="34" charset="0"/>
-                        <a:cs typeface="Arial" panose="020B0604020202020204" pitchFamily="34" charset="0"/>
-                      </a:endParaRPr>
-                    </a:p>
-                    <a:p>
-                      <a:pPr>
-                        <a:lnSpc>
-                          <a:spcPct val="107000"/>
-                        </a:lnSpc>
-                        <a:spcAft>
-                          <a:spcPts val="800"/>
-                        </a:spcAft>
-                      </a:pPr>
-                      <a:r>
-                        <a:rPr lang="en-US" sz="1200">
-                          <a:solidFill>
-                            <a:schemeClr val="tx1"/>
-                          </a:solidFill>
-                          <a:effectLst/>
-                          <a:latin typeface="Arial" panose="020B0604020202020204" pitchFamily="34" charset="0"/>
-                          <a:cs typeface="Arial" panose="020B0604020202020204" pitchFamily="34" charset="0"/>
-                        </a:rPr>
-                        <a:t>Header: "Access-Control-Allow-Headers: Content-Type, Access-Control-Allow-Headers, Authorization, X-Requested-With"</a:t>
-                      </a:r>
-                      <a:endParaRPr lang="ru-RU" sz="1200">
-                        <a:solidFill>
-                          <a:schemeClr val="tx1"/>
-                        </a:solidFill>
-                        <a:effectLst/>
-                        <a:latin typeface="Arial" panose="020B0604020202020204" pitchFamily="34" charset="0"/>
-                        <a:cs typeface="Arial" panose="020B0604020202020204" pitchFamily="34" charset="0"/>
-                      </a:endParaRPr>
-                    </a:p>
-                    <a:p>
-                      <a:pPr>
-                        <a:lnSpc>
-                          <a:spcPct val="107000"/>
-                        </a:lnSpc>
-                        <a:spcAft>
-                          <a:spcPts val="800"/>
-                        </a:spcAft>
-                      </a:pPr>
-                      <a:r>
-                        <a:rPr lang="en-US" sz="1200">
-                          <a:solidFill>
-                            <a:schemeClr val="tx1"/>
-                          </a:solidFill>
-                          <a:effectLst/>
-                          <a:latin typeface="Arial" panose="020B0604020202020204" pitchFamily="34" charset="0"/>
-                          <a:cs typeface="Arial" panose="020B0604020202020204" pitchFamily="34" charset="0"/>
-                        </a:rPr>
-                        <a:t>[</a:t>
-                      </a:r>
-                      <a:endParaRPr lang="ru-RU" sz="1200">
-                        <a:solidFill>
-                          <a:schemeClr val="tx1"/>
-                        </a:solidFill>
-                        <a:effectLst/>
-                        <a:latin typeface="Arial" panose="020B0604020202020204" pitchFamily="34" charset="0"/>
-                        <a:cs typeface="Arial" panose="020B0604020202020204" pitchFamily="34" charset="0"/>
-                      </a:endParaRPr>
-                    </a:p>
-                    <a:p>
-                      <a:pPr indent="194310">
-                        <a:lnSpc>
-                          <a:spcPct val="107000"/>
-                        </a:lnSpc>
-                        <a:spcAft>
-                          <a:spcPts val="800"/>
-                        </a:spcAft>
-                      </a:pPr>
-                      <a:r>
-                        <a:rPr lang="en-US" sz="1200">
-                          <a:solidFill>
-                            <a:schemeClr val="tx1"/>
-                          </a:solidFill>
-                          <a:effectLst/>
-                          <a:latin typeface="Arial" panose="020B0604020202020204" pitchFamily="34" charset="0"/>
-                          <a:cs typeface="Arial" panose="020B0604020202020204" pitchFamily="34" charset="0"/>
-                        </a:rPr>
-                        <a:t>{</a:t>
-                      </a:r>
-                      <a:endParaRPr lang="ru-RU" sz="1200">
-                        <a:solidFill>
-                          <a:schemeClr val="tx1"/>
-                        </a:solidFill>
-                        <a:effectLst/>
-                        <a:latin typeface="Arial" panose="020B0604020202020204" pitchFamily="34" charset="0"/>
-                        <a:cs typeface="Arial" panose="020B0604020202020204" pitchFamily="34" charset="0"/>
-                      </a:endParaRPr>
-                    </a:p>
-                    <a:p>
-                      <a:pPr indent="473075">
-                        <a:lnSpc>
-                          <a:spcPct val="107000"/>
-                        </a:lnSpc>
-                        <a:spcAft>
-                          <a:spcPts val="800"/>
-                        </a:spcAft>
-                      </a:pPr>
-                      <a:r>
-                        <a:rPr lang="en-US" sz="1200">
-                          <a:solidFill>
-                            <a:schemeClr val="tx1"/>
-                          </a:solidFill>
-                          <a:effectLst/>
-                          <a:latin typeface="Arial" panose="020B0604020202020204" pitchFamily="34" charset="0"/>
-                          <a:cs typeface="Arial" panose="020B0604020202020204" pitchFamily="34" charset="0"/>
-                        </a:rPr>
-                        <a:t>Massage: ’success’</a:t>
-                      </a:r>
-                      <a:endParaRPr lang="ru-RU" sz="1200">
-                        <a:solidFill>
-                          <a:schemeClr val="tx1"/>
-                        </a:solidFill>
-                        <a:effectLst/>
-                        <a:latin typeface="Arial" panose="020B0604020202020204" pitchFamily="34" charset="0"/>
-                        <a:cs typeface="Arial" panose="020B0604020202020204" pitchFamily="34" charset="0"/>
-                      </a:endParaRPr>
-                    </a:p>
-                    <a:p>
-                      <a:pPr indent="194310">
-                        <a:lnSpc>
-                          <a:spcPct val="107000"/>
-                        </a:lnSpc>
-                        <a:spcAft>
-                          <a:spcPts val="800"/>
-                        </a:spcAft>
-                      </a:pPr>
-                      <a:r>
-                        <a:rPr lang="en-US" sz="1200">
-                          <a:solidFill>
-                            <a:schemeClr val="tx1"/>
-                          </a:solidFill>
-                          <a:effectLst/>
-                          <a:latin typeface="Arial" panose="020B0604020202020204" pitchFamily="34" charset="0"/>
-                          <a:cs typeface="Arial" panose="020B0604020202020204" pitchFamily="34" charset="0"/>
-                        </a:rPr>
-                        <a:t>}</a:t>
-                      </a:r>
-                      <a:endParaRPr lang="ru-RU" sz="1200">
-                        <a:solidFill>
-                          <a:schemeClr val="tx1"/>
-                        </a:solidFill>
-                        <a:effectLst/>
-                        <a:latin typeface="Arial" panose="020B0604020202020204" pitchFamily="34" charset="0"/>
-                        <a:cs typeface="Arial" panose="020B0604020202020204" pitchFamily="34" charset="0"/>
-                      </a:endParaRPr>
-                    </a:p>
-                    <a:p>
-                      <a:pPr>
-                        <a:lnSpc>
-                          <a:spcPct val="107000"/>
-                        </a:lnSpc>
-                        <a:spcAft>
-                          <a:spcPts val="800"/>
-                        </a:spcAft>
-                      </a:pPr>
-                      <a:r>
-                        <a:rPr lang="en-US" sz="1200">
-                          <a:solidFill>
-                            <a:schemeClr val="tx1"/>
-                          </a:solidFill>
-                          <a:effectLst/>
-                          <a:latin typeface="Arial" panose="020B0604020202020204" pitchFamily="34" charset="0"/>
-                          <a:cs typeface="Arial" panose="020B0604020202020204" pitchFamily="34" charset="0"/>
-                        </a:rPr>
-                        <a:t>]</a:t>
-                      </a:r>
-                      <a:endParaRPr lang="ru-RU" sz="1200">
-                        <a:solidFill>
-                          <a:schemeClr val="tx1"/>
-                        </a:solidFill>
-                        <a:effectLst/>
-                        <a:latin typeface="Arial" panose="020B0604020202020204" pitchFamily="34" charset="0"/>
-                        <a:ea typeface="Calibri" panose="020F0502020204030204" pitchFamily="34" charset="0"/>
-                        <a:cs typeface="Arial" panose="020B0604020202020204" pitchFamily="34" charset="0"/>
-                      </a:endParaRPr>
-                    </a:p>
-                  </a:txBody>
-                  <a:tcPr marL="68580" marR="68580" marT="0" marB="0">
-                    <a:noFill/>
-                  </a:tcPr>
-                </a:tc>
-                <a:extLst>
-                  <a:ext uri="{0D108BD9-81ED-4DB2-BD59-A6C34878D82A}">
-                    <a16:rowId xmlns:a16="http://schemas.microsoft.com/office/drawing/2014/main" val="2602977926"/>
-                  </a:ext>
-                </a:extLst>
-              </a:tr>
-              <a:tr h="0">
-                <a:tc>
-                  <a:txBody>
-                    <a:bodyPr/>
-                    <a:lstStyle/>
-                    <a:p>
-                      <a:pPr>
-                        <a:lnSpc>
-                          <a:spcPct val="107000"/>
-                        </a:lnSpc>
-                        <a:spcAft>
-                          <a:spcPts val="800"/>
-                        </a:spcAft>
-                      </a:pPr>
-                      <a:r>
-                        <a:rPr lang="en-US" sz="1200">
-                          <a:solidFill>
-                            <a:schemeClr val="tx1"/>
-                          </a:solidFill>
-                          <a:effectLst/>
-                          <a:latin typeface="Arial" panose="020B0604020202020204" pitchFamily="34" charset="0"/>
-                          <a:cs typeface="Arial" panose="020B0604020202020204" pitchFamily="34" charset="0"/>
-                        </a:rPr>
-                        <a:t>POST</a:t>
-                      </a:r>
-                      <a:endParaRPr lang="ru-RU" sz="1200">
-                        <a:solidFill>
-                          <a:schemeClr val="tx1"/>
-                        </a:solidFill>
-                        <a:effectLst/>
-                        <a:latin typeface="Arial" panose="020B0604020202020204" pitchFamily="34" charset="0"/>
-                        <a:ea typeface="Calibri" panose="020F0502020204030204" pitchFamily="34" charset="0"/>
-                        <a:cs typeface="Arial" panose="020B0604020202020204" pitchFamily="34" charset="0"/>
-                      </a:endParaRPr>
-                    </a:p>
-                  </a:txBody>
-                  <a:tcPr marL="68580" marR="68580" marT="0" marB="0">
-                    <a:noFill/>
-                  </a:tcPr>
-                </a:tc>
-                <a:tc>
-                  <a:txBody>
-                    <a:bodyPr/>
-                    <a:lstStyle/>
-                    <a:p>
-                      <a:pPr>
-                        <a:lnSpc>
-                          <a:spcPct val="107000"/>
-                        </a:lnSpc>
-                        <a:spcAft>
-                          <a:spcPts val="800"/>
-                        </a:spcAft>
-                      </a:pPr>
-                      <a:r>
-                        <a:rPr lang="en-US" sz="1200" dirty="0">
-                          <a:solidFill>
-                            <a:schemeClr val="tx1"/>
-                          </a:solidFill>
-                          <a:effectLst/>
-                          <a:latin typeface="Arial" panose="020B0604020202020204" pitchFamily="34" charset="0"/>
-                          <a:cs typeface="Arial" panose="020B0604020202020204" pitchFamily="34" charset="0"/>
-                        </a:rPr>
-                        <a:t>Status: 20</a:t>
-                      </a:r>
-                      <a:r>
-                        <a:rPr lang="ru-RU" sz="1200" dirty="0">
-                          <a:solidFill>
-                            <a:schemeClr val="tx1"/>
-                          </a:solidFill>
-                          <a:effectLst/>
-                          <a:latin typeface="Arial" panose="020B0604020202020204" pitchFamily="34" charset="0"/>
-                          <a:cs typeface="Arial" panose="020B0604020202020204" pitchFamily="34" charset="0"/>
-                        </a:rPr>
-                        <a:t>1 </a:t>
-                      </a:r>
-                      <a:r>
-                        <a:rPr lang="en-US" sz="1200" dirty="0">
-                          <a:solidFill>
-                            <a:schemeClr val="tx1"/>
-                          </a:solidFill>
-                          <a:effectLst/>
-                          <a:latin typeface="Arial" panose="020B0604020202020204" pitchFamily="34" charset="0"/>
-                          <a:cs typeface="Arial" panose="020B0604020202020204" pitchFamily="34" charset="0"/>
-                        </a:rPr>
-                        <a:t>Accepted</a:t>
-                      </a:r>
-                      <a:endParaRPr lang="ru-RU" sz="1200" dirty="0">
-                        <a:solidFill>
-                          <a:schemeClr val="tx1"/>
-                        </a:solidFill>
-                        <a:effectLst/>
-                        <a:latin typeface="Arial" panose="020B0604020202020204" pitchFamily="34" charset="0"/>
-                        <a:ea typeface="Calibri" panose="020F0502020204030204" pitchFamily="34" charset="0"/>
-                        <a:cs typeface="Arial" panose="020B0604020202020204" pitchFamily="34" charset="0"/>
-                      </a:endParaRPr>
-                    </a:p>
-                  </a:txBody>
-                  <a:tcPr marL="68580" marR="68580" marT="0" marB="0">
-                    <a:noFill/>
-                  </a:tcPr>
-                </a:tc>
-                <a:extLst>
-                  <a:ext uri="{0D108BD9-81ED-4DB2-BD59-A6C34878D82A}">
-                    <a16:rowId xmlns:a16="http://schemas.microsoft.com/office/drawing/2014/main" val="2564795034"/>
-                  </a:ext>
-                </a:extLst>
-              </a:tr>
-            </a:tbl>
-          </a:graphicData>
-        </a:graphic>
-      </p:graphicFrame>
-    </p:spTree>
-    <p:extLst>
-      <p:ext uri="{BB962C8B-B14F-4D97-AF65-F5344CB8AC3E}">
-        <p14:creationId xmlns:p14="http://schemas.microsoft.com/office/powerpoint/2010/main" val="3593998296"/>
-      </p:ext>
-    </p:extLst>
-  </p:cSld>
-  <p:clrMapOvr>
-    <a:masterClrMapping/>
-  </p:clrMapOvr>
-</p:sld>
-</file>
-
-<file path=ppt/slides/slide13.xml><?xml version="1.0" encoding="utf-8"?>
-<p:sld xmlns:a="http://schemas.openxmlformats.org/drawingml/2006/main" xmlns:r="http://schemas.openxmlformats.org/officeDocument/2006/relationships" xmlns:p="http://schemas.openxmlformats.org/presentationml/2006/main">
-  <p:cSld>
-    <p:spTree>
-      <p:nvGrpSpPr>
-        <p:cNvPr id="1" name=""/>
-        <p:cNvGrpSpPr/>
-        <p:nvPr/>
-      </p:nvGrpSpPr>
-      <p:grpSpPr>
-        <a:xfrm>
-          <a:off x="0" y="0"/>
-          <a:ext cx="0" cy="0"/>
-          <a:chOff x="0" y="0"/>
-          <a:chExt cx="0" cy="0"/>
-        </a:xfrm>
-      </p:grpSpPr>
-      <p:sp>
-        <p:nvSpPr>
-          <p:cNvPr id="2" name="Заголовок 1">
-            <a:extLst>
-              <a:ext uri="{FF2B5EF4-FFF2-40B4-BE49-F238E27FC236}">
                 <a16:creationId xmlns:a16="http://schemas.microsoft.com/office/drawing/2014/main" id="{8DAC2B6D-2B73-47E4-BA12-B1E4F62F03CF}"/>
               </a:ext>
             </a:extLst>
@@ -5845,7 +4499,7 @@
 </p:sld>
 </file>
 
-<file path=ppt/slides/slide14.xml><?xml version="1.0" encoding="utf-8"?>
+<file path=ppt/slides/slide13.xml><?xml version="1.0" encoding="utf-8"?>
 <p:sld xmlns:a="http://schemas.openxmlformats.org/drawingml/2006/main" xmlns:r="http://schemas.openxmlformats.org/officeDocument/2006/relationships" xmlns:p="http://schemas.openxmlformats.org/presentationml/2006/main">
   <p:cSld>
     <p:spTree>
@@ -6167,12 +4821,18 @@
           <a:bodyPr/>
           <a:lstStyle/>
           <a:p>
+            <a:pPr marL="0" indent="0">
+              <a:buNone/>
+            </a:pPr>
             <a:r>
               <a:rPr lang="ru-RU" dirty="0"/>
-              <a:t>Целью проекта была разработка кода информационной системы для работы видеосалона</a:t>
-            </a:r>
-          </a:p>
-          <a:p>
+              <a:t>Целью проекта является разработка кода информационной системы для работы видеосалона</a:t>
+            </a:r>
+          </a:p>
+          <a:p>
+            <a:pPr marL="0" indent="0">
+              <a:buNone/>
+            </a:pPr>
             <a:r>
               <a:rPr lang="ru-RU" dirty="0"/>
               <a:t>Задачи </a:t>
@@ -6817,10 +5477,10 @@
       </p:sp>
       <p:pic>
         <p:nvPicPr>
-          <p:cNvPr id="5" name="Рисунок 4">
-            <a:extLst>
-              <a:ext uri="{FF2B5EF4-FFF2-40B4-BE49-F238E27FC236}">
-                <a16:creationId xmlns:a16="http://schemas.microsoft.com/office/drawing/2014/main" id="{F47CCA98-3F06-4A4B-AEF4-67DD59090EE8}"/>
+          <p:cNvPr id="7" name="Рисунок 6">
+            <a:extLst>
+              <a:ext uri="{FF2B5EF4-FFF2-40B4-BE49-F238E27FC236}">
+                <a16:creationId xmlns:a16="http://schemas.microsoft.com/office/drawing/2014/main" id="{FFC30652-3727-48EF-AE36-D88C58CA9E56}"/>
               </a:ext>
             </a:extLst>
           </p:cNvPr>
@@ -6837,38 +5497,8 @@
         </p:blipFill>
         <p:spPr>
           <a:xfrm>
-            <a:off x="1097280" y="1856654"/>
-            <a:ext cx="3391593" cy="4270046"/>
-          </a:xfrm>
-          <a:prstGeom prst="rect">
-            <a:avLst/>
-          </a:prstGeom>
-        </p:spPr>
-      </p:pic>
-      <p:pic>
-        <p:nvPicPr>
-          <p:cNvPr id="7" name="Рисунок 6">
-            <a:extLst>
-              <a:ext uri="{FF2B5EF4-FFF2-40B4-BE49-F238E27FC236}">
-                <a16:creationId xmlns:a16="http://schemas.microsoft.com/office/drawing/2014/main" id="{FFC30652-3727-48EF-AE36-D88C58CA9E56}"/>
-              </a:ext>
-            </a:extLst>
-          </p:cNvPr>
-          <p:cNvPicPr>
-            <a:picLocks noChangeAspect="1"/>
-          </p:cNvPicPr>
-          <p:nvPr/>
-        </p:nvPicPr>
-        <p:blipFill>
-          <a:blip r:embed="rId3"/>
-          <a:stretch>
-            <a:fillRect/>
-          </a:stretch>
-        </p:blipFill>
-        <p:spPr>
-          <a:xfrm>
-            <a:off x="5264726" y="1821420"/>
-            <a:ext cx="5244235" cy="4305280"/>
+            <a:off x="1376218" y="1409604"/>
+            <a:ext cx="8728364" cy="5194107"/>
           </a:xfrm>
           <a:prstGeom prst="rect">
             <a:avLst/>
@@ -6910,7 +5540,7 @@
           <p:cNvPr id="2" name="Заголовок 1">
             <a:extLst>
               <a:ext uri="{FF2B5EF4-FFF2-40B4-BE49-F238E27FC236}">
-                <a16:creationId xmlns:a16="http://schemas.microsoft.com/office/drawing/2014/main" id="{3575FB3E-DB31-4FBE-A76F-5162A3F7A82D}"/>
+                <a16:creationId xmlns:a16="http://schemas.microsoft.com/office/drawing/2014/main" id="{778D5B52-ABB8-4A32-B097-3CC90FA9854B}"/>
               </a:ext>
             </a:extLst>
           </p:cNvPr>
@@ -6928,17 +5558,17 @@
           <a:p>
             <a:r>
               <a:rPr lang="ru-RU" dirty="0"/>
-              <a:t>Схема базы данных</a:t>
+              <a:t>Код диаграммы</a:t>
             </a:r>
           </a:p>
         </p:txBody>
       </p:sp>
       <p:pic>
         <p:nvPicPr>
-          <p:cNvPr id="5" name="Рисунок 4">
-            <a:extLst>
-              <a:ext uri="{FF2B5EF4-FFF2-40B4-BE49-F238E27FC236}">
-                <a16:creationId xmlns:a16="http://schemas.microsoft.com/office/drawing/2014/main" id="{5472ADF7-30F6-4371-8FA3-E90BB84EA8C3}"/>
+          <p:cNvPr id="4" name="Рисунок 3">
+            <a:extLst>
+              <a:ext uri="{FF2B5EF4-FFF2-40B4-BE49-F238E27FC236}">
+                <a16:creationId xmlns:a16="http://schemas.microsoft.com/office/drawing/2014/main" id="{7EEE091E-05F4-4C92-B611-111FC8F32DFE}"/>
               </a:ext>
             </a:extLst>
           </p:cNvPr>
@@ -6955,8 +5585,8 @@
         </p:blipFill>
         <p:spPr>
           <a:xfrm>
-            <a:off x="1813560" y="1995784"/>
-            <a:ext cx="8564880" cy="3964982"/>
+            <a:off x="4067735" y="1385668"/>
+            <a:ext cx="4056529" cy="5107207"/>
           </a:xfrm>
           <a:prstGeom prst="rect">
             <a:avLst/>
@@ -6966,7 +5596,7 @@
     </p:spTree>
     <p:extLst>
       <p:ext uri="{BB962C8B-B14F-4D97-AF65-F5344CB8AC3E}">
-        <p14:creationId xmlns:p14="http://schemas.microsoft.com/office/powerpoint/2010/main" val="235859999"/>
+        <p14:creationId xmlns:p14="http://schemas.microsoft.com/office/powerpoint/2010/main" val="3555598810"/>
       </p:ext>
     </p:extLst>
   </p:cSld>
@@ -6998,7 +5628,7 @@
           <p:cNvPr id="2" name="Заголовок 1">
             <a:extLst>
               <a:ext uri="{FF2B5EF4-FFF2-40B4-BE49-F238E27FC236}">
-                <a16:creationId xmlns:a16="http://schemas.microsoft.com/office/drawing/2014/main" id="{965AFF78-315C-4E78-B3F1-58DFD54F5688}"/>
+                <a16:creationId xmlns:a16="http://schemas.microsoft.com/office/drawing/2014/main" id="{3575FB3E-DB31-4FBE-A76F-5162A3F7A82D}"/>
               </a:ext>
             </a:extLst>
           </p:cNvPr>
@@ -7015,125 +5645,9 @@
           <a:lstStyle/>
           <a:p>
             <a:r>
-              <a:rPr lang="en-US" dirty="0"/>
-              <a:t>API</a:t>
-            </a:r>
-            <a:endParaRPr lang="ru-RU" dirty="0"/>
-          </a:p>
-        </p:txBody>
-      </p:sp>
-      <p:sp>
-        <p:nvSpPr>
-          <p:cNvPr id="3" name="Объект 2">
-            <a:extLst>
-              <a:ext uri="{FF2B5EF4-FFF2-40B4-BE49-F238E27FC236}">
-                <a16:creationId xmlns:a16="http://schemas.microsoft.com/office/drawing/2014/main" id="{79D92FBF-B1A8-4BD1-BC4B-36F0393DDBC7}"/>
-              </a:ext>
-            </a:extLst>
-          </p:cNvPr>
-          <p:cNvSpPr>
-            <a:spLocks noGrp="1"/>
-          </p:cNvSpPr>
-          <p:nvPr>
-            <p:ph idx="1"/>
-          </p:nvPr>
-        </p:nvSpPr>
-        <p:spPr>
-          <a:xfrm>
-            <a:off x="838200" y="1825625"/>
-            <a:ext cx="8333232" cy="4351338"/>
-          </a:xfrm>
-        </p:spPr>
-        <p:txBody>
-          <a:bodyPr>
-            <a:normAutofit/>
-          </a:bodyPr>
-          <a:lstStyle/>
-          <a:p>
-            <a:pPr marL="0" indent="0">
-              <a:buNone/>
-            </a:pPr>
-            <a:r>
               <a:rPr lang="ru-RU" dirty="0"/>
-              <a:t>Структура файлов </a:t>
-            </a:r>
-            <a:r>
-              <a:rPr lang="en-US" dirty="0"/>
-              <a:t>API</a:t>
-            </a:r>
-            <a:r>
-              <a:rPr lang="ru-RU" dirty="0"/>
-              <a:t>:</a:t>
-            </a:r>
-          </a:p>
-          <a:p>
-            <a:pPr marL="628650" indent="360363">
-              <a:buFont typeface="Arial" panose="020B0604020202020204" pitchFamily="34" charset="0"/>
-              <a:buChar char="•"/>
-            </a:pPr>
-            <a:r>
-              <a:rPr lang="ru-RU" dirty="0"/>
-              <a:t>папка </a:t>
-            </a:r>
-            <a:r>
-              <a:rPr lang="en-US" dirty="0"/>
-              <a:t>Config: </a:t>
-            </a:r>
-            <a:r>
-              <a:rPr lang="ru-RU" dirty="0"/>
-              <a:t>файл конфигурации базы данных</a:t>
-            </a:r>
-            <a:endParaRPr lang="en-US" dirty="0"/>
-          </a:p>
-          <a:p>
-            <a:pPr marL="628650" indent="360363"/>
-            <a:r>
-              <a:rPr lang="ru-RU" dirty="0"/>
-              <a:t>папка </a:t>
-            </a:r>
-            <a:r>
-              <a:rPr lang="en-US" dirty="0"/>
-              <a:t>Object</a:t>
-            </a:r>
-            <a:r>
-              <a:rPr lang="ru-RU" dirty="0"/>
-              <a:t>: содержит описание классов и методов</a:t>
-            </a:r>
-          </a:p>
-          <a:p>
-            <a:pPr marL="628650" indent="360363"/>
-            <a:r>
-              <a:rPr lang="ru-RU" dirty="0"/>
-              <a:t>папка </a:t>
-            </a:r>
-            <a:r>
-              <a:rPr lang="en-US" dirty="0"/>
-              <a:t>Entity</a:t>
-            </a:r>
-            <a:r>
-              <a:rPr lang="ru-RU" dirty="0"/>
-              <a:t>: содержит файлы использующие методы для взаимодействия с данными</a:t>
-            </a:r>
-            <a:endParaRPr lang="en-US" dirty="0"/>
-          </a:p>
-          <a:p>
-            <a:pPr marL="628650" indent="360363">
-              <a:buFont typeface="Arial" panose="020B0604020202020204" pitchFamily="34" charset="0"/>
-              <a:buChar char="•"/>
-            </a:pPr>
-            <a:r>
-              <a:rPr lang="ru-RU" dirty="0"/>
-              <a:t>папка </a:t>
-            </a:r>
-            <a:r>
-              <a:rPr lang="en-US" dirty="0"/>
-              <a:t>Session</a:t>
-            </a:r>
-            <a:r>
-              <a:rPr lang="ru-RU" dirty="0"/>
-              <a:t>: содержит файлы в которых хранится текущая сессия и методы взаимодействия с ней</a:t>
-            </a:r>
-            <a:endParaRPr lang="en-US" dirty="0"/>
+              <a:t>Схема базы данных</a:t>
+            </a:r>
           </a:p>
         </p:txBody>
       </p:sp>
@@ -7142,7 +5656,7 @@
           <p:cNvPr id="5" name="Рисунок 4">
             <a:extLst>
               <a:ext uri="{FF2B5EF4-FFF2-40B4-BE49-F238E27FC236}">
-                <a16:creationId xmlns:a16="http://schemas.microsoft.com/office/drawing/2014/main" id="{11975843-E562-4001-BFB1-221274907632}"/>
+                <a16:creationId xmlns:a16="http://schemas.microsoft.com/office/drawing/2014/main" id="{5472ADF7-30F6-4371-8FA3-E90BB84EA8C3}"/>
               </a:ext>
             </a:extLst>
           </p:cNvPr>
@@ -7151,16 +5665,15 @@
           </p:cNvPicPr>
           <p:nvPr/>
         </p:nvPicPr>
-        <p:blipFill>
-          <a:blip r:embed="rId3"/>
-          <a:stretch>
-            <a:fillRect/>
-          </a:stretch>
+        <p:blipFill rotWithShape="1">
+          <a:blip r:embed="rId2"/>
+          <a:srcRect l="8266" t="7436" r="6433" b="5674"/>
+          <a:stretch/>
         </p:blipFill>
         <p:spPr>
           <a:xfrm>
-            <a:off x="9535815" y="2379943"/>
-            <a:ext cx="2159979" cy="3681614"/>
+            <a:off x="1431636" y="1690688"/>
+            <a:ext cx="9328727" cy="4399007"/>
           </a:xfrm>
           <a:prstGeom prst="rect">
             <a:avLst/>
@@ -7170,7 +5683,7 @@
     </p:spTree>
     <p:extLst>
       <p:ext uri="{BB962C8B-B14F-4D97-AF65-F5344CB8AC3E}">
-        <p14:creationId xmlns:p14="http://schemas.microsoft.com/office/powerpoint/2010/main" val="909652298"/>
+        <p14:creationId xmlns:p14="http://schemas.microsoft.com/office/powerpoint/2010/main" val="235859999"/>
       </p:ext>
     </p:extLst>
   </p:cSld>
